--- a/presentation/tsa_presentation_final.pptx
+++ b/presentation/tsa_presentation_final.pptx
@@ -5,10 +5,10 @@
     <p:sldMasterId id="2147483658" r:id="rId1"/>
   </p:sldMasterIdLst>
   <p:notesMasterIdLst>
-    <p:notesMasterId r:id="rId18"/>
+    <p:notesMasterId r:id="rId26"/>
   </p:notesMasterIdLst>
   <p:handoutMasterIdLst>
-    <p:handoutMasterId r:id="rId19"/>
+    <p:handoutMasterId r:id="rId27"/>
   </p:handoutMasterIdLst>
   <p:sldIdLst>
     <p:sldId id="290" r:id="rId2"/>
@@ -24,9 +24,17 @@
     <p:sldId id="327" r:id="rId12"/>
     <p:sldId id="328" r:id="rId13"/>
     <p:sldId id="329" r:id="rId14"/>
-    <p:sldId id="304" r:id="rId15"/>
-    <p:sldId id="323" r:id="rId16"/>
-    <p:sldId id="301" r:id="rId17"/>
+    <p:sldId id="332" r:id="rId15"/>
+    <p:sldId id="331" r:id="rId16"/>
+    <p:sldId id="334" r:id="rId17"/>
+    <p:sldId id="335" r:id="rId18"/>
+    <p:sldId id="336" r:id="rId19"/>
+    <p:sldId id="337" r:id="rId20"/>
+    <p:sldId id="338" r:id="rId21"/>
+    <p:sldId id="340" r:id="rId22"/>
+    <p:sldId id="304" r:id="rId23"/>
+    <p:sldId id="323" r:id="rId24"/>
+    <p:sldId id="301" r:id="rId25"/>
   </p:sldIdLst>
   <p:sldSz cx="9144000" cy="5143500" type="screen16x9"/>
   <p:notesSz cx="6858000" cy="9144000"/>
@@ -241,7 +249,7 @@
             <a:fld id="{8A7CD7E6-D14C-4ECF-BE72-9282675AAFCC}" type="datetimeFigureOut">
               <a:rPr lang="de-DE" smtClean="0"/>
               <a:pPr/>
-              <a:t>03.08.2018</a:t>
+              <a:t>04.08.18</a:t>
             </a:fld>
             <a:endParaRPr lang="de-DE"/>
           </a:p>
@@ -308,7 +316,7 @@
             <a:fld id="{7119B856-22C7-4D3D-8424-185753AB3E24}" type="slidenum">
               <a:rPr lang="de-DE" smtClean="0"/>
               <a:pPr/>
-              <a:t>‹Nr.›</a:t>
+              <a:t>‹#›</a:t>
             </a:fld>
             <a:endParaRPr lang="de-DE"/>
           </a:p>
@@ -408,7 +416,7 @@
             <a:fld id="{9DEF7BA6-6945-4979-A31E-1F3FA0D91DC4}" type="datetimeFigureOut">
               <a:rPr lang="de-DE" smtClean="0"/>
               <a:pPr/>
-              <a:t>03.08.2018</a:t>
+              <a:t>04.08.18</a:t>
             </a:fld>
             <a:endParaRPr lang="de-DE"/>
           </a:p>
@@ -569,7 +577,7 @@
             <a:fld id="{6706D1AF-4C0D-4753-9D96-DDC1A4BC5412}" type="slidenum">
               <a:rPr lang="de-DE" smtClean="0"/>
               <a:pPr/>
-              <a:t>‹Nr.›</a:t>
+              <a:t>‹#›</a:t>
             </a:fld>
             <a:endParaRPr lang="de-DE"/>
           </a:p>
@@ -765,6 +773,127 @@
 </p:notes>
 </file>
 
+<file path=ppt/notesSlides/notesSlide10.xml><?xml version="1.0" encoding="utf-8"?>
+<p:notes xmlns:a="http://schemas.openxmlformats.org/drawingml/2006/main" xmlns:r="http://schemas.openxmlformats.org/officeDocument/2006/relationships" xmlns:p="http://schemas.openxmlformats.org/presentationml/2006/main">
+  <p:cSld>
+    <p:spTree>
+      <p:nvGrpSpPr>
+        <p:cNvPr id="1" name=""/>
+        <p:cNvGrpSpPr/>
+        <p:nvPr/>
+      </p:nvGrpSpPr>
+      <p:grpSpPr>
+        <a:xfrm>
+          <a:off x="0" y="0"/>
+          <a:ext cx="0" cy="0"/>
+          <a:chOff x="0" y="0"/>
+          <a:chExt cx="0" cy="0"/>
+        </a:xfrm>
+      </p:grpSpPr>
+      <p:sp>
+        <p:nvSpPr>
+          <p:cNvPr id="2" name="Folienbildplatzhalter 1"/>
+          <p:cNvSpPr>
+            <a:spLocks noGrp="1" noRot="1" noChangeAspect="1"/>
+          </p:cNvSpPr>
+          <p:nvPr>
+            <p:ph type="sldImg"/>
+          </p:nvPr>
+        </p:nvSpPr>
+        <p:spPr/>
+      </p:sp>
+      <p:sp>
+        <p:nvSpPr>
+          <p:cNvPr id="3" name="Notizenplatzhalter 2"/>
+          <p:cNvSpPr>
+            <a:spLocks noGrp="1"/>
+          </p:cNvSpPr>
+          <p:nvPr>
+            <p:ph type="body" idx="1"/>
+          </p:nvPr>
+        </p:nvSpPr>
+        <p:spPr/>
+        <p:txBody>
+          <a:bodyPr/>
+          <a:lstStyle/>
+          <a:p>
+            <a:pPr marL="0" marR="0" lvl="0" indent="0" algn="l" defTabSz="914400" rtl="0" eaLnBrk="1" fontAlgn="auto" latinLnBrk="0" hangingPunct="1">
+              <a:lnSpc>
+                <a:spcPct val="100000"/>
+              </a:lnSpc>
+              <a:spcBef>
+                <a:spcPts val="0"/>
+              </a:spcBef>
+              <a:spcAft>
+                <a:spcPts val="0"/>
+              </a:spcAft>
+              <a:buClrTx/>
+              <a:buSzTx/>
+              <a:buFontTx/>
+              <a:buNone/>
+              <a:tabLst/>
+              <a:defRPr/>
+            </a:pPr>
+            <a:r>
+              <a:rPr lang="de-DE" dirty="0"/>
+              <a:t>Quadratisch → Grad 2, liefert</a:t>
+            </a:r>
+            <a:r>
+              <a:rPr lang="de-DE" baseline="0" dirty="0"/>
+              <a:t> gute </a:t>
+            </a:r>
+            <a:r>
+              <a:rPr lang="de-DE" baseline="0" dirty="0" err="1"/>
+              <a:t>Fits</a:t>
+            </a:r>
+            <a:r>
+              <a:rPr lang="de-DE" baseline="0" dirty="0"/>
+              <a:t> für Konstante Daten (Grad 0), lineare Daten (Grad 1) und  quadratische Daten (Grad 2)</a:t>
+            </a:r>
+            <a:endParaRPr lang="de-DE" dirty="0"/>
+          </a:p>
+          <a:p>
+            <a:endParaRPr lang="de-DE" dirty="0"/>
+          </a:p>
+        </p:txBody>
+      </p:sp>
+      <p:sp>
+        <p:nvSpPr>
+          <p:cNvPr id="4" name="Foliennummernplatzhalter 3"/>
+          <p:cNvSpPr>
+            <a:spLocks noGrp="1"/>
+          </p:cNvSpPr>
+          <p:nvPr>
+            <p:ph type="sldNum" sz="quarter" idx="10"/>
+          </p:nvPr>
+        </p:nvSpPr>
+        <p:spPr/>
+        <p:txBody>
+          <a:bodyPr/>
+          <a:lstStyle/>
+          <a:p>
+            <a:fld id="{6706D1AF-4C0D-4753-9D96-DDC1A4BC5412}" type="slidenum">
+              <a:rPr lang="de-DE" smtClean="0"/>
+              <a:pPr/>
+              <a:t>22</a:t>
+            </a:fld>
+            <a:endParaRPr lang="de-DE"/>
+          </a:p>
+        </p:txBody>
+      </p:sp>
+    </p:spTree>
+    <p:extLst>
+      <p:ext uri="{BB962C8B-B14F-4D97-AF65-F5344CB8AC3E}">
+        <p14:creationId xmlns:p14="http://schemas.microsoft.com/office/powerpoint/2010/main" val="2636073468"/>
+      </p:ext>
+    </p:extLst>
+  </p:cSld>
+  <p:clrMapOvr>
+    <a:masterClrMapping/>
+  </p:clrMapOvr>
+</p:notes>
+</file>
+
 <file path=ppt/notesSlides/notesSlide2.xml><?xml version="1.0" encoding="utf-8"?>
 <p:notes xmlns:a="http://schemas.openxmlformats.org/drawingml/2006/main" xmlns:r="http://schemas.openxmlformats.org/officeDocument/2006/relationships" xmlns:p="http://schemas.openxmlformats.org/presentationml/2006/main">
   <p:cSld>
@@ -1229,51 +1358,51 @@
           <a:lstStyle/>
           <a:p>
             <a:r>
-              <a:rPr lang="de-DE" dirty="0" smtClean="0"/>
+              <a:rPr lang="de-DE" dirty="0"/>
               <a:t>Zu GARCH(1,1):</a:t>
             </a:r>
             <a:r>
-              <a:rPr lang="de-DE" baseline="0" dirty="0" smtClean="0"/>
+              <a:rPr lang="de-DE" baseline="0" dirty="0"/>
               <a:t> wähle </a:t>
             </a:r>
             <a:r>
-              <a:rPr lang="de-DE" baseline="0" dirty="0" err="1" smtClean="0"/>
+              <a:rPr lang="de-DE" baseline="0" dirty="0" err="1"/>
               <a:t>beta</a:t>
             </a:r>
             <a:r>
-              <a:rPr lang="de-DE" baseline="0" dirty="0" smtClean="0"/>
+              <a:rPr lang="de-DE" baseline="0" dirty="0"/>
               <a:t> &lt;&lt; </a:t>
             </a:r>
             <a:r>
-              <a:rPr lang="de-DE" baseline="0" dirty="0" err="1" smtClean="0"/>
+              <a:rPr lang="de-DE" baseline="0" dirty="0" err="1"/>
               <a:t>alpha</a:t>
             </a:r>
             <a:r>
-              <a:rPr lang="de-DE" baseline="0" dirty="0" smtClean="0"/>
+              <a:rPr lang="de-DE" baseline="0" dirty="0"/>
               <a:t>, sodass </a:t>
             </a:r>
             <a:r>
-              <a:rPr lang="de-DE" baseline="0" dirty="0" err="1" smtClean="0"/>
+              <a:rPr lang="de-DE" baseline="0" dirty="0" err="1"/>
               <a:t>model</a:t>
             </a:r>
             <a:r>
-              <a:rPr lang="de-DE" baseline="0" dirty="0" smtClean="0"/>
+              <a:rPr lang="de-DE" baseline="0" dirty="0"/>
               <a:t> </a:t>
             </a:r>
             <a:r>
-              <a:rPr lang="de-DE" baseline="0" dirty="0" err="1" smtClean="0"/>
+              <a:rPr lang="de-DE" baseline="0" dirty="0" err="1"/>
               <a:t>selection</a:t>
             </a:r>
             <a:r>
-              <a:rPr lang="de-DE" baseline="0" dirty="0" smtClean="0"/>
+              <a:rPr lang="de-DE" baseline="0" dirty="0"/>
               <a:t> den </a:t>
             </a:r>
             <a:r>
-              <a:rPr lang="de-DE" baseline="0" dirty="0" err="1" smtClean="0"/>
+              <a:rPr lang="de-DE" baseline="0" dirty="0" err="1"/>
               <a:t>prozess</a:t>
             </a:r>
             <a:r>
-              <a:rPr lang="de-DE" baseline="0" dirty="0" smtClean="0"/>
+              <a:rPr lang="de-DE" baseline="0" dirty="0"/>
               <a:t> als solchen erkennt und N erhöht.</a:t>
             </a:r>
             <a:endParaRPr lang="de-DE" dirty="0"/>
@@ -1362,19 +1491,19 @@
           <a:lstStyle/>
           <a:p>
             <a:r>
-              <a:rPr lang="de-DE" dirty="0" smtClean="0"/>
+              <a:rPr lang="de-DE" dirty="0"/>
               <a:t>Anhand der PACF der quadrierten Werte</a:t>
             </a:r>
             <a:r>
-              <a:rPr lang="de-DE" baseline="0" dirty="0" smtClean="0"/>
+              <a:rPr lang="de-DE" baseline="0" dirty="0"/>
               <a:t> könnte man auch auf einen ARCH- Prozess hoher Ordnung schließen (p-Wert </a:t>
             </a:r>
             <a:r>
-              <a:rPr lang="de-DE" baseline="0" dirty="0" err="1" smtClean="0"/>
+              <a:rPr lang="de-DE" baseline="0" dirty="0" err="1"/>
               <a:t>Box.Pierce</a:t>
             </a:r>
             <a:r>
-              <a:rPr lang="de-DE" baseline="0" dirty="0" smtClean="0"/>
+              <a:rPr lang="de-DE" baseline="0" dirty="0"/>
               <a:t>-Test von ARCH(8) = 0.371</a:t>
             </a:r>
             <a:endParaRPr lang="de-DE" dirty="0"/>
@@ -1437,7 +1566,7 @@
       </p:grpSpPr>
       <p:sp>
         <p:nvSpPr>
-          <p:cNvPr id="2" name="Folienbildplatzhalter 1"/>
+          <p:cNvPr id="2" name="Slide Image Placeholder 1"/>
           <p:cNvSpPr>
             <a:spLocks noGrp="1" noRot="1" noChangeAspect="1"/>
           </p:cNvSpPr>
@@ -1449,7 +1578,7 @@
       </p:sp>
       <p:sp>
         <p:nvSpPr>
-          <p:cNvPr id="3" name="Notizenplatzhalter 2"/>
+          <p:cNvPr id="3" name="Notes Placeholder 2"/>
           <p:cNvSpPr>
             <a:spLocks noGrp="1"/>
           </p:cNvSpPr>
@@ -1462,49 +1591,1034 @@
           <a:bodyPr/>
           <a:lstStyle/>
           <a:p>
-            <a:pPr marL="0" marR="0" lvl="0" indent="0" algn="l" defTabSz="914400" rtl="0" eaLnBrk="1" fontAlgn="auto" latinLnBrk="0" hangingPunct="1">
-              <a:lnSpc>
-                <a:spcPct val="100000"/>
-              </a:lnSpc>
-              <a:spcBef>
-                <a:spcPts val="0"/>
-              </a:spcBef>
-              <a:spcAft>
-                <a:spcPts val="0"/>
-              </a:spcAft>
-              <a:buClrTx/>
-              <a:buSzTx/>
-              <a:buFontTx/>
-              <a:buNone/>
-              <a:tabLst/>
-              <a:defRPr/>
-            </a:pPr>
-            <a:r>
-              <a:rPr lang="de-DE" dirty="0"/>
-              <a:t>Quadratisch → Grad 2, liefert</a:t>
-            </a:r>
-            <a:r>
-              <a:rPr lang="de-DE" baseline="0" dirty="0"/>
-              <a:t> gute </a:t>
-            </a:r>
-            <a:r>
-              <a:rPr lang="de-DE" baseline="0" dirty="0" err="1"/>
-              <a:t>Fits</a:t>
-            </a:r>
-            <a:r>
-              <a:rPr lang="de-DE" baseline="0" dirty="0"/>
-              <a:t> für Konstante Daten (Grad 0), lineare Daten (Grad 1) und  quadratische Daten (Grad 2)</a:t>
+            <a:r>
+              <a:rPr lang="de-DE" sz="1200" b="0" i="0" kern="1200" dirty="0" err="1">
+                <a:solidFill>
+                  <a:schemeClr val="tx1"/>
+                </a:solidFill>
+                <a:effectLst/>
+                <a:latin typeface="+mn-lt"/>
+                <a:ea typeface="+mn-ea"/>
+                <a:cs typeface="+mn-cs"/>
+              </a:rPr>
+              <a:t>If</a:t>
+            </a:r>
+            <a:r>
+              <a:rPr lang="de-DE" sz="1200" b="0" i="0" kern="1200" dirty="0">
+                <a:solidFill>
+                  <a:schemeClr val="tx1"/>
+                </a:solidFill>
+                <a:effectLst/>
+                <a:latin typeface="+mn-lt"/>
+                <a:ea typeface="+mn-ea"/>
+                <a:cs typeface="+mn-cs"/>
+              </a:rPr>
+              <a:t> </a:t>
+            </a:r>
+            <a:r>
+              <a:rPr lang="de-DE" sz="1200" b="0" i="0" kern="1200" dirty="0" err="1">
+                <a:solidFill>
+                  <a:schemeClr val="tx1"/>
+                </a:solidFill>
+                <a:effectLst/>
+                <a:latin typeface="+mn-lt"/>
+                <a:ea typeface="+mn-ea"/>
+                <a:cs typeface="+mn-cs"/>
+              </a:rPr>
+              <a:t>the</a:t>
+            </a:r>
+            <a:r>
+              <a:rPr lang="de-DE" sz="1200" b="0" i="0" kern="1200" dirty="0">
+                <a:solidFill>
+                  <a:schemeClr val="tx1"/>
+                </a:solidFill>
+                <a:effectLst/>
+                <a:latin typeface="+mn-lt"/>
+                <a:ea typeface="+mn-ea"/>
+                <a:cs typeface="+mn-cs"/>
+              </a:rPr>
+              <a:t> </a:t>
+            </a:r>
+            <a:r>
+              <a:rPr lang="de-DE" sz="1200" b="0" i="0" kern="1200" dirty="0" err="1">
+                <a:solidFill>
+                  <a:schemeClr val="tx1"/>
+                </a:solidFill>
+                <a:effectLst/>
+                <a:latin typeface="+mn-lt"/>
+                <a:ea typeface="+mn-ea"/>
+                <a:cs typeface="+mn-cs"/>
+              </a:rPr>
+              <a:t>squared</a:t>
+            </a:r>
+            <a:r>
+              <a:rPr lang="de-DE" sz="1200" b="0" i="0" kern="1200" dirty="0">
+                <a:solidFill>
+                  <a:schemeClr val="tx1"/>
+                </a:solidFill>
+                <a:effectLst/>
+                <a:latin typeface="+mn-lt"/>
+                <a:ea typeface="+mn-ea"/>
+                <a:cs typeface="+mn-cs"/>
+              </a:rPr>
+              <a:t> </a:t>
+            </a:r>
+            <a:r>
+              <a:rPr lang="de-DE" sz="1200" b="0" i="0" kern="1200" dirty="0" err="1">
+                <a:solidFill>
+                  <a:schemeClr val="tx1"/>
+                </a:solidFill>
+                <a:effectLst/>
+                <a:latin typeface="+mn-lt"/>
+                <a:ea typeface="+mn-ea"/>
+                <a:cs typeface="+mn-cs"/>
+              </a:rPr>
+              <a:t>residuals</a:t>
+            </a:r>
+            <a:r>
+              <a:rPr lang="de-DE" sz="1200" b="0" i="0" kern="1200" dirty="0">
+                <a:solidFill>
+                  <a:schemeClr val="tx1"/>
+                </a:solidFill>
+                <a:effectLst/>
+                <a:latin typeface="+mn-lt"/>
+                <a:ea typeface="+mn-ea"/>
+                <a:cs typeface="+mn-cs"/>
+              </a:rPr>
+              <a:t>/</a:t>
+            </a:r>
+            <a:r>
+              <a:rPr lang="de-DE" sz="1200" b="0" i="0" kern="1200" dirty="0" err="1">
+                <a:solidFill>
+                  <a:schemeClr val="tx1"/>
+                </a:solidFill>
+                <a:effectLst/>
+                <a:latin typeface="+mn-lt"/>
+                <a:ea typeface="+mn-ea"/>
+                <a:cs typeface="+mn-cs"/>
+              </a:rPr>
+              <a:t>errors</a:t>
+            </a:r>
+            <a:r>
+              <a:rPr lang="de-DE" sz="1200" b="0" i="0" kern="1200" dirty="0">
+                <a:solidFill>
+                  <a:schemeClr val="tx1"/>
+                </a:solidFill>
+                <a:effectLst/>
+                <a:latin typeface="+mn-lt"/>
+                <a:ea typeface="+mn-ea"/>
+                <a:cs typeface="+mn-cs"/>
+              </a:rPr>
+              <a:t> </a:t>
+            </a:r>
+            <a:r>
+              <a:rPr lang="de-DE" sz="1200" b="0" i="0" kern="1200" dirty="0" err="1">
+                <a:solidFill>
+                  <a:schemeClr val="tx1"/>
+                </a:solidFill>
+                <a:effectLst/>
+                <a:latin typeface="+mn-lt"/>
+                <a:ea typeface="+mn-ea"/>
+                <a:cs typeface="+mn-cs"/>
+              </a:rPr>
+              <a:t>of</a:t>
+            </a:r>
+            <a:r>
+              <a:rPr lang="de-DE" sz="1200" b="0" i="0" kern="1200" dirty="0">
+                <a:solidFill>
+                  <a:schemeClr val="tx1"/>
+                </a:solidFill>
+                <a:effectLst/>
+                <a:latin typeface="+mn-lt"/>
+                <a:ea typeface="+mn-ea"/>
+                <a:cs typeface="+mn-cs"/>
+              </a:rPr>
+              <a:t> </a:t>
+            </a:r>
+            <a:r>
+              <a:rPr lang="de-DE" sz="1200" b="0" i="0" kern="1200" dirty="0" err="1">
+                <a:solidFill>
+                  <a:schemeClr val="tx1"/>
+                </a:solidFill>
+                <a:effectLst/>
+                <a:latin typeface="+mn-lt"/>
+                <a:ea typeface="+mn-ea"/>
+                <a:cs typeface="+mn-cs"/>
+              </a:rPr>
+              <a:t>your</a:t>
+            </a:r>
+            <a:r>
+              <a:rPr lang="de-DE" sz="1200" b="0" i="0" kern="1200" dirty="0">
+                <a:solidFill>
+                  <a:schemeClr val="tx1"/>
+                </a:solidFill>
+                <a:effectLst/>
+                <a:latin typeface="+mn-lt"/>
+                <a:ea typeface="+mn-ea"/>
+                <a:cs typeface="+mn-cs"/>
+              </a:rPr>
+              <a:t> time </a:t>
+            </a:r>
+            <a:r>
+              <a:rPr lang="de-DE" sz="1200" b="0" i="0" kern="1200" dirty="0" err="1">
+                <a:solidFill>
+                  <a:schemeClr val="tx1"/>
+                </a:solidFill>
+                <a:effectLst/>
+                <a:latin typeface="+mn-lt"/>
+                <a:ea typeface="+mn-ea"/>
+                <a:cs typeface="+mn-cs"/>
+              </a:rPr>
+              <a:t>series</a:t>
+            </a:r>
+            <a:r>
+              <a:rPr lang="de-DE" sz="1200" b="0" i="0" kern="1200" dirty="0">
+                <a:solidFill>
+                  <a:schemeClr val="tx1"/>
+                </a:solidFill>
+                <a:effectLst/>
+                <a:latin typeface="+mn-lt"/>
+                <a:ea typeface="+mn-ea"/>
+                <a:cs typeface="+mn-cs"/>
+              </a:rPr>
+              <a:t> </a:t>
+            </a:r>
+            <a:r>
+              <a:rPr lang="de-DE" sz="1200" b="0" i="0" kern="1200" dirty="0" err="1">
+                <a:solidFill>
+                  <a:schemeClr val="tx1"/>
+                </a:solidFill>
+                <a:effectLst/>
+                <a:latin typeface="+mn-lt"/>
+                <a:ea typeface="+mn-ea"/>
+                <a:cs typeface="+mn-cs"/>
+              </a:rPr>
+              <a:t>model</a:t>
+            </a:r>
+            <a:r>
+              <a:rPr lang="de-DE" sz="1200" b="0" i="0" kern="1200" dirty="0">
+                <a:solidFill>
+                  <a:schemeClr val="tx1"/>
+                </a:solidFill>
+                <a:effectLst/>
+                <a:latin typeface="+mn-lt"/>
+                <a:ea typeface="+mn-ea"/>
+                <a:cs typeface="+mn-cs"/>
+              </a:rPr>
+              <a:t> </a:t>
+            </a:r>
+            <a:r>
+              <a:rPr lang="de-DE" sz="1200" b="0" i="0" kern="1200" dirty="0" err="1">
+                <a:solidFill>
+                  <a:schemeClr val="tx1"/>
+                </a:solidFill>
+                <a:effectLst/>
+                <a:latin typeface="+mn-lt"/>
+                <a:ea typeface="+mn-ea"/>
+                <a:cs typeface="+mn-cs"/>
+              </a:rPr>
+              <a:t>exhibit</a:t>
+            </a:r>
+            <a:r>
+              <a:rPr lang="de-DE" sz="1200" b="0" i="0" kern="1200" dirty="0">
+                <a:solidFill>
+                  <a:schemeClr val="tx1"/>
+                </a:solidFill>
+                <a:effectLst/>
+                <a:latin typeface="+mn-lt"/>
+                <a:ea typeface="+mn-ea"/>
+                <a:cs typeface="+mn-cs"/>
+              </a:rPr>
+              <a:t> </a:t>
+            </a:r>
+            <a:r>
+              <a:rPr lang="de-DE" sz="1200" b="0" i="0" kern="1200" dirty="0" err="1">
+                <a:solidFill>
+                  <a:schemeClr val="tx1"/>
+                </a:solidFill>
+                <a:effectLst/>
+                <a:latin typeface="+mn-lt"/>
+                <a:ea typeface="+mn-ea"/>
+                <a:cs typeface="+mn-cs"/>
+              </a:rPr>
+              <a:t>autocorrelation</a:t>
+            </a:r>
+            <a:r>
+              <a:rPr lang="de-DE" sz="1200" b="0" i="0" kern="1200" dirty="0">
+                <a:solidFill>
+                  <a:schemeClr val="tx1"/>
+                </a:solidFill>
+                <a:effectLst/>
+                <a:latin typeface="+mn-lt"/>
+                <a:ea typeface="+mn-ea"/>
+                <a:cs typeface="+mn-cs"/>
+              </a:rPr>
+              <a:t>, </a:t>
+            </a:r>
+            <a:r>
+              <a:rPr lang="de-DE" sz="1200" b="0" i="0" kern="1200" dirty="0" err="1">
+                <a:solidFill>
+                  <a:schemeClr val="tx1"/>
+                </a:solidFill>
+                <a:effectLst/>
+                <a:latin typeface="+mn-lt"/>
+                <a:ea typeface="+mn-ea"/>
+                <a:cs typeface="+mn-cs"/>
+              </a:rPr>
+              <a:t>then</a:t>
+            </a:r>
+            <a:r>
+              <a:rPr lang="de-DE" sz="1200" b="0" i="0" kern="1200" dirty="0">
+                <a:solidFill>
+                  <a:schemeClr val="tx1"/>
+                </a:solidFill>
+                <a:effectLst/>
+                <a:latin typeface="+mn-lt"/>
+                <a:ea typeface="+mn-ea"/>
+                <a:cs typeface="+mn-cs"/>
+              </a:rPr>
+              <a:t> ARCH </a:t>
+            </a:r>
+            <a:r>
+              <a:rPr lang="de-DE" sz="1200" b="0" i="0" kern="1200" dirty="0" err="1">
+                <a:solidFill>
+                  <a:schemeClr val="tx1"/>
+                </a:solidFill>
+                <a:effectLst/>
+                <a:latin typeface="+mn-lt"/>
+                <a:ea typeface="+mn-ea"/>
+                <a:cs typeface="+mn-cs"/>
+              </a:rPr>
+              <a:t>effects</a:t>
+            </a:r>
+            <a:r>
+              <a:rPr lang="de-DE" sz="1200" b="0" i="0" kern="1200" dirty="0">
+                <a:solidFill>
+                  <a:schemeClr val="tx1"/>
+                </a:solidFill>
+                <a:effectLst/>
+                <a:latin typeface="+mn-lt"/>
+                <a:ea typeface="+mn-ea"/>
+                <a:cs typeface="+mn-cs"/>
+              </a:rPr>
+              <a:t> </a:t>
+            </a:r>
+            <a:r>
+              <a:rPr lang="de-DE" sz="1200" b="0" i="0" kern="1200" dirty="0" err="1">
+                <a:solidFill>
+                  <a:schemeClr val="tx1"/>
+                </a:solidFill>
+                <a:effectLst/>
+                <a:latin typeface="+mn-lt"/>
+                <a:ea typeface="+mn-ea"/>
+                <a:cs typeface="+mn-cs"/>
+              </a:rPr>
+              <a:t>are</a:t>
+            </a:r>
+            <a:r>
+              <a:rPr lang="de-DE" sz="1200" b="0" i="0" kern="1200" dirty="0">
+                <a:solidFill>
+                  <a:schemeClr val="tx1"/>
+                </a:solidFill>
+                <a:effectLst/>
+                <a:latin typeface="+mn-lt"/>
+                <a:ea typeface="+mn-ea"/>
+                <a:cs typeface="+mn-cs"/>
+              </a:rPr>
+              <a:t> </a:t>
+            </a:r>
+            <a:r>
+              <a:rPr lang="de-DE" sz="1200" b="0" i="0" kern="1200" dirty="0" err="1">
+                <a:solidFill>
+                  <a:schemeClr val="tx1"/>
+                </a:solidFill>
+                <a:effectLst/>
+                <a:latin typeface="+mn-lt"/>
+                <a:ea typeface="+mn-ea"/>
+                <a:cs typeface="+mn-cs"/>
+              </a:rPr>
+              <a:t>present</a:t>
+            </a:r>
+            <a:r>
+              <a:rPr lang="de-DE" sz="1200" b="0" i="0" kern="1200" dirty="0">
+                <a:solidFill>
+                  <a:schemeClr val="tx1"/>
+                </a:solidFill>
+                <a:effectLst/>
+                <a:latin typeface="+mn-lt"/>
+                <a:ea typeface="+mn-ea"/>
+                <a:cs typeface="+mn-cs"/>
+              </a:rPr>
+              <a:t>.</a:t>
+            </a:r>
+          </a:p>
+          <a:p>
+            <a:endParaRPr lang="de-DE" sz="1200" b="0" i="0" kern="1200" dirty="0">
+              <a:solidFill>
+                <a:schemeClr val="tx1"/>
+              </a:solidFill>
+              <a:effectLst/>
+              <a:latin typeface="+mn-lt"/>
+              <a:ea typeface="+mn-ea"/>
+              <a:cs typeface="+mn-cs"/>
+            </a:endParaRPr>
+          </a:p>
+          <a:p>
+            <a:r>
+              <a:rPr lang="de-DE" sz="1200" b="0" i="0" kern="1200" dirty="0">
+                <a:solidFill>
+                  <a:schemeClr val="tx1"/>
+                </a:solidFill>
+                <a:effectLst/>
+                <a:latin typeface="+mn-lt"/>
+                <a:ea typeface="+mn-ea"/>
+                <a:cs typeface="+mn-cs"/>
+              </a:rPr>
+              <a:t>A time </a:t>
+            </a:r>
+            <a:r>
+              <a:rPr lang="de-DE" sz="1200" b="0" i="0" kern="1200" dirty="0" err="1">
+                <a:solidFill>
+                  <a:schemeClr val="tx1"/>
+                </a:solidFill>
+                <a:effectLst/>
+                <a:latin typeface="+mn-lt"/>
+                <a:ea typeface="+mn-ea"/>
+                <a:cs typeface="+mn-cs"/>
+              </a:rPr>
+              <a:t>series</a:t>
+            </a:r>
+            <a:r>
+              <a:rPr lang="de-DE" sz="1200" b="0" i="0" kern="1200" dirty="0">
+                <a:solidFill>
+                  <a:schemeClr val="tx1"/>
+                </a:solidFill>
+                <a:effectLst/>
+                <a:latin typeface="+mn-lt"/>
+                <a:ea typeface="+mn-ea"/>
+                <a:cs typeface="+mn-cs"/>
+              </a:rPr>
+              <a:t> </a:t>
+            </a:r>
+            <a:r>
+              <a:rPr lang="de-DE" sz="1200" b="0" i="0" kern="1200" dirty="0" err="1">
+                <a:solidFill>
+                  <a:schemeClr val="tx1"/>
+                </a:solidFill>
+                <a:effectLst/>
+                <a:latin typeface="+mn-lt"/>
+                <a:ea typeface="+mn-ea"/>
+                <a:cs typeface="+mn-cs"/>
+              </a:rPr>
+              <a:t>exhibiting</a:t>
+            </a:r>
+            <a:r>
+              <a:rPr lang="de-DE" sz="1200" b="0" i="0" kern="1200" dirty="0">
+                <a:solidFill>
+                  <a:schemeClr val="tx1"/>
+                </a:solidFill>
+                <a:effectLst/>
+                <a:latin typeface="+mn-lt"/>
+                <a:ea typeface="+mn-ea"/>
+                <a:cs typeface="+mn-cs"/>
+              </a:rPr>
+              <a:t> </a:t>
+            </a:r>
+            <a:r>
+              <a:rPr lang="de-DE" sz="1200" b="0" i="0" kern="1200" dirty="0" err="1">
+                <a:solidFill>
+                  <a:schemeClr val="tx1"/>
+                </a:solidFill>
+                <a:effectLst/>
+                <a:latin typeface="+mn-lt"/>
+                <a:ea typeface="+mn-ea"/>
+                <a:cs typeface="+mn-cs"/>
+              </a:rPr>
+              <a:t>conditional</a:t>
+            </a:r>
+            <a:r>
+              <a:rPr lang="de-DE" sz="1200" b="0" i="0" kern="1200" dirty="0">
+                <a:solidFill>
+                  <a:schemeClr val="tx1"/>
+                </a:solidFill>
+                <a:effectLst/>
+                <a:latin typeface="+mn-lt"/>
+                <a:ea typeface="+mn-ea"/>
+                <a:cs typeface="+mn-cs"/>
+              </a:rPr>
+              <a:t> </a:t>
+            </a:r>
+            <a:r>
+              <a:rPr lang="de-DE" sz="1200" b="0" i="0" kern="1200" dirty="0" err="1">
+                <a:solidFill>
+                  <a:schemeClr val="tx1"/>
+                </a:solidFill>
+                <a:effectLst/>
+                <a:latin typeface="+mn-lt"/>
+                <a:ea typeface="+mn-ea"/>
+                <a:cs typeface="+mn-cs"/>
+              </a:rPr>
+              <a:t>heteroscedasticity</a:t>
+            </a:r>
+            <a:r>
+              <a:rPr lang="de-DE" sz="1200" b="0" i="0" kern="1200" dirty="0">
+                <a:solidFill>
+                  <a:schemeClr val="tx1"/>
+                </a:solidFill>
+                <a:effectLst/>
+                <a:latin typeface="+mn-lt"/>
+                <a:ea typeface="+mn-ea"/>
+                <a:cs typeface="+mn-cs"/>
+              </a:rPr>
+              <a:t>—</a:t>
+            </a:r>
+            <a:r>
+              <a:rPr lang="de-DE" sz="1200" b="0" i="0" kern="1200" dirty="0" err="1">
+                <a:solidFill>
+                  <a:schemeClr val="tx1"/>
+                </a:solidFill>
+                <a:effectLst/>
+                <a:latin typeface="+mn-lt"/>
+                <a:ea typeface="+mn-ea"/>
+                <a:cs typeface="+mn-cs"/>
+              </a:rPr>
+              <a:t>or</a:t>
+            </a:r>
+            <a:r>
+              <a:rPr lang="de-DE" sz="1200" b="0" i="0" kern="1200" dirty="0">
+                <a:solidFill>
+                  <a:schemeClr val="tx1"/>
+                </a:solidFill>
+                <a:effectLst/>
+                <a:latin typeface="+mn-lt"/>
+                <a:ea typeface="+mn-ea"/>
+                <a:cs typeface="+mn-cs"/>
+              </a:rPr>
+              <a:t> </a:t>
+            </a:r>
+            <a:r>
+              <a:rPr lang="de-DE" sz="1200" b="0" i="0" kern="1200" dirty="0" err="1">
+                <a:solidFill>
+                  <a:schemeClr val="tx1"/>
+                </a:solidFill>
+                <a:effectLst/>
+                <a:latin typeface="+mn-lt"/>
+                <a:ea typeface="+mn-ea"/>
+                <a:cs typeface="+mn-cs"/>
+              </a:rPr>
+              <a:t>autocorrelation</a:t>
+            </a:r>
+            <a:r>
+              <a:rPr lang="de-DE" sz="1200" b="0" i="0" kern="1200" dirty="0">
+                <a:solidFill>
+                  <a:schemeClr val="tx1"/>
+                </a:solidFill>
+                <a:effectLst/>
+                <a:latin typeface="+mn-lt"/>
+                <a:ea typeface="+mn-ea"/>
+                <a:cs typeface="+mn-cs"/>
+              </a:rPr>
+              <a:t> in </a:t>
+            </a:r>
+            <a:r>
+              <a:rPr lang="de-DE" sz="1200" b="0" i="0" kern="1200" dirty="0" err="1">
+                <a:solidFill>
+                  <a:schemeClr val="tx1"/>
+                </a:solidFill>
+                <a:effectLst/>
+                <a:latin typeface="+mn-lt"/>
+                <a:ea typeface="+mn-ea"/>
+                <a:cs typeface="+mn-cs"/>
+              </a:rPr>
+              <a:t>the</a:t>
+            </a:r>
+            <a:r>
+              <a:rPr lang="de-DE" sz="1200" b="0" i="0" kern="1200" dirty="0">
+                <a:solidFill>
+                  <a:schemeClr val="tx1"/>
+                </a:solidFill>
+                <a:effectLst/>
+                <a:latin typeface="+mn-lt"/>
+                <a:ea typeface="+mn-ea"/>
+                <a:cs typeface="+mn-cs"/>
+              </a:rPr>
+              <a:t> </a:t>
+            </a:r>
+            <a:r>
+              <a:rPr lang="de-DE" sz="1200" b="0" i="0" kern="1200" dirty="0" err="1">
+                <a:solidFill>
+                  <a:schemeClr val="tx1"/>
+                </a:solidFill>
+                <a:effectLst/>
+                <a:latin typeface="+mn-lt"/>
+                <a:ea typeface="+mn-ea"/>
+                <a:cs typeface="+mn-cs"/>
+              </a:rPr>
+              <a:t>squared</a:t>
+            </a:r>
+            <a:r>
+              <a:rPr lang="de-DE" sz="1200" b="0" i="0" kern="1200" dirty="0">
+                <a:solidFill>
+                  <a:schemeClr val="tx1"/>
+                </a:solidFill>
+                <a:effectLst/>
+                <a:latin typeface="+mn-lt"/>
+                <a:ea typeface="+mn-ea"/>
+                <a:cs typeface="+mn-cs"/>
+              </a:rPr>
+              <a:t> </a:t>
+            </a:r>
+            <a:r>
+              <a:rPr lang="de-DE" sz="1200" b="0" i="0" kern="1200" dirty="0" err="1">
+                <a:solidFill>
+                  <a:schemeClr val="tx1"/>
+                </a:solidFill>
+                <a:effectLst/>
+                <a:latin typeface="+mn-lt"/>
+                <a:ea typeface="+mn-ea"/>
+                <a:cs typeface="+mn-cs"/>
+              </a:rPr>
+              <a:t>series</a:t>
+            </a:r>
+            <a:r>
+              <a:rPr lang="de-DE" sz="1200" b="0" i="0" kern="1200" dirty="0">
+                <a:solidFill>
+                  <a:schemeClr val="tx1"/>
+                </a:solidFill>
+                <a:effectLst/>
+                <a:latin typeface="+mn-lt"/>
+                <a:ea typeface="+mn-ea"/>
+                <a:cs typeface="+mn-cs"/>
+              </a:rPr>
+              <a:t>—</a:t>
+            </a:r>
+            <a:r>
+              <a:rPr lang="de-DE" sz="1200" b="0" i="0" kern="1200" dirty="0" err="1">
+                <a:solidFill>
+                  <a:schemeClr val="tx1"/>
+                </a:solidFill>
+                <a:effectLst/>
+                <a:latin typeface="+mn-lt"/>
+                <a:ea typeface="+mn-ea"/>
+                <a:cs typeface="+mn-cs"/>
+              </a:rPr>
+              <a:t>is</a:t>
+            </a:r>
+            <a:r>
+              <a:rPr lang="de-DE" sz="1200" b="0" i="0" kern="1200" dirty="0">
+                <a:solidFill>
+                  <a:schemeClr val="tx1"/>
+                </a:solidFill>
+                <a:effectLst/>
+                <a:latin typeface="+mn-lt"/>
+                <a:ea typeface="+mn-ea"/>
+                <a:cs typeface="+mn-cs"/>
+              </a:rPr>
+              <a:t> </a:t>
+            </a:r>
+            <a:r>
+              <a:rPr lang="de-DE" sz="1200" b="0" i="0" kern="1200" dirty="0" err="1">
+                <a:solidFill>
+                  <a:schemeClr val="tx1"/>
+                </a:solidFill>
+                <a:effectLst/>
+                <a:latin typeface="+mn-lt"/>
+                <a:ea typeface="+mn-ea"/>
+                <a:cs typeface="+mn-cs"/>
+              </a:rPr>
+              <a:t>said</a:t>
+            </a:r>
+            <a:r>
+              <a:rPr lang="de-DE" sz="1200" b="0" i="0" kern="1200" dirty="0">
+                <a:solidFill>
+                  <a:schemeClr val="tx1"/>
+                </a:solidFill>
+                <a:effectLst/>
+                <a:latin typeface="+mn-lt"/>
+                <a:ea typeface="+mn-ea"/>
+                <a:cs typeface="+mn-cs"/>
+              </a:rPr>
+              <a:t> </a:t>
+            </a:r>
+            <a:r>
+              <a:rPr lang="de-DE" sz="1200" b="0" i="0" kern="1200" dirty="0" err="1">
+                <a:solidFill>
+                  <a:schemeClr val="tx1"/>
+                </a:solidFill>
+                <a:effectLst/>
+                <a:latin typeface="+mn-lt"/>
+                <a:ea typeface="+mn-ea"/>
+                <a:cs typeface="+mn-cs"/>
+              </a:rPr>
+              <a:t>to</a:t>
+            </a:r>
+            <a:r>
+              <a:rPr lang="de-DE" sz="1200" b="0" i="0" kern="1200" dirty="0">
+                <a:solidFill>
+                  <a:schemeClr val="tx1"/>
+                </a:solidFill>
+                <a:effectLst/>
+                <a:latin typeface="+mn-lt"/>
+                <a:ea typeface="+mn-ea"/>
+                <a:cs typeface="+mn-cs"/>
+              </a:rPr>
+              <a:t> </a:t>
+            </a:r>
+            <a:r>
+              <a:rPr lang="de-DE" sz="1200" b="0" i="0" kern="1200" dirty="0" err="1">
+                <a:solidFill>
+                  <a:schemeClr val="tx1"/>
+                </a:solidFill>
+                <a:effectLst/>
+                <a:latin typeface="+mn-lt"/>
+                <a:ea typeface="+mn-ea"/>
+                <a:cs typeface="+mn-cs"/>
+              </a:rPr>
+              <a:t>have</a:t>
+            </a:r>
+            <a:r>
+              <a:rPr lang="de-DE" sz="1200" b="0" i="0" kern="1200" dirty="0">
+                <a:solidFill>
+                  <a:schemeClr val="tx1"/>
+                </a:solidFill>
+                <a:effectLst/>
+                <a:latin typeface="+mn-lt"/>
+                <a:ea typeface="+mn-ea"/>
+                <a:cs typeface="+mn-cs"/>
+              </a:rPr>
+              <a:t> autoregressive </a:t>
+            </a:r>
+            <a:r>
+              <a:rPr lang="de-DE" sz="1200" b="0" i="0" kern="1200" dirty="0" err="1">
+                <a:solidFill>
+                  <a:schemeClr val="tx1"/>
+                </a:solidFill>
+                <a:effectLst/>
+                <a:latin typeface="+mn-lt"/>
+                <a:ea typeface="+mn-ea"/>
+                <a:cs typeface="+mn-cs"/>
+              </a:rPr>
+              <a:t>conditional</a:t>
+            </a:r>
+            <a:r>
+              <a:rPr lang="de-DE" sz="1200" b="0" i="0" kern="1200" dirty="0">
+                <a:solidFill>
+                  <a:schemeClr val="tx1"/>
+                </a:solidFill>
+                <a:effectLst/>
+                <a:latin typeface="+mn-lt"/>
+                <a:ea typeface="+mn-ea"/>
+                <a:cs typeface="+mn-cs"/>
+              </a:rPr>
+              <a:t> </a:t>
+            </a:r>
+            <a:r>
+              <a:rPr lang="de-DE" sz="1200" b="0" i="0" kern="1200" dirty="0" err="1">
+                <a:solidFill>
+                  <a:schemeClr val="tx1"/>
+                </a:solidFill>
+                <a:effectLst/>
+                <a:latin typeface="+mn-lt"/>
+                <a:ea typeface="+mn-ea"/>
+                <a:cs typeface="+mn-cs"/>
+              </a:rPr>
+              <a:t>heteroscedastic</a:t>
+            </a:r>
+            <a:r>
+              <a:rPr lang="de-DE" sz="1200" b="0" i="0" kern="1200" dirty="0">
+                <a:solidFill>
+                  <a:schemeClr val="tx1"/>
+                </a:solidFill>
+                <a:effectLst/>
+                <a:latin typeface="+mn-lt"/>
+                <a:ea typeface="+mn-ea"/>
+                <a:cs typeface="+mn-cs"/>
+              </a:rPr>
+              <a:t> (ARCH) </a:t>
+            </a:r>
+            <a:r>
+              <a:rPr lang="de-DE" sz="1200" b="0" i="0" kern="1200" dirty="0" err="1">
+                <a:solidFill>
+                  <a:schemeClr val="tx1"/>
+                </a:solidFill>
+                <a:effectLst/>
+                <a:latin typeface="+mn-lt"/>
+                <a:ea typeface="+mn-ea"/>
+                <a:cs typeface="+mn-cs"/>
+              </a:rPr>
+              <a:t>effects</a:t>
+            </a:r>
+            <a:r>
+              <a:rPr lang="de-DE" sz="1200" b="0" i="0" kern="1200" dirty="0">
+                <a:solidFill>
+                  <a:schemeClr val="tx1"/>
+                </a:solidFill>
+                <a:effectLst/>
+                <a:latin typeface="+mn-lt"/>
+                <a:ea typeface="+mn-ea"/>
+                <a:cs typeface="+mn-cs"/>
+              </a:rPr>
+              <a:t>. </a:t>
+            </a:r>
+            <a:r>
+              <a:rPr lang="de-DE" sz="1200" b="0" i="0" kern="1200" dirty="0" err="1">
+                <a:solidFill>
+                  <a:schemeClr val="tx1"/>
+                </a:solidFill>
+                <a:effectLst/>
+                <a:latin typeface="+mn-lt"/>
+                <a:ea typeface="+mn-ea"/>
+                <a:cs typeface="+mn-cs"/>
+              </a:rPr>
+              <a:t>Engle's</a:t>
+            </a:r>
+            <a:r>
+              <a:rPr lang="de-DE" sz="1200" b="0" i="0" kern="1200" dirty="0">
+                <a:solidFill>
+                  <a:schemeClr val="tx1"/>
+                </a:solidFill>
+                <a:effectLst/>
+                <a:latin typeface="+mn-lt"/>
+                <a:ea typeface="+mn-ea"/>
+                <a:cs typeface="+mn-cs"/>
+              </a:rPr>
+              <a:t> ARCH </a:t>
+            </a:r>
+            <a:r>
+              <a:rPr lang="de-DE" sz="1200" b="0" i="0" kern="1200" dirty="0" err="1">
+                <a:solidFill>
+                  <a:schemeClr val="tx1"/>
+                </a:solidFill>
+                <a:effectLst/>
+                <a:latin typeface="+mn-lt"/>
+                <a:ea typeface="+mn-ea"/>
+                <a:cs typeface="+mn-cs"/>
+              </a:rPr>
+              <a:t>test</a:t>
+            </a:r>
+            <a:r>
+              <a:rPr lang="de-DE" sz="1200" b="0" i="0" kern="1200" dirty="0">
+                <a:solidFill>
+                  <a:schemeClr val="tx1"/>
+                </a:solidFill>
+                <a:effectLst/>
+                <a:latin typeface="+mn-lt"/>
+                <a:ea typeface="+mn-ea"/>
+                <a:cs typeface="+mn-cs"/>
+              </a:rPr>
+              <a:t> </a:t>
+            </a:r>
+            <a:r>
+              <a:rPr lang="de-DE" sz="1200" b="0" i="0" kern="1200" dirty="0" err="1">
+                <a:solidFill>
+                  <a:schemeClr val="tx1"/>
+                </a:solidFill>
+                <a:effectLst/>
+                <a:latin typeface="+mn-lt"/>
+                <a:ea typeface="+mn-ea"/>
+                <a:cs typeface="+mn-cs"/>
+              </a:rPr>
+              <a:t>is</a:t>
+            </a:r>
+            <a:r>
+              <a:rPr lang="de-DE" sz="1200" b="0" i="0" kern="1200" dirty="0">
+                <a:solidFill>
+                  <a:schemeClr val="tx1"/>
+                </a:solidFill>
+                <a:effectLst/>
+                <a:latin typeface="+mn-lt"/>
+                <a:ea typeface="+mn-ea"/>
+                <a:cs typeface="+mn-cs"/>
+              </a:rPr>
+              <a:t> a Lagrange </a:t>
+            </a:r>
+            <a:r>
+              <a:rPr lang="de-DE" sz="1200" b="0" i="0" kern="1200" dirty="0" err="1">
+                <a:solidFill>
+                  <a:schemeClr val="tx1"/>
+                </a:solidFill>
+                <a:effectLst/>
+                <a:latin typeface="+mn-lt"/>
+                <a:ea typeface="+mn-ea"/>
+                <a:cs typeface="+mn-cs"/>
+              </a:rPr>
+              <a:t>multiplier</a:t>
+            </a:r>
+            <a:r>
+              <a:rPr lang="de-DE" sz="1200" b="0" i="0" kern="1200" dirty="0">
+                <a:solidFill>
+                  <a:schemeClr val="tx1"/>
+                </a:solidFill>
+                <a:effectLst/>
+                <a:latin typeface="+mn-lt"/>
+                <a:ea typeface="+mn-ea"/>
+                <a:cs typeface="+mn-cs"/>
+              </a:rPr>
+              <a:t> </a:t>
+            </a:r>
+            <a:r>
+              <a:rPr lang="de-DE" sz="1200" b="0" i="0" kern="1200" dirty="0" err="1">
+                <a:solidFill>
+                  <a:schemeClr val="tx1"/>
+                </a:solidFill>
+                <a:effectLst/>
+                <a:latin typeface="+mn-lt"/>
+                <a:ea typeface="+mn-ea"/>
+                <a:cs typeface="+mn-cs"/>
+              </a:rPr>
+              <a:t>test</a:t>
+            </a:r>
+            <a:r>
+              <a:rPr lang="de-DE" sz="1200" b="0" i="0" kern="1200" dirty="0">
+                <a:solidFill>
+                  <a:schemeClr val="tx1"/>
+                </a:solidFill>
+                <a:effectLst/>
+                <a:latin typeface="+mn-lt"/>
+                <a:ea typeface="+mn-ea"/>
+                <a:cs typeface="+mn-cs"/>
+              </a:rPr>
+              <a:t> </a:t>
+            </a:r>
+            <a:r>
+              <a:rPr lang="de-DE" sz="1200" b="0" i="0" kern="1200" dirty="0" err="1">
+                <a:solidFill>
+                  <a:schemeClr val="tx1"/>
+                </a:solidFill>
+                <a:effectLst/>
+                <a:latin typeface="+mn-lt"/>
+                <a:ea typeface="+mn-ea"/>
+                <a:cs typeface="+mn-cs"/>
+              </a:rPr>
+              <a:t>to</a:t>
+            </a:r>
+            <a:r>
+              <a:rPr lang="de-DE" sz="1200" b="0" i="0" kern="1200" dirty="0">
+                <a:solidFill>
+                  <a:schemeClr val="tx1"/>
+                </a:solidFill>
+                <a:effectLst/>
+                <a:latin typeface="+mn-lt"/>
+                <a:ea typeface="+mn-ea"/>
+                <a:cs typeface="+mn-cs"/>
+              </a:rPr>
+              <a:t> </a:t>
+            </a:r>
+            <a:r>
+              <a:rPr lang="de-DE" sz="1200" b="0" i="0" kern="1200" dirty="0" err="1">
+                <a:solidFill>
+                  <a:schemeClr val="tx1"/>
+                </a:solidFill>
+                <a:effectLst/>
+                <a:latin typeface="+mn-lt"/>
+                <a:ea typeface="+mn-ea"/>
+                <a:cs typeface="+mn-cs"/>
+              </a:rPr>
+              <a:t>assess</a:t>
+            </a:r>
+            <a:r>
+              <a:rPr lang="de-DE" sz="1200" b="0" i="0" kern="1200" dirty="0">
+                <a:solidFill>
+                  <a:schemeClr val="tx1"/>
+                </a:solidFill>
+                <a:effectLst/>
+                <a:latin typeface="+mn-lt"/>
+                <a:ea typeface="+mn-ea"/>
+                <a:cs typeface="+mn-cs"/>
+              </a:rPr>
+              <a:t> </a:t>
+            </a:r>
+            <a:r>
+              <a:rPr lang="de-DE" sz="1200" b="0" i="0" kern="1200" dirty="0" err="1">
+                <a:solidFill>
+                  <a:schemeClr val="tx1"/>
+                </a:solidFill>
+                <a:effectLst/>
+                <a:latin typeface="+mn-lt"/>
+                <a:ea typeface="+mn-ea"/>
+                <a:cs typeface="+mn-cs"/>
+              </a:rPr>
+              <a:t>the</a:t>
+            </a:r>
+            <a:r>
+              <a:rPr lang="de-DE" sz="1200" b="0" i="0" kern="1200" dirty="0">
+                <a:solidFill>
+                  <a:schemeClr val="tx1"/>
+                </a:solidFill>
+                <a:effectLst/>
+                <a:latin typeface="+mn-lt"/>
+                <a:ea typeface="+mn-ea"/>
+                <a:cs typeface="+mn-cs"/>
+              </a:rPr>
+              <a:t> </a:t>
+            </a:r>
+            <a:r>
+              <a:rPr lang="de-DE" sz="1200" b="0" i="0" kern="1200" dirty="0" err="1">
+                <a:solidFill>
+                  <a:schemeClr val="tx1"/>
+                </a:solidFill>
+                <a:effectLst/>
+                <a:latin typeface="+mn-lt"/>
+                <a:ea typeface="+mn-ea"/>
+                <a:cs typeface="+mn-cs"/>
+              </a:rPr>
+              <a:t>significance</a:t>
+            </a:r>
+            <a:r>
+              <a:rPr lang="de-DE" sz="1200" b="0" i="0" kern="1200" dirty="0">
+                <a:solidFill>
+                  <a:schemeClr val="tx1"/>
+                </a:solidFill>
+                <a:effectLst/>
+                <a:latin typeface="+mn-lt"/>
+                <a:ea typeface="+mn-ea"/>
+                <a:cs typeface="+mn-cs"/>
+              </a:rPr>
+              <a:t> </a:t>
+            </a:r>
+            <a:r>
+              <a:rPr lang="de-DE" sz="1200" b="0" i="0" kern="1200" dirty="0" err="1">
+                <a:solidFill>
+                  <a:schemeClr val="tx1"/>
+                </a:solidFill>
+                <a:effectLst/>
+                <a:latin typeface="+mn-lt"/>
+                <a:ea typeface="+mn-ea"/>
+                <a:cs typeface="+mn-cs"/>
+              </a:rPr>
+              <a:t>of</a:t>
+            </a:r>
+            <a:r>
+              <a:rPr lang="de-DE" sz="1200" b="0" i="0" kern="1200" dirty="0">
+                <a:solidFill>
+                  <a:schemeClr val="tx1"/>
+                </a:solidFill>
+                <a:effectLst/>
+                <a:latin typeface="+mn-lt"/>
+                <a:ea typeface="+mn-ea"/>
+                <a:cs typeface="+mn-cs"/>
+              </a:rPr>
+              <a:t> ARCH </a:t>
+            </a:r>
+            <a:r>
+              <a:rPr lang="de-DE" sz="1200" b="0" i="0" kern="1200" dirty="0" err="1">
+                <a:solidFill>
+                  <a:schemeClr val="tx1"/>
+                </a:solidFill>
+                <a:effectLst/>
+                <a:latin typeface="+mn-lt"/>
+                <a:ea typeface="+mn-ea"/>
+                <a:cs typeface="+mn-cs"/>
+              </a:rPr>
+              <a:t>effects</a:t>
             </a:r>
             <a:endParaRPr lang="de-DE" dirty="0"/>
           </a:p>
-          <a:p>
-            <a:endParaRPr lang="de-DE" dirty="0"/>
-          </a:p>
-        </p:txBody>
-      </p:sp>
-      <p:sp>
-        <p:nvSpPr>
-          <p:cNvPr id="4" name="Foliennummernplatzhalter 3"/>
+        </p:txBody>
+      </p:sp>
+      <p:sp>
+        <p:nvSpPr>
+          <p:cNvPr id="4" name="Slide Number Placeholder 3"/>
           <p:cNvSpPr>
             <a:spLocks noGrp="1"/>
           </p:cNvSpPr>
@@ -1520,7 +2634,7 @@
             <a:fld id="{6706D1AF-4C0D-4753-9D96-DDC1A4BC5412}" type="slidenum">
               <a:rPr lang="de-DE" smtClean="0"/>
               <a:pPr/>
-              <a:t>14</a:t>
+              <a:t>16</a:t>
             </a:fld>
             <a:endParaRPr lang="de-DE"/>
           </a:p>
@@ -1529,7 +2643,92 @@
     </p:spTree>
     <p:extLst>
       <p:ext uri="{BB962C8B-B14F-4D97-AF65-F5344CB8AC3E}">
-        <p14:creationId xmlns:p14="http://schemas.microsoft.com/office/powerpoint/2010/main" val="2636073468"/>
+        <p14:creationId xmlns:p14="http://schemas.microsoft.com/office/powerpoint/2010/main" val="456308351"/>
+      </p:ext>
+    </p:extLst>
+  </p:cSld>
+  <p:clrMapOvr>
+    <a:masterClrMapping/>
+  </p:clrMapOvr>
+</p:notes>
+</file>
+
+<file path=ppt/notesSlides/notesSlide9.xml><?xml version="1.0" encoding="utf-8"?>
+<p:notes xmlns:a="http://schemas.openxmlformats.org/drawingml/2006/main" xmlns:r="http://schemas.openxmlformats.org/officeDocument/2006/relationships" xmlns:p="http://schemas.openxmlformats.org/presentationml/2006/main">
+  <p:cSld>
+    <p:spTree>
+      <p:nvGrpSpPr>
+        <p:cNvPr id="1" name=""/>
+        <p:cNvGrpSpPr/>
+        <p:nvPr/>
+      </p:nvGrpSpPr>
+      <p:grpSpPr>
+        <a:xfrm>
+          <a:off x="0" y="0"/>
+          <a:ext cx="0" cy="0"/>
+          <a:chOff x="0" y="0"/>
+          <a:chExt cx="0" cy="0"/>
+        </a:xfrm>
+      </p:grpSpPr>
+      <p:sp>
+        <p:nvSpPr>
+          <p:cNvPr id="2" name="Slide Image Placeholder 1"/>
+          <p:cNvSpPr>
+            <a:spLocks noGrp="1" noRot="1" noChangeAspect="1"/>
+          </p:cNvSpPr>
+          <p:nvPr>
+            <p:ph type="sldImg"/>
+          </p:nvPr>
+        </p:nvSpPr>
+        <p:spPr/>
+      </p:sp>
+      <p:sp>
+        <p:nvSpPr>
+          <p:cNvPr id="3" name="Notes Placeholder 2"/>
+          <p:cNvSpPr>
+            <a:spLocks noGrp="1"/>
+          </p:cNvSpPr>
+          <p:nvPr>
+            <p:ph type="body" idx="1"/>
+          </p:nvPr>
+        </p:nvSpPr>
+        <p:spPr/>
+        <p:txBody>
+          <a:bodyPr/>
+          <a:lstStyle/>
+          <a:p>
+            <a:endParaRPr lang="de-DE" dirty="0"/>
+          </a:p>
+        </p:txBody>
+      </p:sp>
+      <p:sp>
+        <p:nvSpPr>
+          <p:cNvPr id="4" name="Slide Number Placeholder 3"/>
+          <p:cNvSpPr>
+            <a:spLocks noGrp="1"/>
+          </p:cNvSpPr>
+          <p:nvPr>
+            <p:ph type="sldNum" sz="quarter" idx="10"/>
+          </p:nvPr>
+        </p:nvSpPr>
+        <p:spPr/>
+        <p:txBody>
+          <a:bodyPr/>
+          <a:lstStyle/>
+          <a:p>
+            <a:fld id="{6706D1AF-4C0D-4753-9D96-DDC1A4BC5412}" type="slidenum">
+              <a:rPr lang="de-DE" smtClean="0"/>
+              <a:pPr/>
+              <a:t>17</a:t>
+            </a:fld>
+            <a:endParaRPr lang="de-DE"/>
+          </a:p>
+        </p:txBody>
+      </p:sp>
+    </p:spTree>
+    <p:extLst>
+      <p:ext uri="{BB962C8B-B14F-4D97-AF65-F5344CB8AC3E}">
+        <p14:creationId xmlns:p14="http://schemas.microsoft.com/office/powerpoint/2010/main" val="3478881884"/>
       </p:ext>
     </p:extLst>
   </p:cSld>
@@ -1684,10 +2883,9 @@
           </a:lstStyle>
           <a:p>
             <a:r>
-              <a:rPr lang="de-DE" dirty="0" smtClean="0"/>
+              <a:rPr lang="de-DE" dirty="0"/>
               <a:t>Time Series Analysis – Sommersemester 2018</a:t>
             </a:r>
-            <a:endParaRPr lang="de-DE" dirty="0"/>
           </a:p>
         </p:txBody>
       </p:sp>
@@ -1940,7 +3138,7 @@
             <a:fld id="{C6F490E5-6BD8-4297-ACA2-2AC87192B70F}" type="datetime1">
               <a:rPr lang="de-DE" smtClean="0"/>
               <a:pPr/>
-              <a:t>03.08.2018</a:t>
+              <a:t>04.08.18</a:t>
             </a:fld>
             <a:endParaRPr lang="de-DE"/>
           </a:p>
@@ -1964,7 +3162,7 @@
             <a:fld id="{015363AA-F6CB-4A58-B5AD-B2CDFEAF0813}" type="slidenum">
               <a:rPr lang="de-DE" smtClean="0"/>
               <a:pPr/>
-              <a:t>‹Nr.›</a:t>
+              <a:t>‹#›</a:t>
             </a:fld>
             <a:endParaRPr lang="de-DE"/>
           </a:p>
@@ -1986,10 +3184,9 @@
           <a:lstStyle/>
           <a:p>
             <a:r>
-              <a:rPr lang="de-DE" dirty="0" smtClean="0"/>
+              <a:rPr lang="de-DE" dirty="0"/>
               <a:t>Time Series Analysis – Sommersemester 2018</a:t>
             </a:r>
-            <a:endParaRPr lang="de-DE" dirty="0"/>
           </a:p>
         </p:txBody>
       </p:sp>
@@ -2241,7 +3438,7 @@
             <a:fld id="{18321833-73FA-4B7B-8368-585F78905B8E}" type="datetime1">
               <a:rPr lang="de-DE" smtClean="0"/>
               <a:pPr/>
-              <a:t>03.08.2018</a:t>
+              <a:t>04.08.18</a:t>
             </a:fld>
             <a:endParaRPr lang="de-DE"/>
           </a:p>
@@ -2263,10 +3460,9 @@
           <a:lstStyle/>
           <a:p>
             <a:r>
-              <a:rPr lang="de-DE" dirty="0" smtClean="0"/>
+              <a:rPr lang="de-DE" dirty="0"/>
               <a:t>Time Series Analysis – Sommersemester 2018</a:t>
             </a:r>
-            <a:endParaRPr lang="de-DE" dirty="0"/>
           </a:p>
         </p:txBody>
       </p:sp>
@@ -2288,7 +3484,7 @@
             <a:fld id="{015363AA-F6CB-4A58-B5AD-B2CDFEAF0813}" type="slidenum">
               <a:rPr lang="de-DE" smtClean="0"/>
               <a:pPr/>
-              <a:t>‹Nr.›</a:t>
+              <a:t>‹#›</a:t>
             </a:fld>
             <a:endParaRPr lang="de-DE"/>
           </a:p>
@@ -2359,7 +3555,7 @@
             <a:fld id="{3E1C52E8-7F49-4B86-AEB2-23BC7104D5B2}" type="datetime1">
               <a:rPr lang="de-DE" smtClean="0"/>
               <a:pPr/>
-              <a:t>03.08.2018</a:t>
+              <a:t>04.08.18</a:t>
             </a:fld>
             <a:endParaRPr lang="de-DE"/>
           </a:p>
@@ -2381,10 +3577,9 @@
           <a:lstStyle/>
           <a:p>
             <a:r>
-              <a:rPr lang="de-DE" dirty="0" smtClean="0"/>
+              <a:rPr lang="de-DE" dirty="0"/>
               <a:t>Time Series Analysis – Sommersemester 2018</a:t>
             </a:r>
-            <a:endParaRPr lang="de-DE" dirty="0"/>
           </a:p>
         </p:txBody>
       </p:sp>
@@ -2406,7 +3601,7 @@
             <a:fld id="{015363AA-F6CB-4A58-B5AD-B2CDFEAF0813}" type="slidenum">
               <a:rPr lang="de-DE" smtClean="0"/>
               <a:pPr/>
-              <a:t>‹Nr.›</a:t>
+              <a:t>‹#›</a:t>
             </a:fld>
             <a:endParaRPr lang="de-DE"/>
           </a:p>
@@ -2624,7 +3819,7 @@
             <a:fld id="{3E1C52E8-7F49-4B86-AEB2-23BC7104D5B2}" type="datetime1">
               <a:rPr lang="de-DE" smtClean="0"/>
               <a:pPr/>
-              <a:t>03.08.2018</a:t>
+              <a:t>04.08.18</a:t>
             </a:fld>
             <a:endParaRPr lang="de-DE"/>
           </a:p>
@@ -2646,10 +3841,9 @@
           <a:lstStyle/>
           <a:p>
             <a:r>
-              <a:rPr lang="de-DE" dirty="0" smtClean="0"/>
+              <a:rPr lang="de-DE" dirty="0"/>
               <a:t>Time Series Analysis – Sommersemester 2018</a:t>
             </a:r>
-            <a:endParaRPr lang="de-DE" dirty="0"/>
           </a:p>
         </p:txBody>
       </p:sp>
@@ -2671,7 +3865,7 @@
             <a:fld id="{015363AA-F6CB-4A58-B5AD-B2CDFEAF0813}" type="slidenum">
               <a:rPr lang="de-DE" smtClean="0"/>
               <a:pPr/>
-              <a:t>‹Nr.›</a:t>
+              <a:t>‹#›</a:t>
             </a:fld>
             <a:endParaRPr lang="de-DE"/>
           </a:p>
@@ -3327,7 +4521,7 @@
             <a:fld id="{DA5DE712-6C0E-4DF7-B336-AC97213DC93D}" type="datetime1">
               <a:rPr lang="de-DE" smtClean="0"/>
               <a:pPr/>
-              <a:t>03.08.2018</a:t>
+              <a:t>04.08.18</a:t>
             </a:fld>
             <a:endParaRPr lang="de-DE"/>
           </a:p>
@@ -3349,10 +4543,9 @@
           <a:lstStyle/>
           <a:p>
             <a:r>
-              <a:rPr lang="de-DE" dirty="0" smtClean="0"/>
+              <a:rPr lang="de-DE" dirty="0"/>
               <a:t>Time Series Analysis – Sommersemester 2018</a:t>
             </a:r>
-            <a:endParaRPr lang="de-DE" dirty="0"/>
           </a:p>
         </p:txBody>
       </p:sp>
@@ -3374,7 +4567,7 @@
             <a:fld id="{015363AA-F6CB-4A58-B5AD-B2CDFEAF0813}" type="slidenum">
               <a:rPr lang="de-DE" smtClean="0"/>
               <a:pPr/>
-              <a:t>‹Nr.›</a:t>
+              <a:t>‹#›</a:t>
             </a:fld>
             <a:endParaRPr lang="de-DE"/>
           </a:p>
@@ -3891,7 +5084,7 @@
             <a:fld id="{DA5DE712-6C0E-4DF7-B336-AC97213DC93D}" type="datetime1">
               <a:rPr lang="de-DE" smtClean="0"/>
               <a:pPr/>
-              <a:t>03.08.2018</a:t>
+              <a:t>04.08.18</a:t>
             </a:fld>
             <a:endParaRPr lang="de-DE"/>
           </a:p>
@@ -3913,10 +5106,9 @@
           <a:lstStyle/>
           <a:p>
             <a:r>
-              <a:rPr lang="de-DE" dirty="0" smtClean="0"/>
+              <a:rPr lang="de-DE" dirty="0"/>
               <a:t>Time Series Analysis – Sommersemester 2018</a:t>
             </a:r>
-            <a:endParaRPr lang="de-DE" dirty="0"/>
           </a:p>
         </p:txBody>
       </p:sp>
@@ -3938,7 +5130,7 @@
             <a:fld id="{015363AA-F6CB-4A58-B5AD-B2CDFEAF0813}" type="slidenum">
               <a:rPr lang="de-DE" smtClean="0"/>
               <a:pPr/>
-              <a:t>‹Nr.›</a:t>
+              <a:t>‹#›</a:t>
             </a:fld>
             <a:endParaRPr lang="de-DE"/>
           </a:p>
@@ -4195,7 +5387,7 @@
             <a:fld id="{19A0FC43-5E73-44C2-BFDB-9FAD1E8FED0E}" type="datetime1">
               <a:rPr lang="de-DE" smtClean="0"/>
               <a:pPr/>
-              <a:t>03.08.2018</a:t>
+              <a:t>04.08.18</a:t>
             </a:fld>
             <a:endParaRPr lang="de-DE"/>
           </a:p>
@@ -4217,10 +5409,9 @@
           <a:lstStyle/>
           <a:p>
             <a:r>
-              <a:rPr lang="de-DE" dirty="0" smtClean="0"/>
+              <a:rPr lang="de-DE" dirty="0"/>
               <a:t>Time Series Analysis – Sommersemester 2018</a:t>
             </a:r>
-            <a:endParaRPr lang="de-DE" dirty="0"/>
           </a:p>
         </p:txBody>
       </p:sp>
@@ -4242,7 +5433,7 @@
             <a:fld id="{015363AA-F6CB-4A58-B5AD-B2CDFEAF0813}" type="slidenum">
               <a:rPr lang="de-DE" smtClean="0"/>
               <a:pPr/>
-              <a:t>‹Nr.›</a:t>
+              <a:t>‹#›</a:t>
             </a:fld>
             <a:endParaRPr lang="de-DE"/>
           </a:p>
@@ -4473,7 +5664,7 @@
             <a:fld id="{065E8A4D-8D16-457C-AFD8-844AF28C1B14}" type="datetime1">
               <a:rPr lang="de-DE" smtClean="0"/>
               <a:pPr/>
-              <a:t>03.08.2018</a:t>
+              <a:t>04.08.18</a:t>
             </a:fld>
             <a:endParaRPr lang="de-DE"/>
           </a:p>
@@ -4495,10 +5686,9 @@
           <a:lstStyle/>
           <a:p>
             <a:r>
-              <a:rPr lang="de-DE" dirty="0" smtClean="0"/>
+              <a:rPr lang="de-DE" dirty="0"/>
               <a:t>Time Series Analysis – Sommersemester 2018</a:t>
             </a:r>
-            <a:endParaRPr lang="de-DE" dirty="0"/>
           </a:p>
         </p:txBody>
       </p:sp>
@@ -4520,7 +5710,7 @@
             <a:fld id="{015363AA-F6CB-4A58-B5AD-B2CDFEAF0813}" type="slidenum">
               <a:rPr lang="de-DE" smtClean="0"/>
               <a:pPr/>
-              <a:t>‹Nr.›</a:t>
+              <a:t>‹#›</a:t>
             </a:fld>
             <a:endParaRPr lang="de-DE"/>
           </a:p>
@@ -4676,7 +5866,7 @@
             <a:fld id="{6DB845E5-DACF-426C-8A10-A6438D29DD66}" type="datetime1">
               <a:rPr lang="de-DE" smtClean="0"/>
               <a:pPr/>
-              <a:t>03.08.2018</a:t>
+              <a:t>04.08.18</a:t>
             </a:fld>
             <a:endParaRPr lang="de-DE"/>
           </a:p>
@@ -4698,10 +5888,9 @@
           <a:lstStyle/>
           <a:p>
             <a:r>
-              <a:rPr lang="de-DE" dirty="0" smtClean="0"/>
+              <a:rPr lang="de-DE" dirty="0"/>
               <a:t>Time Series Analysis – Sommersemester 2018</a:t>
             </a:r>
-            <a:endParaRPr lang="de-DE" dirty="0"/>
           </a:p>
         </p:txBody>
       </p:sp>
@@ -4723,7 +5912,7 @@
             <a:fld id="{015363AA-F6CB-4A58-B5AD-B2CDFEAF0813}" type="slidenum">
               <a:rPr lang="de-DE" smtClean="0"/>
               <a:pPr/>
-              <a:t>‹Nr.›</a:t>
+              <a:t>‹#›</a:t>
             </a:fld>
             <a:endParaRPr lang="de-DE"/>
           </a:p>
@@ -4982,7 +6171,7 @@
             <a:fld id="{CA605C2C-549A-4615-A3C1-D5E9E9947B76}" type="datetime1">
               <a:rPr lang="de-DE" smtClean="0"/>
               <a:pPr/>
-              <a:t>03.08.2018</a:t>
+              <a:t>04.08.18</a:t>
             </a:fld>
             <a:endParaRPr lang="de-DE"/>
           </a:p>
@@ -5004,10 +6193,9 @@
           <a:lstStyle/>
           <a:p>
             <a:r>
-              <a:rPr lang="de-DE" dirty="0" smtClean="0"/>
+              <a:rPr lang="de-DE" dirty="0"/>
               <a:t>Time Series Analysis – Sommersemester 2018</a:t>
             </a:r>
-            <a:endParaRPr lang="de-DE" dirty="0"/>
           </a:p>
         </p:txBody>
       </p:sp>
@@ -5029,7 +6217,7 @@
             <a:fld id="{015363AA-F6CB-4A58-B5AD-B2CDFEAF0813}" type="slidenum">
               <a:rPr lang="de-DE" smtClean="0"/>
               <a:pPr/>
-              <a:t>‹Nr.›</a:t>
+              <a:t>‹#›</a:t>
             </a:fld>
             <a:endParaRPr lang="de-DE"/>
           </a:p>
@@ -5454,7 +6642,7 @@
             <a:fld id="{DA5DE712-6C0E-4DF7-B336-AC97213DC93D}" type="datetime1">
               <a:rPr lang="de-DE" smtClean="0"/>
               <a:pPr/>
-              <a:t>03.08.2018</a:t>
+              <a:t>04.08.18</a:t>
             </a:fld>
             <a:endParaRPr lang="de-DE"/>
           </a:p>
@@ -5476,10 +6664,9 @@
           <a:lstStyle/>
           <a:p>
             <a:r>
-              <a:rPr lang="de-DE" dirty="0" smtClean="0"/>
+              <a:rPr lang="de-DE" dirty="0"/>
               <a:t>Time Series Analysis – Sommersemester 2018</a:t>
             </a:r>
-            <a:endParaRPr lang="de-DE" dirty="0"/>
           </a:p>
         </p:txBody>
       </p:sp>
@@ -5501,7 +6688,7 @@
             <a:fld id="{015363AA-F6CB-4A58-B5AD-B2CDFEAF0813}" type="slidenum">
               <a:rPr lang="de-DE" smtClean="0"/>
               <a:pPr/>
-              <a:t>‹Nr.›</a:t>
+              <a:t>‹#›</a:t>
             </a:fld>
             <a:endParaRPr lang="de-DE"/>
           </a:p>
@@ -5926,7 +7113,7 @@
             <a:fld id="{DA5DE712-6C0E-4DF7-B336-AC97213DC93D}" type="datetime1">
               <a:rPr lang="de-DE" smtClean="0"/>
               <a:pPr/>
-              <a:t>03.08.2018</a:t>
+              <a:t>04.08.18</a:t>
             </a:fld>
             <a:endParaRPr lang="de-DE"/>
           </a:p>
@@ -5948,10 +7135,9 @@
           <a:lstStyle/>
           <a:p>
             <a:r>
-              <a:rPr lang="de-DE" dirty="0" smtClean="0"/>
+              <a:rPr lang="de-DE" dirty="0"/>
               <a:t>Time Series Analysis – Sommersemester 2018</a:t>
             </a:r>
-            <a:endParaRPr lang="de-DE" dirty="0"/>
           </a:p>
         </p:txBody>
       </p:sp>
@@ -5973,7 +7159,7 @@
             <a:fld id="{015363AA-F6CB-4A58-B5AD-B2CDFEAF0813}" type="slidenum">
               <a:rPr lang="de-DE" smtClean="0"/>
               <a:pPr/>
-              <a:t>‹Nr.›</a:t>
+              <a:t>‹#›</a:t>
             </a:fld>
             <a:endParaRPr lang="de-DE"/>
           </a:p>
@@ -6198,7 +7384,7 @@
             <a:fld id="{12CE0ACD-0B71-463F-9507-4095300257BC}" type="datetime1">
               <a:rPr lang="de-DE" smtClean="0"/>
               <a:pPr/>
-              <a:t>03.08.2018</a:t>
+              <a:t>04.08.18</a:t>
             </a:fld>
             <a:endParaRPr lang="de-DE"/>
           </a:p>
@@ -6220,10 +7406,9 @@
           <a:lstStyle/>
           <a:p>
             <a:r>
-              <a:rPr lang="de-DE" dirty="0" smtClean="0"/>
+              <a:rPr lang="de-DE" dirty="0"/>
               <a:t>Time Series Analysis – Sommersemester 2018</a:t>
             </a:r>
-            <a:endParaRPr lang="de-DE" dirty="0"/>
           </a:p>
         </p:txBody>
       </p:sp>
@@ -6245,7 +7430,7 @@
             <a:fld id="{015363AA-F6CB-4A58-B5AD-B2CDFEAF0813}" type="slidenum">
               <a:rPr lang="de-DE" smtClean="0"/>
               <a:pPr/>
-              <a:t>‹Nr.›</a:t>
+              <a:t>‹#›</a:t>
             </a:fld>
             <a:endParaRPr lang="de-DE"/>
           </a:p>
@@ -6342,7 +7527,7 @@
             <a:fld id="{89026A34-A4A3-4CC2-B452-9E4A0F73B38C}" type="datetime1">
               <a:rPr lang="de-DE" smtClean="0"/>
               <a:pPr/>
-              <a:t>03.08.2018</a:t>
+              <a:t>04.08.18</a:t>
             </a:fld>
             <a:endParaRPr lang="de-DE"/>
           </a:p>
@@ -6364,10 +7549,9 @@
           <a:lstStyle/>
           <a:p>
             <a:r>
-              <a:rPr lang="de-DE" dirty="0" smtClean="0"/>
+              <a:rPr lang="de-DE" dirty="0"/>
               <a:t>Time Series Analysis – Sommersemester 2018</a:t>
             </a:r>
-            <a:endParaRPr lang="de-DE" dirty="0"/>
           </a:p>
         </p:txBody>
       </p:sp>
@@ -6389,7 +7573,7 @@
             <a:fld id="{015363AA-F6CB-4A58-B5AD-B2CDFEAF0813}" type="slidenum">
               <a:rPr lang="de-DE" smtClean="0"/>
               <a:pPr/>
-              <a:t>‹Nr.›</a:t>
+              <a:t>‹#›</a:t>
             </a:fld>
             <a:endParaRPr lang="de-DE"/>
           </a:p>
@@ -6621,7 +7805,7 @@
             <a:fld id="{D509922F-D4D2-4984-9115-CE10B66F29DF}" type="datetime1">
               <a:rPr lang="de-DE" smtClean="0"/>
               <a:pPr/>
-              <a:t>03.08.2018</a:t>
+              <a:t>04.08.18</a:t>
             </a:fld>
             <a:endParaRPr lang="de-DE"/>
           </a:p>
@@ -6643,10 +7827,9 @@
           <a:lstStyle/>
           <a:p>
             <a:r>
-              <a:rPr lang="de-DE" dirty="0" smtClean="0"/>
+              <a:rPr lang="de-DE" dirty="0"/>
               <a:t>Time Series Analysis – Sommersemester 2018</a:t>
             </a:r>
-            <a:endParaRPr lang="de-DE" dirty="0"/>
           </a:p>
         </p:txBody>
       </p:sp>
@@ -6668,7 +7851,7 @@
             <a:fld id="{015363AA-F6CB-4A58-B5AD-B2CDFEAF0813}" type="slidenum">
               <a:rPr lang="de-DE" smtClean="0"/>
               <a:pPr/>
-              <a:t>‹Nr.›</a:t>
+              <a:t>‹#›</a:t>
             </a:fld>
             <a:endParaRPr lang="de-DE"/>
           </a:p>
@@ -6940,7 +8123,7 @@
             <a:fld id="{9624F9CC-0A0D-4C8D-81F7-82F64A12AE8F}" type="datetime1">
               <a:rPr lang="de-DE" smtClean="0"/>
               <a:pPr/>
-              <a:t>03.08.2018</a:t>
+              <a:t>04.08.18</a:t>
             </a:fld>
             <a:endParaRPr lang="de-DE"/>
           </a:p>
@@ -6983,10 +8166,9 @@
           </a:lstStyle>
           <a:p>
             <a:r>
-              <a:rPr lang="de-DE" dirty="0" smtClean="0"/>
+              <a:rPr lang="de-DE" dirty="0"/>
               <a:t>Time Series Analysis – Sommersemester 2018</a:t>
             </a:r>
-            <a:endParaRPr lang="de-DE" dirty="0"/>
           </a:p>
         </p:txBody>
       </p:sp>
@@ -7029,7 +8211,7 @@
             <a:fld id="{015363AA-F6CB-4A58-B5AD-B2CDFEAF0813}" type="slidenum">
               <a:rPr lang="de-DE" smtClean="0"/>
               <a:pPr/>
-              <a:t>‹Nr.›</a:t>
+              <a:t>‹#›</a:t>
             </a:fld>
             <a:endParaRPr lang="de-DE"/>
           </a:p>
@@ -7372,12 +8554,8 @@
           <a:lstStyle/>
           <a:p>
             <a:r>
-              <a:rPr lang="de-DE" dirty="0" smtClean="0"/>
+              <a:rPr lang="de-DE" dirty="0"/>
               <a:t>Time Serie Analysis:</a:t>
-            </a:r>
-            <a:r>
-              <a:rPr lang="de-DE" dirty="0"/>
-              <a:t/>
             </a:r>
             <a:br>
               <a:rPr lang="de-DE" dirty="0"/>
@@ -7420,19 +8598,19 @@
               </a:spcAft>
             </a:pPr>
             <a:r>
-              <a:rPr lang="de-DE" sz="1200" dirty="0" smtClean="0"/>
+              <a:rPr lang="de-DE" sz="1200" dirty="0"/>
               <a:t>Jannis Landwehr, Björn Mohr, Mirco </a:t>
             </a:r>
             <a:r>
-              <a:rPr lang="de-DE" sz="1200" dirty="0" err="1" smtClean="0"/>
+              <a:rPr lang="de-DE" sz="1200" dirty="0" err="1"/>
               <a:t>Pyrtek</a:t>
             </a:r>
             <a:r>
-              <a:rPr lang="de-DE" sz="1200" dirty="0" smtClean="0"/>
+              <a:rPr lang="de-DE" sz="1200" dirty="0"/>
               <a:t>, Nicolas </a:t>
             </a:r>
             <a:r>
-              <a:rPr lang="de-DE" sz="1200" dirty="0" err="1" smtClean="0"/>
+              <a:rPr lang="de-DE" sz="1200" dirty="0" err="1"/>
               <a:t>Räsch</a:t>
             </a:r>
             <a:endParaRPr lang="de-DE" sz="1200" dirty="0"/>
@@ -7511,13 +8689,8 @@
           <a:p>
             <a:r>
               <a:rPr lang="de-DE" dirty="0"/>
-              <a:t>Versuchsreihe: Datensimulation </a:t>
-            </a:r>
-            <a:r>
-              <a:rPr lang="de-DE" dirty="0" smtClean="0"/>
-              <a:t>– Anmerkungen </a:t>
-            </a:r>
-            <a:endParaRPr lang="de-DE" dirty="0"/>
+              <a:t>Versuchsreihe: Datensimulation – Anmerkungen </a:t>
+            </a:r>
           </a:p>
         </p:txBody>
       </p:sp>
@@ -7538,10 +8711,9 @@
           <a:p>
             <a:pPr algn="ctr"/>
             <a:r>
-              <a:rPr lang="de-DE" dirty="0" smtClean="0"/>
+              <a:rPr lang="de-DE" dirty="0"/>
               <a:t>ARCH(1)</a:t>
             </a:r>
-            <a:endParaRPr lang="de-DE" dirty="0"/>
           </a:p>
         </p:txBody>
       </p:sp>
@@ -7563,18 +8735,9 @@
               <a:lstStyle/>
               <a:p>
                 <a:r>
-                  <a:rPr lang="de-DE" dirty="0" smtClean="0"/>
-                  <a:t>Daten </a:t>
+                  <a:rPr lang="de-DE" dirty="0"/>
+                  <a:t>Daten im Zeitreihenkontext mit n = 1000</a:t>
                 </a:r>
-                <a:r>
-                  <a:rPr lang="de-DE" dirty="0"/>
-                  <a:t>im Zeitreihenkontext mit n = </a:t>
-                </a:r>
-                <a:r>
-                  <a:rPr lang="de-DE" dirty="0" smtClean="0"/>
-                  <a:t>1000</a:t>
-                </a:r>
-                <a:endParaRPr lang="de-DE" dirty="0"/>
               </a:p>
               <a:p>
                 <a14:m>
@@ -7926,10 +9089,10 @@
                   <a:t> </a:t>
                 </a:r>
                 <a:r>
-                  <a:rPr lang="de-DE" dirty="0" err="1" smtClean="0"/>
+                  <a:rPr lang="de-DE" dirty="0" err="1"/>
                   <a:t>noise</a:t>
                 </a:r>
-                <a:endParaRPr lang="de-DE" dirty="0" smtClean="0"/>
+                <a:endParaRPr lang="de-DE" dirty="0"/>
               </a:p>
               <a:p>
                 <a:endParaRPr lang="de-DE" dirty="0"/>
@@ -7988,10 +9151,9 @@
           <a:p>
             <a:pPr algn="ctr"/>
             <a:r>
-              <a:rPr lang="de-DE" dirty="0" smtClean="0"/>
+              <a:rPr lang="de-DE" dirty="0"/>
               <a:t>ARCH(3)</a:t>
             </a:r>
-            <a:endParaRPr lang="de-DE" dirty="0"/>
           </a:p>
         </p:txBody>
       </p:sp>
@@ -8013,18 +9175,9 @@
               <a:lstStyle/>
               <a:p>
                 <a:r>
-                  <a:rPr lang="de-DE" dirty="0" smtClean="0"/>
-                  <a:t>Daten </a:t>
+                  <a:rPr lang="de-DE" dirty="0"/>
+                  <a:t>Daten im Zeitreihenkontext mit n = 1000</a:t>
                 </a:r>
-                <a:r>
-                  <a:rPr lang="de-DE" dirty="0"/>
-                  <a:t>im Zeitreihenkontext mit n = </a:t>
-                </a:r>
-                <a:r>
-                  <a:rPr lang="de-DE" dirty="0" smtClean="0"/>
-                  <a:t>1000</a:t>
-                </a:r>
-                <a:endParaRPr lang="de-DE" dirty="0"/>
               </a:p>
               <a:p>
                 <a14:m>
@@ -8576,7 +9729,7 @@
                   <a:t> </a:t>
                 </a:r>
                 <a:r>
-                  <a:rPr lang="de-DE" dirty="0" err="1" smtClean="0"/>
+                  <a:rPr lang="de-DE" dirty="0" err="1"/>
                   <a:t>noise</a:t>
                 </a:r>
                 <a:endParaRPr lang="de-DE" dirty="0"/>
@@ -8636,7 +9789,7 @@
             <a:fld id="{DA5DE712-6C0E-4DF7-B336-AC97213DC93D}" type="datetime1">
               <a:rPr lang="de-DE" smtClean="0"/>
               <a:pPr/>
-              <a:t>03.08.2018</a:t>
+              <a:t>04.08.18</a:t>
             </a:fld>
             <a:endParaRPr lang="de-DE"/>
           </a:p>
@@ -8658,10 +9811,9 @@
           <a:lstStyle/>
           <a:p>
             <a:r>
-              <a:rPr lang="de-DE" dirty="0" smtClean="0"/>
+              <a:rPr lang="de-DE" dirty="0"/>
               <a:t>Time Series Analysis – Sommersemester 2018</a:t>
             </a:r>
-            <a:endParaRPr lang="de-DE" dirty="0"/>
           </a:p>
         </p:txBody>
       </p:sp>
@@ -8707,20 +9859,15 @@
               <a:lstStyle/>
               <a:p>
                 <a:r>
-                  <a:rPr lang="de-DE" dirty="0" smtClean="0"/>
+                  <a:rPr lang="de-DE" dirty="0"/>
                   <a:t>Selbst erzeugt</a:t>
                 </a:r>
               </a:p>
               <a:p>
                 <a:r>
                   <a:rPr lang="de-DE" dirty="0"/>
-                  <a:t>Daten im Zeitreihenkontext mit n = </a:t>
+                  <a:t>Daten im Zeitreihenkontext mit n = 100000</a:t>
                 </a:r>
-                <a:r>
-                  <a:rPr lang="de-DE" dirty="0" smtClean="0"/>
-                  <a:t>100000</a:t>
-                </a:r>
-                <a:endParaRPr lang="de-DE" dirty="0"/>
               </a:p>
               <a:p>
                 <a14:m>
@@ -9177,7 +10324,7 @@
                   <a:t> </a:t>
                 </a:r>
                 <a:r>
-                  <a:rPr lang="de-DE" dirty="0" err="1" smtClean="0"/>
+                  <a:rPr lang="de-DE" dirty="0" err="1"/>
                   <a:t>noise</a:t>
                 </a:r>
                 <a:endParaRPr lang="de-DE" dirty="0"/>
@@ -9236,10 +10383,9 @@
           <a:p>
             <a:pPr algn="ctr"/>
             <a:r>
-              <a:rPr lang="de-DE" dirty="0" smtClean="0"/>
+              <a:rPr lang="de-DE" dirty="0"/>
               <a:t>GARCH(1,1)</a:t>
             </a:r>
-            <a:endParaRPr lang="de-DE" dirty="0"/>
           </a:p>
         </p:txBody>
       </p:sp>
@@ -9380,20 +10526,15 @@
           <a:p>
             <a:r>
               <a:rPr lang="de-DE" dirty="0"/>
-              <a:t>Versuchsreihe: </a:t>
-            </a:r>
-            <a:r>
-              <a:rPr lang="de-DE" dirty="0" smtClean="0"/>
-              <a:t>Datensimulation – Ergebnisse</a:t>
+              <a:t>Versuchsreihe: Datensimulation – Ergebnisse</a:t>
             </a:r>
             <a:br>
-              <a:rPr lang="de-DE" dirty="0" smtClean="0"/>
+              <a:rPr lang="de-DE" dirty="0"/>
             </a:br>
             <a:r>
-              <a:rPr lang="de-DE" sz="1600" dirty="0" smtClean="0"/>
+              <a:rPr lang="de-DE" sz="1600" dirty="0"/>
               <a:t>ARCH(1)-Daten</a:t>
             </a:r>
-            <a:endParaRPr lang="de-DE" sz="1600" dirty="0"/>
           </a:p>
         </p:txBody>
       </p:sp>
@@ -9413,10 +10554,9 @@
           <a:lstStyle/>
           <a:p>
             <a:r>
-              <a:rPr lang="de-DE" dirty="0" smtClean="0"/>
+              <a:rPr lang="de-DE" dirty="0"/>
               <a:t>Informationskriterien</a:t>
             </a:r>
-            <a:endParaRPr lang="de-DE" dirty="0"/>
           </a:p>
         </p:txBody>
       </p:sp>
@@ -9493,7 +10633,7 @@
                     <a:p>
                       <a:pPr algn="l" fontAlgn="b"/>
                       <a:r>
-                        <a:rPr lang="de-DE" sz="1100" u="none" strike="noStrike" dirty="0" smtClean="0">
+                        <a:rPr lang="de-DE" sz="1100" u="none" strike="noStrike" dirty="0">
                           <a:effectLst/>
                         </a:rPr>
                         <a:t>Prozess</a:t>
@@ -9516,7 +10656,7 @@
                     <a:p>
                       <a:pPr algn="l" fontAlgn="b"/>
                       <a:r>
-                        <a:rPr lang="de-DE" sz="1100" u="none" strike="noStrike" dirty="0" smtClean="0">
+                        <a:rPr lang="de-DE" sz="1100" u="none" strike="noStrike" dirty="0">
                           <a:effectLst/>
                         </a:rPr>
                         <a:t>Ordnung</a:t>
@@ -9539,7 +10679,7 @@
                     <a:p>
                       <a:pPr algn="l" fontAlgn="b"/>
                       <a:r>
-                        <a:rPr lang="de-DE" sz="1100" u="none" strike="noStrike" dirty="0" err="1" smtClean="0">
+                        <a:rPr lang="de-DE" sz="1100" u="none" strike="noStrike" dirty="0" err="1">
                           <a:effectLst/>
                         </a:rPr>
                         <a:t>LogLik</a:t>
@@ -9638,7 +10778,7 @@
                     <a:p>
                       <a:pPr algn="l" fontAlgn="b"/>
                       <a:r>
-                        <a:rPr lang="de-DE" sz="1100" u="none" strike="noStrike" dirty="0" smtClean="0">
+                        <a:rPr lang="de-DE" sz="1100" u="none" strike="noStrike" dirty="0">
                           <a:effectLst/>
                         </a:rPr>
                         <a:t>ARCH(0)</a:t>
@@ -9771,7 +10911,7 @@
                     <a:p>
                       <a:pPr algn="l" fontAlgn="b"/>
                       <a:r>
-                        <a:rPr lang="de-DE" sz="1100" b="1" u="none" strike="noStrike" dirty="0" smtClean="0">
+                        <a:rPr lang="de-DE" sz="1100" b="1" u="none" strike="noStrike" dirty="0">
                           <a:effectLst/>
                         </a:rPr>
                         <a:t>ARCH(1)</a:t>
@@ -9940,7 +11080,7 @@
                     <a:p>
                       <a:pPr algn="l" fontAlgn="b"/>
                       <a:r>
-                        <a:rPr lang="de-DE" sz="1100" u="none" strike="noStrike" dirty="0" smtClean="0">
+                        <a:rPr lang="de-DE" sz="1100" u="none" strike="noStrike" dirty="0">
                           <a:effectLst/>
                         </a:rPr>
                         <a:t>ARCH(2)</a:t>
@@ -10073,7 +11213,7 @@
                     <a:p>
                       <a:pPr algn="l" fontAlgn="b"/>
                       <a:r>
-                        <a:rPr lang="de-DE" sz="1100" u="none" strike="noStrike" dirty="0" smtClean="0">
+                        <a:rPr lang="de-DE" sz="1100" u="none" strike="noStrike" dirty="0">
                           <a:effectLst/>
                         </a:rPr>
                         <a:t>ARCH(3)</a:t>
@@ -10206,7 +11346,7 @@
                     <a:p>
                       <a:pPr algn="l" fontAlgn="b"/>
                       <a:r>
-                        <a:rPr lang="de-DE" sz="1100" u="none" strike="noStrike" dirty="0" smtClean="0">
+                        <a:rPr lang="de-DE" sz="1100" u="none" strike="noStrike" dirty="0">
                           <a:effectLst/>
                         </a:rPr>
                         <a:t>ARCH(4)</a:t>
@@ -10339,7 +11479,7 @@
                     <a:p>
                       <a:pPr algn="l" fontAlgn="b"/>
                       <a:r>
-                        <a:rPr lang="de-DE" sz="1100" u="none" strike="noStrike" dirty="0" smtClean="0">
+                        <a:rPr lang="de-DE" sz="1100" u="none" strike="noStrike" dirty="0">
                           <a:effectLst/>
                         </a:rPr>
                         <a:t>ARCH(5)</a:t>
@@ -10472,7 +11612,7 @@
                     <a:p>
                       <a:pPr algn="l" fontAlgn="b"/>
                       <a:r>
-                        <a:rPr lang="de-DE" sz="1100" u="none" strike="noStrike" dirty="0" smtClean="0">
+                        <a:rPr lang="de-DE" sz="1100" u="none" strike="noStrike" dirty="0">
                           <a:effectLst/>
                         </a:rPr>
                         <a:t>ARCH(6)</a:t>
@@ -10605,7 +11745,7 @@
                     <a:p>
                       <a:pPr algn="l" fontAlgn="b"/>
                       <a:r>
-                        <a:rPr lang="de-DE" sz="1100" u="none" strike="noStrike" dirty="0" smtClean="0">
+                        <a:rPr lang="de-DE" sz="1100" u="none" strike="noStrike" dirty="0">
                           <a:effectLst/>
                         </a:rPr>
                         <a:t>ARCH(7)</a:t>
@@ -10738,7 +11878,7 @@
                     <a:p>
                       <a:pPr algn="l" fontAlgn="b"/>
                       <a:r>
-                        <a:rPr lang="de-DE" sz="1100" u="none" strike="noStrike" dirty="0" smtClean="0">
+                        <a:rPr lang="de-DE" sz="1100" u="none" strike="noStrike" dirty="0">
                           <a:effectLst/>
                         </a:rPr>
                         <a:t>ARCH(8)</a:t>
@@ -10871,7 +12011,7 @@
                     <a:p>
                       <a:pPr algn="l" fontAlgn="b"/>
                       <a:r>
-                        <a:rPr lang="de-DE" sz="1100" u="none" strike="noStrike" dirty="0" smtClean="0">
+                        <a:rPr lang="de-DE" sz="1100" u="none" strike="noStrike" dirty="0">
                           <a:effectLst/>
                         </a:rPr>
                         <a:t>GARCH(1,1)</a:t>
@@ -11018,7 +12158,7 @@
               <a:lstStyle/>
               <a:p>
                 <a:r>
-                  <a:rPr lang="de-DE" dirty="0" smtClean="0"/>
+                  <a:rPr lang="de-DE" dirty="0"/>
                   <a:t>PACF (</a:t>
                 </a:r>
                 <a14:m>
@@ -11051,10 +12191,9 @@
                   </m:oMath>
                 </a14:m>
                 <a:r>
-                  <a:rPr lang="de-DE" dirty="0" smtClean="0"/>
+                  <a:rPr lang="de-DE" dirty="0"/>
                   <a:t>)</a:t>
                 </a:r>
-                <a:endParaRPr lang="de-DE" dirty="0"/>
               </a:p>
             </p:txBody>
           </p:sp>
@@ -11140,7 +12279,7 @@
             <a:fld id="{DA5DE712-6C0E-4DF7-B336-AC97213DC93D}" type="datetime1">
               <a:rPr lang="de-DE" smtClean="0"/>
               <a:pPr/>
-              <a:t>03.08.2018</a:t>
+              <a:t>04.08.18</a:t>
             </a:fld>
             <a:endParaRPr lang="de-DE"/>
           </a:p>
@@ -11162,7 +12301,7 @@
           <a:lstStyle/>
           <a:p>
             <a:r>
-              <a:rPr lang="de-DE" smtClean="0"/>
+              <a:rPr lang="de-DE"/>
               <a:t>Time Series Analysis – Sommersemester 2018</a:t>
             </a:r>
             <a:endParaRPr lang="de-DE" dirty="0"/>
@@ -11211,20 +12350,19 @@
           <a:lstStyle/>
           <a:p>
             <a:r>
-              <a:rPr lang="de-DE" dirty="0" smtClean="0"/>
+              <a:rPr lang="de-DE" dirty="0"/>
               <a:t>Best fit: ARCH(1)-Modell</a:t>
             </a:r>
           </a:p>
           <a:p>
             <a:r>
-              <a:rPr lang="de-DE" dirty="0" smtClean="0"/>
+              <a:rPr lang="de-DE" dirty="0"/>
               <a:t>p-Wert Box-Pierce-Test der Residuen: </a:t>
             </a:r>
             <a:r>
-              <a:rPr lang="de-DE" b="1" dirty="0" smtClean="0"/>
+              <a:rPr lang="de-DE" b="1" dirty="0"/>
               <a:t>0.8669</a:t>
             </a:r>
-            <a:endParaRPr lang="de-DE" b="1" dirty="0"/>
           </a:p>
         </p:txBody>
       </p:sp>
@@ -11277,20 +12415,15 @@
           <a:p>
             <a:r>
               <a:rPr lang="de-DE" dirty="0"/>
-              <a:t>Versuchsreihe: </a:t>
-            </a:r>
-            <a:r>
-              <a:rPr lang="de-DE" dirty="0" smtClean="0"/>
-              <a:t>Datensimulation – Ergebnisse</a:t>
+              <a:t>Versuchsreihe: Datensimulation – Ergebnisse</a:t>
             </a:r>
             <a:br>
-              <a:rPr lang="de-DE" dirty="0" smtClean="0"/>
+              <a:rPr lang="de-DE" dirty="0"/>
             </a:br>
             <a:r>
-              <a:rPr lang="de-DE" sz="1600" dirty="0" smtClean="0"/>
+              <a:rPr lang="de-DE" sz="1600" dirty="0"/>
               <a:t>ARCH(3)-Daten</a:t>
             </a:r>
-            <a:endParaRPr lang="de-DE" sz="1600" dirty="0"/>
           </a:p>
         </p:txBody>
       </p:sp>
@@ -11334,12 +12467,8 @@
               <a:lstStyle/>
               <a:p>
                 <a:r>
-                  <a:rPr lang="de-DE" dirty="0" smtClean="0"/>
-                  <a:t>PACF</a:t>
-                </a:r>
-                <a:r>
                   <a:rPr lang="de-DE" dirty="0"/>
-                  <a:t> (</a:t>
+                  <a:t>PACF (</a:t>
                 </a:r>
                 <a14:m>
                   <m:oMath xmlns:m="http://schemas.openxmlformats.org/officeDocument/2006/math">
@@ -11485,7 +12614,7 @@
                     <a:p>
                       <a:pPr algn="l" fontAlgn="b"/>
                       <a:r>
-                        <a:rPr lang="de-DE" sz="1100" u="none" strike="noStrike" dirty="0" smtClean="0">
+                        <a:rPr lang="de-DE" sz="1100" u="none" strike="noStrike" dirty="0">
                           <a:effectLst/>
                         </a:rPr>
                         <a:t>Prozess</a:t>
@@ -11508,7 +12637,7 @@
                     <a:p>
                       <a:pPr algn="l" fontAlgn="b"/>
                       <a:r>
-                        <a:rPr lang="de-DE" sz="1100" u="none" strike="noStrike" dirty="0" smtClean="0">
+                        <a:rPr lang="de-DE" sz="1100" u="none" strike="noStrike" dirty="0">
                           <a:effectLst/>
                         </a:rPr>
                         <a:t>Ordnung</a:t>
@@ -11531,7 +12660,7 @@
                     <a:p>
                       <a:pPr algn="l" fontAlgn="b"/>
                       <a:r>
-                        <a:rPr lang="de-DE" sz="1100" u="none" strike="noStrike" dirty="0" err="1" smtClean="0">
+                        <a:rPr lang="de-DE" sz="1100" u="none" strike="noStrike" dirty="0" err="1">
                           <a:effectLst/>
                         </a:rPr>
                         <a:t>LogLik</a:t>
@@ -11630,7 +12759,7 @@
                     <a:p>
                       <a:pPr algn="l" fontAlgn="b"/>
                       <a:r>
-                        <a:rPr lang="de-DE" sz="1100" u="none" strike="noStrike" dirty="0" smtClean="0">
+                        <a:rPr lang="de-DE" sz="1100" u="none" strike="noStrike" dirty="0">
                           <a:effectLst/>
                         </a:rPr>
                         <a:t>ARCH(0)</a:t>
@@ -11763,7 +12892,7 @@
                     <a:p>
                       <a:pPr algn="l" fontAlgn="b"/>
                       <a:r>
-                        <a:rPr lang="de-DE" sz="1100" b="0" u="none" strike="noStrike" dirty="0" smtClean="0">
+                        <a:rPr lang="de-DE" sz="1100" b="0" u="none" strike="noStrike" dirty="0">
                           <a:effectLst/>
                         </a:rPr>
                         <a:t>ARCH(1)</a:t>
@@ -11908,7 +13037,7 @@
                     <a:p>
                       <a:pPr algn="l" fontAlgn="b"/>
                       <a:r>
-                        <a:rPr lang="de-DE" sz="1100" u="none" strike="noStrike" dirty="0" smtClean="0">
+                        <a:rPr lang="de-DE" sz="1100" u="none" strike="noStrike" dirty="0">
                           <a:effectLst/>
                         </a:rPr>
                         <a:t>ARCH(2)</a:t>
@@ -12041,7 +13170,7 @@
                     <a:p>
                       <a:pPr algn="l" fontAlgn="b"/>
                       <a:r>
-                        <a:rPr lang="de-DE" sz="1100" b="1" u="none" strike="noStrike" dirty="0" smtClean="0">
+                        <a:rPr lang="de-DE" sz="1100" b="1" u="none" strike="noStrike" dirty="0">
                           <a:effectLst/>
                         </a:rPr>
                         <a:t>ARCH(3)</a:t>
@@ -12210,7 +13339,7 @@
                     <a:p>
                       <a:pPr algn="l" fontAlgn="b"/>
                       <a:r>
-                        <a:rPr lang="de-DE" sz="1100" u="none" strike="noStrike" dirty="0" smtClean="0">
+                        <a:rPr lang="de-DE" sz="1100" u="none" strike="noStrike" dirty="0">
                           <a:effectLst/>
                         </a:rPr>
                         <a:t>ARCH(4)</a:t>
@@ -12343,7 +13472,7 @@
                     <a:p>
                       <a:pPr algn="l" fontAlgn="b"/>
                       <a:r>
-                        <a:rPr lang="de-DE" sz="1100" u="none" strike="noStrike" dirty="0" smtClean="0">
+                        <a:rPr lang="de-DE" sz="1100" u="none" strike="noStrike" dirty="0">
                           <a:effectLst/>
                         </a:rPr>
                         <a:t>ARCH(5)</a:t>
@@ -12476,7 +13605,7 @@
                     <a:p>
                       <a:pPr algn="l" fontAlgn="b"/>
                       <a:r>
-                        <a:rPr lang="de-DE" sz="1100" u="none" strike="noStrike" dirty="0" smtClean="0">
+                        <a:rPr lang="de-DE" sz="1100" u="none" strike="noStrike" dirty="0">
                           <a:effectLst/>
                         </a:rPr>
                         <a:t>ARCH(6)</a:t>
@@ -12609,7 +13738,7 @@
                     <a:p>
                       <a:pPr algn="l" fontAlgn="b"/>
                       <a:r>
-                        <a:rPr lang="de-DE" sz="1100" u="none" strike="noStrike" dirty="0" smtClean="0">
+                        <a:rPr lang="de-DE" sz="1100" u="none" strike="noStrike" dirty="0">
                           <a:effectLst/>
                         </a:rPr>
                         <a:t>ARCH(7)</a:t>
@@ -12742,7 +13871,7 @@
                     <a:p>
                       <a:pPr algn="l" fontAlgn="b"/>
                       <a:r>
-                        <a:rPr lang="de-DE" sz="1100" u="none" strike="noStrike" dirty="0" smtClean="0">
+                        <a:rPr lang="de-DE" sz="1100" u="none" strike="noStrike" dirty="0">
                           <a:effectLst/>
                         </a:rPr>
                         <a:t>ARCH(8)</a:t>
@@ -12875,7 +14004,7 @@
                     <a:p>
                       <a:pPr algn="l" fontAlgn="b"/>
                       <a:r>
-                        <a:rPr lang="de-DE" sz="1100" u="none" strike="noStrike" dirty="0" smtClean="0">
+                        <a:rPr lang="de-DE" sz="1100" u="none" strike="noStrike" dirty="0">
                           <a:effectLst/>
                         </a:rPr>
                         <a:t>GARCH(1,1)</a:t>
@@ -13022,7 +14151,7 @@
             <a:fld id="{DA5DE712-6C0E-4DF7-B336-AC97213DC93D}" type="datetime1">
               <a:rPr lang="de-DE" smtClean="0"/>
               <a:pPr/>
-              <a:t>03.08.2018</a:t>
+              <a:t>04.08.18</a:t>
             </a:fld>
             <a:endParaRPr lang="de-DE"/>
           </a:p>
@@ -13044,7 +14173,7 @@
           <a:lstStyle/>
           <a:p>
             <a:r>
-              <a:rPr lang="de-DE" smtClean="0"/>
+              <a:rPr lang="de-DE"/>
               <a:t>Time Series Analysis – Sommersemester 2018</a:t>
             </a:r>
             <a:endParaRPr lang="de-DE" dirty="0"/>
@@ -13093,24 +14222,19 @@
           <a:lstStyle/>
           <a:p>
             <a:r>
-              <a:rPr lang="de-DE" dirty="0" smtClean="0"/>
+              <a:rPr lang="de-DE" dirty="0"/>
               <a:t>Best fit: ARCH(3)-Modell</a:t>
             </a:r>
           </a:p>
           <a:p>
             <a:r>
               <a:rPr lang="de-DE" dirty="0"/>
-              <a:t>p-Wert Box-Pierce-Test der Residuen</a:t>
-            </a:r>
-            <a:r>
-              <a:rPr lang="de-DE" dirty="0" smtClean="0"/>
-              <a:t>: </a:t>
-            </a:r>
-            <a:r>
-              <a:rPr lang="de-DE" b="1" dirty="0" smtClean="0"/>
+              <a:t>p-Wert Box-Pierce-Test der Residuen: </a:t>
+            </a:r>
+            <a:r>
+              <a:rPr lang="de-DE" b="1" dirty="0"/>
               <a:t>0.7895</a:t>
             </a:r>
-            <a:endParaRPr lang="de-DE" b="1" dirty="0"/>
           </a:p>
         </p:txBody>
       </p:sp>
@@ -13192,20 +14316,15 @@
           <a:p>
             <a:r>
               <a:rPr lang="de-DE" dirty="0"/>
-              <a:t>Versuchsreihe: </a:t>
-            </a:r>
-            <a:r>
-              <a:rPr lang="de-DE" dirty="0" smtClean="0"/>
-              <a:t>Datensimulation – Ergebnisse</a:t>
+              <a:t>Versuchsreihe: Datensimulation – Ergebnisse</a:t>
             </a:r>
             <a:br>
-              <a:rPr lang="de-DE" dirty="0" smtClean="0"/>
+              <a:rPr lang="de-DE" dirty="0"/>
             </a:br>
             <a:r>
-              <a:rPr lang="de-DE" sz="1600" dirty="0" smtClean="0"/>
+              <a:rPr lang="de-DE" sz="1600" dirty="0"/>
               <a:t>GARCH(1,1)-Daten</a:t>
             </a:r>
-            <a:endParaRPr lang="de-DE" sz="1600" dirty="0"/>
           </a:p>
         </p:txBody>
       </p:sp>
@@ -13225,10 +14344,9 @@
           <a:lstStyle/>
           <a:p>
             <a:r>
-              <a:rPr lang="de-DE" dirty="0" smtClean="0"/>
+              <a:rPr lang="de-DE" dirty="0"/>
               <a:t>Informationskriterien</a:t>
             </a:r>
-            <a:endParaRPr lang="de-DE" dirty="0"/>
           </a:p>
         </p:txBody>
       </p:sp>
@@ -13305,7 +14423,7 @@
                     <a:p>
                       <a:pPr algn="l" fontAlgn="b"/>
                       <a:r>
-                        <a:rPr lang="de-DE" sz="1100" u="none" strike="noStrike" dirty="0" smtClean="0">
+                        <a:rPr lang="de-DE" sz="1100" u="none" strike="noStrike" dirty="0">
                           <a:effectLst/>
                         </a:rPr>
                         <a:t>Prozess</a:t>
@@ -13328,7 +14446,7 @@
                     <a:p>
                       <a:pPr algn="l" fontAlgn="b"/>
                       <a:r>
-                        <a:rPr lang="de-DE" sz="1100" u="none" strike="noStrike" dirty="0" smtClean="0">
+                        <a:rPr lang="de-DE" sz="1100" u="none" strike="noStrike" dirty="0">
                           <a:effectLst/>
                         </a:rPr>
                         <a:t>Ordnung</a:t>
@@ -13351,7 +14469,7 @@
                     <a:p>
                       <a:pPr algn="l" fontAlgn="b"/>
                       <a:r>
-                        <a:rPr lang="de-DE" sz="1100" u="none" strike="noStrike" dirty="0" err="1" smtClean="0">
+                        <a:rPr lang="de-DE" sz="1100" u="none" strike="noStrike" dirty="0" err="1">
                           <a:effectLst/>
                         </a:rPr>
                         <a:t>LogLik</a:t>
@@ -13450,7 +14568,7 @@
                     <a:p>
                       <a:pPr algn="l" fontAlgn="b"/>
                       <a:r>
-                        <a:rPr lang="de-DE" sz="1100" u="none" strike="noStrike" dirty="0" smtClean="0">
+                        <a:rPr lang="de-DE" sz="1100" u="none" strike="noStrike" dirty="0">
                           <a:effectLst/>
                         </a:rPr>
                         <a:t>ARCH(0)</a:t>
@@ -13583,7 +14701,7 @@
                     <a:p>
                       <a:pPr algn="l" fontAlgn="b"/>
                       <a:r>
-                        <a:rPr lang="de-DE" sz="1100" b="0" u="none" strike="noStrike" dirty="0" smtClean="0">
+                        <a:rPr lang="de-DE" sz="1100" b="0" u="none" strike="noStrike" dirty="0">
                           <a:effectLst/>
                         </a:rPr>
                         <a:t>ARCH(1)</a:t>
@@ -13728,7 +14846,7 @@
                     <a:p>
                       <a:pPr algn="l" fontAlgn="b"/>
                       <a:r>
-                        <a:rPr lang="de-DE" sz="1100" u="none" strike="noStrike" dirty="0" smtClean="0">
+                        <a:rPr lang="de-DE" sz="1100" u="none" strike="noStrike" dirty="0">
                           <a:effectLst/>
                         </a:rPr>
                         <a:t>ARCH(2)</a:t>
@@ -13861,7 +14979,7 @@
                     <a:p>
                       <a:pPr algn="l" fontAlgn="b"/>
                       <a:r>
-                        <a:rPr lang="de-DE" sz="1100" b="0" u="none" strike="noStrike" dirty="0" smtClean="0">
+                        <a:rPr lang="de-DE" sz="1100" b="0" u="none" strike="noStrike" dirty="0">
                           <a:effectLst/>
                         </a:rPr>
                         <a:t>ARCH(3)</a:t>
@@ -14006,7 +15124,7 @@
                     <a:p>
                       <a:pPr algn="l" fontAlgn="b"/>
                       <a:r>
-                        <a:rPr lang="de-DE" sz="1100" u="none" strike="noStrike" dirty="0" smtClean="0">
+                        <a:rPr lang="de-DE" sz="1100" u="none" strike="noStrike" dirty="0">
                           <a:effectLst/>
                         </a:rPr>
                         <a:t>ARCH(4)</a:t>
@@ -14139,7 +15257,7 @@
                     <a:p>
                       <a:pPr algn="l" fontAlgn="b"/>
                       <a:r>
-                        <a:rPr lang="de-DE" sz="1100" u="none" strike="noStrike" dirty="0" smtClean="0">
+                        <a:rPr lang="de-DE" sz="1100" u="none" strike="noStrike" dirty="0">
                           <a:effectLst/>
                         </a:rPr>
                         <a:t>ARCH(5)</a:t>
@@ -14272,7 +15390,7 @@
                     <a:p>
                       <a:pPr algn="l" fontAlgn="b"/>
                       <a:r>
-                        <a:rPr lang="de-DE" sz="1100" u="none" strike="noStrike" dirty="0" smtClean="0">
+                        <a:rPr lang="de-DE" sz="1100" u="none" strike="noStrike" dirty="0">
                           <a:effectLst/>
                         </a:rPr>
                         <a:t>ARCH(6)</a:t>
@@ -14405,7 +15523,7 @@
                     <a:p>
                       <a:pPr algn="l" fontAlgn="b"/>
                       <a:r>
-                        <a:rPr lang="de-DE" sz="1100" u="none" strike="noStrike" dirty="0" smtClean="0">
+                        <a:rPr lang="de-DE" sz="1100" u="none" strike="noStrike" dirty="0">
                           <a:effectLst/>
                         </a:rPr>
                         <a:t>ARCH(7)</a:t>
@@ -14538,7 +15656,7 @@
                     <a:p>
                       <a:pPr algn="l" fontAlgn="b"/>
                       <a:r>
-                        <a:rPr lang="de-DE" sz="1100" u="none" strike="noStrike" dirty="0" smtClean="0">
+                        <a:rPr lang="de-DE" sz="1100" u="none" strike="noStrike" dirty="0">
                           <a:effectLst/>
                         </a:rPr>
                         <a:t>ARCH(8)</a:t>
@@ -14671,7 +15789,7 @@
                     <a:p>
                       <a:pPr algn="l" fontAlgn="b"/>
                       <a:r>
-                        <a:rPr lang="de-DE" sz="1100" b="1" u="none" strike="noStrike" dirty="0" smtClean="0">
+                        <a:rPr lang="de-DE" sz="1100" b="1" u="none" strike="noStrike" dirty="0">
                           <a:effectLst/>
                         </a:rPr>
                         <a:t>GARCH(1,1)</a:t>
@@ -14854,12 +15972,8 @@
               <a:lstStyle/>
               <a:p>
                 <a:r>
-                  <a:rPr lang="de-DE" dirty="0" smtClean="0"/>
-                  <a:t>PACF</a:t>
-                </a:r>
-                <a:r>
                   <a:rPr lang="de-DE" dirty="0"/>
-                  <a:t> (</a:t>
+                  <a:t>PACF (</a:t>
                 </a:r>
                 <a14:m>
                   <m:oMath xmlns:m="http://schemas.openxmlformats.org/officeDocument/2006/math">
@@ -14979,7 +16093,7 @@
             <a:fld id="{DA5DE712-6C0E-4DF7-B336-AC97213DC93D}" type="datetime1">
               <a:rPr lang="de-DE" smtClean="0"/>
               <a:pPr/>
-              <a:t>03.08.2018</a:t>
+              <a:t>04.08.18</a:t>
             </a:fld>
             <a:endParaRPr lang="de-DE"/>
           </a:p>
@@ -15001,7 +16115,7 @@
           <a:lstStyle/>
           <a:p>
             <a:r>
-              <a:rPr lang="de-DE" smtClean="0"/>
+              <a:rPr lang="de-DE"/>
               <a:t>Time Series Analysis – Sommersemester 2018</a:t>
             </a:r>
             <a:endParaRPr lang="de-DE" dirty="0"/>
@@ -15050,28 +16164,23 @@
           <a:lstStyle/>
           <a:p>
             <a:r>
-              <a:rPr lang="de-DE" dirty="0" smtClean="0"/>
+              <a:rPr lang="de-DE" dirty="0"/>
               <a:t>Best fit: GARCH(1,1)</a:t>
             </a:r>
           </a:p>
           <a:p>
             <a:r>
               <a:rPr lang="de-DE" dirty="0"/>
-              <a:t>p-Wert Box-Pierce-Test der Residuen</a:t>
-            </a:r>
-            <a:r>
-              <a:rPr lang="de-DE" dirty="0" smtClean="0"/>
-              <a:t>: </a:t>
-            </a:r>
-            <a:r>
-              <a:rPr lang="de-DE" b="1" dirty="0" smtClean="0"/>
+              <a:t>p-Wert Box-Pierce-Test der Residuen: </a:t>
+            </a:r>
+            <a:r>
+              <a:rPr lang="de-DE" b="1" dirty="0"/>
               <a:t>0.3979</a:t>
             </a:r>
             <a:r>
-              <a:rPr lang="de-DE" dirty="0" smtClean="0"/>
+              <a:rPr lang="de-DE" dirty="0"/>
               <a:t> </a:t>
             </a:r>
-            <a:endParaRPr lang="de-DE" dirty="0"/>
           </a:p>
         </p:txBody>
       </p:sp>
@@ -15107,7 +16216,13 @@
       </p:grpSpPr>
       <p:sp>
         <p:nvSpPr>
-          <p:cNvPr id="2" name="Titel 1"/>
+          <p:cNvPr id="2" name="Title 1">
+            <a:extLst>
+              <a:ext uri="{FF2B5EF4-FFF2-40B4-BE49-F238E27FC236}">
+                <a16:creationId xmlns:a16="http://schemas.microsoft.com/office/drawing/2014/main" id="{63A068BF-C952-1A42-8B7F-1B2C1B0EDC0A}"/>
+              </a:ext>
+            </a:extLst>
+          </p:cNvPr>
           <p:cNvSpPr>
             <a:spLocks noGrp="1"/>
           </p:cNvSpPr>
@@ -15122,19 +16237,25 @@
           <a:p>
             <a:r>
               <a:rPr lang="de-DE" dirty="0"/>
-              <a:t>Resümee</a:t>
-            </a:r>
-          </a:p>
-        </p:txBody>
-      </p:sp>
-      <p:sp>
-        <p:nvSpPr>
-          <p:cNvPr id="3" name="Inhaltsplatzhalter 2"/>
-          <p:cNvSpPr>
-            <a:spLocks noGrp="1"/>
-          </p:cNvSpPr>
-          <p:nvPr>
-            <p:ph idx="1"/>
+              <a:t>Versuchsreihe: Dax 30</a:t>
+            </a:r>
+          </a:p>
+        </p:txBody>
+      </p:sp>
+      <p:sp>
+        <p:nvSpPr>
+          <p:cNvPr id="3" name="Date Placeholder 2">
+            <a:extLst>
+              <a:ext uri="{FF2B5EF4-FFF2-40B4-BE49-F238E27FC236}">
+                <a16:creationId xmlns:a16="http://schemas.microsoft.com/office/drawing/2014/main" id="{B94FD403-F8FA-BA41-8B49-8E500882449B}"/>
+              </a:ext>
+            </a:extLst>
+          </p:cNvPr>
+          <p:cNvSpPr>
+            <a:spLocks noGrp="1"/>
+          </p:cNvSpPr>
+          <p:nvPr>
+            <p:ph type="dt" sz="half" idx="10"/>
           </p:nvPr>
         </p:nvSpPr>
         <p:spPr/>
@@ -15142,22 +16263,29 @@
           <a:bodyPr/>
           <a:lstStyle/>
           <a:p>
-            <a:r>
-              <a:rPr lang="de-DE" dirty="0" smtClean="0"/>
-              <a:t>TODO Resümee</a:t>
-            </a:r>
-            <a:endParaRPr lang="de-DE" dirty="0"/>
-          </a:p>
-        </p:txBody>
-      </p:sp>
-      <p:sp>
-        <p:nvSpPr>
-          <p:cNvPr id="4" name="Datumsplatzhalter 3"/>
-          <p:cNvSpPr>
-            <a:spLocks noGrp="1"/>
-          </p:cNvSpPr>
-          <p:nvPr>
-            <p:ph type="dt" sz="half" idx="10"/>
+            <a:fld id="{12CE0ACD-0B71-463F-9507-4095300257BC}" type="datetime1">
+              <a:rPr lang="de-DE" smtClean="0"/>
+              <a:pPr/>
+              <a:t>04.08.18</a:t>
+            </a:fld>
+            <a:endParaRPr lang="de-DE"/>
+          </a:p>
+        </p:txBody>
+      </p:sp>
+      <p:sp>
+        <p:nvSpPr>
+          <p:cNvPr id="4" name="Footer Placeholder 3">
+            <a:extLst>
+              <a:ext uri="{FF2B5EF4-FFF2-40B4-BE49-F238E27FC236}">
+                <a16:creationId xmlns:a16="http://schemas.microsoft.com/office/drawing/2014/main" id="{6EF4DFC9-74D4-E047-B106-044D10F43AD9}"/>
+              </a:ext>
+            </a:extLst>
+          </p:cNvPr>
+          <p:cNvSpPr>
+            <a:spLocks noGrp="1"/>
+          </p:cNvSpPr>
+          <p:nvPr>
+            <p:ph type="ftr" sz="quarter" idx="11"/>
           </p:nvPr>
         </p:nvSpPr>
         <p:spPr/>
@@ -15165,33 +16293,9 @@
           <a:bodyPr/>
           <a:lstStyle/>
           <a:p>
-            <a:fld id="{6DB845E5-DACF-426C-8A10-A6438D29DD66}" type="datetime1">
-              <a:rPr lang="de-DE" smtClean="0"/>
-              <a:pPr/>
-              <a:t>03.08.2018</a:t>
-            </a:fld>
-            <a:endParaRPr lang="de-DE"/>
-          </a:p>
-        </p:txBody>
-      </p:sp>
-      <p:sp>
-        <p:nvSpPr>
-          <p:cNvPr id="5" name="Fußzeilenplatzhalter 4"/>
-          <p:cNvSpPr>
-            <a:spLocks noGrp="1"/>
-          </p:cNvSpPr>
-          <p:nvPr>
-            <p:ph type="ftr" sz="quarter" idx="11"/>
-          </p:nvPr>
-        </p:nvSpPr>
-        <p:spPr/>
-        <p:txBody>
-          <a:bodyPr/>
-          <a:lstStyle/>
-          <a:p>
             <a:r>
               <a:rPr lang="de-DE"/>
-              <a:t>Structural Equation Modelling – Wintersemester 2017/2018</a:t>
+              <a:t>Time Series Analysis – Sommersemester 2018</a:t>
             </a:r>
             <a:endParaRPr lang="de-DE" dirty="0"/>
           </a:p>
@@ -15199,7 +16303,13 @@
       </p:sp>
       <p:sp>
         <p:nvSpPr>
-          <p:cNvPr id="6" name="Foliennummernplatzhalter 5"/>
+          <p:cNvPr id="5" name="Slide Number Placeholder 4">
+            <a:extLst>
+              <a:ext uri="{FF2B5EF4-FFF2-40B4-BE49-F238E27FC236}">
+                <a16:creationId xmlns:a16="http://schemas.microsoft.com/office/drawing/2014/main" id="{A7098FDF-B937-9A42-AF0A-69579FB8CA27}"/>
+              </a:ext>
+            </a:extLst>
+          </p:cNvPr>
           <p:cNvSpPr>
             <a:spLocks noGrp="1"/>
           </p:cNvSpPr>
@@ -15221,10 +16331,339 @@
           </a:p>
         </p:txBody>
       </p:sp>
+      <p:graphicFrame>
+        <p:nvGraphicFramePr>
+          <p:cNvPr id="10" name="Table 9">
+            <a:extLst>
+              <a:ext uri="{FF2B5EF4-FFF2-40B4-BE49-F238E27FC236}">
+                <a16:creationId xmlns:a16="http://schemas.microsoft.com/office/drawing/2014/main" id="{5D0ACC29-3B33-2F41-A8AC-2B205F47FBE2}"/>
+              </a:ext>
+            </a:extLst>
+          </p:cNvPr>
+          <p:cNvGraphicFramePr>
+            <a:graphicFrameLocks noGrp="1"/>
+          </p:cNvGraphicFramePr>
+          <p:nvPr>
+            <p:extLst>
+              <p:ext uri="{D42A27DB-BD31-4B8C-83A1-F6EECF244321}">
+                <p14:modId xmlns:p14="http://schemas.microsoft.com/office/powerpoint/2010/main" val="263242061"/>
+              </p:ext>
+            </p:extLst>
+          </p:nvPr>
+        </p:nvGraphicFramePr>
+        <p:xfrm>
+          <a:off x="1367645" y="4227934"/>
+          <a:ext cx="6480720" cy="548640"/>
+        </p:xfrm>
+        <a:graphic>
+          <a:graphicData uri="http://schemas.openxmlformats.org/drawingml/2006/table">
+            <a:tbl>
+              <a:tblPr firstRow="1" bandRow="1">
+                <a:tableStyleId>{5C22544A-7EE6-4342-B048-85BDC9FD1C3A}</a:tableStyleId>
+              </a:tblPr>
+              <a:tblGrid>
+                <a:gridCol w="1080120">
+                  <a:extLst>
+                    <a:ext uri="{9D8B030D-6E8A-4147-A177-3AD203B41FA5}">
+                      <a16:colId xmlns:a16="http://schemas.microsoft.com/office/drawing/2014/main" val="4244449364"/>
+                    </a:ext>
+                  </a:extLst>
+                </a:gridCol>
+                <a:gridCol w="1080120">
+                  <a:extLst>
+                    <a:ext uri="{9D8B030D-6E8A-4147-A177-3AD203B41FA5}">
+                      <a16:colId xmlns:a16="http://schemas.microsoft.com/office/drawing/2014/main" val="2260175038"/>
+                    </a:ext>
+                  </a:extLst>
+                </a:gridCol>
+                <a:gridCol w="1080120">
+                  <a:extLst>
+                    <a:ext uri="{9D8B030D-6E8A-4147-A177-3AD203B41FA5}">
+                      <a16:colId xmlns:a16="http://schemas.microsoft.com/office/drawing/2014/main" val="1371520278"/>
+                    </a:ext>
+                  </a:extLst>
+                </a:gridCol>
+                <a:gridCol w="1080120">
+                  <a:extLst>
+                    <a:ext uri="{9D8B030D-6E8A-4147-A177-3AD203B41FA5}">
+                      <a16:colId xmlns:a16="http://schemas.microsoft.com/office/drawing/2014/main" val="1960192047"/>
+                    </a:ext>
+                  </a:extLst>
+                </a:gridCol>
+                <a:gridCol w="1080120">
+                  <a:extLst>
+                    <a:ext uri="{9D8B030D-6E8A-4147-A177-3AD203B41FA5}">
+                      <a16:colId xmlns:a16="http://schemas.microsoft.com/office/drawing/2014/main" val="1721570923"/>
+                    </a:ext>
+                  </a:extLst>
+                </a:gridCol>
+                <a:gridCol w="1080120">
+                  <a:extLst>
+                    <a:ext uri="{9D8B030D-6E8A-4147-A177-3AD203B41FA5}">
+                      <a16:colId xmlns:a16="http://schemas.microsoft.com/office/drawing/2014/main" val="2278183754"/>
+                    </a:ext>
+                  </a:extLst>
+                </a:gridCol>
+              </a:tblGrid>
+              <a:tr h="0">
+                <a:tc>
+                  <a:txBody>
+                    <a:bodyPr/>
+                    <a:lstStyle/>
+                    <a:p>
+                      <a:pPr algn="ctr"/>
+                      <a:r>
+                        <a:rPr lang="de-DE" sz="1200" dirty="0"/>
+                        <a:t>Min</a:t>
+                      </a:r>
+                    </a:p>
+                  </a:txBody>
+                  <a:tcPr/>
+                </a:tc>
+                <a:tc>
+                  <a:txBody>
+                    <a:bodyPr/>
+                    <a:lstStyle/>
+                    <a:p>
+                      <a:pPr algn="ctr"/>
+                      <a:r>
+                        <a:rPr lang="de-DE" sz="1200" dirty="0"/>
+                        <a:t>1st </a:t>
+                      </a:r>
+                      <a:r>
+                        <a:rPr lang="de-DE" sz="1200" dirty="0" err="1"/>
+                        <a:t>Qu</a:t>
+                      </a:r>
+                      <a:r>
+                        <a:rPr lang="de-DE" sz="1200" dirty="0"/>
+                        <a:t>.</a:t>
+                      </a:r>
+                    </a:p>
+                  </a:txBody>
+                  <a:tcPr/>
+                </a:tc>
+                <a:tc>
+                  <a:txBody>
+                    <a:bodyPr/>
+                    <a:lstStyle/>
+                    <a:p>
+                      <a:pPr algn="ctr"/>
+                      <a:r>
+                        <a:rPr lang="de-DE" sz="1200" dirty="0"/>
+                        <a:t>Median</a:t>
+                      </a:r>
+                    </a:p>
+                  </a:txBody>
+                  <a:tcPr/>
+                </a:tc>
+                <a:tc>
+                  <a:txBody>
+                    <a:bodyPr/>
+                    <a:lstStyle/>
+                    <a:p>
+                      <a:pPr algn="ctr"/>
+                      <a:r>
+                        <a:rPr lang="de-DE" sz="1200" dirty="0" err="1"/>
+                        <a:t>Mean</a:t>
+                      </a:r>
+                      <a:endParaRPr lang="de-DE" sz="1200" dirty="0"/>
+                    </a:p>
+                  </a:txBody>
+                  <a:tcPr/>
+                </a:tc>
+                <a:tc>
+                  <a:txBody>
+                    <a:bodyPr/>
+                    <a:lstStyle/>
+                    <a:p>
+                      <a:pPr algn="ctr"/>
+                      <a:r>
+                        <a:rPr lang="de-DE" sz="1200" dirty="0"/>
+                        <a:t>3rd </a:t>
+                      </a:r>
+                      <a:r>
+                        <a:rPr lang="de-DE" sz="1200" dirty="0" err="1"/>
+                        <a:t>Qu</a:t>
+                      </a:r>
+                      <a:r>
+                        <a:rPr lang="de-DE" sz="1200" dirty="0"/>
+                        <a:t>. </a:t>
+                      </a:r>
+                    </a:p>
+                  </a:txBody>
+                  <a:tcPr/>
+                </a:tc>
+                <a:tc>
+                  <a:txBody>
+                    <a:bodyPr/>
+                    <a:lstStyle/>
+                    <a:p>
+                      <a:pPr algn="ctr"/>
+                      <a:r>
+                        <a:rPr lang="de-DE" sz="1200" dirty="0"/>
+                        <a:t>Max.</a:t>
+                      </a:r>
+                    </a:p>
+                  </a:txBody>
+                  <a:tcPr/>
+                </a:tc>
+                <a:extLst>
+                  <a:ext uri="{0D108BD9-81ED-4DB2-BD59-A6C34878D82A}">
+                    <a16:rowId xmlns:a16="http://schemas.microsoft.com/office/drawing/2014/main" val="3429073092"/>
+                  </a:ext>
+                </a:extLst>
+              </a:tr>
+              <a:tr h="0">
+                <a:tc>
+                  <a:txBody>
+                    <a:bodyPr/>
+                    <a:lstStyle/>
+                    <a:p>
+                      <a:pPr marL="0" marR="0" lvl="0" indent="0" algn="ctr" defTabSz="914400" rtl="0" eaLnBrk="1" fontAlgn="auto" latinLnBrk="0" hangingPunct="1">
+                        <a:lnSpc>
+                          <a:spcPct val="100000"/>
+                        </a:lnSpc>
+                        <a:spcBef>
+                          <a:spcPts val="0"/>
+                        </a:spcBef>
+                        <a:spcAft>
+                          <a:spcPts val="0"/>
+                        </a:spcAft>
+                        <a:buClrTx/>
+                        <a:buSzTx/>
+                        <a:buFontTx/>
+                        <a:buNone/>
+                        <a:tabLst/>
+                        <a:defRPr/>
+                      </a:pPr>
+                      <a:r>
+                        <a:rPr lang="de-DE" sz="1200" dirty="0"/>
+                        <a:t>8753</a:t>
+                      </a:r>
+                    </a:p>
+                  </a:txBody>
+                  <a:tcPr/>
+                </a:tc>
+                <a:tc>
+                  <a:txBody>
+                    <a:bodyPr/>
+                    <a:lstStyle/>
+                    <a:p>
+                      <a:pPr algn="ctr"/>
+                      <a:r>
+                        <a:rPr lang="de-DE" sz="1200" dirty="0"/>
+                        <a:t>10274</a:t>
+                      </a:r>
+                    </a:p>
+                  </a:txBody>
+                  <a:tcPr/>
+                </a:tc>
+                <a:tc>
+                  <a:txBody>
+                    <a:bodyPr/>
+                    <a:lstStyle/>
+                    <a:p>
+                      <a:pPr algn="ctr"/>
+                      <a:r>
+                        <a:rPr lang="de-DE" sz="1200" dirty="0"/>
+                        <a:t>11089</a:t>
+                      </a:r>
+                    </a:p>
+                  </a:txBody>
+                  <a:tcPr/>
+                </a:tc>
+                <a:tc>
+                  <a:txBody>
+                    <a:bodyPr/>
+                    <a:lstStyle/>
+                    <a:p>
+                      <a:pPr algn="ctr"/>
+                      <a:r>
+                        <a:rPr lang="de-DE" sz="1200" dirty="0"/>
+                        <a:t>11193</a:t>
+                      </a:r>
+                    </a:p>
+                  </a:txBody>
+                  <a:tcPr/>
+                </a:tc>
+                <a:tc>
+                  <a:txBody>
+                    <a:bodyPr/>
+                    <a:lstStyle/>
+                    <a:p>
+                      <a:pPr algn="ctr"/>
+                      <a:r>
+                        <a:rPr lang="de-DE" sz="1200" dirty="0"/>
+                        <a:t>12084</a:t>
+                      </a:r>
+                    </a:p>
+                  </a:txBody>
+                  <a:tcPr/>
+                </a:tc>
+                <a:tc>
+                  <a:txBody>
+                    <a:bodyPr/>
+                    <a:lstStyle/>
+                    <a:p>
+                      <a:pPr algn="ctr"/>
+                      <a:r>
+                        <a:rPr lang="de-DE" sz="1200" dirty="0"/>
+                        <a:t>13479</a:t>
+                      </a:r>
+                    </a:p>
+                  </a:txBody>
+                  <a:tcPr/>
+                </a:tc>
+                <a:extLst>
+                  <a:ext uri="{0D108BD9-81ED-4DB2-BD59-A6C34878D82A}">
+                    <a16:rowId xmlns:a16="http://schemas.microsoft.com/office/drawing/2014/main" val="3087998413"/>
+                  </a:ext>
+                </a:extLst>
+              </a:tr>
+            </a:tbl>
+          </a:graphicData>
+        </a:graphic>
+      </p:graphicFrame>
+      <p:pic>
+        <p:nvPicPr>
+          <p:cNvPr id="9" name="Picture 8">
+            <a:extLst>
+              <a:ext uri="{FF2B5EF4-FFF2-40B4-BE49-F238E27FC236}">
+                <a16:creationId xmlns:a16="http://schemas.microsoft.com/office/drawing/2014/main" id="{BC0B55AC-69D9-4744-B876-9B19958CCD45}"/>
+              </a:ext>
+            </a:extLst>
+          </p:cNvPr>
+          <p:cNvPicPr>
+            <a:picLocks noChangeAspect="1"/>
+          </p:cNvPicPr>
+          <p:nvPr/>
+        </p:nvPicPr>
+        <p:blipFill>
+          <a:blip r:embed="rId2">
+            <a:extLst>
+              <a:ext uri="{28A0092B-C50C-407E-A947-70E740481C1C}">
+                <a14:useLocalDpi xmlns:a14="http://schemas.microsoft.com/office/drawing/2010/main" val="0"/>
+              </a:ext>
+            </a:extLst>
+          </a:blip>
+          <a:stretch>
+            <a:fillRect/>
+          </a:stretch>
+        </p:blipFill>
+        <p:spPr>
+          <a:xfrm>
+            <a:off x="1904750" y="939449"/>
+            <a:ext cx="5406509" cy="3288485"/>
+          </a:xfrm>
+          <a:prstGeom prst="rect">
+            <a:avLst/>
+          </a:prstGeom>
+        </p:spPr>
+      </p:pic>
     </p:spTree>
     <p:extLst>
       <p:ext uri="{BB962C8B-B14F-4D97-AF65-F5344CB8AC3E}">
-        <p14:creationId xmlns:p14="http://schemas.microsoft.com/office/powerpoint/2010/main" val="2137650087"/>
+        <p14:creationId xmlns:p14="http://schemas.microsoft.com/office/powerpoint/2010/main" val="1181804092"/>
       </p:ext>
     </p:extLst>
   </p:cSld>
@@ -15253,7 +16692,13 @@
       </p:grpSpPr>
       <p:sp>
         <p:nvSpPr>
-          <p:cNvPr id="2" name="Titel 1"/>
+          <p:cNvPr id="2" name="Title 1">
+            <a:extLst>
+              <a:ext uri="{FF2B5EF4-FFF2-40B4-BE49-F238E27FC236}">
+                <a16:creationId xmlns:a16="http://schemas.microsoft.com/office/drawing/2014/main" id="{63A068BF-C952-1A42-8B7F-1B2C1B0EDC0A}"/>
+              </a:ext>
+            </a:extLst>
+          </p:cNvPr>
           <p:cNvSpPr>
             <a:spLocks noGrp="1"/>
           </p:cNvSpPr>
@@ -15268,19 +16713,25 @@
           <a:p>
             <a:r>
               <a:rPr lang="de-DE" dirty="0"/>
-              <a:t>Literatur</a:t>
-            </a:r>
-          </a:p>
-        </p:txBody>
-      </p:sp>
-      <p:sp>
-        <p:nvSpPr>
-          <p:cNvPr id="3" name="Inhaltsplatzhalter 2"/>
-          <p:cNvSpPr>
-            <a:spLocks noGrp="1"/>
-          </p:cNvSpPr>
-          <p:nvPr>
-            <p:ph idx="1"/>
+              <a:t>Versuchsreihe: Dax 30</a:t>
+            </a:r>
+          </a:p>
+        </p:txBody>
+      </p:sp>
+      <p:sp>
+        <p:nvSpPr>
+          <p:cNvPr id="3" name="Date Placeholder 2">
+            <a:extLst>
+              <a:ext uri="{FF2B5EF4-FFF2-40B4-BE49-F238E27FC236}">
+                <a16:creationId xmlns:a16="http://schemas.microsoft.com/office/drawing/2014/main" id="{B94FD403-F8FA-BA41-8B49-8E500882449B}"/>
+              </a:ext>
+            </a:extLst>
+          </p:cNvPr>
+          <p:cNvSpPr>
+            <a:spLocks noGrp="1"/>
+          </p:cNvSpPr>
+          <p:nvPr>
+            <p:ph type="dt" sz="half" idx="10"/>
           </p:nvPr>
         </p:nvSpPr>
         <p:spPr/>
@@ -15288,240 +16739,29 @@
           <a:bodyPr/>
           <a:lstStyle/>
           <a:p>
-            <a:r>
-              <a:rPr lang="de-DE" dirty="0" err="1"/>
-              <a:t>Mazzoni</a:t>
-            </a:r>
-            <a:r>
-              <a:rPr lang="de-DE" dirty="0"/>
-              <a:t>, Thomas: </a:t>
-            </a:r>
-            <a:br>
-              <a:rPr lang="de-DE" dirty="0"/>
-            </a:br>
-            <a:r>
-              <a:rPr lang="de-DE" sz="1400" dirty="0">
-                <a:solidFill>
-                  <a:schemeClr val="tx1">
-                    <a:lumMod val="75000"/>
-                    <a:lumOff val="25000"/>
-                  </a:schemeClr>
-                </a:solidFill>
-              </a:rPr>
-              <a:t>Zeitreihenanalyse</a:t>
-            </a:r>
-            <a:br>
-              <a:rPr lang="de-DE" sz="1400" dirty="0">
-                <a:solidFill>
-                  <a:schemeClr val="tx1">
-                    <a:lumMod val="75000"/>
-                    <a:lumOff val="25000"/>
-                  </a:schemeClr>
-                </a:solidFill>
-              </a:rPr>
-            </a:br>
-            <a:r>
-              <a:rPr lang="de-DE" sz="1400" dirty="0">
-                <a:solidFill>
-                  <a:schemeClr val="tx1">
-                    <a:lumMod val="75000"/>
-                    <a:lumOff val="25000"/>
-                  </a:schemeClr>
-                </a:solidFill>
-              </a:rPr>
-              <a:t>2010</a:t>
-            </a:r>
-          </a:p>
-          <a:p>
-            <a:r>
-              <a:rPr lang="de-DE" dirty="0"/>
-              <a:t>Zucchini, W., </a:t>
-            </a:r>
-            <a:r>
-              <a:rPr lang="de-DE" dirty="0" err="1"/>
-              <a:t>Nenadic</a:t>
-            </a:r>
-            <a:r>
-              <a:rPr lang="de-DE" dirty="0"/>
-              <a:t>, O., Schlegel, A.:</a:t>
-            </a:r>
-            <a:r>
-              <a:rPr lang="de-DE" sz="1400" dirty="0">
-                <a:solidFill>
-                  <a:schemeClr val="tx1">
-                    <a:lumMod val="75000"/>
-                    <a:lumOff val="25000"/>
-                  </a:schemeClr>
-                </a:solidFill>
-              </a:rPr>
-              <a:t/>
-            </a:r>
-            <a:br>
-              <a:rPr lang="de-DE" sz="1400" dirty="0">
-                <a:solidFill>
-                  <a:schemeClr val="tx1">
-                    <a:lumMod val="75000"/>
-                    <a:lumOff val="25000"/>
-                  </a:schemeClr>
-                </a:solidFill>
-              </a:rPr>
-            </a:br>
-            <a:r>
-              <a:rPr lang="de-DE" sz="1400" dirty="0">
-                <a:solidFill>
-                  <a:schemeClr val="tx1">
-                    <a:lumMod val="75000"/>
-                    <a:lumOff val="25000"/>
-                  </a:schemeClr>
-                </a:solidFill>
-              </a:rPr>
-              <a:t>Zeitreihenanalyse – Nichtlineare </a:t>
-            </a:r>
-            <a:r>
-              <a:rPr lang="de-DE" sz="1400" dirty="0" smtClean="0">
-                <a:solidFill>
-                  <a:schemeClr val="tx1">
-                    <a:lumMod val="75000"/>
-                    <a:lumOff val="25000"/>
-                  </a:schemeClr>
-                </a:solidFill>
-              </a:rPr>
-              <a:t>Zeitreihenmodelle</a:t>
-            </a:r>
-          </a:p>
-          <a:p>
-            <a:pPr marL="0" indent="0">
-              <a:buNone/>
-            </a:pPr>
-            <a:r>
-              <a:rPr lang="de-DE" sz="1400" dirty="0">
-                <a:solidFill>
-                  <a:schemeClr val="tx1">
-                    <a:lumMod val="75000"/>
-                    <a:lumOff val="25000"/>
-                  </a:schemeClr>
-                </a:solidFill>
-              </a:rPr>
-              <a:t> </a:t>
-            </a:r>
-            <a:r>
-              <a:rPr lang="de-DE" sz="1400" dirty="0" smtClean="0">
-                <a:solidFill>
-                  <a:schemeClr val="tx1">
-                    <a:lumMod val="75000"/>
-                    <a:lumOff val="25000"/>
-                  </a:schemeClr>
-                </a:solidFill>
-              </a:rPr>
-              <a:t>      </a:t>
-            </a:r>
-            <a:r>
-              <a:rPr lang="de-DE" sz="1400" dirty="0" smtClean="0">
-                <a:solidFill>
-                  <a:schemeClr val="tx1">
-                    <a:lumMod val="75000"/>
-                    <a:lumOff val="25000"/>
-                  </a:schemeClr>
-                </a:solidFill>
-              </a:rPr>
-              <a:t>2009</a:t>
-            </a:r>
-          </a:p>
-          <a:p>
-            <a:r>
-              <a:rPr lang="de-DE" sz="1400" dirty="0" err="1" smtClean="0"/>
-              <a:t>Wuertz</a:t>
-            </a:r>
-            <a:r>
-              <a:rPr lang="de-DE" sz="1400" dirty="0" smtClean="0"/>
-              <a:t>, D. et. al.:</a:t>
-            </a:r>
-            <a:br>
-              <a:rPr lang="de-DE" sz="1400" dirty="0" smtClean="0"/>
-            </a:br>
-            <a:r>
-              <a:rPr lang="de-DE" sz="1400" dirty="0" smtClean="0">
-                <a:solidFill>
-                  <a:schemeClr val="tx1">
-                    <a:lumMod val="75000"/>
-                    <a:lumOff val="25000"/>
-                  </a:schemeClr>
-                </a:solidFill>
-              </a:rPr>
-              <a:t>Package „</a:t>
-            </a:r>
-            <a:r>
-              <a:rPr lang="de-DE" sz="1400" dirty="0" err="1" smtClean="0">
-                <a:solidFill>
-                  <a:schemeClr val="tx1">
-                    <a:lumMod val="75000"/>
-                    <a:lumOff val="25000"/>
-                  </a:schemeClr>
-                </a:solidFill>
-              </a:rPr>
-              <a:t>fGarch</a:t>
-            </a:r>
-            <a:r>
-              <a:rPr lang="de-DE" sz="1400" dirty="0" smtClean="0">
-                <a:solidFill>
-                  <a:schemeClr val="tx1">
-                    <a:lumMod val="75000"/>
-                    <a:lumOff val="25000"/>
-                  </a:schemeClr>
-                </a:solidFill>
-              </a:rPr>
-              <a:t>“</a:t>
-            </a:r>
-            <a:br>
-              <a:rPr lang="de-DE" sz="1400" dirty="0" smtClean="0">
-                <a:solidFill>
-                  <a:schemeClr val="tx1">
-                    <a:lumMod val="75000"/>
-                    <a:lumOff val="25000"/>
-                  </a:schemeClr>
-                </a:solidFill>
-              </a:rPr>
-            </a:br>
-            <a:r>
-              <a:rPr lang="de-DE" sz="1400" dirty="0" smtClean="0">
-                <a:solidFill>
-                  <a:schemeClr val="tx1">
-                    <a:lumMod val="75000"/>
-                    <a:lumOff val="25000"/>
-                  </a:schemeClr>
-                </a:solidFill>
-              </a:rPr>
-              <a:t>2017</a:t>
-            </a:r>
-            <a:endParaRPr lang="de-DE" sz="1400" dirty="0">
-              <a:solidFill>
-                <a:schemeClr val="tx1">
-                  <a:lumMod val="75000"/>
-                  <a:lumOff val="25000"/>
-                </a:schemeClr>
-              </a:solidFill>
-            </a:endParaRPr>
-          </a:p>
-          <a:p>
-            <a:endParaRPr lang="de-DE" sz="1400" dirty="0" smtClean="0">
-              <a:solidFill>
-                <a:schemeClr val="tx1">
-                  <a:lumMod val="75000"/>
-                  <a:lumOff val="25000"/>
-                </a:schemeClr>
-              </a:solidFill>
-            </a:endParaRPr>
-          </a:p>
-        </p:txBody>
-      </p:sp>
-      <p:sp>
-        <p:nvSpPr>
-          <p:cNvPr id="4" name="Datumsplatzhalter 3"/>
-          <p:cNvSpPr>
-            <a:spLocks noGrp="1"/>
-          </p:cNvSpPr>
-          <p:nvPr>
-            <p:ph type="dt" sz="half" idx="10"/>
+            <a:fld id="{12CE0ACD-0B71-463F-9507-4095300257BC}" type="datetime1">
+              <a:rPr lang="de-DE" smtClean="0"/>
+              <a:pPr/>
+              <a:t>04.08.18</a:t>
+            </a:fld>
+            <a:endParaRPr lang="de-DE"/>
+          </a:p>
+        </p:txBody>
+      </p:sp>
+      <p:sp>
+        <p:nvSpPr>
+          <p:cNvPr id="4" name="Footer Placeholder 3">
+            <a:extLst>
+              <a:ext uri="{FF2B5EF4-FFF2-40B4-BE49-F238E27FC236}">
+                <a16:creationId xmlns:a16="http://schemas.microsoft.com/office/drawing/2014/main" id="{6EF4DFC9-74D4-E047-B106-044D10F43AD9}"/>
+              </a:ext>
+            </a:extLst>
+          </p:cNvPr>
+          <p:cNvSpPr>
+            <a:spLocks noGrp="1"/>
+          </p:cNvSpPr>
+          <p:nvPr>
+            <p:ph type="ftr" sz="quarter" idx="11"/>
           </p:nvPr>
         </p:nvSpPr>
         <p:spPr/>
@@ -15529,40 +16769,23 @@
           <a:bodyPr/>
           <a:lstStyle/>
           <a:p>
-            <a:fld id="{6DB845E5-DACF-426C-8A10-A6438D29DD66}" type="datetime1">
-              <a:rPr lang="de-DE" smtClean="0"/>
-              <a:pPr/>
-              <a:t>03.08.2018</a:t>
-            </a:fld>
-            <a:endParaRPr lang="de-DE"/>
-          </a:p>
-        </p:txBody>
-      </p:sp>
-      <p:sp>
-        <p:nvSpPr>
-          <p:cNvPr id="5" name="Fußzeilenplatzhalter 4"/>
-          <p:cNvSpPr>
-            <a:spLocks noGrp="1"/>
-          </p:cNvSpPr>
-          <p:nvPr>
-            <p:ph type="ftr" sz="quarter" idx="11"/>
-          </p:nvPr>
-        </p:nvSpPr>
-        <p:spPr/>
-        <p:txBody>
-          <a:bodyPr/>
-          <a:lstStyle/>
-          <a:p>
-            <a:r>
-              <a:rPr lang="de-DE" dirty="0"/>
-              <a:t>Time Series Analysis– Sommersemester 2018</a:t>
-            </a:r>
-          </a:p>
-        </p:txBody>
-      </p:sp>
-      <p:sp>
-        <p:nvSpPr>
-          <p:cNvPr id="6" name="Foliennummernplatzhalter 5"/>
+            <a:r>
+              <a:rPr lang="de-DE"/>
+              <a:t>Time Series Analysis – Sommersemester 2018</a:t>
+            </a:r>
+            <a:endParaRPr lang="de-DE" dirty="0"/>
+          </a:p>
+        </p:txBody>
+      </p:sp>
+      <p:sp>
+        <p:nvSpPr>
+          <p:cNvPr id="5" name="Slide Number Placeholder 4">
+            <a:extLst>
+              <a:ext uri="{FF2B5EF4-FFF2-40B4-BE49-F238E27FC236}">
+                <a16:creationId xmlns:a16="http://schemas.microsoft.com/office/drawing/2014/main" id="{A7098FDF-B937-9A42-AF0A-69579FB8CA27}"/>
+              </a:ext>
+            </a:extLst>
+          </p:cNvPr>
           <p:cNvSpPr>
             <a:spLocks noGrp="1"/>
           </p:cNvSpPr>
@@ -15584,10 +16807,445 @@
           </a:p>
         </p:txBody>
       </p:sp>
+      <p:pic>
+        <p:nvPicPr>
+          <p:cNvPr id="8" name="Picture 7">
+            <a:extLst>
+              <a:ext uri="{FF2B5EF4-FFF2-40B4-BE49-F238E27FC236}">
+                <a16:creationId xmlns:a16="http://schemas.microsoft.com/office/drawing/2014/main" id="{2971858D-7679-EF48-A350-57A1BEC90D43}"/>
+              </a:ext>
+            </a:extLst>
+          </p:cNvPr>
+          <p:cNvPicPr>
+            <a:picLocks noChangeAspect="1"/>
+          </p:cNvPicPr>
+          <p:nvPr/>
+        </p:nvPicPr>
+        <p:blipFill>
+          <a:blip r:embed="rId2">
+            <a:extLst>
+              <a:ext uri="{28A0092B-C50C-407E-A947-70E740481C1C}">
+                <a14:useLocalDpi xmlns:a14="http://schemas.microsoft.com/office/drawing/2010/main" val="0"/>
+              </a:ext>
+            </a:extLst>
+          </a:blip>
+          <a:stretch>
+            <a:fillRect/>
+          </a:stretch>
+        </p:blipFill>
+        <p:spPr>
+          <a:xfrm>
+            <a:off x="1907704" y="935849"/>
+            <a:ext cx="5406508" cy="3409200"/>
+          </a:xfrm>
+          <a:prstGeom prst="rect">
+            <a:avLst/>
+          </a:prstGeom>
+        </p:spPr>
+      </p:pic>
+      <p:sp>
+        <p:nvSpPr>
+          <p:cNvPr id="11" name="Rectangle 10">
+            <a:extLst>
+              <a:ext uri="{FF2B5EF4-FFF2-40B4-BE49-F238E27FC236}">
+                <a16:creationId xmlns:a16="http://schemas.microsoft.com/office/drawing/2014/main" id="{A2535F13-03DF-F345-ACE6-A6D7EDA9100E}"/>
+              </a:ext>
+            </a:extLst>
+          </p:cNvPr>
+          <p:cNvSpPr/>
+          <p:nvPr/>
+        </p:nvSpPr>
+        <p:spPr>
+          <a:xfrm>
+            <a:off x="2699792" y="1682793"/>
+            <a:ext cx="2016224" cy="1753054"/>
+          </a:xfrm>
+          <a:prstGeom prst="rect">
+            <a:avLst/>
+          </a:prstGeom>
+          <a:solidFill>
+            <a:schemeClr val="accent1">
+              <a:lumMod val="20000"/>
+              <a:lumOff val="80000"/>
+              <a:alpha val="50000"/>
+            </a:schemeClr>
+          </a:solidFill>
+        </p:spPr>
+        <p:style>
+          <a:lnRef idx="2">
+            <a:schemeClr val="accent1">
+              <a:shade val="50000"/>
+            </a:schemeClr>
+          </a:lnRef>
+          <a:fillRef idx="1">
+            <a:schemeClr val="accent1"/>
+          </a:fillRef>
+          <a:effectRef idx="0">
+            <a:schemeClr val="accent1"/>
+          </a:effectRef>
+          <a:fontRef idx="minor">
+            <a:schemeClr val="lt1"/>
+          </a:fontRef>
+        </p:style>
+        <p:txBody>
+          <a:bodyPr rtlCol="0" anchor="ctr"/>
+          <a:lstStyle/>
+          <a:p>
+            <a:pPr algn="ctr"/>
+            <a:endParaRPr lang="de-DE" dirty="0"/>
+          </a:p>
+        </p:txBody>
+      </p:sp>
+      <p:graphicFrame>
+        <p:nvGraphicFramePr>
+          <p:cNvPr id="10" name="Table 9">
+            <a:extLst>
+              <a:ext uri="{FF2B5EF4-FFF2-40B4-BE49-F238E27FC236}">
+                <a16:creationId xmlns:a16="http://schemas.microsoft.com/office/drawing/2014/main" id="{5D0ACC29-3B33-2F41-A8AC-2B205F47FBE2}"/>
+              </a:ext>
+            </a:extLst>
+          </p:cNvPr>
+          <p:cNvGraphicFramePr>
+            <a:graphicFrameLocks noGrp="1"/>
+          </p:cNvGraphicFramePr>
+          <p:nvPr>
+            <p:extLst>
+              <p:ext uri="{D42A27DB-BD31-4B8C-83A1-F6EECF244321}">
+                <p14:modId xmlns:p14="http://schemas.microsoft.com/office/powerpoint/2010/main" val="68375357"/>
+              </p:ext>
+            </p:extLst>
+          </p:nvPr>
+        </p:nvGraphicFramePr>
+        <p:xfrm>
+          <a:off x="1367645" y="4227934"/>
+          <a:ext cx="6480720" cy="548640"/>
+        </p:xfrm>
+        <a:graphic>
+          <a:graphicData uri="http://schemas.openxmlformats.org/drawingml/2006/table">
+            <a:tbl>
+              <a:tblPr firstRow="1" bandRow="1">
+                <a:tableStyleId>{5C22544A-7EE6-4342-B048-85BDC9FD1C3A}</a:tableStyleId>
+              </a:tblPr>
+              <a:tblGrid>
+                <a:gridCol w="1080120">
+                  <a:extLst>
+                    <a:ext uri="{9D8B030D-6E8A-4147-A177-3AD203B41FA5}">
+                      <a16:colId xmlns:a16="http://schemas.microsoft.com/office/drawing/2014/main" val="4244449364"/>
+                    </a:ext>
+                  </a:extLst>
+                </a:gridCol>
+                <a:gridCol w="1080120">
+                  <a:extLst>
+                    <a:ext uri="{9D8B030D-6E8A-4147-A177-3AD203B41FA5}">
+                      <a16:colId xmlns:a16="http://schemas.microsoft.com/office/drawing/2014/main" val="2260175038"/>
+                    </a:ext>
+                  </a:extLst>
+                </a:gridCol>
+                <a:gridCol w="1080120">
+                  <a:extLst>
+                    <a:ext uri="{9D8B030D-6E8A-4147-A177-3AD203B41FA5}">
+                      <a16:colId xmlns:a16="http://schemas.microsoft.com/office/drawing/2014/main" val="1371520278"/>
+                    </a:ext>
+                  </a:extLst>
+                </a:gridCol>
+                <a:gridCol w="1080120">
+                  <a:extLst>
+                    <a:ext uri="{9D8B030D-6E8A-4147-A177-3AD203B41FA5}">
+                      <a16:colId xmlns:a16="http://schemas.microsoft.com/office/drawing/2014/main" val="1960192047"/>
+                    </a:ext>
+                  </a:extLst>
+                </a:gridCol>
+                <a:gridCol w="1080120">
+                  <a:extLst>
+                    <a:ext uri="{9D8B030D-6E8A-4147-A177-3AD203B41FA5}">
+                      <a16:colId xmlns:a16="http://schemas.microsoft.com/office/drawing/2014/main" val="1721570923"/>
+                    </a:ext>
+                  </a:extLst>
+                </a:gridCol>
+                <a:gridCol w="1080120">
+                  <a:extLst>
+                    <a:ext uri="{9D8B030D-6E8A-4147-A177-3AD203B41FA5}">
+                      <a16:colId xmlns:a16="http://schemas.microsoft.com/office/drawing/2014/main" val="2278183754"/>
+                    </a:ext>
+                  </a:extLst>
+                </a:gridCol>
+              </a:tblGrid>
+              <a:tr h="0">
+                <a:tc>
+                  <a:txBody>
+                    <a:bodyPr/>
+                    <a:lstStyle/>
+                    <a:p>
+                      <a:pPr algn="ctr"/>
+                      <a:r>
+                        <a:rPr lang="de-DE" sz="1200" dirty="0"/>
+                        <a:t>Min</a:t>
+                      </a:r>
+                    </a:p>
+                  </a:txBody>
+                  <a:tcPr/>
+                </a:tc>
+                <a:tc>
+                  <a:txBody>
+                    <a:bodyPr/>
+                    <a:lstStyle/>
+                    <a:p>
+                      <a:pPr algn="ctr"/>
+                      <a:r>
+                        <a:rPr lang="de-DE" sz="1200" dirty="0"/>
+                        <a:t>1st </a:t>
+                      </a:r>
+                      <a:r>
+                        <a:rPr lang="de-DE" sz="1200" dirty="0" err="1"/>
+                        <a:t>Qu</a:t>
+                      </a:r>
+                      <a:r>
+                        <a:rPr lang="de-DE" sz="1200" dirty="0"/>
+                        <a:t>.</a:t>
+                      </a:r>
+                    </a:p>
+                  </a:txBody>
+                  <a:tcPr/>
+                </a:tc>
+                <a:tc>
+                  <a:txBody>
+                    <a:bodyPr/>
+                    <a:lstStyle/>
+                    <a:p>
+                      <a:pPr algn="ctr"/>
+                      <a:r>
+                        <a:rPr lang="de-DE" sz="1200" dirty="0"/>
+                        <a:t>Median</a:t>
+                      </a:r>
+                    </a:p>
+                  </a:txBody>
+                  <a:tcPr/>
+                </a:tc>
+                <a:tc>
+                  <a:txBody>
+                    <a:bodyPr/>
+                    <a:lstStyle/>
+                    <a:p>
+                      <a:pPr algn="ctr"/>
+                      <a:r>
+                        <a:rPr lang="de-DE" sz="1200" dirty="0" err="1"/>
+                        <a:t>Mean</a:t>
+                      </a:r>
+                      <a:endParaRPr lang="de-DE" sz="1200" dirty="0"/>
+                    </a:p>
+                  </a:txBody>
+                  <a:tcPr/>
+                </a:tc>
+                <a:tc>
+                  <a:txBody>
+                    <a:bodyPr/>
+                    <a:lstStyle/>
+                    <a:p>
+                      <a:pPr algn="ctr"/>
+                      <a:r>
+                        <a:rPr lang="de-DE" sz="1200" dirty="0"/>
+                        <a:t>3rd </a:t>
+                      </a:r>
+                      <a:r>
+                        <a:rPr lang="de-DE" sz="1200" dirty="0" err="1"/>
+                        <a:t>Qu</a:t>
+                      </a:r>
+                      <a:r>
+                        <a:rPr lang="de-DE" sz="1200" dirty="0"/>
+                        <a:t>. </a:t>
+                      </a:r>
+                    </a:p>
+                  </a:txBody>
+                  <a:tcPr/>
+                </a:tc>
+                <a:tc>
+                  <a:txBody>
+                    <a:bodyPr/>
+                    <a:lstStyle/>
+                    <a:p>
+                      <a:pPr algn="ctr"/>
+                      <a:r>
+                        <a:rPr lang="de-DE" sz="1200" dirty="0"/>
+                        <a:t>Max.</a:t>
+                      </a:r>
+                    </a:p>
+                  </a:txBody>
+                  <a:tcPr/>
+                </a:tc>
+                <a:extLst>
+                  <a:ext uri="{0D108BD9-81ED-4DB2-BD59-A6C34878D82A}">
+                    <a16:rowId xmlns:a16="http://schemas.microsoft.com/office/drawing/2014/main" val="3429073092"/>
+                  </a:ext>
+                </a:extLst>
+              </a:tr>
+              <a:tr h="0">
+                <a:tc>
+                  <a:txBody>
+                    <a:bodyPr/>
+                    <a:lstStyle/>
+                    <a:p>
+                      <a:pPr marL="0" marR="0" lvl="0" indent="0" algn="ctr" defTabSz="914400" rtl="0" eaLnBrk="1" fontAlgn="auto" latinLnBrk="0" hangingPunct="1">
+                        <a:lnSpc>
+                          <a:spcPct val="100000"/>
+                        </a:lnSpc>
+                        <a:spcBef>
+                          <a:spcPts val="0"/>
+                        </a:spcBef>
+                        <a:spcAft>
+                          <a:spcPts val="0"/>
+                        </a:spcAft>
+                        <a:buClrTx/>
+                        <a:buSzTx/>
+                        <a:buFontTx/>
+                        <a:buNone/>
+                        <a:tabLst/>
+                        <a:defRPr/>
+                      </a:pPr>
+                      <a:r>
+                        <a:rPr lang="de-DE" sz="1200" dirty="0"/>
+                        <a:t>-0.0485185</a:t>
+                      </a:r>
+                    </a:p>
+                  </a:txBody>
+                  <a:tcPr/>
+                </a:tc>
+                <a:tc>
+                  <a:txBody>
+                    <a:bodyPr/>
+                    <a:lstStyle/>
+                    <a:p>
+                      <a:pPr algn="ctr"/>
+                      <a:r>
+                        <a:rPr lang="de-DE" sz="1200" dirty="0"/>
+                        <a:t>-0.0062240</a:t>
+                      </a:r>
+                    </a:p>
+                  </a:txBody>
+                  <a:tcPr/>
+                </a:tc>
+                <a:tc>
+                  <a:txBody>
+                    <a:bodyPr/>
+                    <a:lstStyle/>
+                    <a:p>
+                      <a:pPr algn="ctr"/>
+                      <a:r>
+                        <a:rPr lang="de-DE" sz="1200" dirty="0"/>
+                        <a:t>-0.0007726</a:t>
+                      </a:r>
+                    </a:p>
+                  </a:txBody>
+                  <a:tcPr/>
+                </a:tc>
+                <a:tc>
+                  <a:txBody>
+                    <a:bodyPr/>
+                    <a:lstStyle/>
+                    <a:p>
+                      <a:pPr algn="ctr"/>
+                      <a:r>
+                        <a:rPr lang="de-DE" sz="1200" dirty="0"/>
+                        <a:t>-0.0003687</a:t>
+                      </a:r>
+                    </a:p>
+                  </a:txBody>
+                  <a:tcPr/>
+                </a:tc>
+                <a:tc>
+                  <a:txBody>
+                    <a:bodyPr/>
+                    <a:lstStyle/>
+                    <a:p>
+                      <a:pPr algn="ctr"/>
+                      <a:r>
+                        <a:rPr lang="de-DE" sz="1200" dirty="0"/>
+                        <a:t>0.0053583</a:t>
+                      </a:r>
+                    </a:p>
+                  </a:txBody>
+                  <a:tcPr/>
+                </a:tc>
+                <a:tc>
+                  <a:txBody>
+                    <a:bodyPr/>
+                    <a:lstStyle/>
+                    <a:p>
+                      <a:pPr algn="ctr"/>
+                      <a:r>
+                        <a:rPr lang="de-DE" sz="1200" dirty="0"/>
+                        <a:t>0.0706727</a:t>
+                      </a:r>
+                    </a:p>
+                  </a:txBody>
+                  <a:tcPr/>
+                </a:tc>
+                <a:extLst>
+                  <a:ext uri="{0D108BD9-81ED-4DB2-BD59-A6C34878D82A}">
+                    <a16:rowId xmlns:a16="http://schemas.microsoft.com/office/drawing/2014/main" val="3087998413"/>
+                  </a:ext>
+                </a:extLst>
+              </a:tr>
+            </a:tbl>
+          </a:graphicData>
+        </a:graphic>
+      </p:graphicFrame>
+      <p:sp>
+        <p:nvSpPr>
+          <p:cNvPr id="12" name="Rectangle 11">
+            <a:extLst>
+              <a:ext uri="{FF2B5EF4-FFF2-40B4-BE49-F238E27FC236}">
+                <a16:creationId xmlns:a16="http://schemas.microsoft.com/office/drawing/2014/main" id="{4212C4D4-5E98-C648-B28C-D07F9CFB6429}"/>
+              </a:ext>
+            </a:extLst>
+          </p:cNvPr>
+          <p:cNvSpPr/>
+          <p:nvPr/>
+        </p:nvSpPr>
+        <p:spPr>
+          <a:xfrm>
+            <a:off x="4716016" y="1682793"/>
+            <a:ext cx="2160240" cy="1753054"/>
+          </a:xfrm>
+          <a:prstGeom prst="rect">
+            <a:avLst/>
+          </a:prstGeom>
+          <a:solidFill>
+            <a:schemeClr val="accent3">
+              <a:lumMod val="20000"/>
+              <a:lumOff val="80000"/>
+              <a:alpha val="50000"/>
+            </a:schemeClr>
+          </a:solidFill>
+        </p:spPr>
+        <p:style>
+          <a:lnRef idx="2">
+            <a:schemeClr val="accent1">
+              <a:shade val="50000"/>
+            </a:schemeClr>
+          </a:lnRef>
+          <a:fillRef idx="1">
+            <a:schemeClr val="accent1"/>
+          </a:fillRef>
+          <a:effectRef idx="0">
+            <a:schemeClr val="accent1"/>
+          </a:effectRef>
+          <a:fontRef idx="minor">
+            <a:schemeClr val="lt1"/>
+          </a:fontRef>
+        </p:style>
+        <p:txBody>
+          <a:bodyPr rtlCol="0" anchor="ctr"/>
+          <a:lstStyle/>
+          <a:p>
+            <a:pPr algn="ctr"/>
+            <a:endParaRPr lang="de-DE" dirty="0"/>
+          </a:p>
+        </p:txBody>
+      </p:sp>
     </p:spTree>
     <p:extLst>
       <p:ext uri="{BB962C8B-B14F-4D97-AF65-F5344CB8AC3E}">
-        <p14:creationId xmlns:p14="http://schemas.microsoft.com/office/powerpoint/2010/main" val="430762112"/>
+        <p14:creationId xmlns:p14="http://schemas.microsoft.com/office/powerpoint/2010/main" val="1948337129"/>
       </p:ext>
     </p:extLst>
   </p:cSld>
@@ -15616,7 +17274,13 @@
       </p:grpSpPr>
       <p:sp>
         <p:nvSpPr>
-          <p:cNvPr id="2" name="Titel 1"/>
+          <p:cNvPr id="2" name="Title 1">
+            <a:extLst>
+              <a:ext uri="{FF2B5EF4-FFF2-40B4-BE49-F238E27FC236}">
+                <a16:creationId xmlns:a16="http://schemas.microsoft.com/office/drawing/2014/main" id="{16E56DC9-487D-F44D-B740-A9E0CB6B4F88}"/>
+              </a:ext>
+            </a:extLst>
+          </p:cNvPr>
           <p:cNvSpPr>
             <a:spLocks noGrp="1"/>
           </p:cNvSpPr>
@@ -15631,14 +17295,20 @@
           <a:p>
             <a:r>
               <a:rPr lang="de-DE" dirty="0"/>
-              <a:t>Vielen Dank für Ihre Aufmerksamkeit.</a:t>
-            </a:r>
-          </a:p>
-        </p:txBody>
-      </p:sp>
-      <p:sp>
-        <p:nvSpPr>
-          <p:cNvPr id="3" name="Datumsplatzhalter 2"/>
+              <a:t>Versuchsreihe: Dax 30</a:t>
+            </a:r>
+          </a:p>
+        </p:txBody>
+      </p:sp>
+      <p:sp>
+        <p:nvSpPr>
+          <p:cNvPr id="3" name="Date Placeholder 2">
+            <a:extLst>
+              <a:ext uri="{FF2B5EF4-FFF2-40B4-BE49-F238E27FC236}">
+                <a16:creationId xmlns:a16="http://schemas.microsoft.com/office/drawing/2014/main" id="{85527BD4-4887-E34B-9292-448E7DB7D27A}"/>
+              </a:ext>
+            </a:extLst>
+          </p:cNvPr>
           <p:cNvSpPr>
             <a:spLocks noGrp="1"/>
           </p:cNvSpPr>
@@ -15651,10 +17321,10 @@
           <a:bodyPr/>
           <a:lstStyle/>
           <a:p>
-            <a:fld id="{19A0FC43-5E73-44C2-BFDB-9FAD1E8FED0E}" type="datetime1">
+            <a:fld id="{12CE0ACD-0B71-463F-9507-4095300257BC}" type="datetime1">
               <a:rPr lang="de-DE" smtClean="0"/>
               <a:pPr/>
-              <a:t>03.08.2018</a:t>
+              <a:t>04.08.18</a:t>
             </a:fld>
             <a:endParaRPr lang="de-DE"/>
           </a:p>
@@ -15662,7 +17332,13 @@
       </p:sp>
       <p:sp>
         <p:nvSpPr>
-          <p:cNvPr id="4" name="Fußzeilenplatzhalter 3"/>
+          <p:cNvPr id="4" name="Footer Placeholder 3">
+            <a:extLst>
+              <a:ext uri="{FF2B5EF4-FFF2-40B4-BE49-F238E27FC236}">
+                <a16:creationId xmlns:a16="http://schemas.microsoft.com/office/drawing/2014/main" id="{2608AA87-9F61-984C-8911-C57DEE83A58D}"/>
+              </a:ext>
+            </a:extLst>
+          </p:cNvPr>
           <p:cNvSpPr>
             <a:spLocks noGrp="1"/>
           </p:cNvSpPr>
@@ -15677,7 +17353,7 @@
           <a:p>
             <a:r>
               <a:rPr lang="de-DE"/>
-              <a:t>Structural Equation Modelling – Wintersemester 2017/2018</a:t>
+              <a:t>Time Series Analysis – Sommersemester 2018</a:t>
             </a:r>
             <a:endParaRPr lang="de-DE" dirty="0"/>
           </a:p>
@@ -15685,7 +17361,13 @@
       </p:sp>
       <p:sp>
         <p:nvSpPr>
-          <p:cNvPr id="5" name="Foliennummernplatzhalter 4"/>
+          <p:cNvPr id="5" name="Slide Number Placeholder 4">
+            <a:extLst>
+              <a:ext uri="{FF2B5EF4-FFF2-40B4-BE49-F238E27FC236}">
+                <a16:creationId xmlns:a16="http://schemas.microsoft.com/office/drawing/2014/main" id="{465C8943-7DD6-9E44-A836-CB2EC5C096FD}"/>
+              </a:ext>
+            </a:extLst>
+          </p:cNvPr>
           <p:cNvSpPr>
             <a:spLocks noGrp="1"/>
           </p:cNvSpPr>
@@ -15709,22 +17391,142 @@
       </p:sp>
       <p:sp>
         <p:nvSpPr>
-          <p:cNvPr id="6" name="Textplatzhalter 5"/>
-          <p:cNvSpPr>
-            <a:spLocks noGrp="1"/>
-          </p:cNvSpPr>
-          <p:nvPr>
-            <p:ph type="body" sz="quarter" idx="13"/>
-          </p:nvPr>
-        </p:nvSpPr>
-        <p:spPr/>
-        <p:txBody>
-          <a:bodyPr/>
+          <p:cNvPr id="6" name="TextBox 5">
+            <a:extLst>
+              <a:ext uri="{FF2B5EF4-FFF2-40B4-BE49-F238E27FC236}">
+                <a16:creationId xmlns:a16="http://schemas.microsoft.com/office/drawing/2014/main" id="{F5DA7DEA-393A-4445-AC69-0AD7E0DE4F6C}"/>
+              </a:ext>
+            </a:extLst>
+          </p:cNvPr>
+          <p:cNvSpPr txBox="1"/>
+          <p:nvPr/>
+        </p:nvSpPr>
+        <p:spPr>
+          <a:xfrm>
+            <a:off x="2582001" y="1059582"/>
+            <a:ext cx="4052007" cy="369332"/>
+          </a:xfrm>
+          <a:prstGeom prst="rect">
+            <a:avLst/>
+          </a:prstGeom>
+          <a:noFill/>
+        </p:spPr>
+        <p:txBody>
+          <a:bodyPr wrap="none" rtlCol="0">
+            <a:spAutoFit/>
+          </a:bodyPr>
           <a:lstStyle/>
           <a:p>
             <a:r>
               <a:rPr lang="de-DE" dirty="0"/>
-              <a:t>Fragen?</a:t>
+              <a:t>Bestes AIC auf Log-Returns: ARIMA(0,0,0)</a:t>
+            </a:r>
+          </a:p>
+        </p:txBody>
+      </p:sp>
+      <p:pic>
+        <p:nvPicPr>
+          <p:cNvPr id="10" name="Picture 9">
+            <a:extLst>
+              <a:ext uri="{FF2B5EF4-FFF2-40B4-BE49-F238E27FC236}">
+                <a16:creationId xmlns:a16="http://schemas.microsoft.com/office/drawing/2014/main" id="{BF4C27A4-01B9-594A-B0F0-9132A8F7A934}"/>
+              </a:ext>
+            </a:extLst>
+          </p:cNvPr>
+          <p:cNvPicPr>
+            <a:picLocks noChangeAspect="1"/>
+          </p:cNvPicPr>
+          <p:nvPr/>
+        </p:nvPicPr>
+        <p:blipFill>
+          <a:blip r:embed="rId3">
+            <a:extLst>
+              <a:ext uri="{28A0092B-C50C-407E-A947-70E740481C1C}">
+                <a14:useLocalDpi xmlns:a14="http://schemas.microsoft.com/office/drawing/2010/main" val="0"/>
+              </a:ext>
+            </a:extLst>
+          </a:blip>
+          <a:stretch>
+            <a:fillRect/>
+          </a:stretch>
+        </p:blipFill>
+        <p:spPr>
+          <a:xfrm>
+            <a:off x="413792" y="1428914"/>
+            <a:ext cx="3862800" cy="3035058"/>
+          </a:xfrm>
+          <a:prstGeom prst="rect">
+            <a:avLst/>
+          </a:prstGeom>
+        </p:spPr>
+      </p:pic>
+      <p:pic>
+        <p:nvPicPr>
+          <p:cNvPr id="12" name="Picture 11">
+            <a:extLst>
+              <a:ext uri="{FF2B5EF4-FFF2-40B4-BE49-F238E27FC236}">
+                <a16:creationId xmlns:a16="http://schemas.microsoft.com/office/drawing/2014/main" id="{74944CEE-1588-E94F-9661-894222B4E67F}"/>
+              </a:ext>
+            </a:extLst>
+          </p:cNvPr>
+          <p:cNvPicPr>
+            <a:picLocks noChangeAspect="1"/>
+          </p:cNvPicPr>
+          <p:nvPr/>
+        </p:nvPicPr>
+        <p:blipFill>
+          <a:blip r:embed="rId4">
+            <a:extLst>
+              <a:ext uri="{28A0092B-C50C-407E-A947-70E740481C1C}">
+                <a14:useLocalDpi xmlns:a14="http://schemas.microsoft.com/office/drawing/2010/main" val="0"/>
+              </a:ext>
+            </a:extLst>
+          </a:blip>
+          <a:stretch>
+            <a:fillRect/>
+          </a:stretch>
+        </p:blipFill>
+        <p:spPr>
+          <a:xfrm>
+            <a:off x="4716016" y="1428914"/>
+            <a:ext cx="3862800" cy="3035057"/>
+          </a:xfrm>
+          <a:prstGeom prst="rect">
+            <a:avLst/>
+          </a:prstGeom>
+        </p:spPr>
+      </p:pic>
+      <p:sp>
+        <p:nvSpPr>
+          <p:cNvPr id="13" name="TextBox 12">
+            <a:extLst>
+              <a:ext uri="{FF2B5EF4-FFF2-40B4-BE49-F238E27FC236}">
+                <a16:creationId xmlns:a16="http://schemas.microsoft.com/office/drawing/2014/main" id="{79D0F36B-E0FE-CC4F-AC1B-A4371C2464C1}"/>
+              </a:ext>
+            </a:extLst>
+          </p:cNvPr>
+          <p:cNvSpPr txBox="1"/>
+          <p:nvPr/>
+        </p:nvSpPr>
+        <p:spPr>
+          <a:xfrm>
+            <a:off x="3306525" y="4299942"/>
+            <a:ext cx="2602957" cy="369332"/>
+          </a:xfrm>
+          <a:prstGeom prst="rect">
+            <a:avLst/>
+          </a:prstGeom>
+          <a:noFill/>
+        </p:spPr>
+        <p:txBody>
+          <a:bodyPr wrap="none" rtlCol="0">
+            <a:spAutoFit/>
+          </a:bodyPr>
+          <a:lstStyle/>
+          <a:p>
+            <a:r>
+              <a:rPr lang="de-DE" dirty="0"/>
+              <a:t>ARCH-Effekte vorhanden?</a:t>
             </a:r>
           </a:p>
         </p:txBody>
@@ -15732,7 +17534,617 @@
     </p:spTree>
     <p:extLst>
       <p:ext uri="{BB962C8B-B14F-4D97-AF65-F5344CB8AC3E}">
-        <p14:creationId xmlns:p14="http://schemas.microsoft.com/office/powerpoint/2010/main" val="121839908"/>
+        <p14:creationId xmlns:p14="http://schemas.microsoft.com/office/powerpoint/2010/main" val="2040067600"/>
+      </p:ext>
+    </p:extLst>
+  </p:cSld>
+  <p:clrMapOvr>
+    <a:masterClrMapping/>
+  </p:clrMapOvr>
+</p:sld>
+</file>
+
+<file path=ppt/slides/slide17.xml><?xml version="1.0" encoding="utf-8"?>
+<p:sld xmlns:a="http://schemas.openxmlformats.org/drawingml/2006/main" xmlns:r="http://schemas.openxmlformats.org/officeDocument/2006/relationships" xmlns:p="http://schemas.openxmlformats.org/presentationml/2006/main">
+  <p:cSld>
+    <p:spTree>
+      <p:nvGrpSpPr>
+        <p:cNvPr id="1" name=""/>
+        <p:cNvGrpSpPr/>
+        <p:nvPr/>
+      </p:nvGrpSpPr>
+      <p:grpSpPr>
+        <a:xfrm>
+          <a:off x="0" y="0"/>
+          <a:ext cx="0" cy="0"/>
+          <a:chOff x="0" y="0"/>
+          <a:chExt cx="0" cy="0"/>
+        </a:xfrm>
+      </p:grpSpPr>
+      <p:sp>
+        <p:nvSpPr>
+          <p:cNvPr id="2" name="Title 1">
+            <a:extLst>
+              <a:ext uri="{FF2B5EF4-FFF2-40B4-BE49-F238E27FC236}">
+                <a16:creationId xmlns:a16="http://schemas.microsoft.com/office/drawing/2014/main" id="{C1907A3A-BBA1-874D-A25E-D35BE5CE0A34}"/>
+              </a:ext>
+            </a:extLst>
+          </p:cNvPr>
+          <p:cNvSpPr>
+            <a:spLocks noGrp="1"/>
+          </p:cNvSpPr>
+          <p:nvPr>
+            <p:ph type="title"/>
+          </p:nvPr>
+        </p:nvSpPr>
+        <p:spPr/>
+        <p:txBody>
+          <a:bodyPr/>
+          <a:lstStyle/>
+          <a:p>
+            <a:r>
+              <a:rPr lang="de-DE" dirty="0"/>
+              <a:t>Versuchsreihe: Dax 30</a:t>
+            </a:r>
+          </a:p>
+        </p:txBody>
+      </p:sp>
+      <p:sp>
+        <p:nvSpPr>
+          <p:cNvPr id="3" name="Date Placeholder 2">
+            <a:extLst>
+              <a:ext uri="{FF2B5EF4-FFF2-40B4-BE49-F238E27FC236}">
+                <a16:creationId xmlns:a16="http://schemas.microsoft.com/office/drawing/2014/main" id="{5FF081FC-B77E-B340-8845-18DFE938D071}"/>
+              </a:ext>
+            </a:extLst>
+          </p:cNvPr>
+          <p:cNvSpPr>
+            <a:spLocks noGrp="1"/>
+          </p:cNvSpPr>
+          <p:nvPr>
+            <p:ph type="dt" sz="half" idx="10"/>
+          </p:nvPr>
+        </p:nvSpPr>
+        <p:spPr/>
+        <p:txBody>
+          <a:bodyPr/>
+          <a:lstStyle/>
+          <a:p>
+            <a:fld id="{12CE0ACD-0B71-463F-9507-4095300257BC}" type="datetime1">
+              <a:rPr lang="de-DE" smtClean="0"/>
+              <a:pPr/>
+              <a:t>04.08.18</a:t>
+            </a:fld>
+            <a:endParaRPr lang="de-DE"/>
+          </a:p>
+        </p:txBody>
+      </p:sp>
+      <p:sp>
+        <p:nvSpPr>
+          <p:cNvPr id="4" name="Footer Placeholder 3">
+            <a:extLst>
+              <a:ext uri="{FF2B5EF4-FFF2-40B4-BE49-F238E27FC236}">
+                <a16:creationId xmlns:a16="http://schemas.microsoft.com/office/drawing/2014/main" id="{ED36B7D6-5C77-524E-935A-FCDAEA091D49}"/>
+              </a:ext>
+            </a:extLst>
+          </p:cNvPr>
+          <p:cNvSpPr>
+            <a:spLocks noGrp="1"/>
+          </p:cNvSpPr>
+          <p:nvPr>
+            <p:ph type="ftr" sz="quarter" idx="11"/>
+          </p:nvPr>
+        </p:nvSpPr>
+        <p:spPr/>
+        <p:txBody>
+          <a:bodyPr/>
+          <a:lstStyle/>
+          <a:p>
+            <a:r>
+              <a:rPr lang="de-DE"/>
+              <a:t>Time Series Analysis – Sommersemester 2018</a:t>
+            </a:r>
+            <a:endParaRPr lang="de-DE" dirty="0"/>
+          </a:p>
+        </p:txBody>
+      </p:sp>
+      <p:sp>
+        <p:nvSpPr>
+          <p:cNvPr id="5" name="Slide Number Placeholder 4">
+            <a:extLst>
+              <a:ext uri="{FF2B5EF4-FFF2-40B4-BE49-F238E27FC236}">
+                <a16:creationId xmlns:a16="http://schemas.microsoft.com/office/drawing/2014/main" id="{D007B6C7-7FA6-384E-8AD1-52C94B418B08}"/>
+              </a:ext>
+            </a:extLst>
+          </p:cNvPr>
+          <p:cNvSpPr>
+            <a:spLocks noGrp="1"/>
+          </p:cNvSpPr>
+          <p:nvPr>
+            <p:ph type="sldNum" sz="quarter" idx="12"/>
+          </p:nvPr>
+        </p:nvSpPr>
+        <p:spPr/>
+        <p:txBody>
+          <a:bodyPr/>
+          <a:lstStyle/>
+          <a:p>
+            <a:fld id="{015363AA-F6CB-4A58-B5AD-B2CDFEAF0813}" type="slidenum">
+              <a:rPr lang="de-DE" smtClean="0"/>
+              <a:pPr/>
+              <a:t>17</a:t>
+            </a:fld>
+            <a:endParaRPr lang="de-DE"/>
+          </a:p>
+        </p:txBody>
+      </p:sp>
+      <p:pic>
+        <p:nvPicPr>
+          <p:cNvPr id="7" name="Picture 6">
+            <a:extLst>
+              <a:ext uri="{FF2B5EF4-FFF2-40B4-BE49-F238E27FC236}">
+                <a16:creationId xmlns:a16="http://schemas.microsoft.com/office/drawing/2014/main" id="{656F62B2-5A16-1343-81BD-D40715D961B8}"/>
+              </a:ext>
+            </a:extLst>
+          </p:cNvPr>
+          <p:cNvPicPr>
+            <a:picLocks noChangeAspect="1"/>
+          </p:cNvPicPr>
+          <p:nvPr/>
+        </p:nvPicPr>
+        <p:blipFill>
+          <a:blip r:embed="rId3">
+            <a:extLst>
+              <a:ext uri="{28A0092B-C50C-407E-A947-70E740481C1C}">
+                <a14:useLocalDpi xmlns:a14="http://schemas.microsoft.com/office/drawing/2010/main" val="0"/>
+              </a:ext>
+            </a:extLst>
+          </a:blip>
+          <a:stretch>
+            <a:fillRect/>
+          </a:stretch>
+        </p:blipFill>
+        <p:spPr>
+          <a:xfrm>
+            <a:off x="1871701" y="1428914"/>
+            <a:ext cx="5472608" cy="3081548"/>
+          </a:xfrm>
+          <a:prstGeom prst="rect">
+            <a:avLst/>
+          </a:prstGeom>
+        </p:spPr>
+      </p:pic>
+      <p:sp>
+        <p:nvSpPr>
+          <p:cNvPr id="8" name="TextBox 7">
+            <a:extLst>
+              <a:ext uri="{FF2B5EF4-FFF2-40B4-BE49-F238E27FC236}">
+                <a16:creationId xmlns:a16="http://schemas.microsoft.com/office/drawing/2014/main" id="{5002A615-71FF-B547-B8C8-FACE5C705E01}"/>
+              </a:ext>
+            </a:extLst>
+          </p:cNvPr>
+          <p:cNvSpPr txBox="1"/>
+          <p:nvPr/>
+        </p:nvSpPr>
+        <p:spPr>
+          <a:xfrm>
+            <a:off x="2582001" y="1059582"/>
+            <a:ext cx="4203780" cy="369332"/>
+          </a:xfrm>
+          <a:prstGeom prst="rect">
+            <a:avLst/>
+          </a:prstGeom>
+          <a:noFill/>
+        </p:spPr>
+        <p:txBody>
+          <a:bodyPr wrap="none" rtlCol="0">
+            <a:spAutoFit/>
+          </a:bodyPr>
+          <a:lstStyle/>
+          <a:p>
+            <a:r>
+              <a:rPr lang="de-DE" dirty="0"/>
+              <a:t>Bestes Model hinsichtlich AIC : GARCH(1,1)</a:t>
+            </a:r>
+          </a:p>
+        </p:txBody>
+      </p:sp>
+    </p:spTree>
+    <p:extLst>
+      <p:ext uri="{BB962C8B-B14F-4D97-AF65-F5344CB8AC3E}">
+        <p14:creationId xmlns:p14="http://schemas.microsoft.com/office/powerpoint/2010/main" val="905678871"/>
+      </p:ext>
+    </p:extLst>
+  </p:cSld>
+  <p:clrMapOvr>
+    <a:masterClrMapping/>
+  </p:clrMapOvr>
+</p:sld>
+</file>
+
+<file path=ppt/slides/slide18.xml><?xml version="1.0" encoding="utf-8"?>
+<p:sld xmlns:a="http://schemas.openxmlformats.org/drawingml/2006/main" xmlns:r="http://schemas.openxmlformats.org/officeDocument/2006/relationships" xmlns:p="http://schemas.openxmlformats.org/presentationml/2006/main">
+  <p:cSld>
+    <p:spTree>
+      <p:nvGrpSpPr>
+        <p:cNvPr id="1" name=""/>
+        <p:cNvGrpSpPr/>
+        <p:nvPr/>
+      </p:nvGrpSpPr>
+      <p:grpSpPr>
+        <a:xfrm>
+          <a:off x="0" y="0"/>
+          <a:ext cx="0" cy="0"/>
+          <a:chOff x="0" y="0"/>
+          <a:chExt cx="0" cy="0"/>
+        </a:xfrm>
+      </p:grpSpPr>
+      <p:sp>
+        <p:nvSpPr>
+          <p:cNvPr id="2" name="Title 1">
+            <a:extLst>
+              <a:ext uri="{FF2B5EF4-FFF2-40B4-BE49-F238E27FC236}">
+                <a16:creationId xmlns:a16="http://schemas.microsoft.com/office/drawing/2014/main" id="{5913E78F-16B7-3440-93BB-F987622E4F29}"/>
+              </a:ext>
+            </a:extLst>
+          </p:cNvPr>
+          <p:cNvSpPr>
+            <a:spLocks noGrp="1"/>
+          </p:cNvSpPr>
+          <p:nvPr>
+            <p:ph type="title"/>
+          </p:nvPr>
+        </p:nvSpPr>
+        <p:spPr/>
+        <p:txBody>
+          <a:bodyPr/>
+          <a:lstStyle/>
+          <a:p>
+            <a:r>
+              <a:rPr lang="de-DE" dirty="0"/>
+              <a:t>Versuchsreihe: Dax 30</a:t>
+            </a:r>
+          </a:p>
+        </p:txBody>
+      </p:sp>
+      <p:sp>
+        <p:nvSpPr>
+          <p:cNvPr id="3" name="Date Placeholder 2">
+            <a:extLst>
+              <a:ext uri="{FF2B5EF4-FFF2-40B4-BE49-F238E27FC236}">
+                <a16:creationId xmlns:a16="http://schemas.microsoft.com/office/drawing/2014/main" id="{B5577484-49D9-364D-96A1-860BAE53DAC7}"/>
+              </a:ext>
+            </a:extLst>
+          </p:cNvPr>
+          <p:cNvSpPr>
+            <a:spLocks noGrp="1"/>
+          </p:cNvSpPr>
+          <p:nvPr>
+            <p:ph type="dt" sz="half" idx="10"/>
+          </p:nvPr>
+        </p:nvSpPr>
+        <p:spPr/>
+        <p:txBody>
+          <a:bodyPr/>
+          <a:lstStyle/>
+          <a:p>
+            <a:fld id="{12CE0ACD-0B71-463F-9507-4095300257BC}" type="datetime1">
+              <a:rPr lang="de-DE" smtClean="0"/>
+              <a:pPr/>
+              <a:t>04.08.18</a:t>
+            </a:fld>
+            <a:endParaRPr lang="de-DE"/>
+          </a:p>
+        </p:txBody>
+      </p:sp>
+      <p:sp>
+        <p:nvSpPr>
+          <p:cNvPr id="4" name="Footer Placeholder 3">
+            <a:extLst>
+              <a:ext uri="{FF2B5EF4-FFF2-40B4-BE49-F238E27FC236}">
+                <a16:creationId xmlns:a16="http://schemas.microsoft.com/office/drawing/2014/main" id="{C2260F1C-3970-4C4B-A246-C22E19B93C13}"/>
+              </a:ext>
+            </a:extLst>
+          </p:cNvPr>
+          <p:cNvSpPr>
+            <a:spLocks noGrp="1"/>
+          </p:cNvSpPr>
+          <p:nvPr>
+            <p:ph type="ftr" sz="quarter" idx="11"/>
+          </p:nvPr>
+        </p:nvSpPr>
+        <p:spPr/>
+        <p:txBody>
+          <a:bodyPr/>
+          <a:lstStyle/>
+          <a:p>
+            <a:r>
+              <a:rPr lang="de-DE"/>
+              <a:t>Time Series Analysis – Sommersemester 2018</a:t>
+            </a:r>
+            <a:endParaRPr lang="de-DE" dirty="0"/>
+          </a:p>
+        </p:txBody>
+      </p:sp>
+      <p:sp>
+        <p:nvSpPr>
+          <p:cNvPr id="5" name="Slide Number Placeholder 4">
+            <a:extLst>
+              <a:ext uri="{FF2B5EF4-FFF2-40B4-BE49-F238E27FC236}">
+                <a16:creationId xmlns:a16="http://schemas.microsoft.com/office/drawing/2014/main" id="{A6A2199C-5932-794D-8157-6911987C3463}"/>
+              </a:ext>
+            </a:extLst>
+          </p:cNvPr>
+          <p:cNvSpPr>
+            <a:spLocks noGrp="1"/>
+          </p:cNvSpPr>
+          <p:nvPr>
+            <p:ph type="sldNum" sz="quarter" idx="12"/>
+          </p:nvPr>
+        </p:nvSpPr>
+        <p:spPr/>
+        <p:txBody>
+          <a:bodyPr/>
+          <a:lstStyle/>
+          <a:p>
+            <a:fld id="{015363AA-F6CB-4A58-B5AD-B2CDFEAF0813}" type="slidenum">
+              <a:rPr lang="de-DE" smtClean="0"/>
+              <a:pPr/>
+              <a:t>18</a:t>
+            </a:fld>
+            <a:endParaRPr lang="de-DE"/>
+          </a:p>
+        </p:txBody>
+      </p:sp>
+    </p:spTree>
+    <p:extLst>
+      <p:ext uri="{BB962C8B-B14F-4D97-AF65-F5344CB8AC3E}">
+        <p14:creationId xmlns:p14="http://schemas.microsoft.com/office/powerpoint/2010/main" val="3697593727"/>
+      </p:ext>
+    </p:extLst>
+  </p:cSld>
+  <p:clrMapOvr>
+    <a:masterClrMapping/>
+  </p:clrMapOvr>
+</p:sld>
+</file>
+
+<file path=ppt/slides/slide19.xml><?xml version="1.0" encoding="utf-8"?>
+<p:sld xmlns:a="http://schemas.openxmlformats.org/drawingml/2006/main" xmlns:r="http://schemas.openxmlformats.org/officeDocument/2006/relationships" xmlns:p="http://schemas.openxmlformats.org/presentationml/2006/main">
+  <p:cSld>
+    <p:spTree>
+      <p:nvGrpSpPr>
+        <p:cNvPr id="1" name=""/>
+        <p:cNvGrpSpPr/>
+        <p:nvPr/>
+      </p:nvGrpSpPr>
+      <p:grpSpPr>
+        <a:xfrm>
+          <a:off x="0" y="0"/>
+          <a:ext cx="0" cy="0"/>
+          <a:chOff x="0" y="0"/>
+          <a:chExt cx="0" cy="0"/>
+        </a:xfrm>
+      </p:grpSpPr>
+      <p:pic>
+        <p:nvPicPr>
+          <p:cNvPr id="9" name="Content Placeholder 8">
+            <a:extLst>
+              <a:ext uri="{FF2B5EF4-FFF2-40B4-BE49-F238E27FC236}">
+                <a16:creationId xmlns:a16="http://schemas.microsoft.com/office/drawing/2014/main" id="{7BAA90F3-BB02-854A-A09F-1DD3E4C1A39E}"/>
+              </a:ext>
+            </a:extLst>
+          </p:cNvPr>
+          <p:cNvPicPr>
+            <a:picLocks noGrp="1" noChangeAspect="1"/>
+          </p:cNvPicPr>
+          <p:nvPr>
+            <p:ph idx="1"/>
+          </p:nvPr>
+        </p:nvPicPr>
+        <p:blipFill>
+          <a:blip r:embed="rId2">
+            <a:extLst>
+              <a:ext uri="{28A0092B-C50C-407E-A947-70E740481C1C}">
+                <a14:useLocalDpi xmlns:a14="http://schemas.microsoft.com/office/drawing/2010/main" val="0"/>
+              </a:ext>
+            </a:extLst>
+          </a:blip>
+          <a:stretch>
+            <a:fillRect/>
+          </a:stretch>
+        </p:blipFill>
+        <p:spPr>
+          <a:xfrm>
+            <a:off x="3995936" y="1239782"/>
+            <a:ext cx="5007273" cy="3240000"/>
+          </a:xfrm>
+        </p:spPr>
+      </p:pic>
+      <p:sp>
+        <p:nvSpPr>
+          <p:cNvPr id="3" name="Text Placeholder 2">
+            <a:extLst>
+              <a:ext uri="{FF2B5EF4-FFF2-40B4-BE49-F238E27FC236}">
+                <a16:creationId xmlns:a16="http://schemas.microsoft.com/office/drawing/2014/main" id="{7C58D974-6B67-D444-882F-B8D539D75ED0}"/>
+              </a:ext>
+            </a:extLst>
+          </p:cNvPr>
+          <p:cNvSpPr>
+            <a:spLocks noGrp="1"/>
+          </p:cNvSpPr>
+          <p:nvPr>
+            <p:ph type="body" sz="half" idx="2"/>
+          </p:nvPr>
+        </p:nvSpPr>
+        <p:spPr/>
+        <p:txBody>
+          <a:bodyPr/>
+          <a:lstStyle/>
+          <a:p>
+            <a:pPr marL="342900" indent="-342900">
+              <a:buFont typeface="+mj-lt"/>
+              <a:buAutoNum type="arabicPeriod"/>
+            </a:pPr>
+            <a:r>
+              <a:rPr lang="de-DE" dirty="0"/>
+              <a:t>ARCH-Effekte in den quadrierten Residuen</a:t>
+            </a:r>
+          </a:p>
+          <a:p>
+            <a:pPr marL="342900" indent="-342900">
+              <a:buFont typeface="+mj-lt"/>
+              <a:buAutoNum type="arabicPeriod"/>
+            </a:pPr>
+            <a:r>
+              <a:rPr lang="de-DE" dirty="0">
+                <a:solidFill>
+                  <a:srgbClr val="C00000"/>
+                </a:solidFill>
+              </a:rPr>
+              <a:t>Normalverteilung der standardisierten Residuen des GARCH-Models</a:t>
+            </a:r>
+          </a:p>
+          <a:p>
+            <a:pPr marL="342900" indent="-342900">
+              <a:buFont typeface="+mj-lt"/>
+              <a:buAutoNum type="arabicPeriod"/>
+            </a:pPr>
+            <a:r>
+              <a:rPr lang="de-DE" dirty="0"/>
+              <a:t>Keine Autokorrelation der quadrierten standardisierten Residuen des GARCH-Models</a:t>
+            </a:r>
+          </a:p>
+          <a:p>
+            <a:pPr marL="285750" indent="-285750">
+              <a:buFont typeface="Arial" panose="020B0604020202020204" pitchFamily="34" charset="0"/>
+              <a:buChar char="•"/>
+            </a:pPr>
+            <a:endParaRPr lang="de-DE" dirty="0"/>
+          </a:p>
+        </p:txBody>
+      </p:sp>
+      <p:sp>
+        <p:nvSpPr>
+          <p:cNvPr id="4" name="Date Placeholder 3">
+            <a:extLst>
+              <a:ext uri="{FF2B5EF4-FFF2-40B4-BE49-F238E27FC236}">
+                <a16:creationId xmlns:a16="http://schemas.microsoft.com/office/drawing/2014/main" id="{210CCB76-226E-6D49-82B9-F25F30362223}"/>
+              </a:ext>
+            </a:extLst>
+          </p:cNvPr>
+          <p:cNvSpPr>
+            <a:spLocks noGrp="1"/>
+          </p:cNvSpPr>
+          <p:nvPr>
+            <p:ph type="dt" sz="half" idx="10"/>
+          </p:nvPr>
+        </p:nvSpPr>
+        <p:spPr/>
+        <p:txBody>
+          <a:bodyPr/>
+          <a:lstStyle/>
+          <a:p>
+            <a:fld id="{D509922F-D4D2-4984-9115-CE10B66F29DF}" type="datetime1">
+              <a:rPr lang="de-DE" smtClean="0"/>
+              <a:pPr/>
+              <a:t>04.08.18</a:t>
+            </a:fld>
+            <a:endParaRPr lang="de-DE"/>
+          </a:p>
+        </p:txBody>
+      </p:sp>
+      <p:sp>
+        <p:nvSpPr>
+          <p:cNvPr id="5" name="Footer Placeholder 4">
+            <a:extLst>
+              <a:ext uri="{FF2B5EF4-FFF2-40B4-BE49-F238E27FC236}">
+                <a16:creationId xmlns:a16="http://schemas.microsoft.com/office/drawing/2014/main" id="{A18FD021-684D-C245-B2E2-087729D8215C}"/>
+              </a:ext>
+            </a:extLst>
+          </p:cNvPr>
+          <p:cNvSpPr>
+            <a:spLocks noGrp="1"/>
+          </p:cNvSpPr>
+          <p:nvPr>
+            <p:ph type="ftr" sz="quarter" idx="11"/>
+          </p:nvPr>
+        </p:nvSpPr>
+        <p:spPr/>
+        <p:txBody>
+          <a:bodyPr/>
+          <a:lstStyle/>
+          <a:p>
+            <a:r>
+              <a:rPr lang="de-DE"/>
+              <a:t>Time Series Analysis – Sommersemester 2018</a:t>
+            </a:r>
+            <a:endParaRPr lang="de-DE" dirty="0"/>
+          </a:p>
+        </p:txBody>
+      </p:sp>
+      <p:sp>
+        <p:nvSpPr>
+          <p:cNvPr id="6" name="Slide Number Placeholder 5">
+            <a:extLst>
+              <a:ext uri="{FF2B5EF4-FFF2-40B4-BE49-F238E27FC236}">
+                <a16:creationId xmlns:a16="http://schemas.microsoft.com/office/drawing/2014/main" id="{BC18C5B3-EE93-BE4E-BDAB-25CC1BD2DA8E}"/>
+              </a:ext>
+            </a:extLst>
+          </p:cNvPr>
+          <p:cNvSpPr>
+            <a:spLocks noGrp="1"/>
+          </p:cNvSpPr>
+          <p:nvPr>
+            <p:ph type="sldNum" sz="quarter" idx="12"/>
+          </p:nvPr>
+        </p:nvSpPr>
+        <p:spPr/>
+        <p:txBody>
+          <a:bodyPr/>
+          <a:lstStyle/>
+          <a:p>
+            <a:fld id="{015363AA-F6CB-4A58-B5AD-B2CDFEAF0813}" type="slidenum">
+              <a:rPr lang="de-DE" smtClean="0"/>
+              <a:pPr/>
+              <a:t>19</a:t>
+            </a:fld>
+            <a:endParaRPr lang="de-DE"/>
+          </a:p>
+        </p:txBody>
+      </p:sp>
+      <p:sp>
+        <p:nvSpPr>
+          <p:cNvPr id="7" name="Title 6">
+            <a:extLst>
+              <a:ext uri="{FF2B5EF4-FFF2-40B4-BE49-F238E27FC236}">
+                <a16:creationId xmlns:a16="http://schemas.microsoft.com/office/drawing/2014/main" id="{53FB6306-6D07-9D47-B750-22BD56735AFD}"/>
+              </a:ext>
+            </a:extLst>
+          </p:cNvPr>
+          <p:cNvSpPr>
+            <a:spLocks noGrp="1"/>
+          </p:cNvSpPr>
+          <p:nvPr>
+            <p:ph type="title"/>
+          </p:nvPr>
+        </p:nvSpPr>
+        <p:spPr/>
+        <p:txBody>
+          <a:bodyPr/>
+          <a:lstStyle/>
+          <a:p>
+            <a:r>
+              <a:rPr lang="de-DE" dirty="0"/>
+              <a:t>Versuchsreihe: Dax 30</a:t>
+            </a:r>
+          </a:p>
+        </p:txBody>
+      </p:sp>
+    </p:spTree>
+    <p:extLst>
+      <p:ext uri="{BB962C8B-B14F-4D97-AF65-F5344CB8AC3E}">
+        <p14:creationId xmlns:p14="http://schemas.microsoft.com/office/powerpoint/2010/main" val="2260786811"/>
       </p:ext>
     </p:extLst>
   </p:cSld>
@@ -15794,7 +18206,7 @@
         <p:spPr/>
         <p:txBody>
           <a:bodyPr>
-            <a:normAutofit/>
+            <a:normAutofit lnSpcReduction="10000"/>
           </a:bodyPr>
           <a:lstStyle/>
           <a:p>
@@ -15805,7 +18217,7 @@
               <a:buAutoNum type="arabicPeriod"/>
             </a:pPr>
             <a:r>
-              <a:rPr lang="de-DE" dirty="0" smtClean="0"/>
+              <a:rPr lang="de-DE" dirty="0"/>
               <a:t>Motivation</a:t>
             </a:r>
           </a:p>
@@ -15817,10 +18229,9 @@
               <a:buAutoNum type="arabicPeriod"/>
             </a:pPr>
             <a:r>
-              <a:rPr lang="de-DE" dirty="0" smtClean="0"/>
+              <a:rPr lang="de-DE" dirty="0"/>
               <a:t>Grundlagen</a:t>
             </a:r>
-            <a:endParaRPr lang="de-DE" dirty="0"/>
           </a:p>
           <a:p>
             <a:pPr lvl="1">
@@ -15831,10 +18242,9 @@
               <a:buAutoNum type="arabicPeriod"/>
             </a:pPr>
             <a:r>
-              <a:rPr lang="de-DE" dirty="0" smtClean="0"/>
+              <a:rPr lang="de-DE" dirty="0"/>
               <a:t>ARCH-Prozesse</a:t>
             </a:r>
-            <a:endParaRPr lang="de-DE" dirty="0"/>
           </a:p>
           <a:p>
             <a:pPr lvl="1">
@@ -15844,10 +18254,9 @@
               <a:buAutoNum type="arabicPeriod"/>
             </a:pPr>
             <a:r>
-              <a:rPr lang="de-DE" dirty="0" smtClean="0"/>
+              <a:rPr lang="de-DE" dirty="0"/>
               <a:t>GARCH-Prozesse</a:t>
             </a:r>
-            <a:endParaRPr lang="de-DE" dirty="0"/>
           </a:p>
           <a:p>
             <a:pPr>
@@ -15857,10 +18266,9 @@
               <a:buAutoNum type="arabicPeriod"/>
             </a:pPr>
             <a:r>
-              <a:rPr lang="de-DE" dirty="0" smtClean="0"/>
+              <a:rPr lang="de-DE" dirty="0"/>
               <a:t>Versuchsaufbau</a:t>
             </a:r>
-            <a:endParaRPr lang="de-DE" dirty="0"/>
           </a:p>
           <a:p>
             <a:pPr>
@@ -15894,10 +18302,9 @@
               <a:buAutoNum type="arabicPeriod"/>
             </a:pPr>
             <a:r>
-              <a:rPr lang="de-DE" dirty="0" smtClean="0"/>
+              <a:rPr lang="de-DE" dirty="0"/>
               <a:t>ARCH-Modelle</a:t>
             </a:r>
-            <a:endParaRPr lang="de-DE" dirty="0"/>
           </a:p>
           <a:p>
             <a:pPr lvl="1">
@@ -15907,10 +18314,21 @@
               <a:buAutoNum type="arabicPeriod"/>
             </a:pPr>
             <a:r>
-              <a:rPr lang="de-DE" dirty="0" smtClean="0"/>
+              <a:rPr lang="de-DE" dirty="0"/>
               <a:t>GARCH-Modelle</a:t>
             </a:r>
-            <a:endParaRPr lang="de-DE" dirty="0"/>
+          </a:p>
+          <a:p>
+            <a:pPr lvl="1">
+              <a:spcAft>
+                <a:spcPts val="600"/>
+              </a:spcAft>
+              <a:buAutoNum type="arabicPeriod"/>
+            </a:pPr>
+            <a:r>
+              <a:rPr lang="de-DE" dirty="0"/>
+              <a:t>ARIMA-GARCH-Modelle</a:t>
+            </a:r>
           </a:p>
           <a:p>
             <a:pPr>
@@ -15920,10 +18338,9 @@
               <a:buAutoNum type="arabicPeriod"/>
             </a:pPr>
             <a:r>
-              <a:rPr lang="de-DE" dirty="0" smtClean="0"/>
+              <a:rPr lang="de-DE" dirty="0"/>
               <a:t>Resümee</a:t>
             </a:r>
-            <a:endParaRPr lang="de-DE" dirty="0"/>
           </a:p>
         </p:txBody>
       </p:sp>
@@ -15945,7 +18362,7 @@
             <a:fld id="{6DB845E5-DACF-426C-8A10-A6438D29DD66}" type="datetime1">
               <a:rPr lang="de-DE" smtClean="0"/>
               <a:pPr/>
-              <a:t>03.08.2018</a:t>
+              <a:t>04.08.18</a:t>
             </a:fld>
             <a:endParaRPr lang="de-DE"/>
           </a:p>
@@ -16001,6 +18418,1141 @@
     <p:extLst>
       <p:ext uri="{BB962C8B-B14F-4D97-AF65-F5344CB8AC3E}">
         <p14:creationId xmlns:p14="http://schemas.microsoft.com/office/powerpoint/2010/main" val="3315212134"/>
+      </p:ext>
+    </p:extLst>
+  </p:cSld>
+  <p:clrMapOvr>
+    <a:masterClrMapping/>
+  </p:clrMapOvr>
+</p:sld>
+</file>
+
+<file path=ppt/slides/slide20.xml><?xml version="1.0" encoding="utf-8"?>
+<p:sld xmlns:a="http://schemas.openxmlformats.org/drawingml/2006/main" xmlns:r="http://schemas.openxmlformats.org/officeDocument/2006/relationships" xmlns:p="http://schemas.openxmlformats.org/presentationml/2006/main">
+  <p:cSld>
+    <p:spTree>
+      <p:nvGrpSpPr>
+        <p:cNvPr id="1" name=""/>
+        <p:cNvGrpSpPr/>
+        <p:nvPr/>
+      </p:nvGrpSpPr>
+      <p:grpSpPr>
+        <a:xfrm>
+          <a:off x="0" y="0"/>
+          <a:ext cx="0" cy="0"/>
+          <a:chOff x="0" y="0"/>
+          <a:chExt cx="0" cy="0"/>
+        </a:xfrm>
+      </p:grpSpPr>
+      <p:sp>
+        <p:nvSpPr>
+          <p:cNvPr id="3" name="Text Placeholder 2">
+            <a:extLst>
+              <a:ext uri="{FF2B5EF4-FFF2-40B4-BE49-F238E27FC236}">
+                <a16:creationId xmlns:a16="http://schemas.microsoft.com/office/drawing/2014/main" id="{7C58D974-6B67-D444-882F-B8D539D75ED0}"/>
+              </a:ext>
+            </a:extLst>
+          </p:cNvPr>
+          <p:cNvSpPr>
+            <a:spLocks noGrp="1"/>
+          </p:cNvSpPr>
+          <p:nvPr>
+            <p:ph type="body" sz="half" idx="2"/>
+          </p:nvPr>
+        </p:nvSpPr>
+        <p:spPr/>
+        <p:txBody>
+          <a:bodyPr/>
+          <a:lstStyle/>
+          <a:p>
+            <a:pPr marL="342900" indent="-342900">
+              <a:buFont typeface="+mj-lt"/>
+              <a:buAutoNum type="arabicPeriod"/>
+            </a:pPr>
+            <a:r>
+              <a:rPr lang="de-DE" dirty="0"/>
+              <a:t>ARCH-Effekte in den quadrierten Residuen</a:t>
+            </a:r>
+          </a:p>
+          <a:p>
+            <a:pPr marL="342900" indent="-342900">
+              <a:buFont typeface="+mj-lt"/>
+              <a:buAutoNum type="arabicPeriod"/>
+            </a:pPr>
+            <a:r>
+              <a:rPr lang="de-DE" dirty="0"/>
+              <a:t>Normalverteilung der standardisierten Residuen des GARCH-Models</a:t>
+            </a:r>
+          </a:p>
+          <a:p>
+            <a:pPr marL="342900" indent="-342900">
+              <a:buFont typeface="+mj-lt"/>
+              <a:buAutoNum type="arabicPeriod"/>
+            </a:pPr>
+            <a:r>
+              <a:rPr lang="de-DE" dirty="0">
+                <a:solidFill>
+                  <a:srgbClr val="C00000"/>
+                </a:solidFill>
+              </a:rPr>
+              <a:t>Keine Autokorrelation der quadrierten standardisierten Residuen des GARCH-Models</a:t>
+            </a:r>
+          </a:p>
+          <a:p>
+            <a:pPr marL="285750" indent="-285750">
+              <a:buFont typeface="Arial" panose="020B0604020202020204" pitchFamily="34" charset="0"/>
+              <a:buChar char="•"/>
+            </a:pPr>
+            <a:endParaRPr lang="de-DE" dirty="0"/>
+          </a:p>
+        </p:txBody>
+      </p:sp>
+      <p:sp>
+        <p:nvSpPr>
+          <p:cNvPr id="4" name="Date Placeholder 3">
+            <a:extLst>
+              <a:ext uri="{FF2B5EF4-FFF2-40B4-BE49-F238E27FC236}">
+                <a16:creationId xmlns:a16="http://schemas.microsoft.com/office/drawing/2014/main" id="{210CCB76-226E-6D49-82B9-F25F30362223}"/>
+              </a:ext>
+            </a:extLst>
+          </p:cNvPr>
+          <p:cNvSpPr>
+            <a:spLocks noGrp="1"/>
+          </p:cNvSpPr>
+          <p:nvPr>
+            <p:ph type="dt" sz="half" idx="10"/>
+          </p:nvPr>
+        </p:nvSpPr>
+        <p:spPr/>
+        <p:txBody>
+          <a:bodyPr/>
+          <a:lstStyle/>
+          <a:p>
+            <a:fld id="{D509922F-D4D2-4984-9115-CE10B66F29DF}" type="datetime1">
+              <a:rPr lang="de-DE" smtClean="0"/>
+              <a:pPr/>
+              <a:t>04.08.18</a:t>
+            </a:fld>
+            <a:endParaRPr lang="de-DE"/>
+          </a:p>
+        </p:txBody>
+      </p:sp>
+      <p:sp>
+        <p:nvSpPr>
+          <p:cNvPr id="5" name="Footer Placeholder 4">
+            <a:extLst>
+              <a:ext uri="{FF2B5EF4-FFF2-40B4-BE49-F238E27FC236}">
+                <a16:creationId xmlns:a16="http://schemas.microsoft.com/office/drawing/2014/main" id="{A18FD021-684D-C245-B2E2-087729D8215C}"/>
+              </a:ext>
+            </a:extLst>
+          </p:cNvPr>
+          <p:cNvSpPr>
+            <a:spLocks noGrp="1"/>
+          </p:cNvSpPr>
+          <p:nvPr>
+            <p:ph type="ftr" sz="quarter" idx="11"/>
+          </p:nvPr>
+        </p:nvSpPr>
+        <p:spPr/>
+        <p:txBody>
+          <a:bodyPr/>
+          <a:lstStyle/>
+          <a:p>
+            <a:r>
+              <a:rPr lang="de-DE"/>
+              <a:t>Time Series Analysis – Sommersemester 2018</a:t>
+            </a:r>
+            <a:endParaRPr lang="de-DE" dirty="0"/>
+          </a:p>
+        </p:txBody>
+      </p:sp>
+      <p:sp>
+        <p:nvSpPr>
+          <p:cNvPr id="6" name="Slide Number Placeholder 5">
+            <a:extLst>
+              <a:ext uri="{FF2B5EF4-FFF2-40B4-BE49-F238E27FC236}">
+                <a16:creationId xmlns:a16="http://schemas.microsoft.com/office/drawing/2014/main" id="{BC18C5B3-EE93-BE4E-BDAB-25CC1BD2DA8E}"/>
+              </a:ext>
+            </a:extLst>
+          </p:cNvPr>
+          <p:cNvSpPr>
+            <a:spLocks noGrp="1"/>
+          </p:cNvSpPr>
+          <p:nvPr>
+            <p:ph type="sldNum" sz="quarter" idx="12"/>
+          </p:nvPr>
+        </p:nvSpPr>
+        <p:spPr/>
+        <p:txBody>
+          <a:bodyPr/>
+          <a:lstStyle/>
+          <a:p>
+            <a:fld id="{015363AA-F6CB-4A58-B5AD-B2CDFEAF0813}" type="slidenum">
+              <a:rPr lang="de-DE" smtClean="0"/>
+              <a:pPr/>
+              <a:t>20</a:t>
+            </a:fld>
+            <a:endParaRPr lang="de-DE"/>
+          </a:p>
+        </p:txBody>
+      </p:sp>
+      <p:sp>
+        <p:nvSpPr>
+          <p:cNvPr id="7" name="Title 6">
+            <a:extLst>
+              <a:ext uri="{FF2B5EF4-FFF2-40B4-BE49-F238E27FC236}">
+                <a16:creationId xmlns:a16="http://schemas.microsoft.com/office/drawing/2014/main" id="{53FB6306-6D07-9D47-B750-22BD56735AFD}"/>
+              </a:ext>
+            </a:extLst>
+          </p:cNvPr>
+          <p:cNvSpPr>
+            <a:spLocks noGrp="1"/>
+          </p:cNvSpPr>
+          <p:nvPr>
+            <p:ph type="title"/>
+          </p:nvPr>
+        </p:nvSpPr>
+        <p:spPr/>
+        <p:txBody>
+          <a:bodyPr/>
+          <a:lstStyle/>
+          <a:p>
+            <a:r>
+              <a:rPr lang="de-DE" dirty="0"/>
+              <a:t>Versuchsreihe: Dax 30</a:t>
+            </a:r>
+          </a:p>
+        </p:txBody>
+      </p:sp>
+      <p:pic>
+        <p:nvPicPr>
+          <p:cNvPr id="11" name="Content Placeholder 10">
+            <a:extLst>
+              <a:ext uri="{FF2B5EF4-FFF2-40B4-BE49-F238E27FC236}">
+                <a16:creationId xmlns:a16="http://schemas.microsoft.com/office/drawing/2014/main" id="{B7A5038E-F0D4-2E42-88E1-B2A3F58D71CA}"/>
+              </a:ext>
+            </a:extLst>
+          </p:cNvPr>
+          <p:cNvPicPr>
+            <a:picLocks noGrp="1" noChangeAspect="1"/>
+          </p:cNvPicPr>
+          <p:nvPr>
+            <p:ph idx="1"/>
+          </p:nvPr>
+        </p:nvPicPr>
+        <p:blipFill>
+          <a:blip r:embed="rId2">
+            <a:extLst>
+              <a:ext uri="{28A0092B-C50C-407E-A947-70E740481C1C}">
+                <a14:useLocalDpi xmlns:a14="http://schemas.microsoft.com/office/drawing/2010/main" val="0"/>
+              </a:ext>
+            </a:extLst>
+          </a:blip>
+          <a:stretch>
+            <a:fillRect/>
+          </a:stretch>
+        </p:blipFill>
+        <p:spPr>
+          <a:xfrm>
+            <a:off x="3995936" y="1236211"/>
+            <a:ext cx="5007272" cy="3240000"/>
+          </a:xfrm>
+        </p:spPr>
+      </p:pic>
+    </p:spTree>
+    <p:extLst>
+      <p:ext uri="{BB962C8B-B14F-4D97-AF65-F5344CB8AC3E}">
+        <p14:creationId xmlns:p14="http://schemas.microsoft.com/office/powerpoint/2010/main" val="459564503"/>
+      </p:ext>
+    </p:extLst>
+  </p:cSld>
+  <p:clrMapOvr>
+    <a:masterClrMapping/>
+  </p:clrMapOvr>
+</p:sld>
+</file>
+
+<file path=ppt/slides/slide21.xml><?xml version="1.0" encoding="utf-8"?>
+<p:sld xmlns:a="http://schemas.openxmlformats.org/drawingml/2006/main" xmlns:r="http://schemas.openxmlformats.org/officeDocument/2006/relationships" xmlns:p="http://schemas.openxmlformats.org/presentationml/2006/main">
+  <p:cSld>
+    <p:spTree>
+      <p:nvGrpSpPr>
+        <p:cNvPr id="1" name=""/>
+        <p:cNvGrpSpPr/>
+        <p:nvPr/>
+      </p:nvGrpSpPr>
+      <p:grpSpPr>
+        <a:xfrm>
+          <a:off x="0" y="0"/>
+          <a:ext cx="0" cy="0"/>
+          <a:chOff x="0" y="0"/>
+          <a:chExt cx="0" cy="0"/>
+        </a:xfrm>
+      </p:grpSpPr>
+      <p:sp>
+        <p:nvSpPr>
+          <p:cNvPr id="2" name="Title 1">
+            <a:extLst>
+              <a:ext uri="{FF2B5EF4-FFF2-40B4-BE49-F238E27FC236}">
+                <a16:creationId xmlns:a16="http://schemas.microsoft.com/office/drawing/2014/main" id="{16C2D24F-031D-3042-8DB3-2C9F1FFAA6D2}"/>
+              </a:ext>
+            </a:extLst>
+          </p:cNvPr>
+          <p:cNvSpPr>
+            <a:spLocks noGrp="1"/>
+          </p:cNvSpPr>
+          <p:nvPr>
+            <p:ph type="title"/>
+          </p:nvPr>
+        </p:nvSpPr>
+        <p:spPr/>
+        <p:txBody>
+          <a:bodyPr/>
+          <a:lstStyle/>
+          <a:p>
+            <a:r>
+              <a:rPr lang="de-DE" dirty="0"/>
+              <a:t>Versuchsreihe: Dax 30</a:t>
+            </a:r>
+          </a:p>
+        </p:txBody>
+      </p:sp>
+      <p:sp>
+        <p:nvSpPr>
+          <p:cNvPr id="3" name="Date Placeholder 2">
+            <a:extLst>
+              <a:ext uri="{FF2B5EF4-FFF2-40B4-BE49-F238E27FC236}">
+                <a16:creationId xmlns:a16="http://schemas.microsoft.com/office/drawing/2014/main" id="{2974CD45-0965-DD47-B0B7-BB5DDCC4D698}"/>
+              </a:ext>
+            </a:extLst>
+          </p:cNvPr>
+          <p:cNvSpPr>
+            <a:spLocks noGrp="1"/>
+          </p:cNvSpPr>
+          <p:nvPr>
+            <p:ph type="dt" sz="half" idx="10"/>
+          </p:nvPr>
+        </p:nvSpPr>
+        <p:spPr/>
+        <p:txBody>
+          <a:bodyPr/>
+          <a:lstStyle/>
+          <a:p>
+            <a:fld id="{12CE0ACD-0B71-463F-9507-4095300257BC}" type="datetime1">
+              <a:rPr lang="de-DE" smtClean="0"/>
+              <a:pPr/>
+              <a:t>04.08.18</a:t>
+            </a:fld>
+            <a:endParaRPr lang="de-DE"/>
+          </a:p>
+        </p:txBody>
+      </p:sp>
+      <p:sp>
+        <p:nvSpPr>
+          <p:cNvPr id="4" name="Footer Placeholder 3">
+            <a:extLst>
+              <a:ext uri="{FF2B5EF4-FFF2-40B4-BE49-F238E27FC236}">
+                <a16:creationId xmlns:a16="http://schemas.microsoft.com/office/drawing/2014/main" id="{36CFC7C2-E6FE-9C49-8D63-01C2420DF4AF}"/>
+              </a:ext>
+            </a:extLst>
+          </p:cNvPr>
+          <p:cNvSpPr>
+            <a:spLocks noGrp="1"/>
+          </p:cNvSpPr>
+          <p:nvPr>
+            <p:ph type="ftr" sz="quarter" idx="11"/>
+          </p:nvPr>
+        </p:nvSpPr>
+        <p:spPr/>
+        <p:txBody>
+          <a:bodyPr/>
+          <a:lstStyle/>
+          <a:p>
+            <a:r>
+              <a:rPr lang="de-DE"/>
+              <a:t>Time Series Analysis – Sommersemester 2018</a:t>
+            </a:r>
+            <a:endParaRPr lang="de-DE" dirty="0"/>
+          </a:p>
+        </p:txBody>
+      </p:sp>
+      <p:sp>
+        <p:nvSpPr>
+          <p:cNvPr id="5" name="Slide Number Placeholder 4">
+            <a:extLst>
+              <a:ext uri="{FF2B5EF4-FFF2-40B4-BE49-F238E27FC236}">
+                <a16:creationId xmlns:a16="http://schemas.microsoft.com/office/drawing/2014/main" id="{B85CF25C-E699-6D44-A5D6-AA445BF709F8}"/>
+              </a:ext>
+            </a:extLst>
+          </p:cNvPr>
+          <p:cNvSpPr>
+            <a:spLocks noGrp="1"/>
+          </p:cNvSpPr>
+          <p:nvPr>
+            <p:ph type="sldNum" sz="quarter" idx="12"/>
+          </p:nvPr>
+        </p:nvSpPr>
+        <p:spPr/>
+        <p:txBody>
+          <a:bodyPr/>
+          <a:lstStyle/>
+          <a:p>
+            <a:fld id="{015363AA-F6CB-4A58-B5AD-B2CDFEAF0813}" type="slidenum">
+              <a:rPr lang="de-DE" smtClean="0"/>
+              <a:pPr/>
+              <a:t>21</a:t>
+            </a:fld>
+            <a:endParaRPr lang="de-DE"/>
+          </a:p>
+        </p:txBody>
+      </p:sp>
+      <p:pic>
+        <p:nvPicPr>
+          <p:cNvPr id="9" name="Picture 8">
+            <a:extLst>
+              <a:ext uri="{FF2B5EF4-FFF2-40B4-BE49-F238E27FC236}">
+                <a16:creationId xmlns:a16="http://schemas.microsoft.com/office/drawing/2014/main" id="{E8FC95AB-256E-A749-AB9B-A5112FC33686}"/>
+              </a:ext>
+            </a:extLst>
+          </p:cNvPr>
+          <p:cNvPicPr>
+            <a:picLocks noChangeAspect="1"/>
+          </p:cNvPicPr>
+          <p:nvPr/>
+        </p:nvPicPr>
+        <p:blipFill>
+          <a:blip r:embed="rId2">
+            <a:extLst>
+              <a:ext uri="{28A0092B-C50C-407E-A947-70E740481C1C}">
+                <a14:useLocalDpi xmlns:a14="http://schemas.microsoft.com/office/drawing/2010/main" val="0"/>
+              </a:ext>
+            </a:extLst>
+          </a:blip>
+          <a:stretch>
+            <a:fillRect/>
+          </a:stretch>
+        </p:blipFill>
+        <p:spPr>
+          <a:xfrm>
+            <a:off x="539552" y="1059581"/>
+            <a:ext cx="5463965" cy="3445430"/>
+          </a:xfrm>
+          <a:prstGeom prst="rect">
+            <a:avLst/>
+          </a:prstGeom>
+        </p:spPr>
+      </p:pic>
+      <p:sp>
+        <p:nvSpPr>
+          <p:cNvPr id="11" name="TextBox 10">
+            <a:extLst>
+              <a:ext uri="{FF2B5EF4-FFF2-40B4-BE49-F238E27FC236}">
+                <a16:creationId xmlns:a16="http://schemas.microsoft.com/office/drawing/2014/main" id="{8AA6A156-7A53-BC41-9135-85BD263F5808}"/>
+              </a:ext>
+            </a:extLst>
+          </p:cNvPr>
+          <p:cNvSpPr txBox="1"/>
+          <p:nvPr/>
+        </p:nvSpPr>
+        <p:spPr>
+          <a:xfrm>
+            <a:off x="6606693" y="1551190"/>
+            <a:ext cx="2089033" cy="2462213"/>
+          </a:xfrm>
+          <a:prstGeom prst="rect">
+            <a:avLst/>
+          </a:prstGeom>
+          <a:noFill/>
+        </p:spPr>
+        <p:txBody>
+          <a:bodyPr wrap="none" rtlCol="0">
+            <a:spAutoFit/>
+          </a:bodyPr>
+          <a:lstStyle/>
+          <a:p>
+            <a:pPr fontAlgn="t"/>
+            <a:r>
+              <a:rPr lang="de-DE" sz="1400" dirty="0"/>
+              <a:t>         Series              Sigma</a:t>
+            </a:r>
+          </a:p>
+          <a:p>
+            <a:pPr fontAlgn="t"/>
+            <a:r>
+              <a:rPr lang="de-DE" sz="1400" dirty="0"/>
+              <a:t>T+1  -0.0008865   0.01662</a:t>
+            </a:r>
+          </a:p>
+          <a:p>
+            <a:pPr fontAlgn="t"/>
+            <a:r>
+              <a:rPr lang="de-DE" sz="1400" dirty="0"/>
+              <a:t>T+2  -0.0008865   0.01658</a:t>
+            </a:r>
+          </a:p>
+          <a:p>
+            <a:pPr fontAlgn="t"/>
+            <a:r>
+              <a:rPr lang="de-DE" sz="1400" dirty="0"/>
+              <a:t>T+3  -0.0008865   0.01655</a:t>
+            </a:r>
+          </a:p>
+          <a:p>
+            <a:pPr fontAlgn="t"/>
+            <a:r>
+              <a:rPr lang="de-DE" sz="1400" dirty="0"/>
+              <a:t>T+4  -0.0008865   0.01652</a:t>
+            </a:r>
+          </a:p>
+          <a:p>
+            <a:pPr fontAlgn="t"/>
+            <a:r>
+              <a:rPr lang="de-DE" sz="1400" dirty="0"/>
+              <a:t>T+5  -0.0008865   0.01648</a:t>
+            </a:r>
+          </a:p>
+          <a:p>
+            <a:pPr fontAlgn="t"/>
+            <a:r>
+              <a:rPr lang="de-DE" sz="1400" dirty="0"/>
+              <a:t>T+6  -0.0008865   0.01645</a:t>
+            </a:r>
+          </a:p>
+          <a:p>
+            <a:pPr fontAlgn="t"/>
+            <a:r>
+              <a:rPr lang="de-DE" sz="1400" dirty="0"/>
+              <a:t>T+7  -0.0008865   0.01642</a:t>
+            </a:r>
+          </a:p>
+          <a:p>
+            <a:pPr fontAlgn="t"/>
+            <a:r>
+              <a:rPr lang="de-DE" sz="1400" dirty="0"/>
+              <a:t>T+8  -0.0008865   0.01638</a:t>
+            </a:r>
+          </a:p>
+          <a:p>
+            <a:pPr fontAlgn="t"/>
+            <a:r>
+              <a:rPr lang="de-DE" sz="1400" dirty="0"/>
+              <a:t>T+9  -0.0008865   0.01635</a:t>
+            </a:r>
+          </a:p>
+          <a:p>
+            <a:pPr fontAlgn="t"/>
+            <a:r>
+              <a:rPr lang="de-DE" sz="1400" dirty="0"/>
+              <a:t>T+10 -0.0008865  0.01632</a:t>
+            </a:r>
+          </a:p>
+        </p:txBody>
+      </p:sp>
+    </p:spTree>
+    <p:extLst>
+      <p:ext uri="{BB962C8B-B14F-4D97-AF65-F5344CB8AC3E}">
+        <p14:creationId xmlns:p14="http://schemas.microsoft.com/office/powerpoint/2010/main" val="3007730682"/>
+      </p:ext>
+    </p:extLst>
+  </p:cSld>
+  <p:clrMapOvr>
+    <a:masterClrMapping/>
+  </p:clrMapOvr>
+</p:sld>
+</file>
+
+<file path=ppt/slides/slide22.xml><?xml version="1.0" encoding="utf-8"?>
+<p:sld xmlns:a="http://schemas.openxmlformats.org/drawingml/2006/main" xmlns:r="http://schemas.openxmlformats.org/officeDocument/2006/relationships" xmlns:p="http://schemas.openxmlformats.org/presentationml/2006/main">
+  <p:cSld>
+    <p:spTree>
+      <p:nvGrpSpPr>
+        <p:cNvPr id="1" name=""/>
+        <p:cNvGrpSpPr/>
+        <p:nvPr/>
+      </p:nvGrpSpPr>
+      <p:grpSpPr>
+        <a:xfrm>
+          <a:off x="0" y="0"/>
+          <a:ext cx="0" cy="0"/>
+          <a:chOff x="0" y="0"/>
+          <a:chExt cx="0" cy="0"/>
+        </a:xfrm>
+      </p:grpSpPr>
+      <p:sp>
+        <p:nvSpPr>
+          <p:cNvPr id="2" name="Titel 1"/>
+          <p:cNvSpPr>
+            <a:spLocks noGrp="1"/>
+          </p:cNvSpPr>
+          <p:nvPr>
+            <p:ph type="title"/>
+          </p:nvPr>
+        </p:nvSpPr>
+        <p:spPr/>
+        <p:txBody>
+          <a:bodyPr/>
+          <a:lstStyle/>
+          <a:p>
+            <a:r>
+              <a:rPr lang="de-DE" dirty="0"/>
+              <a:t>Resümee</a:t>
+            </a:r>
+          </a:p>
+        </p:txBody>
+      </p:sp>
+      <p:sp>
+        <p:nvSpPr>
+          <p:cNvPr id="3" name="Inhaltsplatzhalter 2"/>
+          <p:cNvSpPr>
+            <a:spLocks noGrp="1"/>
+          </p:cNvSpPr>
+          <p:nvPr>
+            <p:ph idx="1"/>
+          </p:nvPr>
+        </p:nvSpPr>
+        <p:spPr/>
+        <p:txBody>
+          <a:bodyPr/>
+          <a:lstStyle/>
+          <a:p>
+            <a:r>
+              <a:rPr lang="de-DE" dirty="0"/>
+              <a:t>TODO Resümee</a:t>
+            </a:r>
+          </a:p>
+        </p:txBody>
+      </p:sp>
+      <p:sp>
+        <p:nvSpPr>
+          <p:cNvPr id="4" name="Datumsplatzhalter 3"/>
+          <p:cNvSpPr>
+            <a:spLocks noGrp="1"/>
+          </p:cNvSpPr>
+          <p:nvPr>
+            <p:ph type="dt" sz="half" idx="10"/>
+          </p:nvPr>
+        </p:nvSpPr>
+        <p:spPr/>
+        <p:txBody>
+          <a:bodyPr/>
+          <a:lstStyle/>
+          <a:p>
+            <a:fld id="{6DB845E5-DACF-426C-8A10-A6438D29DD66}" type="datetime1">
+              <a:rPr lang="de-DE" smtClean="0"/>
+              <a:pPr/>
+              <a:t>04.08.18</a:t>
+            </a:fld>
+            <a:endParaRPr lang="de-DE"/>
+          </a:p>
+        </p:txBody>
+      </p:sp>
+      <p:sp>
+        <p:nvSpPr>
+          <p:cNvPr id="5" name="Fußzeilenplatzhalter 4"/>
+          <p:cNvSpPr>
+            <a:spLocks noGrp="1"/>
+          </p:cNvSpPr>
+          <p:nvPr>
+            <p:ph type="ftr" sz="quarter" idx="11"/>
+          </p:nvPr>
+        </p:nvSpPr>
+        <p:spPr/>
+        <p:txBody>
+          <a:bodyPr/>
+          <a:lstStyle/>
+          <a:p>
+            <a:r>
+              <a:rPr lang="de-DE"/>
+              <a:t>Structural Equation Modelling – Wintersemester 2017/2018</a:t>
+            </a:r>
+            <a:endParaRPr lang="de-DE" dirty="0"/>
+          </a:p>
+        </p:txBody>
+      </p:sp>
+      <p:sp>
+        <p:nvSpPr>
+          <p:cNvPr id="6" name="Foliennummernplatzhalter 5"/>
+          <p:cNvSpPr>
+            <a:spLocks noGrp="1"/>
+          </p:cNvSpPr>
+          <p:nvPr>
+            <p:ph type="sldNum" sz="quarter" idx="12"/>
+          </p:nvPr>
+        </p:nvSpPr>
+        <p:spPr/>
+        <p:txBody>
+          <a:bodyPr/>
+          <a:lstStyle/>
+          <a:p>
+            <a:fld id="{015363AA-F6CB-4A58-B5AD-B2CDFEAF0813}" type="slidenum">
+              <a:rPr lang="de-DE" smtClean="0"/>
+              <a:pPr/>
+              <a:t>22</a:t>
+            </a:fld>
+            <a:endParaRPr lang="de-DE"/>
+          </a:p>
+        </p:txBody>
+      </p:sp>
+    </p:spTree>
+    <p:extLst>
+      <p:ext uri="{BB962C8B-B14F-4D97-AF65-F5344CB8AC3E}">
+        <p14:creationId xmlns:p14="http://schemas.microsoft.com/office/powerpoint/2010/main" val="2137650087"/>
+      </p:ext>
+    </p:extLst>
+  </p:cSld>
+  <p:clrMapOvr>
+    <a:masterClrMapping/>
+  </p:clrMapOvr>
+</p:sld>
+</file>
+
+<file path=ppt/slides/slide23.xml><?xml version="1.0" encoding="utf-8"?>
+<p:sld xmlns:a="http://schemas.openxmlformats.org/drawingml/2006/main" xmlns:r="http://schemas.openxmlformats.org/officeDocument/2006/relationships" xmlns:p="http://schemas.openxmlformats.org/presentationml/2006/main">
+  <p:cSld>
+    <p:spTree>
+      <p:nvGrpSpPr>
+        <p:cNvPr id="1" name=""/>
+        <p:cNvGrpSpPr/>
+        <p:nvPr/>
+      </p:nvGrpSpPr>
+      <p:grpSpPr>
+        <a:xfrm>
+          <a:off x="0" y="0"/>
+          <a:ext cx="0" cy="0"/>
+          <a:chOff x="0" y="0"/>
+          <a:chExt cx="0" cy="0"/>
+        </a:xfrm>
+      </p:grpSpPr>
+      <p:sp>
+        <p:nvSpPr>
+          <p:cNvPr id="2" name="Titel 1"/>
+          <p:cNvSpPr>
+            <a:spLocks noGrp="1"/>
+          </p:cNvSpPr>
+          <p:nvPr>
+            <p:ph type="title"/>
+          </p:nvPr>
+        </p:nvSpPr>
+        <p:spPr/>
+        <p:txBody>
+          <a:bodyPr/>
+          <a:lstStyle/>
+          <a:p>
+            <a:r>
+              <a:rPr lang="de-DE" dirty="0"/>
+              <a:t>Literatur</a:t>
+            </a:r>
+          </a:p>
+        </p:txBody>
+      </p:sp>
+      <p:sp>
+        <p:nvSpPr>
+          <p:cNvPr id="3" name="Inhaltsplatzhalter 2"/>
+          <p:cNvSpPr>
+            <a:spLocks noGrp="1"/>
+          </p:cNvSpPr>
+          <p:nvPr>
+            <p:ph idx="1"/>
+          </p:nvPr>
+        </p:nvSpPr>
+        <p:spPr/>
+        <p:txBody>
+          <a:bodyPr/>
+          <a:lstStyle/>
+          <a:p>
+            <a:r>
+              <a:rPr lang="de-DE" dirty="0" err="1"/>
+              <a:t>Mazzoni</a:t>
+            </a:r>
+            <a:r>
+              <a:rPr lang="de-DE" dirty="0"/>
+              <a:t>, Thomas: </a:t>
+            </a:r>
+            <a:br>
+              <a:rPr lang="de-DE" dirty="0"/>
+            </a:br>
+            <a:r>
+              <a:rPr lang="de-DE" sz="1400" dirty="0">
+                <a:solidFill>
+                  <a:schemeClr val="tx1">
+                    <a:lumMod val="75000"/>
+                    <a:lumOff val="25000"/>
+                  </a:schemeClr>
+                </a:solidFill>
+              </a:rPr>
+              <a:t>Zeitreihenanalyse</a:t>
+            </a:r>
+            <a:br>
+              <a:rPr lang="de-DE" sz="1400" dirty="0">
+                <a:solidFill>
+                  <a:schemeClr val="tx1">
+                    <a:lumMod val="75000"/>
+                    <a:lumOff val="25000"/>
+                  </a:schemeClr>
+                </a:solidFill>
+              </a:rPr>
+            </a:br>
+            <a:r>
+              <a:rPr lang="de-DE" sz="1400" dirty="0">
+                <a:solidFill>
+                  <a:schemeClr val="tx1">
+                    <a:lumMod val="75000"/>
+                    <a:lumOff val="25000"/>
+                  </a:schemeClr>
+                </a:solidFill>
+              </a:rPr>
+              <a:t>2010</a:t>
+            </a:r>
+          </a:p>
+          <a:p>
+            <a:r>
+              <a:rPr lang="de-DE" dirty="0"/>
+              <a:t>Zucchini, W., </a:t>
+            </a:r>
+            <a:r>
+              <a:rPr lang="de-DE" dirty="0" err="1"/>
+              <a:t>Nenadic</a:t>
+            </a:r>
+            <a:r>
+              <a:rPr lang="de-DE" dirty="0"/>
+              <a:t>, O., Schlegel, A.:</a:t>
+            </a:r>
+            <a:br>
+              <a:rPr lang="de-DE" sz="1400" dirty="0">
+                <a:solidFill>
+                  <a:schemeClr val="tx1">
+                    <a:lumMod val="75000"/>
+                    <a:lumOff val="25000"/>
+                  </a:schemeClr>
+                </a:solidFill>
+              </a:rPr>
+            </a:br>
+            <a:r>
+              <a:rPr lang="de-DE" sz="1400" dirty="0">
+                <a:solidFill>
+                  <a:schemeClr val="tx1">
+                    <a:lumMod val="75000"/>
+                    <a:lumOff val="25000"/>
+                  </a:schemeClr>
+                </a:solidFill>
+              </a:rPr>
+              <a:t>Zeitreihenanalyse – Nichtlineare Zeitreihenmodelle</a:t>
+            </a:r>
+          </a:p>
+          <a:p>
+            <a:pPr marL="0" indent="0">
+              <a:buNone/>
+            </a:pPr>
+            <a:r>
+              <a:rPr lang="de-DE" sz="1400" dirty="0">
+                <a:solidFill>
+                  <a:schemeClr val="tx1">
+                    <a:lumMod val="75000"/>
+                    <a:lumOff val="25000"/>
+                  </a:schemeClr>
+                </a:solidFill>
+              </a:rPr>
+              <a:t>       2009</a:t>
+            </a:r>
+          </a:p>
+          <a:p>
+            <a:r>
+              <a:rPr lang="de-DE" sz="1400" dirty="0" err="1"/>
+              <a:t>Wuertz</a:t>
+            </a:r>
+            <a:r>
+              <a:rPr lang="de-DE" sz="1400" dirty="0"/>
+              <a:t>, D. et. al.:</a:t>
+            </a:r>
+            <a:br>
+              <a:rPr lang="de-DE" sz="1400" dirty="0"/>
+            </a:br>
+            <a:r>
+              <a:rPr lang="de-DE" sz="1400" dirty="0">
+                <a:solidFill>
+                  <a:schemeClr val="tx1">
+                    <a:lumMod val="75000"/>
+                    <a:lumOff val="25000"/>
+                  </a:schemeClr>
+                </a:solidFill>
+              </a:rPr>
+              <a:t>Package „</a:t>
+            </a:r>
+            <a:r>
+              <a:rPr lang="de-DE" sz="1400" dirty="0" err="1">
+                <a:solidFill>
+                  <a:schemeClr val="tx1">
+                    <a:lumMod val="75000"/>
+                    <a:lumOff val="25000"/>
+                  </a:schemeClr>
+                </a:solidFill>
+              </a:rPr>
+              <a:t>fGarch</a:t>
+            </a:r>
+            <a:r>
+              <a:rPr lang="de-DE" sz="1400" dirty="0">
+                <a:solidFill>
+                  <a:schemeClr val="tx1">
+                    <a:lumMod val="75000"/>
+                    <a:lumOff val="25000"/>
+                  </a:schemeClr>
+                </a:solidFill>
+              </a:rPr>
+              <a:t>“</a:t>
+            </a:r>
+            <a:br>
+              <a:rPr lang="de-DE" sz="1400" dirty="0">
+                <a:solidFill>
+                  <a:schemeClr val="tx1">
+                    <a:lumMod val="75000"/>
+                    <a:lumOff val="25000"/>
+                  </a:schemeClr>
+                </a:solidFill>
+              </a:rPr>
+            </a:br>
+            <a:r>
+              <a:rPr lang="de-DE" sz="1400" dirty="0">
+                <a:solidFill>
+                  <a:schemeClr val="tx1">
+                    <a:lumMod val="75000"/>
+                    <a:lumOff val="25000"/>
+                  </a:schemeClr>
+                </a:solidFill>
+              </a:rPr>
+              <a:t>2017</a:t>
+            </a:r>
+          </a:p>
+          <a:p>
+            <a:endParaRPr lang="de-DE" sz="1400" dirty="0">
+              <a:solidFill>
+                <a:schemeClr val="tx1">
+                  <a:lumMod val="75000"/>
+                  <a:lumOff val="25000"/>
+                </a:schemeClr>
+              </a:solidFill>
+            </a:endParaRPr>
+          </a:p>
+        </p:txBody>
+      </p:sp>
+      <p:sp>
+        <p:nvSpPr>
+          <p:cNvPr id="4" name="Datumsplatzhalter 3"/>
+          <p:cNvSpPr>
+            <a:spLocks noGrp="1"/>
+          </p:cNvSpPr>
+          <p:nvPr>
+            <p:ph type="dt" sz="half" idx="10"/>
+          </p:nvPr>
+        </p:nvSpPr>
+        <p:spPr/>
+        <p:txBody>
+          <a:bodyPr/>
+          <a:lstStyle/>
+          <a:p>
+            <a:fld id="{6DB845E5-DACF-426C-8A10-A6438D29DD66}" type="datetime1">
+              <a:rPr lang="de-DE" smtClean="0"/>
+              <a:pPr/>
+              <a:t>04.08.18</a:t>
+            </a:fld>
+            <a:endParaRPr lang="de-DE"/>
+          </a:p>
+        </p:txBody>
+      </p:sp>
+      <p:sp>
+        <p:nvSpPr>
+          <p:cNvPr id="5" name="Fußzeilenplatzhalter 4"/>
+          <p:cNvSpPr>
+            <a:spLocks noGrp="1"/>
+          </p:cNvSpPr>
+          <p:nvPr>
+            <p:ph type="ftr" sz="quarter" idx="11"/>
+          </p:nvPr>
+        </p:nvSpPr>
+        <p:spPr/>
+        <p:txBody>
+          <a:bodyPr/>
+          <a:lstStyle/>
+          <a:p>
+            <a:r>
+              <a:rPr lang="de-DE" dirty="0"/>
+              <a:t>Time Series Analysis– Sommersemester 2018</a:t>
+            </a:r>
+          </a:p>
+        </p:txBody>
+      </p:sp>
+      <p:sp>
+        <p:nvSpPr>
+          <p:cNvPr id="6" name="Foliennummernplatzhalter 5"/>
+          <p:cNvSpPr>
+            <a:spLocks noGrp="1"/>
+          </p:cNvSpPr>
+          <p:nvPr>
+            <p:ph type="sldNum" sz="quarter" idx="12"/>
+          </p:nvPr>
+        </p:nvSpPr>
+        <p:spPr/>
+        <p:txBody>
+          <a:bodyPr/>
+          <a:lstStyle/>
+          <a:p>
+            <a:fld id="{015363AA-F6CB-4A58-B5AD-B2CDFEAF0813}" type="slidenum">
+              <a:rPr lang="de-DE" smtClean="0"/>
+              <a:pPr/>
+              <a:t>23</a:t>
+            </a:fld>
+            <a:endParaRPr lang="de-DE"/>
+          </a:p>
+        </p:txBody>
+      </p:sp>
+    </p:spTree>
+    <p:extLst>
+      <p:ext uri="{BB962C8B-B14F-4D97-AF65-F5344CB8AC3E}">
+        <p14:creationId xmlns:p14="http://schemas.microsoft.com/office/powerpoint/2010/main" val="430762112"/>
+      </p:ext>
+    </p:extLst>
+  </p:cSld>
+  <p:clrMapOvr>
+    <a:masterClrMapping/>
+  </p:clrMapOvr>
+</p:sld>
+</file>
+
+<file path=ppt/slides/slide24.xml><?xml version="1.0" encoding="utf-8"?>
+<p:sld xmlns:a="http://schemas.openxmlformats.org/drawingml/2006/main" xmlns:r="http://schemas.openxmlformats.org/officeDocument/2006/relationships" xmlns:p="http://schemas.openxmlformats.org/presentationml/2006/main">
+  <p:cSld>
+    <p:spTree>
+      <p:nvGrpSpPr>
+        <p:cNvPr id="1" name=""/>
+        <p:cNvGrpSpPr/>
+        <p:nvPr/>
+      </p:nvGrpSpPr>
+      <p:grpSpPr>
+        <a:xfrm>
+          <a:off x="0" y="0"/>
+          <a:ext cx="0" cy="0"/>
+          <a:chOff x="0" y="0"/>
+          <a:chExt cx="0" cy="0"/>
+        </a:xfrm>
+      </p:grpSpPr>
+      <p:sp>
+        <p:nvSpPr>
+          <p:cNvPr id="2" name="Titel 1"/>
+          <p:cNvSpPr>
+            <a:spLocks noGrp="1"/>
+          </p:cNvSpPr>
+          <p:nvPr>
+            <p:ph type="title"/>
+          </p:nvPr>
+        </p:nvSpPr>
+        <p:spPr/>
+        <p:txBody>
+          <a:bodyPr/>
+          <a:lstStyle/>
+          <a:p>
+            <a:r>
+              <a:rPr lang="de-DE" dirty="0"/>
+              <a:t>Vielen Dank für Ihre Aufmerksamkeit.</a:t>
+            </a:r>
+          </a:p>
+        </p:txBody>
+      </p:sp>
+      <p:sp>
+        <p:nvSpPr>
+          <p:cNvPr id="3" name="Datumsplatzhalter 2"/>
+          <p:cNvSpPr>
+            <a:spLocks noGrp="1"/>
+          </p:cNvSpPr>
+          <p:nvPr>
+            <p:ph type="dt" sz="half" idx="10"/>
+          </p:nvPr>
+        </p:nvSpPr>
+        <p:spPr/>
+        <p:txBody>
+          <a:bodyPr/>
+          <a:lstStyle/>
+          <a:p>
+            <a:fld id="{19A0FC43-5E73-44C2-BFDB-9FAD1E8FED0E}" type="datetime1">
+              <a:rPr lang="de-DE" smtClean="0"/>
+              <a:pPr/>
+              <a:t>04.08.18</a:t>
+            </a:fld>
+            <a:endParaRPr lang="de-DE"/>
+          </a:p>
+        </p:txBody>
+      </p:sp>
+      <p:sp>
+        <p:nvSpPr>
+          <p:cNvPr id="4" name="Fußzeilenplatzhalter 3"/>
+          <p:cNvSpPr>
+            <a:spLocks noGrp="1"/>
+          </p:cNvSpPr>
+          <p:nvPr>
+            <p:ph type="ftr" sz="quarter" idx="11"/>
+          </p:nvPr>
+        </p:nvSpPr>
+        <p:spPr/>
+        <p:txBody>
+          <a:bodyPr/>
+          <a:lstStyle/>
+          <a:p>
+            <a:r>
+              <a:rPr lang="de-DE"/>
+              <a:t>Structural Equation Modelling – Wintersemester 2017/2018</a:t>
+            </a:r>
+            <a:endParaRPr lang="de-DE" dirty="0"/>
+          </a:p>
+        </p:txBody>
+      </p:sp>
+      <p:sp>
+        <p:nvSpPr>
+          <p:cNvPr id="5" name="Foliennummernplatzhalter 4"/>
+          <p:cNvSpPr>
+            <a:spLocks noGrp="1"/>
+          </p:cNvSpPr>
+          <p:nvPr>
+            <p:ph type="sldNum" sz="quarter" idx="12"/>
+          </p:nvPr>
+        </p:nvSpPr>
+        <p:spPr/>
+        <p:txBody>
+          <a:bodyPr/>
+          <a:lstStyle/>
+          <a:p>
+            <a:fld id="{015363AA-F6CB-4A58-B5AD-B2CDFEAF0813}" type="slidenum">
+              <a:rPr lang="de-DE" smtClean="0"/>
+              <a:pPr/>
+              <a:t>24</a:t>
+            </a:fld>
+            <a:endParaRPr lang="de-DE"/>
+          </a:p>
+        </p:txBody>
+      </p:sp>
+      <p:sp>
+        <p:nvSpPr>
+          <p:cNvPr id="6" name="Textplatzhalter 5"/>
+          <p:cNvSpPr>
+            <a:spLocks noGrp="1"/>
+          </p:cNvSpPr>
+          <p:nvPr>
+            <p:ph type="body" sz="quarter" idx="13"/>
+          </p:nvPr>
+        </p:nvSpPr>
+        <p:spPr/>
+        <p:txBody>
+          <a:bodyPr/>
+          <a:lstStyle/>
+          <a:p>
+            <a:r>
+              <a:rPr lang="de-DE" dirty="0"/>
+              <a:t>Fragen?</a:t>
+            </a:r>
+          </a:p>
+        </p:txBody>
+      </p:sp>
+    </p:spTree>
+    <p:extLst>
+      <p:ext uri="{BB962C8B-B14F-4D97-AF65-F5344CB8AC3E}">
+        <p14:creationId xmlns:p14="http://schemas.microsoft.com/office/powerpoint/2010/main" val="121839908"/>
       </p:ext>
     </p:extLst>
   </p:cSld>
@@ -16181,7 +19733,7 @@
             <a:fld id="{6DB845E5-DACF-426C-8A10-A6438D29DD66}" type="datetime1">
               <a:rPr lang="de-DE" smtClean="0"/>
               <a:pPr/>
-              <a:t>03.08.2018</a:t>
+              <a:t>04.08.18</a:t>
             </a:fld>
             <a:endParaRPr lang="de-DE"/>
           </a:p>
@@ -16358,7 +19910,7 @@
             <a:fld id="{6DB845E5-DACF-426C-8A10-A6438D29DD66}" type="datetime1">
               <a:rPr lang="de-DE" smtClean="0"/>
               <a:pPr/>
-              <a:t>03.08.2018</a:t>
+              <a:t>04.08.18</a:t>
             </a:fld>
             <a:endParaRPr lang="de-DE"/>
           </a:p>
@@ -16567,7 +20119,7 @@
             <a:fld id="{6DB845E5-DACF-426C-8A10-A6438D29DD66}" type="datetime1">
               <a:rPr lang="de-DE" smtClean="0"/>
               <a:pPr/>
-              <a:t>03.08.2018</a:t>
+              <a:t>04.08.18</a:t>
             </a:fld>
             <a:endParaRPr lang="de-DE"/>
           </a:p>
@@ -16677,14 +20229,6 @@
   <p:clrMapOvr>
     <a:masterClrMapping/>
   </p:clrMapOvr>
-  <mc:AlternateContent xmlns:mc="http://schemas.openxmlformats.org/markup-compatibility/2006" xmlns:p14="http://schemas.microsoft.com/office/powerpoint/2010/main">
-    <mc:Choice Requires="p14">
-      <p:transition spd="slow" p14:dur="2000"/>
-    </mc:Choice>
-    <mc:Fallback xmlns="">
-      <p:transition spd="slow"/>
-    </mc:Fallback>
-  </mc:AlternateContent>
 </p:sld>
 </file>
 
@@ -16885,7 +20429,7 @@
             <a:fld id="{6DB845E5-DACF-426C-8A10-A6438D29DD66}" type="datetime1">
               <a:rPr lang="de-DE" smtClean="0"/>
               <a:pPr/>
-              <a:t>03.08.2018</a:t>
+              <a:t>04.08.18</a:t>
             </a:fld>
             <a:endParaRPr lang="de-DE"/>
           </a:p>
@@ -17178,7 +20722,7 @@
             <a:fld id="{6DB845E5-DACF-426C-8A10-A6438D29DD66}" type="datetime1">
               <a:rPr lang="de-DE" smtClean="0"/>
               <a:pPr/>
-              <a:t>03.08.2018</a:t>
+              <a:t>04.08.18</a:t>
             </a:fld>
             <a:endParaRPr lang="de-DE"/>
           </a:p>
@@ -17318,10 +20862,9 @@
           <a:lstStyle/>
           <a:p>
             <a:r>
-              <a:rPr lang="de-DE" dirty="0" smtClean="0"/>
+              <a:rPr lang="de-DE" dirty="0"/>
               <a:t>Versuchsreihe: Datensimulation – Prozessablauf </a:t>
             </a:r>
-            <a:endParaRPr lang="de-DE" dirty="0"/>
           </a:p>
         </p:txBody>
       </p:sp>
@@ -17343,7 +20886,7 @@
             <a:fld id="{12CE0ACD-0B71-463F-9507-4095300257BC}" type="datetime1">
               <a:rPr lang="de-DE" smtClean="0"/>
               <a:pPr/>
-              <a:t>03.08.2018</a:t>
+              <a:t>04.08.18</a:t>
             </a:fld>
             <a:endParaRPr lang="de-DE"/>
           </a:p>
@@ -17365,7 +20908,7 @@
           <a:lstStyle/>
           <a:p>
             <a:r>
-              <a:rPr lang="de-DE" smtClean="0"/>
+              <a:rPr lang="de-DE"/>
               <a:t>Time Series Analysis – Sommersemester 2018</a:t>
             </a:r>
             <a:endParaRPr lang="de-DE" dirty="0"/>
@@ -17428,10 +20971,9 @@
           <a:p>
             <a:pPr algn="ctr"/>
             <a:r>
-              <a:rPr lang="de-DE" sz="1600" dirty="0" smtClean="0"/>
+              <a:rPr lang="de-DE" sz="1600" dirty="0"/>
               <a:t>Datensimulation</a:t>
             </a:r>
-            <a:endParaRPr lang="de-DE" sz="1600" dirty="0"/>
           </a:p>
         </p:txBody>
       </p:sp>
@@ -17536,18 +21078,13 @@
           <a:p>
             <a:pPr algn="ctr"/>
             <a:r>
-              <a:rPr lang="de-DE" sz="1400" dirty="0" smtClean="0">
+              <a:rPr lang="de-DE" sz="1400" dirty="0">
                 <a:solidFill>
                   <a:schemeClr val="tx1"/>
                 </a:solidFill>
               </a:rPr>
               <a:t>ARCH(1)-Daten</a:t>
             </a:r>
-            <a:endParaRPr lang="de-DE" sz="1400" dirty="0">
-              <a:solidFill>
-                <a:schemeClr val="tx1"/>
-              </a:solidFill>
-            </a:endParaRPr>
           </a:p>
         </p:txBody>
       </p:sp>
@@ -17662,20 +21199,12 @@
           <a:p>
             <a:pPr algn="ctr"/>
             <a:r>
-              <a:rPr lang="de-DE" sz="1200" dirty="0" smtClean="0">
-                <a:solidFill>
-                  <a:schemeClr val="tx1"/>
-                </a:solidFill>
-              </a:rPr>
-              <a:t>GARCH(1,1</a:t>
-            </a:r>
-            <a:r>
               <a:rPr lang="de-DE" sz="1200" dirty="0">
                 <a:solidFill>
                   <a:schemeClr val="tx1"/>
                 </a:solidFill>
               </a:rPr>
-              <a:t>)- Daten</a:t>
+              <a:t>GARCH(1,1)- Daten</a:t>
             </a:r>
             <a:endParaRPr lang="de-DE" sz="1400" dirty="0">
               <a:solidFill>
@@ -17734,10 +21263,9 @@
           <a:p>
             <a:pPr algn="ctr"/>
             <a:r>
-              <a:rPr lang="de-DE" dirty="0" smtClean="0"/>
+              <a:rPr lang="de-DE" dirty="0"/>
               <a:t>…</a:t>
             </a:r>
-            <a:endParaRPr lang="de-DE" dirty="0"/>
           </a:p>
         </p:txBody>
       </p:sp>
@@ -17773,18 +21301,9 @@
           <a:p>
             <a:pPr algn="ctr"/>
             <a:r>
-              <a:rPr lang="de-DE" sz="1600" dirty="0" smtClean="0"/>
-              <a:t>Model </a:t>
-            </a:r>
-            <a:r>
               <a:rPr lang="de-DE" sz="1600" dirty="0"/>
-              <a:t>F</a:t>
-            </a:r>
-            <a:r>
-              <a:rPr lang="de-DE" sz="1600" dirty="0" smtClean="0"/>
-              <a:t>itting</a:t>
-            </a:r>
-            <a:endParaRPr lang="de-DE" sz="1600" dirty="0"/>
+              <a:t>Model Fitting</a:t>
+            </a:r>
           </a:p>
         </p:txBody>
       </p:sp>
@@ -17836,18 +21355,13 @@
           <a:p>
             <a:pPr algn="ctr"/>
             <a:r>
-              <a:rPr lang="de-DE" sz="1400" dirty="0" smtClean="0">
+              <a:rPr lang="de-DE" sz="1400" dirty="0">
                 <a:solidFill>
                   <a:schemeClr val="tx1"/>
                 </a:solidFill>
               </a:rPr>
               <a:t>ARCH(q)-Modell</a:t>
             </a:r>
-            <a:endParaRPr lang="de-DE" sz="1400" dirty="0">
-              <a:solidFill>
-                <a:schemeClr val="tx1"/>
-              </a:solidFill>
-            </a:endParaRPr>
           </a:p>
         </p:txBody>
       </p:sp>
@@ -17898,18 +21412,13 @@
           <a:p>
             <a:pPr algn="ctr"/>
             <a:r>
-              <a:rPr lang="de-DE" sz="1400" dirty="0" smtClean="0">
+              <a:rPr lang="de-DE" sz="1400" dirty="0">
                 <a:solidFill>
                   <a:schemeClr val="tx1"/>
                 </a:solidFill>
               </a:rPr>
               <a:t>GARCH(1,1)-Modell</a:t>
             </a:r>
-            <a:endParaRPr lang="de-DE" sz="1400" dirty="0">
-              <a:solidFill>
-                <a:schemeClr val="tx1"/>
-              </a:solidFill>
-            </a:endParaRPr>
           </a:p>
         </p:txBody>
       </p:sp>
@@ -17961,18 +21470,13 @@
           <a:p>
             <a:pPr algn="ctr"/>
             <a:r>
-              <a:rPr lang="de-DE" sz="1400" dirty="0" smtClean="0">
+              <a:rPr lang="de-DE" sz="1400" dirty="0">
                 <a:solidFill>
                   <a:schemeClr val="tx1"/>
                 </a:solidFill>
               </a:rPr>
               <a:t>ARCH(1)-Modell</a:t>
             </a:r>
-            <a:endParaRPr lang="de-DE" sz="1400" dirty="0">
-              <a:solidFill>
-                <a:schemeClr val="tx1"/>
-              </a:solidFill>
-            </a:endParaRPr>
           </a:p>
         </p:txBody>
       </p:sp>
@@ -17999,10 +21503,9 @@
           <a:lstStyle/>
           <a:p>
             <a:r>
-              <a:rPr lang="de-DE" dirty="0" smtClean="0"/>
+              <a:rPr lang="de-DE" dirty="0"/>
               <a:t>…</a:t>
             </a:r>
-            <a:endParaRPr lang="de-DE" dirty="0"/>
           </a:p>
         </p:txBody>
       </p:sp>
@@ -18055,10 +21558,9 @@
           <a:p>
             <a:pPr algn="ctr"/>
             <a:r>
-              <a:rPr lang="de-DE" dirty="0" smtClean="0"/>
+              <a:rPr lang="de-DE" dirty="0"/>
               <a:t>…</a:t>
             </a:r>
-            <a:endParaRPr lang="de-DE" dirty="0"/>
           </a:p>
         </p:txBody>
       </p:sp>
@@ -18094,11 +21596,11 @@
           <a:p>
             <a:pPr algn="ctr"/>
             <a:r>
-              <a:rPr lang="de-DE" sz="1600" dirty="0" smtClean="0"/>
+              <a:rPr lang="de-DE" sz="1600" dirty="0"/>
               <a:t>Model </a:t>
             </a:r>
             <a:r>
-              <a:rPr lang="de-DE" sz="1600" dirty="0" err="1" smtClean="0"/>
+              <a:rPr lang="de-DE" sz="1600" dirty="0" err="1"/>
               <a:t>Selection</a:t>
             </a:r>
             <a:endParaRPr lang="de-DE" sz="1600" dirty="0"/>
@@ -18152,18 +21654,13 @@
           <a:p>
             <a:pPr algn="ctr"/>
             <a:r>
-              <a:rPr lang="de-DE" sz="1400" dirty="0" smtClean="0">
+              <a:rPr lang="de-DE" sz="1400" dirty="0">
                 <a:solidFill>
                   <a:schemeClr val="bg1"/>
                 </a:solidFill>
               </a:rPr>
               <a:t>ARCH/GARCH-Model</a:t>
             </a:r>
-            <a:endParaRPr lang="de-DE" sz="1400" dirty="0">
-              <a:solidFill>
-                <a:schemeClr val="bg1"/>
-              </a:solidFill>
-            </a:endParaRPr>
           </a:p>
         </p:txBody>
       </p:sp>
@@ -18196,18 +21693,14 @@
             </a:r>
             <a:r>
               <a:rPr lang="de-DE" sz="1400" dirty="0"/>
-              <a:t> </a:t>
-            </a:r>
-            <a:r>
-              <a:rPr lang="de-DE" sz="1400" dirty="0" smtClean="0"/>
-              <a:t>Model </a:t>
-            </a:r>
-            <a:r>
-              <a:rPr lang="de-DE" sz="1400" dirty="0" err="1" smtClean="0"/>
+              <a:t> Model </a:t>
+            </a:r>
+            <a:r>
+              <a:rPr lang="de-DE" sz="1400" dirty="0" err="1"/>
               <a:t>with</a:t>
             </a:r>
             <a:r>
-              <a:rPr lang="de-DE" sz="1400" dirty="0" smtClean="0"/>
+              <a:rPr lang="de-DE" sz="1400" dirty="0"/>
               <a:t> </a:t>
             </a:r>
             <a:r>
@@ -18522,13 +22015,6 @@
   <p:clrMapOvr>
     <a:masterClrMapping/>
   </p:clrMapOvr>
-  <p:timing>
-    <p:tnLst>
-      <p:par>
-        <p:cTn id="1" dur="indefinite" restart="never" nodeType="tmRoot"/>
-      </p:par>
-    </p:tnLst>
-  </p:timing>
 </p:sld>
 </file>
 
@@ -18566,18 +22052,13 @@
           <a:p>
             <a:r>
               <a:rPr lang="de-DE" dirty="0"/>
-              <a:t>Versuchsreihe: Datensimulation </a:t>
-            </a:r>
-            <a:r>
-              <a:rPr lang="de-DE" dirty="0" smtClean="0"/>
-              <a:t>– Anmerkungen </a:t>
-            </a:r>
-            <a:endParaRPr lang="de-DE" dirty="0"/>
-          </a:p>
-        </p:txBody>
-      </p:sp>
-      <mc:AlternateContent xmlns:mc="http://schemas.openxmlformats.org/markup-compatibility/2006">
-        <mc:Choice xmlns:a14="http://schemas.microsoft.com/office/drawing/2010/main" Requires="a14">
+              <a:t>Versuchsreihe: Datensimulation – Anmerkungen </a:t>
+            </a:r>
+          </a:p>
+        </p:txBody>
+      </p:sp>
+      <mc:AlternateContent xmlns:mc="http://schemas.openxmlformats.org/markup-compatibility/2006" xmlns:a14="http://schemas.microsoft.com/office/drawing/2010/main">
+        <mc:Choice Requires="a14">
           <p:sp>
             <p:nvSpPr>
               <p:cNvPr id="3" name="Inhaltsplatzhalter 2"/>
@@ -18601,7 +22082,7 @@
               <a:lstStyle/>
               <a:p>
                 <a:r>
-                  <a:rPr lang="de-DE" dirty="0" smtClean="0"/>
+                  <a:rPr lang="de-DE" dirty="0"/>
                   <a:t>Restriktionen der simulierten Daten</a:t>
                 </a:r>
               </a:p>
@@ -18714,11 +22195,11 @@
                   </m:oMath>
                 </a14:m>
                 <a:r>
-                  <a:rPr lang="de-DE" b="0" dirty="0" smtClean="0"/>
+                  <a:rPr lang="de-DE" b="0" dirty="0"/>
                   <a:t>  </a:t>
                 </a:r>
                 <a:r>
-                  <a:rPr lang="de-DE" b="0" dirty="0" smtClean="0">
+                  <a:rPr lang="de-DE" b="0" dirty="0">
                     <a:sym typeface="Wingdings" panose="05000000000000000000" pitchFamily="2" charset="2"/>
                   </a:rPr>
                   <a:t>  Prozess finit</a:t>
@@ -18754,14 +22235,14 @@
                     </m:r>
                   </m:oMath>
                 </a14:m>
-                <a:endParaRPr lang="de-DE" b="0" i="0" dirty="0" smtClean="0">
+                <a:endParaRPr lang="de-DE" b="0" i="0" dirty="0">
                   <a:latin typeface="Cambria Math" panose="02040503050406030204" pitchFamily="18" charset="0"/>
                 </a:endParaRPr>
               </a:p>
               <a:p>
                 <a:pPr lvl="2"/>
                 <a:r>
-                  <a:rPr lang="de-DE" dirty="0" smtClean="0"/>
+                  <a:rPr lang="de-DE" dirty="0"/>
                   <a:t>Bei ARCH(q): </a:t>
                 </a:r>
                 <a14:m>
@@ -18906,14 +22387,14 @@
                   </m:oMath>
                 </a14:m>
                 <a:r>
-                  <a:rPr lang="de-DE" b="0" dirty="0" smtClean="0"/>
+                  <a:rPr lang="de-DE" b="0" dirty="0"/>
                   <a:t> </a:t>
                 </a:r>
               </a:p>
               <a:p>
                 <a:pPr lvl="2"/>
                 <a:r>
-                  <a:rPr lang="de-DE" dirty="0" smtClean="0">
+                  <a:rPr lang="de-DE" dirty="0">
                     <a:sym typeface="Wingdings" panose="05000000000000000000" pitchFamily="2" charset="2"/>
                   </a:rPr>
                   <a:t>Bei GARCH(1,1): </a:t>
@@ -19114,13 +22595,13 @@
                     </m:r>
                   </m:oMath>
                 </a14:m>
-                <a:endParaRPr lang="de-DE" b="0" dirty="0" smtClean="0">
+                <a:endParaRPr lang="de-DE" b="0" dirty="0">
                   <a:sym typeface="Wingdings" panose="05000000000000000000" pitchFamily="2" charset="2"/>
                 </a:endParaRPr>
               </a:p>
               <a:p>
                 <a:r>
-                  <a:rPr lang="de-DE" dirty="0" smtClean="0">
+                  <a:rPr lang="de-DE" dirty="0">
                     <a:sym typeface="Wingdings" panose="05000000000000000000" pitchFamily="2" charset="2"/>
                   </a:rPr>
                   <a:t>Model Fitting</a:t>
@@ -19129,7 +22610,7 @@
               <a:p>
                 <a:pPr lvl="1"/>
                 <a:r>
-                  <a:rPr lang="de-DE" b="0" dirty="0" smtClean="0">
+                  <a:rPr lang="de-DE" b="0" dirty="0">
                     <a:sym typeface="Wingdings" panose="05000000000000000000" pitchFamily="2" charset="2"/>
                   </a:rPr>
                   <a:t>Fit von ARCH(1), …, ARCH(q) mit q = 8 und GARCH(1,1)</a:t>
@@ -19137,19 +22618,19 @@
               </a:p>
               <a:p>
                 <a:r>
-                  <a:rPr lang="de-DE" dirty="0" smtClean="0">
+                  <a:rPr lang="de-DE" dirty="0">
                     <a:sym typeface="Wingdings" panose="05000000000000000000" pitchFamily="2" charset="2"/>
                   </a:rPr>
                   <a:t>Model </a:t>
                 </a:r>
                 <a:r>
-                  <a:rPr lang="de-DE" dirty="0" err="1" smtClean="0">
+                  <a:rPr lang="de-DE" dirty="0" err="1">
                     <a:sym typeface="Wingdings" panose="05000000000000000000" pitchFamily="2" charset="2"/>
                   </a:rPr>
                   <a:t>Selection</a:t>
                 </a:r>
                 <a:r>
-                  <a:rPr lang="de-DE" dirty="0" smtClean="0">
+                  <a:rPr lang="de-DE" dirty="0">
                     <a:sym typeface="Wingdings" panose="05000000000000000000" pitchFamily="2" charset="2"/>
                   </a:rPr>
                   <a:t> (Kriterien)</a:t>
@@ -19158,25 +22639,25 @@
               <a:p>
                 <a:pPr lvl="1"/>
                 <a:r>
-                  <a:rPr lang="de-DE" dirty="0" smtClean="0">
+                  <a:rPr lang="de-DE" dirty="0">
                     <a:sym typeface="Wingdings" panose="05000000000000000000" pitchFamily="2" charset="2"/>
                   </a:rPr>
                   <a:t>AIC (</a:t>
                 </a:r>
                 <a:r>
-                  <a:rPr lang="de-DE" dirty="0" err="1" smtClean="0"/>
+                  <a:rPr lang="de-DE" dirty="0" err="1"/>
                   <a:t>Akaike</a:t>
                 </a:r>
                 <a:r>
-                  <a:rPr lang="de-DE" dirty="0" smtClean="0"/>
+                  <a:rPr lang="de-DE" dirty="0"/>
                   <a:t>-Information-</a:t>
                 </a:r>
                 <a:r>
-                  <a:rPr lang="de-DE" dirty="0" err="1" smtClean="0"/>
+                  <a:rPr lang="de-DE" dirty="0" err="1"/>
                   <a:t>Criterion</a:t>
                 </a:r>
                 <a:r>
-                  <a:rPr lang="de-DE" dirty="0" smtClean="0"/>
+                  <a:rPr lang="de-DE" dirty="0"/>
                   <a:t>)</a:t>
                 </a:r>
               </a:p>
@@ -19217,7 +22698,7 @@
                   </m:oMath>
                 </a14:m>
                 <a:r>
-                  <a:rPr lang="de-DE" dirty="0" smtClean="0"/>
+                  <a:rPr lang="de-DE" dirty="0"/>
                   <a:t>, </a:t>
                 </a:r>
                 <a:r>
@@ -19226,7 +22707,7 @@
                   </a:rPr>
                   <a:t>mit k = Ordnung des Prozesses</a:t>
                 </a:r>
-                <a:endParaRPr lang="de-DE" dirty="0" smtClean="0"/>
+                <a:endParaRPr lang="de-DE" dirty="0"/>
               </a:p>
               <a:p>
                 <a:pPr lvl="2"/>
@@ -19333,50 +22814,44 @@
                   </m:oMath>
                 </a14:m>
                 <a:r>
-                  <a:rPr lang="de-DE" dirty="0" smtClean="0">
+                  <a:rPr lang="de-DE" dirty="0">
                     <a:sym typeface="Wingdings" panose="05000000000000000000" pitchFamily="2" charset="2"/>
                   </a:rPr>
                   <a:t>, mit N = Sample </a:t>
                 </a:r>
                 <a:r>
-                  <a:rPr lang="de-DE" dirty="0" err="1" smtClean="0">
+                  <a:rPr lang="de-DE" dirty="0" err="1">
                     <a:sym typeface="Wingdings" panose="05000000000000000000" pitchFamily="2" charset="2"/>
                   </a:rPr>
                   <a:t>size</a:t>
                 </a:r>
-                <a:endParaRPr lang="de-DE" dirty="0" smtClean="0">
+                <a:endParaRPr lang="de-DE" dirty="0">
                   <a:sym typeface="Wingdings" panose="05000000000000000000" pitchFamily="2" charset="2"/>
                 </a:endParaRPr>
               </a:p>
               <a:p>
                 <a:pPr lvl="2"/>
                 <a:r>
-                  <a:rPr lang="de-DE" dirty="0" smtClean="0">
+                  <a:rPr lang="de-DE" dirty="0">
                     <a:sym typeface="Wingdings" panose="05000000000000000000" pitchFamily="2" charset="2"/>
                   </a:rPr>
-                  <a:t>Benutztes Kriterium: Kleinster </a:t>
+                  <a:t>Benutztes Kriterium: Kleinster AIC Wert  Best fit</a:t>
                 </a:r>
-                <a:r>
-                  <a:rPr lang="de-DE" dirty="0" smtClean="0">
-                    <a:sym typeface="Wingdings" panose="05000000000000000000" pitchFamily="2" charset="2"/>
-                  </a:rPr>
-                  <a:t>AIC Wert  Best fit</a:t>
-                </a:r>
-                <a:endParaRPr lang="de-DE" b="0" dirty="0" smtClean="0">
+                <a:endParaRPr lang="de-DE" b="0" dirty="0">
                   <a:sym typeface="Wingdings" panose="05000000000000000000" pitchFamily="2" charset="2"/>
                 </a:endParaRPr>
               </a:p>
               <a:p>
                 <a:pPr lvl="1"/>
                 <a:r>
-                  <a:rPr lang="de-DE" b="0" dirty="0" smtClean="0"/>
+                  <a:rPr lang="de-DE" b="0" dirty="0"/>
                   <a:t>PACF</a:t>
                 </a:r>
               </a:p>
               <a:p>
                 <a:pPr lvl="2"/>
                 <a:r>
-                  <a:rPr lang="de-DE" dirty="0" smtClean="0"/>
+                  <a:rPr lang="de-DE" dirty="0"/>
                   <a:t>Betrachtung der PACF des quadrierten Prozesses</a:t>
                 </a:r>
               </a:p>
@@ -19412,7 +22887,7 @@
                   </m:oMath>
                 </a14:m>
                 <a:r>
-                  <a:rPr lang="de-DE" b="0" dirty="0" smtClean="0"/>
+                  <a:rPr lang="de-DE" b="0" dirty="0"/>
                   <a:t> bildet einen AR-Prozess, wenn</a:t>
                 </a:r>
               </a:p>
@@ -19422,10 +22897,9 @@
                   <a:buChar char="•"/>
                 </a:pPr>
                 <a:r>
-                  <a:rPr lang="de-DE" sz="1200" dirty="0" smtClean="0"/>
+                  <a:rPr lang="de-DE" sz="1200" dirty="0"/>
                   <a:t>X ein ARCH-Prozess ist</a:t>
                 </a:r>
-                <a:endParaRPr lang="de-DE" sz="1200" dirty="0"/>
               </a:p>
               <a:p>
                 <a:pPr lvl="3">
@@ -19433,15 +22907,15 @@
                   <a:buChar char="•"/>
                 </a:pPr>
                 <a:r>
-                  <a:rPr lang="de-DE" sz="1200" dirty="0" smtClean="0"/>
+                  <a:rPr lang="de-DE" sz="1200" dirty="0"/>
                   <a:t>Existenz 4. Moment</a:t>
                 </a:r>
-                <a:endParaRPr lang="de-DE" dirty="0" smtClean="0"/>
+                <a:endParaRPr lang="de-DE" dirty="0"/>
               </a:p>
             </p:txBody>
           </p:sp>
         </mc:Choice>
-        <mc:Fallback>
+        <mc:Fallback xmlns="">
           <p:sp>
             <p:nvSpPr>
               <p:cNvPr id="3" name="Inhaltsplatzhalter 2"/>
@@ -19497,7 +22971,7 @@
             <a:fld id="{6DB845E5-DACF-426C-8A10-A6438D29DD66}" type="datetime1">
               <a:rPr lang="de-DE" smtClean="0"/>
               <a:pPr/>
-              <a:t>03.08.2018</a:t>
+              <a:t>04.08.18</a:t>
             </a:fld>
             <a:endParaRPr lang="de-DE"/>
           </a:p>

--- a/presentation/tsa_presentation_final.pptx
+++ b/presentation/tsa_presentation_final.pptx
@@ -249,7 +249,7 @@
             <a:fld id="{8A7CD7E6-D14C-4ECF-BE72-9282675AAFCC}" type="datetimeFigureOut">
               <a:rPr lang="de-DE" smtClean="0"/>
               <a:pPr/>
-              <a:t>04.08.18</a:t>
+              <a:t>05.08.2018</a:t>
             </a:fld>
             <a:endParaRPr lang="de-DE"/>
           </a:p>
@@ -316,7 +316,7 @@
             <a:fld id="{7119B856-22C7-4D3D-8424-185753AB3E24}" type="slidenum">
               <a:rPr lang="de-DE" smtClean="0"/>
               <a:pPr/>
-              <a:t>‹#›</a:t>
+              <a:t>‹Nr.›</a:t>
             </a:fld>
             <a:endParaRPr lang="de-DE"/>
           </a:p>
@@ -416,7 +416,7 @@
             <a:fld id="{9DEF7BA6-6945-4979-A31E-1F3FA0D91DC4}" type="datetimeFigureOut">
               <a:rPr lang="de-DE" smtClean="0"/>
               <a:pPr/>
-              <a:t>04.08.18</a:t>
+              <a:t>05.08.2018</a:t>
             </a:fld>
             <a:endParaRPr lang="de-DE"/>
           </a:p>
@@ -577,7 +577,7 @@
             <a:fld id="{6706D1AF-4C0D-4753-9D96-DDC1A4BC5412}" type="slidenum">
               <a:rPr lang="de-DE" smtClean="0"/>
               <a:pPr/>
-              <a:t>‹#›</a:t>
+              <a:t>‹Nr.›</a:t>
             </a:fld>
             <a:endParaRPr lang="de-DE"/>
           </a:p>
@@ -3138,7 +3138,7 @@
             <a:fld id="{C6F490E5-6BD8-4297-ACA2-2AC87192B70F}" type="datetime1">
               <a:rPr lang="de-DE" smtClean="0"/>
               <a:pPr/>
-              <a:t>04.08.18</a:t>
+              <a:t>05.08.2018</a:t>
             </a:fld>
             <a:endParaRPr lang="de-DE"/>
           </a:p>
@@ -3162,7 +3162,7 @@
             <a:fld id="{015363AA-F6CB-4A58-B5AD-B2CDFEAF0813}" type="slidenum">
               <a:rPr lang="de-DE" smtClean="0"/>
               <a:pPr/>
-              <a:t>‹#›</a:t>
+              <a:t>‹Nr.›</a:t>
             </a:fld>
             <a:endParaRPr lang="de-DE"/>
           </a:p>
@@ -3438,7 +3438,7 @@
             <a:fld id="{18321833-73FA-4B7B-8368-585F78905B8E}" type="datetime1">
               <a:rPr lang="de-DE" smtClean="0"/>
               <a:pPr/>
-              <a:t>04.08.18</a:t>
+              <a:t>05.08.2018</a:t>
             </a:fld>
             <a:endParaRPr lang="de-DE"/>
           </a:p>
@@ -3484,7 +3484,7 @@
             <a:fld id="{015363AA-F6CB-4A58-B5AD-B2CDFEAF0813}" type="slidenum">
               <a:rPr lang="de-DE" smtClean="0"/>
               <a:pPr/>
-              <a:t>‹#›</a:t>
+              <a:t>‹Nr.›</a:t>
             </a:fld>
             <a:endParaRPr lang="de-DE"/>
           </a:p>
@@ -3555,7 +3555,7 @@
             <a:fld id="{3E1C52E8-7F49-4B86-AEB2-23BC7104D5B2}" type="datetime1">
               <a:rPr lang="de-DE" smtClean="0"/>
               <a:pPr/>
-              <a:t>04.08.18</a:t>
+              <a:t>05.08.2018</a:t>
             </a:fld>
             <a:endParaRPr lang="de-DE"/>
           </a:p>
@@ -3601,7 +3601,7 @@
             <a:fld id="{015363AA-F6CB-4A58-B5AD-B2CDFEAF0813}" type="slidenum">
               <a:rPr lang="de-DE" smtClean="0"/>
               <a:pPr/>
-              <a:t>‹#›</a:t>
+              <a:t>‹Nr.›</a:t>
             </a:fld>
             <a:endParaRPr lang="de-DE"/>
           </a:p>
@@ -3819,7 +3819,7 @@
             <a:fld id="{3E1C52E8-7F49-4B86-AEB2-23BC7104D5B2}" type="datetime1">
               <a:rPr lang="de-DE" smtClean="0"/>
               <a:pPr/>
-              <a:t>04.08.18</a:t>
+              <a:t>05.08.2018</a:t>
             </a:fld>
             <a:endParaRPr lang="de-DE"/>
           </a:p>
@@ -3865,7 +3865,7 @@
             <a:fld id="{015363AA-F6CB-4A58-B5AD-B2CDFEAF0813}" type="slidenum">
               <a:rPr lang="de-DE" smtClean="0"/>
               <a:pPr/>
-              <a:t>‹#›</a:t>
+              <a:t>‹Nr.›</a:t>
             </a:fld>
             <a:endParaRPr lang="de-DE"/>
           </a:p>
@@ -4521,7 +4521,7 @@
             <a:fld id="{DA5DE712-6C0E-4DF7-B336-AC97213DC93D}" type="datetime1">
               <a:rPr lang="de-DE" smtClean="0"/>
               <a:pPr/>
-              <a:t>04.08.18</a:t>
+              <a:t>05.08.2018</a:t>
             </a:fld>
             <a:endParaRPr lang="de-DE"/>
           </a:p>
@@ -4567,7 +4567,7 @@
             <a:fld id="{015363AA-F6CB-4A58-B5AD-B2CDFEAF0813}" type="slidenum">
               <a:rPr lang="de-DE" smtClean="0"/>
               <a:pPr/>
-              <a:t>‹#›</a:t>
+              <a:t>‹Nr.›</a:t>
             </a:fld>
             <a:endParaRPr lang="de-DE"/>
           </a:p>
@@ -5084,7 +5084,7 @@
             <a:fld id="{DA5DE712-6C0E-4DF7-B336-AC97213DC93D}" type="datetime1">
               <a:rPr lang="de-DE" smtClean="0"/>
               <a:pPr/>
-              <a:t>04.08.18</a:t>
+              <a:t>05.08.2018</a:t>
             </a:fld>
             <a:endParaRPr lang="de-DE"/>
           </a:p>
@@ -5130,7 +5130,7 @@
             <a:fld id="{015363AA-F6CB-4A58-B5AD-B2CDFEAF0813}" type="slidenum">
               <a:rPr lang="de-DE" smtClean="0"/>
               <a:pPr/>
-              <a:t>‹#›</a:t>
+              <a:t>‹Nr.›</a:t>
             </a:fld>
             <a:endParaRPr lang="de-DE"/>
           </a:p>
@@ -5387,7 +5387,7 @@
             <a:fld id="{19A0FC43-5E73-44C2-BFDB-9FAD1E8FED0E}" type="datetime1">
               <a:rPr lang="de-DE" smtClean="0"/>
               <a:pPr/>
-              <a:t>04.08.18</a:t>
+              <a:t>05.08.2018</a:t>
             </a:fld>
             <a:endParaRPr lang="de-DE"/>
           </a:p>
@@ -5433,7 +5433,7 @@
             <a:fld id="{015363AA-F6CB-4A58-B5AD-B2CDFEAF0813}" type="slidenum">
               <a:rPr lang="de-DE" smtClean="0"/>
               <a:pPr/>
-              <a:t>‹#›</a:t>
+              <a:t>‹Nr.›</a:t>
             </a:fld>
             <a:endParaRPr lang="de-DE"/>
           </a:p>
@@ -5664,7 +5664,7 @@
             <a:fld id="{065E8A4D-8D16-457C-AFD8-844AF28C1B14}" type="datetime1">
               <a:rPr lang="de-DE" smtClean="0"/>
               <a:pPr/>
-              <a:t>04.08.18</a:t>
+              <a:t>05.08.2018</a:t>
             </a:fld>
             <a:endParaRPr lang="de-DE"/>
           </a:p>
@@ -5710,7 +5710,7 @@
             <a:fld id="{015363AA-F6CB-4A58-B5AD-B2CDFEAF0813}" type="slidenum">
               <a:rPr lang="de-DE" smtClean="0"/>
               <a:pPr/>
-              <a:t>‹#›</a:t>
+              <a:t>‹Nr.›</a:t>
             </a:fld>
             <a:endParaRPr lang="de-DE"/>
           </a:p>
@@ -5866,7 +5866,7 @@
             <a:fld id="{6DB845E5-DACF-426C-8A10-A6438D29DD66}" type="datetime1">
               <a:rPr lang="de-DE" smtClean="0"/>
               <a:pPr/>
-              <a:t>04.08.18</a:t>
+              <a:t>05.08.2018</a:t>
             </a:fld>
             <a:endParaRPr lang="de-DE"/>
           </a:p>
@@ -5912,7 +5912,7 @@
             <a:fld id="{015363AA-F6CB-4A58-B5AD-B2CDFEAF0813}" type="slidenum">
               <a:rPr lang="de-DE" smtClean="0"/>
               <a:pPr/>
-              <a:t>‹#›</a:t>
+              <a:t>‹Nr.›</a:t>
             </a:fld>
             <a:endParaRPr lang="de-DE"/>
           </a:p>
@@ -6171,7 +6171,7 @@
             <a:fld id="{CA605C2C-549A-4615-A3C1-D5E9E9947B76}" type="datetime1">
               <a:rPr lang="de-DE" smtClean="0"/>
               <a:pPr/>
-              <a:t>04.08.18</a:t>
+              <a:t>05.08.2018</a:t>
             </a:fld>
             <a:endParaRPr lang="de-DE"/>
           </a:p>
@@ -6217,7 +6217,7 @@
             <a:fld id="{015363AA-F6CB-4A58-B5AD-B2CDFEAF0813}" type="slidenum">
               <a:rPr lang="de-DE" smtClean="0"/>
               <a:pPr/>
-              <a:t>‹#›</a:t>
+              <a:t>‹Nr.›</a:t>
             </a:fld>
             <a:endParaRPr lang="de-DE"/>
           </a:p>
@@ -6642,7 +6642,7 @@
             <a:fld id="{DA5DE712-6C0E-4DF7-B336-AC97213DC93D}" type="datetime1">
               <a:rPr lang="de-DE" smtClean="0"/>
               <a:pPr/>
-              <a:t>04.08.18</a:t>
+              <a:t>05.08.2018</a:t>
             </a:fld>
             <a:endParaRPr lang="de-DE"/>
           </a:p>
@@ -6688,7 +6688,7 @@
             <a:fld id="{015363AA-F6CB-4A58-B5AD-B2CDFEAF0813}" type="slidenum">
               <a:rPr lang="de-DE" smtClean="0"/>
               <a:pPr/>
-              <a:t>‹#›</a:t>
+              <a:t>‹Nr.›</a:t>
             </a:fld>
             <a:endParaRPr lang="de-DE"/>
           </a:p>
@@ -7113,7 +7113,7 @@
             <a:fld id="{DA5DE712-6C0E-4DF7-B336-AC97213DC93D}" type="datetime1">
               <a:rPr lang="de-DE" smtClean="0"/>
               <a:pPr/>
-              <a:t>04.08.18</a:t>
+              <a:t>05.08.2018</a:t>
             </a:fld>
             <a:endParaRPr lang="de-DE"/>
           </a:p>
@@ -7159,7 +7159,7 @@
             <a:fld id="{015363AA-F6CB-4A58-B5AD-B2CDFEAF0813}" type="slidenum">
               <a:rPr lang="de-DE" smtClean="0"/>
               <a:pPr/>
-              <a:t>‹#›</a:t>
+              <a:t>‹Nr.›</a:t>
             </a:fld>
             <a:endParaRPr lang="de-DE"/>
           </a:p>
@@ -7384,7 +7384,7 @@
             <a:fld id="{12CE0ACD-0B71-463F-9507-4095300257BC}" type="datetime1">
               <a:rPr lang="de-DE" smtClean="0"/>
               <a:pPr/>
-              <a:t>04.08.18</a:t>
+              <a:t>05.08.2018</a:t>
             </a:fld>
             <a:endParaRPr lang="de-DE"/>
           </a:p>
@@ -7430,7 +7430,7 @@
             <a:fld id="{015363AA-F6CB-4A58-B5AD-B2CDFEAF0813}" type="slidenum">
               <a:rPr lang="de-DE" smtClean="0"/>
               <a:pPr/>
-              <a:t>‹#›</a:t>
+              <a:t>‹Nr.›</a:t>
             </a:fld>
             <a:endParaRPr lang="de-DE"/>
           </a:p>
@@ -7527,7 +7527,7 @@
             <a:fld id="{89026A34-A4A3-4CC2-B452-9E4A0F73B38C}" type="datetime1">
               <a:rPr lang="de-DE" smtClean="0"/>
               <a:pPr/>
-              <a:t>04.08.18</a:t>
+              <a:t>05.08.2018</a:t>
             </a:fld>
             <a:endParaRPr lang="de-DE"/>
           </a:p>
@@ -7573,7 +7573,7 @@
             <a:fld id="{015363AA-F6CB-4A58-B5AD-B2CDFEAF0813}" type="slidenum">
               <a:rPr lang="de-DE" smtClean="0"/>
               <a:pPr/>
-              <a:t>‹#›</a:t>
+              <a:t>‹Nr.›</a:t>
             </a:fld>
             <a:endParaRPr lang="de-DE"/>
           </a:p>
@@ -7805,7 +7805,7 @@
             <a:fld id="{D509922F-D4D2-4984-9115-CE10B66F29DF}" type="datetime1">
               <a:rPr lang="de-DE" smtClean="0"/>
               <a:pPr/>
-              <a:t>04.08.18</a:t>
+              <a:t>05.08.2018</a:t>
             </a:fld>
             <a:endParaRPr lang="de-DE"/>
           </a:p>
@@ -7851,7 +7851,7 @@
             <a:fld id="{015363AA-F6CB-4A58-B5AD-B2CDFEAF0813}" type="slidenum">
               <a:rPr lang="de-DE" smtClean="0"/>
               <a:pPr/>
-              <a:t>‹#›</a:t>
+              <a:t>‹Nr.›</a:t>
             </a:fld>
             <a:endParaRPr lang="de-DE"/>
           </a:p>
@@ -8123,7 +8123,7 @@
             <a:fld id="{9624F9CC-0A0D-4C8D-81F7-82F64A12AE8F}" type="datetime1">
               <a:rPr lang="de-DE" smtClean="0"/>
               <a:pPr/>
-              <a:t>04.08.18</a:t>
+              <a:t>05.08.2018</a:t>
             </a:fld>
             <a:endParaRPr lang="de-DE"/>
           </a:p>
@@ -8211,7 +8211,7 @@
             <a:fld id="{015363AA-F6CB-4A58-B5AD-B2CDFEAF0813}" type="slidenum">
               <a:rPr lang="de-DE" smtClean="0"/>
               <a:pPr/>
-              <a:t>‹#›</a:t>
+              <a:t>‹Nr.›</a:t>
             </a:fld>
             <a:endParaRPr lang="de-DE"/>
           </a:p>
@@ -9789,7 +9789,7 @@
             <a:fld id="{DA5DE712-6C0E-4DF7-B336-AC97213DC93D}" type="datetime1">
               <a:rPr lang="de-DE" smtClean="0"/>
               <a:pPr/>
-              <a:t>04.08.18</a:t>
+              <a:t>05.08.2018</a:t>
             </a:fld>
             <a:endParaRPr lang="de-DE"/>
           </a:p>
@@ -12279,7 +12279,7 @@
             <a:fld id="{DA5DE712-6C0E-4DF7-B336-AC97213DC93D}" type="datetime1">
               <a:rPr lang="de-DE" smtClean="0"/>
               <a:pPr/>
-              <a:t>04.08.18</a:t>
+              <a:t>05.08.2018</a:t>
             </a:fld>
             <a:endParaRPr lang="de-DE"/>
           </a:p>
@@ -14151,7 +14151,7 @@
             <a:fld id="{DA5DE712-6C0E-4DF7-B336-AC97213DC93D}" type="datetime1">
               <a:rPr lang="de-DE" smtClean="0"/>
               <a:pPr/>
-              <a:t>04.08.18</a:t>
+              <a:t>05.08.2018</a:t>
             </a:fld>
             <a:endParaRPr lang="de-DE"/>
           </a:p>
@@ -16093,7 +16093,7 @@
             <a:fld id="{DA5DE712-6C0E-4DF7-B336-AC97213DC93D}" type="datetime1">
               <a:rPr lang="de-DE" smtClean="0"/>
               <a:pPr/>
-              <a:t>04.08.18</a:t>
+              <a:t>05.08.2018</a:t>
             </a:fld>
             <a:endParaRPr lang="de-DE"/>
           </a:p>
@@ -16266,7 +16266,7 @@
             <a:fld id="{12CE0ACD-0B71-463F-9507-4095300257BC}" type="datetime1">
               <a:rPr lang="de-DE" smtClean="0"/>
               <a:pPr/>
-              <a:t>04.08.18</a:t>
+              <a:t>05.08.2018</a:t>
             </a:fld>
             <a:endParaRPr lang="de-DE"/>
           </a:p>
@@ -16742,7 +16742,7 @@
             <a:fld id="{12CE0ACD-0B71-463F-9507-4095300257BC}" type="datetime1">
               <a:rPr lang="de-DE" smtClean="0"/>
               <a:pPr/>
-              <a:t>04.08.18</a:t>
+              <a:t>05.08.2018</a:t>
             </a:fld>
             <a:endParaRPr lang="de-DE"/>
           </a:p>
@@ -17324,7 +17324,7 @@
             <a:fld id="{12CE0ACD-0B71-463F-9507-4095300257BC}" type="datetime1">
               <a:rPr lang="de-DE" smtClean="0"/>
               <a:pPr/>
-              <a:t>04.08.18</a:t>
+              <a:t>05.08.2018</a:t>
             </a:fld>
             <a:endParaRPr lang="de-DE"/>
           </a:p>
@@ -17613,7 +17613,7 @@
             <a:fld id="{12CE0ACD-0B71-463F-9507-4095300257BC}" type="datetime1">
               <a:rPr lang="de-DE" smtClean="0"/>
               <a:pPr/>
-              <a:t>04.08.18</a:t>
+              <a:t>05.08.2018</a:t>
             </a:fld>
             <a:endParaRPr lang="de-DE"/>
           </a:p>
@@ -17831,7 +17831,7 @@
             <a:fld id="{12CE0ACD-0B71-463F-9507-4095300257BC}" type="datetime1">
               <a:rPr lang="de-DE" smtClean="0"/>
               <a:pPr/>
-              <a:t>04.08.18</a:t>
+              <a:t>05.08.2018</a:t>
             </a:fld>
             <a:endParaRPr lang="de-DE"/>
           </a:p>
@@ -18048,7 +18048,7 @@
             <a:fld id="{D509922F-D4D2-4984-9115-CE10B66F29DF}" type="datetime1">
               <a:rPr lang="de-DE" smtClean="0"/>
               <a:pPr/>
-              <a:t>04.08.18</a:t>
+              <a:t>05.08.2018</a:t>
             </a:fld>
             <a:endParaRPr lang="de-DE"/>
           </a:p>
@@ -18362,7 +18362,7 @@
             <a:fld id="{6DB845E5-DACF-426C-8A10-A6438D29DD66}" type="datetime1">
               <a:rPr lang="de-DE" smtClean="0"/>
               <a:pPr/>
-              <a:t>04.08.18</a:t>
+              <a:t>05.08.2018</a:t>
             </a:fld>
             <a:endParaRPr lang="de-DE"/>
           </a:p>
@@ -18531,7 +18531,7 @@
             <a:fld id="{D509922F-D4D2-4984-9115-CE10B66F29DF}" type="datetime1">
               <a:rPr lang="de-DE" smtClean="0"/>
               <a:pPr/>
-              <a:t>04.08.18</a:t>
+              <a:t>05.08.2018</a:t>
             </a:fld>
             <a:endParaRPr lang="de-DE"/>
           </a:p>
@@ -18741,7 +18741,7 @@
             <a:fld id="{12CE0ACD-0B71-463F-9507-4095300257BC}" type="datetime1">
               <a:rPr lang="de-DE" smtClean="0"/>
               <a:pPr/>
-              <a:t>04.08.18</a:t>
+              <a:t>05.08.2018</a:t>
             </a:fld>
             <a:endParaRPr lang="de-DE"/>
           </a:p>
@@ -19040,7 +19040,7 @@
             <a:fld id="{6DB845E5-DACF-426C-8A10-A6438D29DD66}" type="datetime1">
               <a:rPr lang="de-DE" smtClean="0"/>
               <a:pPr/>
-              <a:t>04.08.18</a:t>
+              <a:t>05.08.2018</a:t>
             </a:fld>
             <a:endParaRPr lang="de-DE"/>
           </a:p>
@@ -19352,7 +19352,7 @@
             <a:fld id="{6DB845E5-DACF-426C-8A10-A6438D29DD66}" type="datetime1">
               <a:rPr lang="de-DE" smtClean="0"/>
               <a:pPr/>
-              <a:t>04.08.18</a:t>
+              <a:t>05.08.2018</a:t>
             </a:fld>
             <a:endParaRPr lang="de-DE"/>
           </a:p>
@@ -19474,7 +19474,7 @@
             <a:fld id="{19A0FC43-5E73-44C2-BFDB-9FAD1E8FED0E}" type="datetime1">
               <a:rPr lang="de-DE" smtClean="0"/>
               <a:pPr/>
-              <a:t>04.08.18</a:t>
+              <a:t>05.08.2018</a:t>
             </a:fld>
             <a:endParaRPr lang="de-DE"/>
           </a:p>
@@ -19733,7 +19733,7 @@
             <a:fld id="{6DB845E5-DACF-426C-8A10-A6438D29DD66}" type="datetime1">
               <a:rPr lang="de-DE" smtClean="0"/>
               <a:pPr/>
-              <a:t>04.08.18</a:t>
+              <a:t>05.08.2018</a:t>
             </a:fld>
             <a:endParaRPr lang="de-DE"/>
           </a:p>
@@ -19910,7 +19910,7 @@
             <a:fld id="{6DB845E5-DACF-426C-8A10-A6438D29DD66}" type="datetime1">
               <a:rPr lang="de-DE" smtClean="0"/>
               <a:pPr/>
-              <a:t>04.08.18</a:t>
+              <a:t>05.08.2018</a:t>
             </a:fld>
             <a:endParaRPr lang="de-DE"/>
           </a:p>
@@ -20119,7 +20119,7 @@
             <a:fld id="{6DB845E5-DACF-426C-8A10-A6438D29DD66}" type="datetime1">
               <a:rPr lang="de-DE" smtClean="0"/>
               <a:pPr/>
-              <a:t>04.08.18</a:t>
+              <a:t>05.08.2018</a:t>
             </a:fld>
             <a:endParaRPr lang="de-DE"/>
           </a:p>
@@ -20300,7 +20300,11 @@
           <a:p>
             <a:r>
               <a:rPr lang="de-DE" dirty="0"/>
-              <a:t>Eingeführt 1982 von Robert Engel</a:t>
+              <a:t>Eingeführt 1982 von Robert </a:t>
+            </a:r>
+            <a:r>
+              <a:rPr lang="de-DE" dirty="0" err="1"/>
+              <a:t>Engle</a:t>
             </a:r>
             <a:endParaRPr lang="de-DE" b="1" dirty="0"/>
           </a:p>
@@ -20377,15 +20381,7 @@
           <a:p>
             <a:r>
               <a:rPr lang="de-DE" dirty="0"/>
-              <a:t>Bedingter Erwartungswert nicht von Interesse, da als 0 </a:t>
-            </a:r>
-            <a:r>
-              <a:rPr lang="de-DE" dirty="0" err="1"/>
-              <a:t>vorraus</a:t>
-            </a:r>
-            <a:r>
-              <a:rPr lang="de-DE" dirty="0"/>
-              <a:t> gesetzt</a:t>
+              <a:t>Bedingter Erwartungswert nicht von Interesse, da als 0 voraus gesetzt</a:t>
             </a:r>
           </a:p>
           <a:p>
@@ -20429,7 +20425,7 @@
             <a:fld id="{6DB845E5-DACF-426C-8A10-A6438D29DD66}" type="datetime1">
               <a:rPr lang="de-DE" smtClean="0"/>
               <a:pPr/>
-              <a:t>04.08.18</a:t>
+              <a:t>05.08.2018</a:t>
             </a:fld>
             <a:endParaRPr lang="de-DE"/>
           </a:p>
@@ -20722,7 +20718,7 @@
             <a:fld id="{6DB845E5-DACF-426C-8A10-A6438D29DD66}" type="datetime1">
               <a:rPr lang="de-DE" smtClean="0"/>
               <a:pPr/>
-              <a:t>04.08.18</a:t>
+              <a:t>05.08.2018</a:t>
             </a:fld>
             <a:endParaRPr lang="de-DE"/>
           </a:p>
@@ -20886,7 +20882,7 @@
             <a:fld id="{12CE0ACD-0B71-463F-9507-4095300257BC}" type="datetime1">
               <a:rPr lang="de-DE" smtClean="0"/>
               <a:pPr/>
-              <a:t>04.08.18</a:t>
+              <a:t>05.08.2018</a:t>
             </a:fld>
             <a:endParaRPr lang="de-DE"/>
           </a:p>
@@ -22971,7 +22967,7 @@
             <a:fld id="{6DB845E5-DACF-426C-8A10-A6438D29DD66}" type="datetime1">
               <a:rPr lang="de-DE" smtClean="0"/>
               <a:pPr/>
-              <a:t>04.08.18</a:t>
+              <a:t>05.08.2018</a:t>
             </a:fld>
             <a:endParaRPr lang="de-DE"/>
           </a:p>

--- a/presentation/tsa_presentation_final.pptx
+++ b/presentation/tsa_presentation_final.pptx
@@ -817,42 +817,6 @@
           <a:bodyPr/>
           <a:lstStyle/>
           <a:p>
-            <a:pPr marL="0" marR="0" lvl="0" indent="0" algn="l" defTabSz="914400" rtl="0" eaLnBrk="1" fontAlgn="auto" latinLnBrk="0" hangingPunct="1">
-              <a:lnSpc>
-                <a:spcPct val="100000"/>
-              </a:lnSpc>
-              <a:spcBef>
-                <a:spcPts val="0"/>
-              </a:spcBef>
-              <a:spcAft>
-                <a:spcPts val="0"/>
-              </a:spcAft>
-              <a:buClrTx/>
-              <a:buSzTx/>
-              <a:buFontTx/>
-              <a:buNone/>
-              <a:tabLst/>
-              <a:defRPr/>
-            </a:pPr>
-            <a:r>
-              <a:rPr lang="de-DE" dirty="0"/>
-              <a:t>Quadratisch → Grad 2, liefert</a:t>
-            </a:r>
-            <a:r>
-              <a:rPr lang="de-DE" baseline="0" dirty="0"/>
-              <a:t> gute </a:t>
-            </a:r>
-            <a:r>
-              <a:rPr lang="de-DE" baseline="0" dirty="0" err="1"/>
-              <a:t>Fits</a:t>
-            </a:r>
-            <a:r>
-              <a:rPr lang="de-DE" baseline="0" dirty="0"/>
-              <a:t> für Konstante Daten (Grad 0), lineare Daten (Grad 1) und  quadratische Daten (Grad 2)</a:t>
-            </a:r>
-            <a:endParaRPr lang="de-DE" dirty="0"/>
-          </a:p>
-          <a:p>
             <a:endParaRPr lang="de-DE" dirty="0"/>
           </a:p>
         </p:txBody>
@@ -1358,8 +1322,12 @@
           <a:lstStyle/>
           <a:p>
             <a:r>
+              <a:rPr lang="de-DE" dirty="0" smtClean="0"/>
+              <a:t>Zu </a:t>
+            </a:r>
+            <a:r>
               <a:rPr lang="de-DE" dirty="0"/>
-              <a:t>Zu GARCH(1,1):</a:t>
+              <a:t>GARCH(1,1):</a:t>
             </a:r>
             <a:r>
               <a:rPr lang="de-DE" baseline="0" dirty="0"/>
@@ -8717,8 +8685,8 @@
           </a:p>
         </p:txBody>
       </p:sp>
-      <mc:AlternateContent xmlns:mc="http://schemas.openxmlformats.org/markup-compatibility/2006" xmlns:a14="http://schemas.microsoft.com/office/drawing/2010/main">
-        <mc:Choice Requires="a14">
+      <mc:AlternateContent xmlns:mc="http://schemas.openxmlformats.org/markup-compatibility/2006">
+        <mc:Choice xmlns:a14="http://schemas.microsoft.com/office/drawing/2010/main" Requires="a14">
           <p:sp>
             <p:nvSpPr>
               <p:cNvPr id="4" name="Inhaltsplatzhalter 3"/>
@@ -8736,8 +8704,13 @@
               <a:p>
                 <a:r>
                   <a:rPr lang="de-DE" dirty="0"/>
-                  <a:t>Daten im Zeitreihenkontext mit n = 1000</a:t>
+                  <a:t>Daten im Zeitreihenkontext mit n = </a:t>
                 </a:r>
+                <a:r>
+                  <a:rPr lang="de-DE" dirty="0"/>
+                  <a:t>100000</a:t>
+                </a:r>
+                <a:endParaRPr lang="de-DE" dirty="0"/>
               </a:p>
               <a:p>
                 <a14:m>
@@ -9100,7 +9073,7 @@
             </p:txBody>
           </p:sp>
         </mc:Choice>
-        <mc:Fallback xmlns="">
+        <mc:Fallback>
           <p:sp>
             <p:nvSpPr>
               <p:cNvPr id="4" name="Inhaltsplatzhalter 3"/>
@@ -9157,8 +9130,8 @@
           </a:p>
         </p:txBody>
       </p:sp>
-      <mc:AlternateContent xmlns:mc="http://schemas.openxmlformats.org/markup-compatibility/2006" xmlns:a14="http://schemas.microsoft.com/office/drawing/2010/main">
-        <mc:Choice Requires="a14">
+      <mc:AlternateContent xmlns:mc="http://schemas.openxmlformats.org/markup-compatibility/2006">
+        <mc:Choice xmlns:a14="http://schemas.microsoft.com/office/drawing/2010/main" Requires="a14">
           <p:sp>
             <p:nvSpPr>
               <p:cNvPr id="6" name="Inhaltsplatzhalter 5"/>
@@ -9176,8 +9149,13 @@
               <a:p>
                 <a:r>
                   <a:rPr lang="de-DE" dirty="0"/>
-                  <a:t>Daten im Zeitreihenkontext mit n = 1000</a:t>
+                  <a:t>Daten im Zeitreihenkontext mit n = </a:t>
                 </a:r>
+                <a:r>
+                  <a:rPr lang="de-DE" dirty="0"/>
+                  <a:t>100000</a:t>
+                </a:r>
+                <a:endParaRPr lang="de-DE" dirty="0"/>
               </a:p>
               <a:p>
                 <a14:m>
@@ -9737,7 +9715,7 @@
             </p:txBody>
           </p:sp>
         </mc:Choice>
-        <mc:Fallback xmlns="">
+        <mc:Fallback>
           <p:sp>
             <p:nvSpPr>
               <p:cNvPr id="6" name="Inhaltsplatzhalter 5"/>
@@ -10405,13 +10383,13 @@
               </a:ext>
             </a:extLst>
           </a:blip>
-          <a:srcRect t="13735"/>
+          <a:srcRect t="15362"/>
           <a:stretch/>
         </p:blipFill>
         <p:spPr>
           <a:xfrm>
-            <a:off x="683568" y="3407845"/>
-            <a:ext cx="2016224" cy="1324146"/>
+            <a:off x="466852" y="3507853"/>
+            <a:ext cx="2341146" cy="1156603"/>
           </a:xfrm>
           <a:prstGeom prst="rect">
             <a:avLst/>
@@ -10434,13 +10412,13 @@
               </a:ext>
             </a:extLst>
           </a:blip>
-          <a:srcRect t="11143"/>
+          <a:srcRect t="15848"/>
           <a:stretch/>
         </p:blipFill>
         <p:spPr>
           <a:xfrm>
-            <a:off x="3563888" y="3407844"/>
-            <a:ext cx="2016224" cy="1291912"/>
+            <a:off x="3414708" y="3507853"/>
+            <a:ext cx="2309420" cy="1134379"/>
           </a:xfrm>
           <a:prstGeom prst="rect">
             <a:avLst/>
@@ -10455,7 +10433,7 @@
           </p:cNvPicPr>
           <p:nvPr/>
         </p:nvPicPr>
-        <p:blipFill>
+        <p:blipFill rotWithShape="1">
           <a:blip r:embed="rId8" cstate="print">
             <a:extLst>
               <a:ext uri="{28A0092B-C50C-407E-A947-70E740481C1C}">
@@ -10463,14 +10441,13 @@
               </a:ext>
             </a:extLst>
           </a:blip>
-          <a:stretch>
-            <a:fillRect/>
-          </a:stretch>
+          <a:srcRect t="13579"/>
+          <a:stretch/>
         </p:blipFill>
         <p:spPr>
           <a:xfrm>
-            <a:off x="6444208" y="3377841"/>
-            <a:ext cx="2088231" cy="1291912"/>
+            <a:off x="6300192" y="3468286"/>
+            <a:ext cx="2309420" cy="1164958"/>
           </a:xfrm>
           <a:prstGeom prst="rect">
             <a:avLst/>
@@ -10568,12 +10545,16 @@
           </p:cNvGraphicFramePr>
           <p:nvPr>
             <p:ph sz="half" idx="2"/>
-            <p:extLst/>
+            <p:extLst>
+              <p:ext uri="{D42A27DB-BD31-4B8C-83A1-F6EECF244321}">
+                <p14:modId xmlns:p14="http://schemas.microsoft.com/office/powerpoint/2010/main" val="2891772774"/>
+              </p:ext>
+            </p:extLst>
           </p:nvPr>
         </p:nvGraphicFramePr>
         <p:xfrm>
-          <a:off x="323850" y="1419228"/>
-          <a:ext cx="4173540" cy="2232637"/>
+          <a:off x="323850" y="1419224"/>
+          <a:ext cx="4173540" cy="2258410"/>
         </p:xfrm>
         <a:graphic>
           <a:graphicData uri="http://schemas.openxmlformats.org/drawingml/2006/table">
@@ -10625,7 +10606,7 @@
                   </a:extLst>
                 </a:gridCol>
               </a:tblGrid>
-              <a:tr h="202967">
+              <a:tr h="225841">
                 <a:tc>
                   <a:txBody>
                     <a:bodyPr/>
@@ -10770,140 +10751,7 @@
                   </a:ext>
                 </a:extLst>
               </a:tr>
-              <a:tr h="202967">
-                <a:tc>
-                  <a:txBody>
-                    <a:bodyPr/>
-                    <a:lstStyle/>
-                    <a:p>
-                      <a:pPr algn="l" fontAlgn="b"/>
-                      <a:r>
-                        <a:rPr lang="de-DE" sz="1100" u="none" strike="noStrike" dirty="0">
-                          <a:effectLst/>
-                        </a:rPr>
-                        <a:t>ARCH(0)</a:t>
-                      </a:r>
-                      <a:endParaRPr lang="de-DE" sz="1100" b="0" i="0" u="none" strike="noStrike" dirty="0">
-                        <a:solidFill>
-                          <a:srgbClr val="000000"/>
-                        </a:solidFill>
-                        <a:effectLst/>
-                        <a:latin typeface="Calibri" panose="020F0502020204030204" pitchFamily="34" charset="0"/>
-                      </a:endParaRPr>
-                    </a:p>
-                  </a:txBody>
-                  <a:tcPr marL="9525" marR="9525" marT="9525" marB="0" anchor="ctr"/>
-                </a:tc>
-                <a:tc>
-                  <a:txBody>
-                    <a:bodyPr/>
-                    <a:lstStyle/>
-                    <a:p>
-                      <a:pPr algn="l" fontAlgn="b"/>
-                      <a:r>
-                        <a:rPr lang="de-DE" sz="1100" u="none" strike="noStrike" dirty="0">
-                          <a:effectLst/>
-                        </a:rPr>
-                        <a:t>0</a:t>
-                      </a:r>
-                      <a:endParaRPr lang="de-DE" sz="1100" b="0" i="0" u="none" strike="noStrike" dirty="0">
-                        <a:solidFill>
-                          <a:srgbClr val="000000"/>
-                        </a:solidFill>
-                        <a:effectLst/>
-                        <a:latin typeface="Calibri" panose="020F0502020204030204" pitchFamily="34" charset="0"/>
-                      </a:endParaRPr>
-                    </a:p>
-                  </a:txBody>
-                  <a:tcPr marL="9525" marR="9525" marT="9525" marB="0" anchor="ctr"/>
-                </a:tc>
-                <a:tc>
-                  <a:txBody>
-                    <a:bodyPr/>
-                    <a:lstStyle/>
-                    <a:p>
-                      <a:pPr algn="l" fontAlgn="b"/>
-                      <a:r>
-                        <a:rPr lang="de-DE" sz="1100" b="0" i="0" u="none" strike="noStrike" dirty="0">
-                          <a:solidFill>
-                            <a:srgbClr val="000000"/>
-                          </a:solidFill>
-                          <a:effectLst/>
-                          <a:latin typeface="Calibri" panose="020F0502020204030204" pitchFamily="34" charset="0"/>
-                        </a:rPr>
-                        <a:t>-1741,88</a:t>
-                      </a:r>
-                    </a:p>
-                  </a:txBody>
-                  <a:tcPr marL="9525" marR="9525" marT="9525" marB="0" anchor="b"/>
-                </a:tc>
-                <a:tc>
-                  <a:txBody>
-                    <a:bodyPr/>
-                    <a:lstStyle/>
-                    <a:p>
-                      <a:pPr algn="l" fontAlgn="b"/>
-                      <a:r>
-                        <a:rPr lang="de-DE" sz="1100" b="0" i="0" u="none" strike="noStrike" dirty="0">
-                          <a:solidFill>
-                            <a:srgbClr val="000000"/>
-                          </a:solidFill>
-                          <a:effectLst/>
-                          <a:latin typeface="Calibri" panose="020F0502020204030204" pitchFamily="34" charset="0"/>
-                        </a:rPr>
-                        <a:t>3485,758</a:t>
-                      </a:r>
-                    </a:p>
-                  </a:txBody>
-                  <a:tcPr marL="9525" marR="9525" marT="9525" marB="0" anchor="b"/>
-                </a:tc>
-                <a:tc>
-                  <a:txBody>
-                    <a:bodyPr/>
-                    <a:lstStyle/>
-                    <a:p>
-                      <a:pPr algn="l" fontAlgn="b"/>
-                      <a:r>
-                        <a:rPr lang="de-DE" sz="1100" b="0" i="0" u="none" strike="noStrike">
-                          <a:solidFill>
-                            <a:srgbClr val="000000"/>
-                          </a:solidFill>
-                          <a:effectLst/>
-                          <a:latin typeface="Calibri" panose="020F0502020204030204" pitchFamily="34" charset="0"/>
-                        </a:rPr>
-                        <a:t>3483,758</a:t>
-                      </a:r>
-                    </a:p>
-                  </a:txBody>
-                  <a:tcPr marL="9525" marR="9525" marT="9525" marB="0" anchor="b"/>
-                </a:tc>
-                <a:tc>
-                  <a:txBody>
-                    <a:bodyPr/>
-                    <a:lstStyle/>
-                    <a:p>
-                      <a:pPr algn="l" fontAlgn="b"/>
-                      <a:r>
-                        <a:rPr lang="de-DE" sz="1100" b="0" i="0" u="none" strike="noStrike">
-                          <a:solidFill>
-                            <a:srgbClr val="000000"/>
-                          </a:solidFill>
-                          <a:effectLst/>
-                          <a:latin typeface="Calibri" panose="020F0502020204030204" pitchFamily="34" charset="0"/>
-                        </a:rPr>
-                        <a:t>3483,758</a:t>
-                      </a:r>
-                    </a:p>
-                  </a:txBody>
-                  <a:tcPr marL="9525" marR="9525" marT="9525" marB="0" anchor="b"/>
-                </a:tc>
-                <a:extLst>
-                  <a:ext uri="{0D108BD9-81ED-4DB2-BD59-A6C34878D82A}">
-                    <a16:rowId xmlns:a16="http://schemas.microsoft.com/office/drawing/2014/main" val="4028447143"/>
-                  </a:ext>
-                </a:extLst>
-              </a:tr>
-              <a:tr h="202967">
+              <a:tr h="225841">
                 <a:tc>
                   <a:txBody>
                     <a:bodyPr/>
@@ -10969,14 +10817,66 @@
                     <a:p>
                       <a:pPr algn="l" fontAlgn="b"/>
                       <a:r>
-                        <a:rPr lang="de-DE" sz="1100" b="1" i="0" u="none" strike="noStrike" dirty="0">
+                        <a:rPr lang="de-DE" sz="1100" b="1" i="0" u="none" strike="noStrike">
                           <a:solidFill>
                             <a:srgbClr val="000000"/>
                           </a:solidFill>
                           <a:effectLst/>
                           <a:latin typeface="Calibri" panose="020F0502020204030204" pitchFamily="34" charset="0"/>
                         </a:rPr>
-                        <a:t>-1656,26</a:t>
+                        <a:t>-166817</a:t>
+                      </a:r>
+                    </a:p>
+                  </a:txBody>
+                  <a:tcPr marL="9525" marR="9525" marT="9525" marB="0" anchor="b">
+                    <a:solidFill>
+                      <a:schemeClr val="accent3">
+                        <a:lumMod val="75000"/>
+                      </a:schemeClr>
+                    </a:solidFill>
+                  </a:tcPr>
+                </a:tc>
+                <a:tc>
+                  <a:txBody>
+                    <a:bodyPr/>
+                    <a:lstStyle/>
+                    <a:p>
+                      <a:pPr algn="l" fontAlgn="b"/>
+                      <a:r>
+                        <a:rPr lang="de-DE" sz="1100" b="1" i="0" u="none" strike="noStrike">
+                          <a:solidFill>
+                            <a:srgbClr val="000000"/>
+                          </a:solidFill>
+                          <a:effectLst/>
+                          <a:latin typeface="Calibri" panose="020F0502020204030204" pitchFamily="34" charset="0"/>
+                        </a:rPr>
+                        <a:t>333637,8</a:t>
+                      </a:r>
+                    </a:p>
+                  </a:txBody>
+                  <a:tcPr marL="9525" marR="9525" marT="9525" marB="0" anchor="b">
+                    <a:solidFill>
+                      <a:schemeClr val="accent3">
+                        <a:lumMod val="75000"/>
+                      </a:schemeClr>
+                    </a:solidFill>
+                  </a:tcPr>
+                </a:tc>
+                <a:tc>
+                  <a:txBody>
+                    <a:bodyPr/>
+                    <a:lstStyle/>
+                    <a:p>
+                      <a:pPr algn="l" fontAlgn="b"/>
+                      <a:r>
+                        <a:rPr lang="de-DE" sz="1100" b="1" i="0" u="none" strike="noStrike">
+                          <a:solidFill>
+                            <a:srgbClr val="000000"/>
+                          </a:solidFill>
+                          <a:effectLst/>
+                          <a:latin typeface="Calibri" panose="020F0502020204030204" pitchFamily="34" charset="0"/>
+                        </a:rPr>
+                        <a:t>333635,8</a:t>
                       </a:r>
                     </a:p>
                   </a:txBody>
@@ -11002,59 +10902,7 @@
                           <a:effectLst/>
                           <a:latin typeface="Calibri" panose="020F0502020204030204" pitchFamily="34" charset="0"/>
                         </a:rPr>
-                        <a:t>3316,522</a:t>
-                      </a:r>
-                    </a:p>
-                  </a:txBody>
-                  <a:tcPr marL="9525" marR="9525" marT="9525" marB="0" anchor="b">
-                    <a:solidFill>
-                      <a:schemeClr val="accent3">
-                        <a:lumMod val="75000"/>
-                      </a:schemeClr>
-                    </a:solidFill>
-                  </a:tcPr>
-                </a:tc>
-                <a:tc>
-                  <a:txBody>
-                    <a:bodyPr/>
-                    <a:lstStyle/>
-                    <a:p>
-                      <a:pPr algn="l" fontAlgn="b"/>
-                      <a:r>
-                        <a:rPr lang="de-DE" sz="1100" b="1" i="0" u="none" strike="noStrike">
-                          <a:solidFill>
-                            <a:srgbClr val="000000"/>
-                          </a:solidFill>
-                          <a:effectLst/>
-                          <a:latin typeface="Calibri" panose="020F0502020204030204" pitchFamily="34" charset="0"/>
-                        </a:rPr>
-                        <a:t>3314,526</a:t>
-                      </a:r>
-                    </a:p>
-                  </a:txBody>
-                  <a:tcPr marL="9525" marR="9525" marT="9525" marB="0" anchor="b">
-                    <a:solidFill>
-                      <a:schemeClr val="accent3">
-                        <a:lumMod val="75000"/>
-                      </a:schemeClr>
-                    </a:solidFill>
-                  </a:tcPr>
-                </a:tc>
-                <a:tc>
-                  <a:txBody>
-                    <a:bodyPr/>
-                    <a:lstStyle/>
-                    <a:p>
-                      <a:pPr algn="l" fontAlgn="b"/>
-                      <a:r>
-                        <a:rPr lang="de-DE" sz="1100" b="1" i="0" u="none" strike="noStrike" dirty="0">
-                          <a:solidFill>
-                            <a:srgbClr val="000000"/>
-                          </a:solidFill>
-                          <a:effectLst/>
-                          <a:latin typeface="Calibri" panose="020F0502020204030204" pitchFamily="34" charset="0"/>
-                        </a:rPr>
-                        <a:t>3319,429</a:t>
+                        <a:t>333645,3</a:t>
                       </a:r>
                     </a:p>
                   </a:txBody>
@@ -11072,7 +10920,7 @@
                   </a:ext>
                 </a:extLst>
               </a:tr>
-              <a:tr h="202967">
+              <a:tr h="225841">
                 <a:tc>
                   <a:txBody>
                     <a:bodyPr/>
@@ -11126,14 +10974,54 @@
                     <a:p>
                       <a:pPr algn="l" fontAlgn="b"/>
                       <a:r>
-                        <a:rPr lang="de-DE" sz="1100" b="0" i="0" u="none" strike="noStrike" dirty="0">
+                        <a:rPr lang="de-DE" sz="1100" b="0" i="0" u="none" strike="noStrike">
                           <a:solidFill>
                             <a:srgbClr val="000000"/>
                           </a:solidFill>
                           <a:effectLst/>
                           <a:latin typeface="Calibri" panose="020F0502020204030204" pitchFamily="34" charset="0"/>
                         </a:rPr>
-                        <a:t>-1687,01</a:t>
+                        <a:t>-170019</a:t>
+                      </a:r>
+                    </a:p>
+                  </a:txBody>
+                  <a:tcPr marL="9525" marR="9525" marT="9525" marB="0" anchor="b"/>
+                </a:tc>
+                <a:tc>
+                  <a:txBody>
+                    <a:bodyPr/>
+                    <a:lstStyle/>
+                    <a:p>
+                      <a:pPr algn="l" fontAlgn="b"/>
+                      <a:r>
+                        <a:rPr lang="de-DE" sz="1100" b="0" i="0" u="none" strike="noStrike">
+                          <a:solidFill>
+                            <a:srgbClr val="000000"/>
+                          </a:solidFill>
+                          <a:effectLst/>
+                          <a:latin typeface="Calibri" panose="020F0502020204030204" pitchFamily="34" charset="0"/>
+                        </a:rPr>
+                        <a:t>340043,2</a:t>
+                      </a:r>
+                    </a:p>
+                  </a:txBody>
+                  <a:tcPr marL="9525" marR="9525" marT="9525" marB="0" anchor="b"/>
+                </a:tc>
+                <a:tc>
+                  <a:txBody>
+                    <a:bodyPr/>
+                    <a:lstStyle/>
+                    <a:p>
+                      <a:pPr algn="l" fontAlgn="b"/>
+                      <a:r>
+                        <a:rPr lang="de-DE" sz="1100" b="0" i="0" u="none" strike="noStrike">
+                          <a:solidFill>
+                            <a:srgbClr val="000000"/>
+                          </a:solidFill>
+                          <a:effectLst/>
+                          <a:latin typeface="Calibri" panose="020F0502020204030204" pitchFamily="34" charset="0"/>
+                        </a:rPr>
+                        <a:t>340041,2</a:t>
                       </a:r>
                     </a:p>
                   </a:txBody>
@@ -11153,47 +11041,7 @@
                           <a:effectLst/>
                           <a:latin typeface="Calibri" panose="020F0502020204030204" pitchFamily="34" charset="0"/>
                         </a:rPr>
-                        <a:t>3380,026</a:t>
-                      </a:r>
-                    </a:p>
-                  </a:txBody>
-                  <a:tcPr marL="9525" marR="9525" marT="9525" marB="0" anchor="b"/>
-                </a:tc>
-                <a:tc>
-                  <a:txBody>
-                    <a:bodyPr/>
-                    <a:lstStyle/>
-                    <a:p>
-                      <a:pPr algn="l" fontAlgn="b"/>
-                      <a:r>
-                        <a:rPr lang="de-DE" sz="1100" b="0" i="0" u="none" strike="noStrike" dirty="0">
-                          <a:solidFill>
-                            <a:srgbClr val="000000"/>
-                          </a:solidFill>
-                          <a:effectLst/>
-                          <a:latin typeface="Calibri" panose="020F0502020204030204" pitchFamily="34" charset="0"/>
-                        </a:rPr>
-                        <a:t>3378,038</a:t>
-                      </a:r>
-                    </a:p>
-                  </a:txBody>
-                  <a:tcPr marL="9525" marR="9525" marT="9525" marB="0" anchor="b"/>
-                </a:tc>
-                <a:tc>
-                  <a:txBody>
-                    <a:bodyPr/>
-                    <a:lstStyle/>
-                    <a:p>
-                      <a:pPr algn="l" fontAlgn="b"/>
-                      <a:r>
-                        <a:rPr lang="de-DE" sz="1100" b="0" i="0" u="none" strike="noStrike" dirty="0">
-                          <a:solidFill>
-                            <a:srgbClr val="000000"/>
-                          </a:solidFill>
-                          <a:effectLst/>
-                          <a:latin typeface="Calibri" panose="020F0502020204030204" pitchFamily="34" charset="0"/>
-                        </a:rPr>
-                        <a:t>3387,842</a:t>
+                        <a:t>340060,2</a:t>
                       </a:r>
                     </a:p>
                   </a:txBody>
@@ -11205,7 +11053,7 @@
                   </a:ext>
                 </a:extLst>
               </a:tr>
-              <a:tr h="202967">
+              <a:tr h="225841">
                 <a:tc>
                   <a:txBody>
                     <a:bodyPr/>
@@ -11259,34 +11107,14 @@
                     <a:p>
                       <a:pPr algn="l" fontAlgn="b"/>
                       <a:r>
-                        <a:rPr lang="de-DE" sz="1100" b="0" i="0" u="none" strike="noStrike" dirty="0">
+                        <a:rPr lang="de-DE" sz="1100" b="0" i="0" u="none" strike="noStrike">
                           <a:solidFill>
                             <a:srgbClr val="000000"/>
                           </a:solidFill>
                           <a:effectLst/>
                           <a:latin typeface="Calibri" panose="020F0502020204030204" pitchFamily="34" charset="0"/>
                         </a:rPr>
-                        <a:t>-1680,74</a:t>
-                      </a:r>
-                    </a:p>
-                  </a:txBody>
-                  <a:tcPr marL="9525" marR="9525" marT="9525" marB="0" anchor="b"/>
-                </a:tc>
-                <a:tc>
-                  <a:txBody>
-                    <a:bodyPr/>
-                    <a:lstStyle/>
-                    <a:p>
-                      <a:pPr algn="l" fontAlgn="b"/>
-                      <a:r>
-                        <a:rPr lang="de-DE" sz="1100" b="0" i="0" u="none" strike="noStrike" dirty="0">
-                          <a:solidFill>
-                            <a:srgbClr val="000000"/>
-                          </a:solidFill>
-                          <a:effectLst/>
-                          <a:latin typeface="Calibri" panose="020F0502020204030204" pitchFamily="34" charset="0"/>
-                        </a:rPr>
-                        <a:t>3369,477</a:t>
+                        <a:t>-170219</a:t>
                       </a:r>
                     </a:p>
                   </a:txBody>
@@ -11306,7 +11134,7 @@
                           <a:effectLst/>
                           <a:latin typeface="Calibri" panose="020F0502020204030204" pitchFamily="34" charset="0"/>
                         </a:rPr>
-                        <a:t>3367,501</a:t>
+                        <a:t>340446,3</a:t>
                       </a:r>
                     </a:p>
                   </a:txBody>
@@ -11319,14 +11147,34 @@
                     <a:p>
                       <a:pPr algn="l" fontAlgn="b"/>
                       <a:r>
-                        <a:rPr lang="de-DE" sz="1100" b="0" i="0" u="none" strike="noStrike" dirty="0">
+                        <a:rPr lang="de-DE" sz="1100" b="0" i="0" u="none" strike="noStrike">
                           <a:solidFill>
                             <a:srgbClr val="000000"/>
                           </a:solidFill>
                           <a:effectLst/>
                           <a:latin typeface="Calibri" panose="020F0502020204030204" pitchFamily="34" charset="0"/>
                         </a:rPr>
-                        <a:t>3382,2</a:t>
+                        <a:t>340444,3</a:t>
+                      </a:r>
+                    </a:p>
+                  </a:txBody>
+                  <a:tcPr marL="9525" marR="9525" marT="9525" marB="0" anchor="b"/>
+                </a:tc>
+                <a:tc>
+                  <a:txBody>
+                    <a:bodyPr/>
+                    <a:lstStyle/>
+                    <a:p>
+                      <a:pPr algn="l" fontAlgn="b"/>
+                      <a:r>
+                        <a:rPr lang="de-DE" sz="1100" b="0" i="0" u="none" strike="noStrike">
+                          <a:solidFill>
+                            <a:srgbClr val="000000"/>
+                          </a:solidFill>
+                          <a:effectLst/>
+                          <a:latin typeface="Calibri" panose="020F0502020204030204" pitchFamily="34" charset="0"/>
+                        </a:rPr>
+                        <a:t>340472,9</a:t>
                       </a:r>
                     </a:p>
                   </a:txBody>
@@ -11338,7 +11186,7 @@
                   </a:ext>
                 </a:extLst>
               </a:tr>
-              <a:tr h="202967">
+              <a:tr h="225841">
                 <a:tc>
                   <a:txBody>
                     <a:bodyPr/>
@@ -11399,7 +11247,7 @@
                           <a:effectLst/>
                           <a:latin typeface="Calibri" panose="020F0502020204030204" pitchFamily="34" charset="0"/>
                         </a:rPr>
-                        <a:t>-1679,09</a:t>
+                        <a:t>-169989</a:t>
                       </a:r>
                     </a:p>
                   </a:txBody>
@@ -11412,14 +11260,14 @@
                     <a:p>
                       <a:pPr algn="l" fontAlgn="b"/>
                       <a:r>
-                        <a:rPr lang="de-DE" sz="1100" b="0" i="0" u="none" strike="noStrike" dirty="0">
+                        <a:rPr lang="de-DE" sz="1100" b="0" i="0" u="none" strike="noStrike">
                           <a:solidFill>
                             <a:srgbClr val="000000"/>
                           </a:solidFill>
                           <a:effectLst/>
                           <a:latin typeface="Calibri" panose="020F0502020204030204" pitchFamily="34" charset="0"/>
                         </a:rPr>
-                        <a:t>3368,176</a:t>
+                        <a:t>339987,3</a:t>
                       </a:r>
                     </a:p>
                   </a:txBody>
@@ -11432,14 +11280,14 @@
                     <a:p>
                       <a:pPr algn="l" fontAlgn="b"/>
                       <a:r>
-                        <a:rPr lang="de-DE" sz="1100" b="0" i="0" u="none" strike="noStrike" dirty="0">
+                        <a:rPr lang="de-DE" sz="1100" b="0" i="0" u="none" strike="noStrike">
                           <a:solidFill>
                             <a:srgbClr val="000000"/>
                           </a:solidFill>
                           <a:effectLst/>
                           <a:latin typeface="Calibri" panose="020F0502020204030204" pitchFamily="34" charset="0"/>
                         </a:rPr>
-                        <a:t>3366,217</a:t>
+                        <a:t>339985,3</a:t>
                       </a:r>
                     </a:p>
                   </a:txBody>
@@ -11452,14 +11300,14 @@
                     <a:p>
                       <a:pPr algn="l" fontAlgn="b"/>
                       <a:r>
-                        <a:rPr lang="de-DE" sz="1100" b="0" i="0" u="none" strike="noStrike" dirty="0">
+                        <a:rPr lang="de-DE" sz="1100" b="0" i="0" u="none" strike="noStrike">
                           <a:solidFill>
                             <a:srgbClr val="000000"/>
                           </a:solidFill>
                           <a:effectLst/>
                           <a:latin typeface="Calibri" panose="020F0502020204030204" pitchFamily="34" charset="0"/>
                         </a:rPr>
-                        <a:t>3385,807</a:t>
+                        <a:t>340023,4</a:t>
                       </a:r>
                     </a:p>
                   </a:txBody>
@@ -11471,7 +11319,7 @@
                   </a:ext>
                 </a:extLst>
               </a:tr>
-              <a:tr h="202967">
+              <a:tr h="225841">
                 <a:tc>
                   <a:txBody>
                     <a:bodyPr/>
@@ -11525,14 +11373,14 @@
                     <a:p>
                       <a:pPr algn="l" fontAlgn="b"/>
                       <a:r>
-                        <a:rPr lang="de-DE" sz="1100" b="0" i="0" u="none" strike="noStrike">
+                        <a:rPr lang="de-DE" sz="1100" b="0" i="0" u="none" strike="noStrike" dirty="0">
                           <a:solidFill>
                             <a:srgbClr val="000000"/>
                           </a:solidFill>
                           <a:effectLst/>
                           <a:latin typeface="Calibri" panose="020F0502020204030204" pitchFamily="34" charset="0"/>
                         </a:rPr>
-                        <a:t>-1675,98</a:t>
+                        <a:t>-169548</a:t>
                       </a:r>
                     </a:p>
                   </a:txBody>
@@ -11552,7 +11400,7 @@
                           <a:effectLst/>
                           <a:latin typeface="Calibri" panose="020F0502020204030204" pitchFamily="34" charset="0"/>
                         </a:rPr>
-                        <a:t>3363,956</a:t>
+                        <a:t>339108,9</a:t>
                       </a:r>
                     </a:p>
                   </a:txBody>
@@ -11565,14 +11413,14 @@
                     <a:p>
                       <a:pPr algn="l" fontAlgn="b"/>
                       <a:r>
-                        <a:rPr lang="de-DE" sz="1100" b="0" i="0" u="none" strike="noStrike" dirty="0">
+                        <a:rPr lang="de-DE" sz="1100" b="0" i="0" u="none" strike="noStrike">
                           <a:solidFill>
                             <a:srgbClr val="000000"/>
                           </a:solidFill>
                           <a:effectLst/>
                           <a:latin typeface="Calibri" panose="020F0502020204030204" pitchFamily="34" charset="0"/>
                         </a:rPr>
-                        <a:t>3362,016</a:t>
+                        <a:t>339106,9</a:t>
                       </a:r>
                     </a:p>
                   </a:txBody>
@@ -11585,14 +11433,14 @@
                     <a:p>
                       <a:pPr algn="l" fontAlgn="b"/>
                       <a:r>
-                        <a:rPr lang="de-DE" sz="1100" b="0" i="0" u="none" strike="noStrike" dirty="0">
+                        <a:rPr lang="de-DE" sz="1100" b="0" i="0" u="none" strike="noStrike">
                           <a:solidFill>
                             <a:srgbClr val="000000"/>
                           </a:solidFill>
                           <a:effectLst/>
                           <a:latin typeface="Calibri" panose="020F0502020204030204" pitchFamily="34" charset="0"/>
                         </a:rPr>
-                        <a:t>3386,494</a:t>
+                        <a:t>339154,4</a:t>
                       </a:r>
                     </a:p>
                   </a:txBody>
@@ -11604,7 +11452,7 @@
                   </a:ext>
                 </a:extLst>
               </a:tr>
-              <a:tr h="202967">
+              <a:tr h="225841">
                 <a:tc>
                   <a:txBody>
                     <a:bodyPr/>
@@ -11665,7 +11513,7 @@
                           <a:effectLst/>
                           <a:latin typeface="Calibri" panose="020F0502020204030204" pitchFamily="34" charset="0"/>
                         </a:rPr>
-                        <a:t>-1672,78</a:t>
+                        <a:t>-169201</a:t>
                       </a:r>
                     </a:p>
                   </a:txBody>
@@ -11685,7 +11533,7 @@
                           <a:effectLst/>
                           <a:latin typeface="Calibri" panose="020F0502020204030204" pitchFamily="34" charset="0"/>
                         </a:rPr>
-                        <a:t>3359,564</a:t>
+                        <a:t>338416,1</a:t>
                       </a:r>
                     </a:p>
                   </a:txBody>
@@ -11698,14 +11546,14 @@
                     <a:p>
                       <a:pPr algn="l" fontAlgn="b"/>
                       <a:r>
-                        <a:rPr lang="de-DE" sz="1100" b="0" i="0" u="none" strike="noStrike" dirty="0">
+                        <a:rPr lang="de-DE" sz="1100" b="0" i="0" u="none" strike="noStrike">
                           <a:solidFill>
                             <a:srgbClr val="000000"/>
                           </a:solidFill>
                           <a:effectLst/>
                           <a:latin typeface="Calibri" panose="020F0502020204030204" pitchFamily="34" charset="0"/>
                         </a:rPr>
-                        <a:t>3357,649</a:t>
+                        <a:t>338414,1</a:t>
                       </a:r>
                     </a:p>
                   </a:txBody>
@@ -11718,14 +11566,14 @@
                     <a:p>
                       <a:pPr algn="l" fontAlgn="b"/>
                       <a:r>
-                        <a:rPr lang="de-DE" sz="1100" b="0" i="0" u="none" strike="noStrike" dirty="0">
+                        <a:rPr lang="de-DE" sz="1100" b="0" i="0" u="none" strike="noStrike">
                           <a:solidFill>
                             <a:srgbClr val="000000"/>
                           </a:solidFill>
                           <a:effectLst/>
                           <a:latin typeface="Calibri" panose="020F0502020204030204" pitchFamily="34" charset="0"/>
                         </a:rPr>
-                        <a:t>3387,011</a:t>
+                        <a:t>338471,2</a:t>
                       </a:r>
                     </a:p>
                   </a:txBody>
@@ -11737,7 +11585,7 @@
                   </a:ext>
                 </a:extLst>
               </a:tr>
-              <a:tr h="202967">
+              <a:tr h="225841">
                 <a:tc>
                   <a:txBody>
                     <a:bodyPr/>
@@ -11798,7 +11646,7 @@
                           <a:effectLst/>
                           <a:latin typeface="Calibri" panose="020F0502020204030204" pitchFamily="34" charset="0"/>
                         </a:rPr>
-                        <a:t>-1668,01</a:t>
+                        <a:t>-168879</a:t>
                       </a:r>
                     </a:p>
                   </a:txBody>
@@ -11818,7 +11666,7 @@
                           <a:effectLst/>
                           <a:latin typeface="Calibri" panose="020F0502020204030204" pitchFamily="34" charset="0"/>
                         </a:rPr>
-                        <a:t>3352,021</a:t>
+                        <a:t>337774,1</a:t>
                       </a:r>
                     </a:p>
                   </a:txBody>
@@ -11831,14 +11679,14 @@
                     <a:p>
                       <a:pPr algn="l" fontAlgn="b"/>
                       <a:r>
-                        <a:rPr lang="de-DE" sz="1100" b="0" i="0" u="none" strike="noStrike" dirty="0">
+                        <a:rPr lang="de-DE" sz="1100" b="0" i="0" u="none" strike="noStrike">
                           <a:solidFill>
                             <a:srgbClr val="000000"/>
                           </a:solidFill>
                           <a:effectLst/>
                           <a:latin typeface="Calibri" panose="020F0502020204030204" pitchFamily="34" charset="0"/>
                         </a:rPr>
-                        <a:t>3350,134</a:t>
+                        <a:t>337772,1</a:t>
                       </a:r>
                     </a:p>
                   </a:txBody>
@@ -11851,14 +11699,14 @@
                     <a:p>
                       <a:pPr algn="l" fontAlgn="b"/>
                       <a:r>
-                        <a:rPr lang="de-DE" sz="1100" b="0" i="0" u="none" strike="noStrike" dirty="0">
+                        <a:rPr lang="de-DE" sz="1100" b="0" i="0" u="none" strike="noStrike">
                           <a:solidFill>
                             <a:srgbClr val="000000"/>
                           </a:solidFill>
                           <a:effectLst/>
                           <a:latin typeface="Calibri" panose="020F0502020204030204" pitchFamily="34" charset="0"/>
                         </a:rPr>
-                        <a:t>3384,376</a:t>
+                        <a:t>337838,7</a:t>
                       </a:r>
                     </a:p>
                   </a:txBody>
@@ -11870,7 +11718,7 @@
                   </a:ext>
                 </a:extLst>
               </a:tr>
-              <a:tr h="202967">
+              <a:tr h="225841">
                 <a:tc>
                   <a:txBody>
                     <a:bodyPr/>
@@ -11931,7 +11779,7 @@
                           <a:effectLst/>
                           <a:latin typeface="Calibri" panose="020F0502020204030204" pitchFamily="34" charset="0"/>
                         </a:rPr>
-                        <a:t>-1664,91</a:t>
+                        <a:t>-168714</a:t>
                       </a:r>
                     </a:p>
                   </a:txBody>
@@ -11951,7 +11799,7 @@
                           <a:effectLst/>
                           <a:latin typeface="Calibri" panose="020F0502020204030204" pitchFamily="34" charset="0"/>
                         </a:rPr>
-                        <a:t>3347,82</a:t>
+                        <a:t>337445,1</a:t>
                       </a:r>
                     </a:p>
                   </a:txBody>
@@ -11971,7 +11819,7 @@
                           <a:effectLst/>
                           <a:latin typeface="Calibri" panose="020F0502020204030204" pitchFamily="34" charset="0"/>
                         </a:rPr>
-                        <a:t>3345,966</a:t>
+                        <a:t>337443,1</a:t>
                       </a:r>
                     </a:p>
                   </a:txBody>
@@ -11984,14 +11832,14 @@
                     <a:p>
                       <a:pPr algn="l" fontAlgn="b"/>
                       <a:r>
-                        <a:rPr lang="de-DE" sz="1100" b="0" i="0" u="none" strike="noStrike" dirty="0">
+                        <a:rPr lang="de-DE" sz="1100" b="0" i="0" u="none" strike="noStrike">
                           <a:solidFill>
                             <a:srgbClr val="000000"/>
                           </a:solidFill>
                           <a:effectLst/>
                           <a:latin typeface="Calibri" panose="020F0502020204030204" pitchFamily="34" charset="0"/>
                         </a:rPr>
-                        <a:t>3385,083</a:t>
+                        <a:t>337519,2</a:t>
                       </a:r>
                     </a:p>
                   </a:txBody>
@@ -12003,7 +11851,7 @@
                   </a:ext>
                 </a:extLst>
               </a:tr>
-              <a:tr h="202967">
+              <a:tr h="225841">
                 <a:tc>
                   <a:txBody>
                     <a:bodyPr/>
@@ -12064,7 +11912,7 @@
                           <a:effectLst/>
                           <a:latin typeface="Calibri" panose="020F0502020204030204" pitchFamily="34" charset="0"/>
                         </a:rPr>
-                        <a:t>-1688,61</a:t>
+                        <a:t>-170548</a:t>
                       </a:r>
                     </a:p>
                   </a:txBody>
@@ -12084,7 +11932,7 @@
                           <a:effectLst/>
                           <a:latin typeface="Calibri" panose="020F0502020204030204" pitchFamily="34" charset="0"/>
                         </a:rPr>
-                        <a:t>3383,223</a:t>
+                        <a:t>341101,3</a:t>
                       </a:r>
                     </a:p>
                   </a:txBody>
@@ -12104,7 +11952,7 @@
                           <a:effectLst/>
                           <a:latin typeface="Calibri" panose="020F0502020204030204" pitchFamily="34" charset="0"/>
                         </a:rPr>
-                        <a:t>3381,235</a:t>
+                        <a:t>341099,3</a:t>
                       </a:r>
                     </a:p>
                   </a:txBody>
@@ -12124,7 +11972,7 @@
                           <a:effectLst/>
                           <a:latin typeface="Calibri" panose="020F0502020204030204" pitchFamily="34" charset="0"/>
                         </a:rPr>
-                        <a:t>3391,038</a:t>
+                        <a:t>341118,4</a:t>
                       </a:r>
                     </a:p>
                   </a:txBody>
@@ -12243,7 +12091,7 @@
           </p:nvPr>
         </p:nvPicPr>
         <p:blipFill>
-          <a:blip r:embed="rId3" cstate="print">
+          <a:blip r:embed="rId3">
             <a:extLst>
               <a:ext uri="{28A0092B-C50C-407E-A947-70E740481C1C}">
                 <a14:useLocalDpi xmlns:a14="http://schemas.microsoft.com/office/drawing/2010/main" val="0"/>
@@ -12256,8 +12104,8 @@
         </p:blipFill>
         <p:spPr>
           <a:xfrm>
-            <a:off x="4645025" y="1420745"/>
-            <a:ext cx="4175447" cy="2256890"/>
+            <a:off x="4645025" y="1419224"/>
+            <a:ext cx="4175447" cy="2258410"/>
           </a:xfrm>
         </p:spPr>
       </p:pic>
@@ -12332,40 +12180,181 @@
           </a:p>
         </p:txBody>
       </p:sp>
-      <p:sp>
-        <p:nvSpPr>
-          <p:cNvPr id="10" name="Inhaltsplatzhalter 9"/>
-          <p:cNvSpPr>
-            <a:spLocks noGrp="1"/>
-          </p:cNvSpPr>
-          <p:nvPr>
-            <p:ph sz="quarter" idx="13"/>
-          </p:nvPr>
-        </p:nvSpPr>
-        <p:spPr/>
-        <p:txBody>
-          <a:bodyPr>
-            <a:normAutofit fontScale="92500" lnSpcReduction="10000"/>
-          </a:bodyPr>
-          <a:lstStyle/>
-          <a:p>
-            <a:r>
-              <a:rPr lang="de-DE" dirty="0"/>
-              <a:t>Best fit: ARCH(1)-Modell</a:t>
-            </a:r>
-          </a:p>
-          <a:p>
-            <a:r>
-              <a:rPr lang="de-DE" dirty="0"/>
-              <a:t>p-Wert Box-Pierce-Test der Residuen: </a:t>
-            </a:r>
-            <a:r>
-              <a:rPr lang="de-DE" b="1" dirty="0"/>
-              <a:t>0.8669</a:t>
-            </a:r>
-          </a:p>
-        </p:txBody>
-      </p:sp>
+      <mc:AlternateContent xmlns:mc="http://schemas.openxmlformats.org/markup-compatibility/2006">
+        <mc:Choice xmlns:a14="http://schemas.microsoft.com/office/drawing/2010/main" Requires="a14">
+          <p:sp>
+            <p:nvSpPr>
+              <p:cNvPr id="10" name="Inhaltsplatzhalter 9"/>
+              <p:cNvSpPr>
+                <a:spLocks noGrp="1"/>
+              </p:cNvSpPr>
+              <p:nvPr>
+                <p:ph sz="quarter" idx="13"/>
+              </p:nvPr>
+            </p:nvSpPr>
+            <p:spPr/>
+            <p:txBody>
+              <a:bodyPr>
+                <a:normAutofit fontScale="92500" lnSpcReduction="10000"/>
+              </a:bodyPr>
+              <a:lstStyle/>
+              <a:p>
+                <a:r>
+                  <a:rPr lang="de-DE" dirty="0" smtClean="0"/>
+                  <a:t>Best fit: ARCH(1)-Modell mit </a:t>
+                </a:r>
+                <a14:m>
+                  <m:oMath xmlns:m="http://schemas.openxmlformats.org/officeDocument/2006/math">
+                    <m:sSub>
+                      <m:sSubPr>
+                        <m:ctrlPr>
+                          <a:rPr lang="de-DE" i="1">
+                            <a:latin typeface="Cambria Math" panose="02040503050406030204" pitchFamily="18" charset="0"/>
+                          </a:rPr>
+                        </m:ctrlPr>
+                      </m:sSubPr>
+                      <m:e>
+                        <m:r>
+                          <m:rPr>
+                            <m:sty m:val="p"/>
+                          </m:rPr>
+                          <a:rPr lang="el-GR" i="1">
+                            <a:latin typeface="Cambria Math" panose="02040503050406030204" pitchFamily="18" charset="0"/>
+                          </a:rPr>
+                          <m:t>α</m:t>
+                        </m:r>
+                      </m:e>
+                      <m:sub>
+                        <m:r>
+                          <a:rPr lang="de-DE" i="1">
+                            <a:latin typeface="Cambria Math" panose="02040503050406030204" pitchFamily="18" charset="0"/>
+                          </a:rPr>
+                          <m:t>0</m:t>
+                        </m:r>
+                      </m:sub>
+                    </m:sSub>
+                    <m:r>
+                      <a:rPr lang="de-DE" i="1">
+                        <a:latin typeface="Cambria Math" panose="02040503050406030204" pitchFamily="18" charset="0"/>
+                      </a:rPr>
+                      <m:t>=</m:t>
+                    </m:r>
+                    <m:r>
+                      <a:rPr lang="de-DE">
+                        <a:latin typeface="Cambria Math" panose="02040503050406030204" pitchFamily="18" charset="0"/>
+                      </a:rPr>
+                      <m:t>1</m:t>
+                    </m:r>
+                    <m:r>
+                      <a:rPr lang="de-DE" b="0" i="0" smtClean="0">
+                        <a:latin typeface="Cambria Math" panose="02040503050406030204" pitchFamily="18" charset="0"/>
+                      </a:rPr>
+                      <m:t>.0086</m:t>
+                    </m:r>
+                    <m:r>
+                      <a:rPr lang="de-DE">
+                        <a:latin typeface="Cambria Math" panose="02040503050406030204" pitchFamily="18" charset="0"/>
+                      </a:rPr>
+                      <m:t>,  </m:t>
+                    </m:r>
+                    <m:sSub>
+                      <m:sSubPr>
+                        <m:ctrlPr>
+                          <a:rPr lang="de-DE" i="1">
+                            <a:latin typeface="Cambria Math" panose="02040503050406030204" pitchFamily="18" charset="0"/>
+                          </a:rPr>
+                        </m:ctrlPr>
+                      </m:sSubPr>
+                      <m:e>
+                        <m:r>
+                          <m:rPr>
+                            <m:sty m:val="p"/>
+                          </m:rPr>
+                          <a:rPr lang="el-GR" i="1">
+                            <a:latin typeface="Cambria Math" panose="02040503050406030204" pitchFamily="18" charset="0"/>
+                          </a:rPr>
+                          <m:t>α</m:t>
+                        </m:r>
+                      </m:e>
+                      <m:sub>
+                        <m:r>
+                          <a:rPr lang="de-DE" i="1">
+                            <a:latin typeface="Cambria Math" panose="02040503050406030204" pitchFamily="18" charset="0"/>
+                          </a:rPr>
+                          <m:t>1</m:t>
+                        </m:r>
+                      </m:sub>
+                    </m:sSub>
+                    <m:r>
+                      <a:rPr lang="de-DE" i="1">
+                        <a:latin typeface="Cambria Math" panose="02040503050406030204" pitchFamily="18" charset="0"/>
+                      </a:rPr>
+                      <m:t>=0.</m:t>
+                    </m:r>
+                    <m:r>
+                      <a:rPr lang="de-DE" i="1">
+                        <a:latin typeface="Cambria Math" panose="02040503050406030204" pitchFamily="18" charset="0"/>
+                      </a:rPr>
+                      <m:t>5</m:t>
+                    </m:r>
+                    <m:r>
+                      <a:rPr lang="de-DE" b="0" i="1" smtClean="0">
+                        <a:latin typeface="Cambria Math" panose="02040503050406030204" pitchFamily="18" charset="0"/>
+                      </a:rPr>
+                      <m:t>008</m:t>
+                    </m:r>
+                  </m:oMath>
+                </a14:m>
+                <a:endParaRPr lang="de-DE" dirty="0"/>
+              </a:p>
+              <a:p>
+                <a:r>
+                  <a:rPr lang="de-DE" dirty="0"/>
+                  <a:t>p-Wert Box-Pierce-Test der Residuen: </a:t>
+                </a:r>
+                <a:r>
+                  <a:rPr lang="de-DE" b="1" dirty="0" smtClean="0"/>
+                  <a:t>0.3972</a:t>
+                </a:r>
+                <a:endParaRPr lang="de-DE" b="1" dirty="0"/>
+              </a:p>
+            </p:txBody>
+          </p:sp>
+        </mc:Choice>
+        <mc:Fallback>
+          <p:sp>
+            <p:nvSpPr>
+              <p:cNvPr id="10" name="Inhaltsplatzhalter 9"/>
+              <p:cNvSpPr>
+                <a:spLocks noGrp="1" noRot="1" noChangeAspect="1" noMove="1" noResize="1" noEditPoints="1" noAdjustHandles="1" noChangeArrowheads="1" noChangeShapeType="1" noTextEdit="1"/>
+              </p:cNvSpPr>
+              <p:nvPr>
+                <p:ph sz="quarter" idx="13"/>
+              </p:nvPr>
+            </p:nvSpPr>
+            <p:spPr>
+              <a:blipFill>
+                <a:blip r:embed="rId4"/>
+                <a:stretch>
+                  <a:fillRect t="-4167" b="-6250"/>
+                </a:stretch>
+              </a:blipFill>
+            </p:spPr>
+            <p:txBody>
+              <a:bodyPr/>
+              <a:lstStyle/>
+              <a:p>
+                <a:r>
+                  <a:rPr lang="de-DE">
+                    <a:noFill/>
+                  </a:rPr>
+                  <a:t> </a:t>
+                </a:r>
+              </a:p>
+            </p:txBody>
+          </p:sp>
+        </mc:Fallback>
+      </mc:AlternateContent>
     </p:spTree>
     <p:extLst>
       <p:ext uri="{BB962C8B-B14F-4D97-AF65-F5344CB8AC3E}">
@@ -12549,12 +12538,16 @@
           </p:cNvGraphicFramePr>
           <p:nvPr>
             <p:ph sz="quarter" idx="4"/>
-            <p:extLst/>
+            <p:extLst>
+              <p:ext uri="{D42A27DB-BD31-4B8C-83A1-F6EECF244321}">
+                <p14:modId xmlns:p14="http://schemas.microsoft.com/office/powerpoint/2010/main" val="1980304653"/>
+              </p:ext>
+            </p:extLst>
           </p:nvPr>
         </p:nvGraphicFramePr>
         <p:xfrm>
-          <a:off x="323527" y="1412115"/>
-          <a:ext cx="4173540" cy="2232637"/>
+          <a:off x="323527" y="1412111"/>
+          <a:ext cx="4173540" cy="2232640"/>
         </p:xfrm>
         <a:graphic>
           <a:graphicData uri="http://schemas.openxmlformats.org/drawingml/2006/table">
@@ -12606,7 +12599,7 @@
                   </a:extLst>
                 </a:gridCol>
               </a:tblGrid>
-              <a:tr h="202967">
+              <a:tr h="223264">
                 <a:tc>
                   <a:txBody>
                     <a:bodyPr/>
@@ -12751,140 +12744,7 @@
                   </a:ext>
                 </a:extLst>
               </a:tr>
-              <a:tr h="202967">
-                <a:tc>
-                  <a:txBody>
-                    <a:bodyPr/>
-                    <a:lstStyle/>
-                    <a:p>
-                      <a:pPr algn="l" fontAlgn="b"/>
-                      <a:r>
-                        <a:rPr lang="de-DE" sz="1100" u="none" strike="noStrike" dirty="0">
-                          <a:effectLst/>
-                        </a:rPr>
-                        <a:t>ARCH(0)</a:t>
-                      </a:r>
-                      <a:endParaRPr lang="de-DE" sz="1100" b="0" i="0" u="none" strike="noStrike" dirty="0">
-                        <a:solidFill>
-                          <a:srgbClr val="000000"/>
-                        </a:solidFill>
-                        <a:effectLst/>
-                        <a:latin typeface="Calibri" panose="020F0502020204030204" pitchFamily="34" charset="0"/>
-                      </a:endParaRPr>
-                    </a:p>
-                  </a:txBody>
-                  <a:tcPr marL="9525" marR="9525" marT="9525" marB="0" anchor="ctr"/>
-                </a:tc>
-                <a:tc>
-                  <a:txBody>
-                    <a:bodyPr/>
-                    <a:lstStyle/>
-                    <a:p>
-                      <a:pPr algn="l" fontAlgn="b"/>
-                      <a:r>
-                        <a:rPr lang="de-DE" sz="1100" u="none" strike="noStrike" dirty="0">
-                          <a:effectLst/>
-                        </a:rPr>
-                        <a:t>0</a:t>
-                      </a:r>
-                      <a:endParaRPr lang="de-DE" sz="1100" b="0" i="0" u="none" strike="noStrike" dirty="0">
-                        <a:solidFill>
-                          <a:srgbClr val="000000"/>
-                        </a:solidFill>
-                        <a:effectLst/>
-                        <a:latin typeface="Calibri" panose="020F0502020204030204" pitchFamily="34" charset="0"/>
-                      </a:endParaRPr>
-                    </a:p>
-                  </a:txBody>
-                  <a:tcPr marL="9525" marR="9525" marT="9525" marB="0" anchor="ctr"/>
-                </a:tc>
-                <a:tc>
-                  <a:txBody>
-                    <a:bodyPr/>
-                    <a:lstStyle/>
-                    <a:p>
-                      <a:pPr algn="l" fontAlgn="b"/>
-                      <a:r>
-                        <a:rPr lang="de-DE" sz="1100" b="0" i="0" u="none" strike="noStrike" dirty="0">
-                          <a:solidFill>
-                            <a:srgbClr val="000000"/>
-                          </a:solidFill>
-                          <a:effectLst/>
-                          <a:latin typeface="Calibri" panose="020F0502020204030204" pitchFamily="34" charset="0"/>
-                        </a:rPr>
-                        <a:t>-1961,68</a:t>
-                      </a:r>
-                    </a:p>
-                  </a:txBody>
-                  <a:tcPr marL="9525" marR="9525" marT="9525" marB="0" anchor="b"/>
-                </a:tc>
-                <a:tc>
-                  <a:txBody>
-                    <a:bodyPr/>
-                    <a:lstStyle/>
-                    <a:p>
-                      <a:pPr algn="l" fontAlgn="b"/>
-                      <a:r>
-                        <a:rPr lang="de-DE" sz="1100" b="0" i="0" u="none" strike="noStrike">
-                          <a:solidFill>
-                            <a:srgbClr val="000000"/>
-                          </a:solidFill>
-                          <a:effectLst/>
-                          <a:latin typeface="Calibri" panose="020F0502020204030204" pitchFamily="34" charset="0"/>
-                        </a:rPr>
-                        <a:t>3925,363</a:t>
-                      </a:r>
-                    </a:p>
-                  </a:txBody>
-                  <a:tcPr marL="9525" marR="9525" marT="9525" marB="0" anchor="b"/>
-                </a:tc>
-                <a:tc>
-                  <a:txBody>
-                    <a:bodyPr/>
-                    <a:lstStyle/>
-                    <a:p>
-                      <a:pPr algn="l" fontAlgn="b"/>
-                      <a:r>
-                        <a:rPr lang="de-DE" sz="1100" b="0" i="0" u="none" strike="noStrike">
-                          <a:solidFill>
-                            <a:srgbClr val="000000"/>
-                          </a:solidFill>
-                          <a:effectLst/>
-                          <a:latin typeface="Calibri" panose="020F0502020204030204" pitchFamily="34" charset="0"/>
-                        </a:rPr>
-                        <a:t>3923,363</a:t>
-                      </a:r>
-                    </a:p>
-                  </a:txBody>
-                  <a:tcPr marL="9525" marR="9525" marT="9525" marB="0" anchor="b"/>
-                </a:tc>
-                <a:tc>
-                  <a:txBody>
-                    <a:bodyPr/>
-                    <a:lstStyle/>
-                    <a:p>
-                      <a:pPr algn="l" fontAlgn="b"/>
-                      <a:r>
-                        <a:rPr lang="de-DE" sz="1100" b="0" i="0" u="none" strike="noStrike">
-                          <a:solidFill>
-                            <a:srgbClr val="000000"/>
-                          </a:solidFill>
-                          <a:effectLst/>
-                          <a:latin typeface="Calibri" panose="020F0502020204030204" pitchFamily="34" charset="0"/>
-                        </a:rPr>
-                        <a:t>3923,363</a:t>
-                      </a:r>
-                    </a:p>
-                  </a:txBody>
-                  <a:tcPr marL="9525" marR="9525" marT="9525" marB="0" anchor="b"/>
-                </a:tc>
-                <a:extLst>
-                  <a:ext uri="{0D108BD9-81ED-4DB2-BD59-A6C34878D82A}">
-                    <a16:rowId xmlns:a16="http://schemas.microsoft.com/office/drawing/2014/main" val="2553124018"/>
-                  </a:ext>
-                </a:extLst>
-              </a:tr>
-              <a:tr h="202967">
+              <a:tr h="223264">
                 <a:tc>
                   <a:txBody>
                     <a:bodyPr/>
@@ -12907,7 +12767,11 @@
                     </a:p>
                   </a:txBody>
                   <a:tcPr marL="9525" marR="9525" marT="9525" marB="0" anchor="ctr">
-                    <a:noFill/>
+                    <a:solidFill>
+                      <a:schemeClr val="bg1">
+                        <a:lumMod val="85000"/>
+                      </a:schemeClr>
+                    </a:solidFill>
                   </a:tcPr>
                 </a:tc>
                 <a:tc>
@@ -12932,29 +12796,11 @@
                     </a:p>
                   </a:txBody>
                   <a:tcPr marL="9525" marR="9525" marT="9525" marB="0" anchor="ctr">
-                    <a:noFill/>
-                  </a:tcPr>
-                </a:tc>
-                <a:tc>
-                  <a:txBody>
-                    <a:bodyPr/>
-                    <a:lstStyle/>
-                    <a:p>
-                      <a:pPr algn="l" fontAlgn="b"/>
-                      <a:r>
-                        <a:rPr lang="de-DE" sz="1100" b="0" i="0" u="none" strike="noStrike" dirty="0">
-                          <a:solidFill>
-                            <a:srgbClr val="000000"/>
-                          </a:solidFill>
-                          <a:effectLst/>
-                          <a:latin typeface="Calibri" panose="020F0502020204030204" pitchFamily="34" charset="0"/>
-                        </a:rPr>
-                        <a:t>-1880,13</a:t>
-                      </a:r>
-                    </a:p>
-                  </a:txBody>
-                  <a:tcPr marL="9525" marR="9525" marT="9525" marB="0" anchor="b">
-                    <a:noFill/>
+                    <a:solidFill>
+                      <a:schemeClr val="bg1">
+                        <a:lumMod val="85000"/>
+                      </a:schemeClr>
+                    </a:solidFill>
                   </a:tcPr>
                 </a:tc>
                 <a:tc>
@@ -12971,12 +12817,16 @@
                           <a:effectLst/>
                           <a:latin typeface="Calibri" panose="020F0502020204030204" pitchFamily="34" charset="0"/>
                         </a:rPr>
-                        <a:t>3764,263</a:t>
+                        <a:t>-189857</a:t>
                       </a:r>
                     </a:p>
                   </a:txBody>
                   <a:tcPr marL="9525" marR="9525" marT="9525" marB="0" anchor="b">
-                    <a:noFill/>
+                    <a:solidFill>
+                      <a:schemeClr val="bg1">
+                        <a:lumMod val="85000"/>
+                      </a:schemeClr>
+                    </a:solidFill>
                   </a:tcPr>
                 </a:tc>
                 <a:tc>
@@ -12993,12 +12843,16 @@
                           <a:effectLst/>
                           <a:latin typeface="Calibri" panose="020F0502020204030204" pitchFamily="34" charset="0"/>
                         </a:rPr>
-                        <a:t>3762,267</a:t>
+                        <a:t>379717,1</a:t>
                       </a:r>
                     </a:p>
                   </a:txBody>
                   <a:tcPr marL="9525" marR="9525" marT="9525" marB="0" anchor="b">
-                    <a:noFill/>
+                    <a:solidFill>
+                      <a:schemeClr val="bg1">
+                        <a:lumMod val="85000"/>
+                      </a:schemeClr>
+                    </a:solidFill>
                   </a:tcPr>
                 </a:tc>
                 <a:tc>
@@ -13015,12 +12869,42 @@
                           <a:effectLst/>
                           <a:latin typeface="Calibri" panose="020F0502020204030204" pitchFamily="34" charset="0"/>
                         </a:rPr>
-                        <a:t>3767,171</a:t>
+                        <a:t>379715,1</a:t>
                       </a:r>
                     </a:p>
                   </a:txBody>
                   <a:tcPr marL="9525" marR="9525" marT="9525" marB="0" anchor="b">
-                    <a:noFill/>
+                    <a:solidFill>
+                      <a:schemeClr val="bg1">
+                        <a:lumMod val="85000"/>
+                      </a:schemeClr>
+                    </a:solidFill>
+                  </a:tcPr>
+                </a:tc>
+                <a:tc>
+                  <a:txBody>
+                    <a:bodyPr/>
+                    <a:lstStyle/>
+                    <a:p>
+                      <a:pPr algn="l" fontAlgn="b"/>
+                      <a:r>
+                        <a:rPr lang="de-DE" sz="1100" b="0" i="0" u="none" strike="noStrike">
+                          <a:solidFill>
+                            <a:srgbClr val="000000"/>
+                          </a:solidFill>
+                          <a:effectLst/>
+                          <a:latin typeface="Calibri" panose="020F0502020204030204" pitchFamily="34" charset="0"/>
+                        </a:rPr>
+                        <a:t>379724,6</a:t>
+                      </a:r>
+                    </a:p>
+                  </a:txBody>
+                  <a:tcPr marL="9525" marR="9525" marT="9525" marB="0" anchor="b">
+                    <a:solidFill>
+                      <a:schemeClr val="bg1">
+                        <a:lumMod val="85000"/>
+                      </a:schemeClr>
+                    </a:solidFill>
                   </a:tcPr>
                 </a:tc>
                 <a:extLst>
@@ -13029,7 +12913,7 @@
                   </a:ext>
                 </a:extLst>
               </a:tr>
-              <a:tr h="202967">
+              <a:tr h="223264">
                 <a:tc>
                   <a:txBody>
                     <a:bodyPr/>
@@ -13083,14 +12967,14 @@
                     <a:p>
                       <a:pPr algn="l" fontAlgn="b"/>
                       <a:r>
-                        <a:rPr lang="de-DE" sz="1100" b="0" i="0" u="none" strike="noStrike" dirty="0">
+                        <a:rPr lang="de-DE" sz="1100" b="0" i="0" u="none" strike="noStrike">
                           <a:solidFill>
                             <a:srgbClr val="000000"/>
                           </a:solidFill>
                           <a:effectLst/>
                           <a:latin typeface="Calibri" panose="020F0502020204030204" pitchFamily="34" charset="0"/>
                         </a:rPr>
-                        <a:t>-1844,9</a:t>
+                        <a:t>-186800</a:t>
                       </a:r>
                     </a:p>
                   </a:txBody>
@@ -13110,7 +12994,7 @@
                           <a:effectLst/>
                           <a:latin typeface="Calibri" panose="020F0502020204030204" pitchFamily="34" charset="0"/>
                         </a:rPr>
-                        <a:t>3695,792</a:t>
+                        <a:t>373605,2</a:t>
                       </a:r>
                     </a:p>
                   </a:txBody>
@@ -13130,7 +13014,7 @@
                           <a:effectLst/>
                           <a:latin typeface="Calibri" panose="020F0502020204030204" pitchFamily="34" charset="0"/>
                         </a:rPr>
-                        <a:t>3693,804</a:t>
+                        <a:t>373603,2</a:t>
                       </a:r>
                     </a:p>
                   </a:txBody>
@@ -13150,7 +13034,7 @@
                           <a:effectLst/>
                           <a:latin typeface="Calibri" panose="020F0502020204030204" pitchFamily="34" charset="0"/>
                         </a:rPr>
-                        <a:t>3703,608</a:t>
+                        <a:t>373622,2</a:t>
                       </a:r>
                     </a:p>
                   </a:txBody>
@@ -13162,7 +13046,7 @@
                   </a:ext>
                 </a:extLst>
               </a:tr>
-              <a:tr h="202967">
+              <a:tr h="223264">
                 <a:tc>
                   <a:txBody>
                     <a:bodyPr/>
@@ -13235,7 +13119,7 @@
                           <a:effectLst/>
                           <a:latin typeface="Calibri" panose="020F0502020204030204" pitchFamily="34" charset="0"/>
                         </a:rPr>
-                        <a:t>-1835,98</a:t>
+                        <a:t>-186108</a:t>
                       </a:r>
                     </a:p>
                   </a:txBody>
@@ -13261,7 +13145,7 @@
                           <a:effectLst/>
                           <a:latin typeface="Calibri" panose="020F0502020204030204" pitchFamily="34" charset="0"/>
                         </a:rPr>
-                        <a:t>3679,966</a:t>
+                        <a:t>372224,9</a:t>
                       </a:r>
                     </a:p>
                   </a:txBody>
@@ -13287,7 +13171,7 @@
                           <a:effectLst/>
                           <a:latin typeface="Calibri" panose="020F0502020204030204" pitchFamily="34" charset="0"/>
                         </a:rPr>
-                        <a:t>3677,99</a:t>
+                        <a:t>372222,9</a:t>
                       </a:r>
                     </a:p>
                   </a:txBody>
@@ -13313,7 +13197,7 @@
                           <a:effectLst/>
                           <a:latin typeface="Calibri" panose="020F0502020204030204" pitchFamily="34" charset="0"/>
                         </a:rPr>
-                        <a:t>3692,689</a:t>
+                        <a:t>372251,5</a:t>
                       </a:r>
                     </a:p>
                   </a:txBody>
@@ -13331,7 +13215,7 @@
                   </a:ext>
                 </a:extLst>
               </a:tr>
-              <a:tr h="202967">
+              <a:tr h="223264">
                 <a:tc>
                   <a:txBody>
                     <a:bodyPr/>
@@ -13392,27 +13276,7 @@
                           <a:effectLst/>
                           <a:latin typeface="Calibri" panose="020F0502020204030204" pitchFamily="34" charset="0"/>
                         </a:rPr>
-                        <a:t>-1882,96</a:t>
-                      </a:r>
-                    </a:p>
-                  </a:txBody>
-                  <a:tcPr marL="9525" marR="9525" marT="9525" marB="0" anchor="b"/>
-                </a:tc>
-                <a:tc>
-                  <a:txBody>
-                    <a:bodyPr/>
-                    <a:lstStyle/>
-                    <a:p>
-                      <a:pPr algn="l" fontAlgn="b"/>
-                      <a:r>
-                        <a:rPr lang="de-DE" sz="1100" b="0" i="0" u="none" strike="noStrike" dirty="0">
-                          <a:solidFill>
-                            <a:srgbClr val="000000"/>
-                          </a:solidFill>
-                          <a:effectLst/>
-                          <a:latin typeface="Calibri" panose="020F0502020204030204" pitchFamily="34" charset="0"/>
-                        </a:rPr>
-                        <a:t>3775,92</a:t>
+                        <a:t>-191739</a:t>
                       </a:r>
                     </a:p>
                   </a:txBody>
@@ -13432,7 +13296,7 @@
                           <a:effectLst/>
                           <a:latin typeface="Calibri" panose="020F0502020204030204" pitchFamily="34" charset="0"/>
                         </a:rPr>
-                        <a:t>3773,96</a:t>
+                        <a:t>383488,2</a:t>
                       </a:r>
                     </a:p>
                   </a:txBody>
@@ -13452,7 +13316,27 @@
                           <a:effectLst/>
                           <a:latin typeface="Calibri" panose="020F0502020204030204" pitchFamily="34" charset="0"/>
                         </a:rPr>
-                        <a:t>3793,551</a:t>
+                        <a:t>383486,2</a:t>
+                      </a:r>
+                    </a:p>
+                  </a:txBody>
+                  <a:tcPr marL="9525" marR="9525" marT="9525" marB="0" anchor="b"/>
+                </a:tc>
+                <a:tc>
+                  <a:txBody>
+                    <a:bodyPr/>
+                    <a:lstStyle/>
+                    <a:p>
+                      <a:pPr algn="l" fontAlgn="b"/>
+                      <a:r>
+                        <a:rPr lang="de-DE" sz="1100" b="0" i="0" u="none" strike="noStrike">
+                          <a:solidFill>
+                            <a:srgbClr val="000000"/>
+                          </a:solidFill>
+                          <a:effectLst/>
+                          <a:latin typeface="Calibri" panose="020F0502020204030204" pitchFamily="34" charset="0"/>
+                        </a:rPr>
+                        <a:t>383524,3</a:t>
                       </a:r>
                     </a:p>
                   </a:txBody>
@@ -13464,7 +13348,7 @@
                   </a:ext>
                 </a:extLst>
               </a:tr>
-              <a:tr h="202967">
+              <a:tr h="223264">
                 <a:tc>
                   <a:txBody>
                     <a:bodyPr/>
@@ -13518,34 +13402,14 @@
                     <a:p>
                       <a:pPr algn="l" fontAlgn="b"/>
                       <a:r>
-                        <a:rPr lang="de-DE" sz="1100" b="0" i="0" u="none" strike="noStrike" dirty="0">
+                        <a:rPr lang="de-DE" sz="1100" b="0" i="0" u="none" strike="noStrike">
                           <a:solidFill>
                             <a:srgbClr val="000000"/>
                           </a:solidFill>
                           <a:effectLst/>
                           <a:latin typeface="Calibri" panose="020F0502020204030204" pitchFamily="34" charset="0"/>
                         </a:rPr>
-                        <a:t>-1875,63</a:t>
-                      </a:r>
-                    </a:p>
-                  </a:txBody>
-                  <a:tcPr marL="9525" marR="9525" marT="9525" marB="0" anchor="b"/>
-                </a:tc>
-                <a:tc>
-                  <a:txBody>
-                    <a:bodyPr/>
-                    <a:lstStyle/>
-                    <a:p>
-                      <a:pPr algn="l" fontAlgn="b"/>
-                      <a:r>
-                        <a:rPr lang="de-DE" sz="1100" b="0" i="0" u="none" strike="noStrike" dirty="0">
-                          <a:solidFill>
-                            <a:srgbClr val="000000"/>
-                          </a:solidFill>
-                          <a:effectLst/>
-                          <a:latin typeface="Calibri" panose="020F0502020204030204" pitchFamily="34" charset="0"/>
-                        </a:rPr>
-                        <a:t>3763,267</a:t>
+                        <a:t>-191135</a:t>
                       </a:r>
                     </a:p>
                   </a:txBody>
@@ -13565,7 +13429,7 @@
                           <a:effectLst/>
                           <a:latin typeface="Calibri" panose="020F0502020204030204" pitchFamily="34" charset="0"/>
                         </a:rPr>
-                        <a:t>3761,327</a:t>
+                        <a:t>382282,1</a:t>
                       </a:r>
                     </a:p>
                   </a:txBody>
@@ -13585,7 +13449,27 @@
                           <a:effectLst/>
                           <a:latin typeface="Calibri" panose="020F0502020204030204" pitchFamily="34" charset="0"/>
                         </a:rPr>
-                        <a:t>3785,805</a:t>
+                        <a:t>382280,1</a:t>
+                      </a:r>
+                    </a:p>
+                  </a:txBody>
+                  <a:tcPr marL="9525" marR="9525" marT="9525" marB="0" anchor="b"/>
+                </a:tc>
+                <a:tc>
+                  <a:txBody>
+                    <a:bodyPr/>
+                    <a:lstStyle/>
+                    <a:p>
+                      <a:pPr algn="l" fontAlgn="b"/>
+                      <a:r>
+                        <a:rPr lang="de-DE" sz="1100" b="0" i="0" u="none" strike="noStrike">
+                          <a:solidFill>
+                            <a:srgbClr val="000000"/>
+                          </a:solidFill>
+                          <a:effectLst/>
+                          <a:latin typeface="Calibri" panose="020F0502020204030204" pitchFamily="34" charset="0"/>
+                        </a:rPr>
+                        <a:t>382327,6</a:t>
                       </a:r>
                     </a:p>
                   </a:txBody>
@@ -13597,7 +13481,7 @@
                   </a:ext>
                 </a:extLst>
               </a:tr>
-              <a:tr h="202967">
+              <a:tr h="223264">
                 <a:tc>
                   <a:txBody>
                     <a:bodyPr/>
@@ -13658,47 +13542,7 @@
                           <a:effectLst/>
                           <a:latin typeface="Calibri" panose="020F0502020204030204" pitchFamily="34" charset="0"/>
                         </a:rPr>
-                        <a:t>-1868,78</a:t>
-                      </a:r>
-                    </a:p>
-                  </a:txBody>
-                  <a:tcPr marL="9525" marR="9525" marT="9525" marB="0" anchor="b"/>
-                </a:tc>
-                <a:tc>
-                  <a:txBody>
-                    <a:bodyPr/>
-                    <a:lstStyle/>
-                    <a:p>
-                      <a:pPr algn="l" fontAlgn="b"/>
-                      <a:r>
-                        <a:rPr lang="de-DE" sz="1100" b="0" i="0" u="none" strike="noStrike" dirty="0">
-                          <a:solidFill>
-                            <a:srgbClr val="000000"/>
-                          </a:solidFill>
-                          <a:effectLst/>
-                          <a:latin typeface="Calibri" panose="020F0502020204030204" pitchFamily="34" charset="0"/>
-                        </a:rPr>
-                        <a:t>3751,565</a:t>
-                      </a:r>
-                    </a:p>
-                  </a:txBody>
-                  <a:tcPr marL="9525" marR="9525" marT="9525" marB="0" anchor="b"/>
-                </a:tc>
-                <a:tc>
-                  <a:txBody>
-                    <a:bodyPr/>
-                    <a:lstStyle/>
-                    <a:p>
-                      <a:pPr algn="l" fontAlgn="b"/>
-                      <a:r>
-                        <a:rPr lang="de-DE" sz="1100" b="0" i="0" u="none" strike="noStrike" dirty="0">
-                          <a:solidFill>
-                            <a:srgbClr val="000000"/>
-                          </a:solidFill>
-                          <a:effectLst/>
-                          <a:latin typeface="Calibri" panose="020F0502020204030204" pitchFamily="34" charset="0"/>
-                        </a:rPr>
-                        <a:t>3749,649</a:t>
+                        <a:t>-190624</a:t>
                       </a:r>
                     </a:p>
                   </a:txBody>
@@ -13718,7 +13562,47 @@
                           <a:effectLst/>
                           <a:latin typeface="Calibri" panose="020F0502020204030204" pitchFamily="34" charset="0"/>
                         </a:rPr>
-                        <a:t>3779,011</a:t>
+                        <a:t>381261,8</a:t>
+                      </a:r>
+                    </a:p>
+                  </a:txBody>
+                  <a:tcPr marL="9525" marR="9525" marT="9525" marB="0" anchor="b"/>
+                </a:tc>
+                <a:tc>
+                  <a:txBody>
+                    <a:bodyPr/>
+                    <a:lstStyle/>
+                    <a:p>
+                      <a:pPr algn="l" fontAlgn="b"/>
+                      <a:r>
+                        <a:rPr lang="de-DE" sz="1100" b="0" i="0" u="none" strike="noStrike">
+                          <a:solidFill>
+                            <a:srgbClr val="000000"/>
+                          </a:solidFill>
+                          <a:effectLst/>
+                          <a:latin typeface="Calibri" panose="020F0502020204030204" pitchFamily="34" charset="0"/>
+                        </a:rPr>
+                        <a:t>381259,8</a:t>
+                      </a:r>
+                    </a:p>
+                  </a:txBody>
+                  <a:tcPr marL="9525" marR="9525" marT="9525" marB="0" anchor="b"/>
+                </a:tc>
+                <a:tc>
+                  <a:txBody>
+                    <a:bodyPr/>
+                    <a:lstStyle/>
+                    <a:p>
+                      <a:pPr algn="l" fontAlgn="b"/>
+                      <a:r>
+                        <a:rPr lang="de-DE" sz="1100" b="0" i="0" u="none" strike="noStrike">
+                          <a:solidFill>
+                            <a:srgbClr val="000000"/>
+                          </a:solidFill>
+                          <a:effectLst/>
+                          <a:latin typeface="Calibri" panose="020F0502020204030204" pitchFamily="34" charset="0"/>
+                        </a:rPr>
+                        <a:t>381316,8</a:t>
                       </a:r>
                     </a:p>
                   </a:txBody>
@@ -13730,7 +13614,7 @@
                   </a:ext>
                 </a:extLst>
               </a:tr>
-              <a:tr h="202967">
+              <a:tr h="223264">
                 <a:tc>
                   <a:txBody>
                     <a:bodyPr/>
@@ -13791,7 +13675,7 @@
                           <a:effectLst/>
                           <a:latin typeface="Calibri" panose="020F0502020204030204" pitchFamily="34" charset="0"/>
                         </a:rPr>
-                        <a:t>-1861,65</a:t>
+                        <a:t>-190073</a:t>
                       </a:r>
                     </a:p>
                   </a:txBody>
@@ -13811,27 +13695,7 @@
                           <a:effectLst/>
                           <a:latin typeface="Calibri" panose="020F0502020204030204" pitchFamily="34" charset="0"/>
                         </a:rPr>
-                        <a:t>3739,297</a:t>
-                      </a:r>
-                    </a:p>
-                  </a:txBody>
-                  <a:tcPr marL="9525" marR="9525" marT="9525" marB="0" anchor="b"/>
-                </a:tc>
-                <a:tc>
-                  <a:txBody>
-                    <a:bodyPr/>
-                    <a:lstStyle/>
-                    <a:p>
-                      <a:pPr algn="l" fontAlgn="b"/>
-                      <a:r>
-                        <a:rPr lang="de-DE" sz="1100" b="0" i="0" u="none" strike="noStrike" dirty="0">
-                          <a:solidFill>
-                            <a:srgbClr val="000000"/>
-                          </a:solidFill>
-                          <a:effectLst/>
-                          <a:latin typeface="Calibri" panose="020F0502020204030204" pitchFamily="34" charset="0"/>
-                        </a:rPr>
-                        <a:t>3737,41</a:t>
+                        <a:t>380162,9</a:t>
                       </a:r>
                     </a:p>
                   </a:txBody>
@@ -13851,7 +13715,27 @@
                           <a:effectLst/>
                           <a:latin typeface="Calibri" panose="020F0502020204030204" pitchFamily="34" charset="0"/>
                         </a:rPr>
-                        <a:t>3771,652</a:t>
+                        <a:t>380160,9</a:t>
+                      </a:r>
+                    </a:p>
+                  </a:txBody>
+                  <a:tcPr marL="9525" marR="9525" marT="9525" marB="0" anchor="b"/>
+                </a:tc>
+                <a:tc>
+                  <a:txBody>
+                    <a:bodyPr/>
+                    <a:lstStyle/>
+                    <a:p>
+                      <a:pPr algn="l" fontAlgn="b"/>
+                      <a:r>
+                        <a:rPr lang="de-DE" sz="1100" b="0" i="0" u="none" strike="noStrike">
+                          <a:solidFill>
+                            <a:srgbClr val="000000"/>
+                          </a:solidFill>
+                          <a:effectLst/>
+                          <a:latin typeface="Calibri" panose="020F0502020204030204" pitchFamily="34" charset="0"/>
+                        </a:rPr>
+                        <a:t>380227,5</a:t>
                       </a:r>
                     </a:p>
                   </a:txBody>
@@ -13863,7 +13747,7 @@
                   </a:ext>
                 </a:extLst>
               </a:tr>
-              <a:tr h="202967">
+              <a:tr h="223264">
                 <a:tc>
                   <a:txBody>
                     <a:bodyPr/>
@@ -13894,12 +13778,12 @@
                     <a:p>
                       <a:pPr algn="l" fontAlgn="b"/>
                       <a:r>
-                        <a:rPr lang="de-DE" sz="1100" u="none" strike="noStrike">
+                        <a:rPr lang="de-DE" sz="1100" u="none" strike="noStrike" dirty="0">
                           <a:effectLst/>
                         </a:rPr>
                         <a:t>8</a:t>
                       </a:r>
-                      <a:endParaRPr lang="de-DE" sz="1100" b="0" i="0" u="none" strike="noStrike">
+                      <a:endParaRPr lang="de-DE" sz="1100" b="0" i="0" u="none" strike="noStrike" dirty="0">
                         <a:solidFill>
                           <a:srgbClr val="000000"/>
                         </a:solidFill>
@@ -13924,7 +13808,27 @@
                           <a:effectLst/>
                           <a:latin typeface="Calibri" panose="020F0502020204030204" pitchFamily="34" charset="0"/>
                         </a:rPr>
-                        <a:t>-1854,75</a:t>
+                        <a:t>-189610</a:t>
+                      </a:r>
+                    </a:p>
+                  </a:txBody>
+                  <a:tcPr marL="9525" marR="9525" marT="9525" marB="0" anchor="b"/>
+                </a:tc>
+                <a:tc>
+                  <a:txBody>
+                    <a:bodyPr/>
+                    <a:lstStyle/>
+                    <a:p>
+                      <a:pPr algn="l" fontAlgn="b"/>
+                      <a:r>
+                        <a:rPr lang="de-DE" sz="1100" b="0" i="0" u="none" strike="noStrike" dirty="0">
+                          <a:solidFill>
+                            <a:srgbClr val="000000"/>
+                          </a:solidFill>
+                          <a:effectLst/>
+                          <a:latin typeface="Calibri" panose="020F0502020204030204" pitchFamily="34" charset="0"/>
+                        </a:rPr>
+                        <a:t>379238,5</a:t>
                       </a:r>
                     </a:p>
                   </a:txBody>
@@ -13944,27 +13848,7 @@
                           <a:effectLst/>
                           <a:latin typeface="Calibri" panose="020F0502020204030204" pitchFamily="34" charset="0"/>
                         </a:rPr>
-                        <a:t>3727,497</a:t>
-                      </a:r>
-                    </a:p>
-                  </a:txBody>
-                  <a:tcPr marL="9525" marR="9525" marT="9525" marB="0" anchor="b"/>
-                </a:tc>
-                <a:tc>
-                  <a:txBody>
-                    <a:bodyPr/>
-                    <a:lstStyle/>
-                    <a:p>
-                      <a:pPr algn="l" fontAlgn="b"/>
-                      <a:r>
-                        <a:rPr lang="de-DE" sz="1100" b="0" i="0" u="none" strike="noStrike" dirty="0">
-                          <a:solidFill>
-                            <a:srgbClr val="000000"/>
-                          </a:solidFill>
-                          <a:effectLst/>
-                          <a:latin typeface="Calibri" panose="020F0502020204030204" pitchFamily="34" charset="0"/>
-                        </a:rPr>
-                        <a:t>3725,642</a:t>
+                        <a:t>379236,5</a:t>
                       </a:r>
                     </a:p>
                   </a:txBody>
@@ -13984,7 +13868,7 @@
                           <a:effectLst/>
                           <a:latin typeface="Calibri" panose="020F0502020204030204" pitchFamily="34" charset="0"/>
                         </a:rPr>
-                        <a:t>3764,759</a:t>
+                        <a:t>379312,7</a:t>
                       </a:r>
                     </a:p>
                   </a:txBody>
@@ -13996,7 +13880,7 @@
                   </a:ext>
                 </a:extLst>
               </a:tr>
-              <a:tr h="202967">
+              <a:tr h="223264">
                 <a:tc>
                   <a:txBody>
                     <a:bodyPr/>
@@ -14057,7 +13941,7 @@
                           <a:effectLst/>
                           <a:latin typeface="Calibri" panose="020F0502020204030204" pitchFamily="34" charset="0"/>
                         </a:rPr>
-                        <a:t>-1907,46</a:t>
+                        <a:t>-194141</a:t>
                       </a:r>
                     </a:p>
                   </a:txBody>
@@ -14077,7 +13961,27 @@
                           <a:effectLst/>
                           <a:latin typeface="Calibri" panose="020F0502020204030204" pitchFamily="34" charset="0"/>
                         </a:rPr>
-                        <a:t>3820,911</a:t>
+                        <a:t>388287,3</a:t>
+                      </a:r>
+                    </a:p>
+                  </a:txBody>
+                  <a:tcPr marL="9525" marR="9525" marT="9525" marB="0" anchor="b"/>
+                </a:tc>
+                <a:tc>
+                  <a:txBody>
+                    <a:bodyPr/>
+                    <a:lstStyle/>
+                    <a:p>
+                      <a:pPr algn="l" fontAlgn="b"/>
+                      <a:r>
+                        <a:rPr lang="de-DE" sz="1100" b="0" i="0" u="none" strike="noStrike">
+                          <a:solidFill>
+                            <a:srgbClr val="000000"/>
+                          </a:solidFill>
+                          <a:effectLst/>
+                          <a:latin typeface="Calibri" panose="020F0502020204030204" pitchFamily="34" charset="0"/>
+                        </a:rPr>
+                        <a:t>388285,3</a:t>
                       </a:r>
                     </a:p>
                   </a:txBody>
@@ -14097,27 +14001,7 @@
                           <a:effectLst/>
                           <a:latin typeface="Calibri" panose="020F0502020204030204" pitchFamily="34" charset="0"/>
                         </a:rPr>
-                        <a:t>3818,923</a:t>
-                      </a:r>
-                    </a:p>
-                  </a:txBody>
-                  <a:tcPr marL="9525" marR="9525" marT="9525" marB="0" anchor="b"/>
-                </a:tc>
-                <a:tc>
-                  <a:txBody>
-                    <a:bodyPr/>
-                    <a:lstStyle/>
-                    <a:p>
-                      <a:pPr algn="l" fontAlgn="b"/>
-                      <a:r>
-                        <a:rPr lang="de-DE" sz="1100" b="0" i="0" u="none" strike="noStrike" dirty="0">
-                          <a:solidFill>
-                            <a:srgbClr val="000000"/>
-                          </a:solidFill>
-                          <a:effectLst/>
-                          <a:latin typeface="Calibri" panose="020F0502020204030204" pitchFamily="34" charset="0"/>
-                        </a:rPr>
-                        <a:t>3828,726</a:t>
+                        <a:t>388304,3</a:t>
                       </a:r>
                     </a:p>
                   </a:txBody>
@@ -14204,40 +14088,267 @@
           </a:p>
         </p:txBody>
       </p:sp>
-      <p:sp>
-        <p:nvSpPr>
-          <p:cNvPr id="10" name="Inhaltsplatzhalter 9"/>
-          <p:cNvSpPr>
-            <a:spLocks noGrp="1"/>
-          </p:cNvSpPr>
-          <p:nvPr>
-            <p:ph sz="quarter" idx="13"/>
-          </p:nvPr>
-        </p:nvSpPr>
-        <p:spPr/>
-        <p:txBody>
-          <a:bodyPr>
-            <a:normAutofit fontScale="92500" lnSpcReduction="10000"/>
-          </a:bodyPr>
-          <a:lstStyle/>
-          <a:p>
-            <a:r>
-              <a:rPr lang="de-DE" dirty="0"/>
-              <a:t>Best fit: ARCH(3)-Modell</a:t>
-            </a:r>
-          </a:p>
-          <a:p>
-            <a:r>
-              <a:rPr lang="de-DE" dirty="0"/>
-              <a:t>p-Wert Box-Pierce-Test der Residuen: </a:t>
-            </a:r>
-            <a:r>
-              <a:rPr lang="de-DE" b="1" dirty="0"/>
-              <a:t>0.7895</a:t>
-            </a:r>
-          </a:p>
-        </p:txBody>
-      </p:sp>
+      <mc:AlternateContent xmlns:mc="http://schemas.openxmlformats.org/markup-compatibility/2006">
+        <mc:Choice xmlns:a14="http://schemas.microsoft.com/office/drawing/2010/main" Requires="a14">
+          <p:sp>
+            <p:nvSpPr>
+              <p:cNvPr id="10" name="Inhaltsplatzhalter 9"/>
+              <p:cNvSpPr>
+                <a:spLocks noGrp="1"/>
+              </p:cNvSpPr>
+              <p:nvPr>
+                <p:ph sz="quarter" idx="13"/>
+              </p:nvPr>
+            </p:nvSpPr>
+            <p:spPr/>
+            <p:txBody>
+              <a:bodyPr>
+                <a:normAutofit fontScale="92500" lnSpcReduction="10000"/>
+              </a:bodyPr>
+              <a:lstStyle/>
+              <a:p>
+                <a:r>
+                  <a:rPr lang="de-DE" dirty="0" smtClean="0"/>
+                  <a:t>Best fit: ARCH(3)-Modell mit </a:t>
+                </a:r>
+                <a14:m>
+                  <m:oMath xmlns:m="http://schemas.openxmlformats.org/officeDocument/2006/math">
+                    <m:sSub>
+                      <m:sSubPr>
+                        <m:ctrlPr>
+                          <a:rPr lang="de-DE" i="1">
+                            <a:latin typeface="Cambria Math" panose="02040503050406030204" pitchFamily="18" charset="0"/>
+                          </a:rPr>
+                        </m:ctrlPr>
+                      </m:sSubPr>
+                      <m:e>
+                        <m:r>
+                          <m:rPr>
+                            <m:sty m:val="p"/>
+                          </m:rPr>
+                          <a:rPr lang="el-GR" i="1">
+                            <a:latin typeface="Cambria Math" panose="02040503050406030204" pitchFamily="18" charset="0"/>
+                          </a:rPr>
+                          <m:t>α</m:t>
+                        </m:r>
+                      </m:e>
+                      <m:sub>
+                        <m:r>
+                          <a:rPr lang="de-DE" i="1">
+                            <a:latin typeface="Cambria Math" panose="02040503050406030204" pitchFamily="18" charset="0"/>
+                          </a:rPr>
+                          <m:t>0</m:t>
+                        </m:r>
+                      </m:sub>
+                    </m:sSub>
+                    <m:r>
+                      <a:rPr lang="de-DE" i="1">
+                        <a:latin typeface="Cambria Math" panose="02040503050406030204" pitchFamily="18" charset="0"/>
+                      </a:rPr>
+                      <m:t>=1</m:t>
+                    </m:r>
+                    <m:r>
+                      <a:rPr lang="de-DE" b="0" i="1" smtClean="0">
+                        <a:latin typeface="Cambria Math" panose="02040503050406030204" pitchFamily="18" charset="0"/>
+                      </a:rPr>
+                      <m:t>.011</m:t>
+                    </m:r>
+                    <m:r>
+                      <a:rPr lang="de-DE" i="1">
+                        <a:latin typeface="Cambria Math" panose="02040503050406030204" pitchFamily="18" charset="0"/>
+                      </a:rPr>
+                      <m:t>,  </m:t>
+                    </m:r>
+                    <m:sSub>
+                      <m:sSubPr>
+                        <m:ctrlPr>
+                          <a:rPr lang="de-DE" i="1">
+                            <a:latin typeface="Cambria Math" panose="02040503050406030204" pitchFamily="18" charset="0"/>
+                          </a:rPr>
+                        </m:ctrlPr>
+                      </m:sSubPr>
+                      <m:e>
+                        <m:r>
+                          <m:rPr>
+                            <m:sty m:val="p"/>
+                          </m:rPr>
+                          <a:rPr lang="el-GR" i="1">
+                            <a:latin typeface="Cambria Math" panose="02040503050406030204" pitchFamily="18" charset="0"/>
+                          </a:rPr>
+                          <m:t>α</m:t>
+                        </m:r>
+                      </m:e>
+                      <m:sub>
+                        <m:r>
+                          <a:rPr lang="de-DE" i="1">
+                            <a:latin typeface="Cambria Math" panose="02040503050406030204" pitchFamily="18" charset="0"/>
+                          </a:rPr>
+                          <m:t>1</m:t>
+                        </m:r>
+                      </m:sub>
+                    </m:sSub>
+                    <m:r>
+                      <a:rPr lang="de-DE" i="1">
+                        <a:latin typeface="Cambria Math" panose="02040503050406030204" pitchFamily="18" charset="0"/>
+                      </a:rPr>
+                      <m:t>=0.</m:t>
+                    </m:r>
+                    <m:r>
+                      <a:rPr lang="de-DE" b="0" i="0" smtClean="0">
+                        <a:latin typeface="Cambria Math" panose="02040503050406030204" pitchFamily="18" charset="0"/>
+                      </a:rPr>
+                      <m:t>3974</m:t>
+                    </m:r>
+                    <m:r>
+                      <a:rPr lang="de-DE">
+                        <a:latin typeface="Cambria Math" panose="02040503050406030204" pitchFamily="18" charset="0"/>
+                      </a:rPr>
+                      <m:t>,  </m:t>
+                    </m:r>
+                    <m:sSub>
+                      <m:sSubPr>
+                        <m:ctrlPr>
+                          <a:rPr lang="de-DE" i="1">
+                            <a:latin typeface="Cambria Math" panose="02040503050406030204" pitchFamily="18" charset="0"/>
+                          </a:rPr>
+                        </m:ctrlPr>
+                      </m:sSubPr>
+                      <m:e>
+                        <m:r>
+                          <m:rPr>
+                            <m:sty m:val="p"/>
+                          </m:rPr>
+                          <a:rPr lang="el-GR" i="1">
+                            <a:latin typeface="Cambria Math" panose="02040503050406030204" pitchFamily="18" charset="0"/>
+                          </a:rPr>
+                          <m:t>α</m:t>
+                        </m:r>
+                      </m:e>
+                      <m:sub>
+                        <m:r>
+                          <a:rPr lang="de-DE" i="1">
+                            <a:latin typeface="Cambria Math" panose="02040503050406030204" pitchFamily="18" charset="0"/>
+                          </a:rPr>
+                          <m:t>2</m:t>
+                        </m:r>
+                      </m:sub>
+                    </m:sSub>
+                    <m:r>
+                      <a:rPr lang="de-DE" i="1">
+                        <a:latin typeface="Cambria Math" panose="02040503050406030204" pitchFamily="18" charset="0"/>
+                      </a:rPr>
+                      <m:t>=0.</m:t>
+                    </m:r>
+                    <m:r>
+                      <a:rPr lang="de-DE" b="0" i="1" smtClean="0">
+                        <a:latin typeface="Cambria Math" panose="02040503050406030204" pitchFamily="18" charset="0"/>
+                      </a:rPr>
+                      <m:t>1989</m:t>
+                    </m:r>
+                    <m:r>
+                      <a:rPr lang="de-DE">
+                        <a:latin typeface="Cambria Math" panose="02040503050406030204" pitchFamily="18" charset="0"/>
+                      </a:rPr>
+                      <m:t>,  </m:t>
+                    </m:r>
+                    <m:sSub>
+                      <m:sSubPr>
+                        <m:ctrlPr>
+                          <a:rPr lang="de-DE" i="1">
+                            <a:latin typeface="Cambria Math" panose="02040503050406030204" pitchFamily="18" charset="0"/>
+                          </a:rPr>
+                        </m:ctrlPr>
+                      </m:sSubPr>
+                      <m:e>
+                        <m:r>
+                          <m:rPr>
+                            <m:sty m:val="p"/>
+                          </m:rPr>
+                          <a:rPr lang="el-GR" i="1">
+                            <a:latin typeface="Cambria Math" panose="02040503050406030204" pitchFamily="18" charset="0"/>
+                          </a:rPr>
+                          <m:t>α</m:t>
+                        </m:r>
+                      </m:e>
+                      <m:sub>
+                        <m:r>
+                          <a:rPr lang="de-DE" i="1">
+                            <a:latin typeface="Cambria Math" panose="02040503050406030204" pitchFamily="18" charset="0"/>
+                          </a:rPr>
+                          <m:t>3</m:t>
+                        </m:r>
+                      </m:sub>
+                    </m:sSub>
+                    <m:r>
+                      <a:rPr lang="de-DE" i="1">
+                        <a:latin typeface="Cambria Math" panose="02040503050406030204" pitchFamily="18" charset="0"/>
+                      </a:rPr>
+                      <m:t>=0.</m:t>
+                    </m:r>
+                    <m:r>
+                      <a:rPr lang="de-DE" i="1">
+                        <a:latin typeface="Cambria Math" panose="02040503050406030204" pitchFamily="18" charset="0"/>
+                      </a:rPr>
+                      <m:t>1</m:t>
+                    </m:r>
+                    <m:r>
+                      <a:rPr lang="de-DE" b="0" i="1" smtClean="0">
+                        <a:latin typeface="Cambria Math" panose="02040503050406030204" pitchFamily="18" charset="0"/>
+                      </a:rPr>
+                      <m:t>040</m:t>
+                    </m:r>
+                  </m:oMath>
+                </a14:m>
+                <a:endParaRPr lang="de-DE" dirty="0"/>
+              </a:p>
+              <a:p>
+                <a:r>
+                  <a:rPr lang="de-DE" dirty="0"/>
+                  <a:t>p-Wert Box-Pierce-Test der Residuen: </a:t>
+                </a:r>
+                <a:r>
+                  <a:rPr lang="de-DE" b="1" dirty="0" smtClean="0"/>
+                  <a:t>0.401</a:t>
+                </a:r>
+                <a:endParaRPr lang="de-DE" b="1" dirty="0"/>
+              </a:p>
+            </p:txBody>
+          </p:sp>
+        </mc:Choice>
+        <mc:Fallback>
+          <p:sp>
+            <p:nvSpPr>
+              <p:cNvPr id="10" name="Inhaltsplatzhalter 9"/>
+              <p:cNvSpPr>
+                <a:spLocks noGrp="1" noRot="1" noChangeAspect="1" noMove="1" noResize="1" noEditPoints="1" noAdjustHandles="1" noChangeArrowheads="1" noChangeShapeType="1" noTextEdit="1"/>
+              </p:cNvSpPr>
+              <p:nvPr>
+                <p:ph sz="quarter" idx="13"/>
+              </p:nvPr>
+            </p:nvSpPr>
+            <p:spPr>
+              <a:blipFill>
+                <a:blip r:embed="rId3"/>
+                <a:stretch>
+                  <a:fillRect t="-4167" b="-6250"/>
+                </a:stretch>
+              </a:blipFill>
+            </p:spPr>
+            <p:txBody>
+              <a:bodyPr/>
+              <a:lstStyle/>
+              <a:p>
+                <a:r>
+                  <a:rPr lang="de-DE">
+                    <a:noFill/>
+                  </a:rPr>
+                  <a:t> </a:t>
+                </a:r>
+              </a:p>
+            </p:txBody>
+          </p:sp>
+        </mc:Fallback>
+      </mc:AlternateContent>
       <p:pic>
         <p:nvPicPr>
           <p:cNvPr id="14" name="Inhaltsplatzhalter 11"/>
@@ -14249,7 +14360,7 @@
           </p:nvPr>
         </p:nvPicPr>
         <p:blipFill>
-          <a:blip r:embed="rId3" cstate="print">
+          <a:blip r:embed="rId4">
             <a:extLst>
               <a:ext uri="{28A0092B-C50C-407E-A947-70E740481C1C}">
                 <a14:useLocalDpi xmlns:a14="http://schemas.microsoft.com/office/drawing/2010/main" val="0"/>
@@ -14262,8 +14373,8 @@
         </p:blipFill>
         <p:spPr>
           <a:xfrm>
-            <a:off x="4644705" y="1420745"/>
-            <a:ext cx="4175767" cy="2256890"/>
+            <a:off x="4644705" y="1419622"/>
+            <a:ext cx="4175767" cy="2225130"/>
           </a:xfrm>
         </p:spPr>
       </p:pic>
@@ -14358,12 +14469,16 @@
           </p:cNvGraphicFramePr>
           <p:nvPr>
             <p:ph sz="half" idx="2"/>
-            <p:extLst/>
+            <p:extLst>
+              <p:ext uri="{D42A27DB-BD31-4B8C-83A1-F6EECF244321}">
+                <p14:modId xmlns:p14="http://schemas.microsoft.com/office/powerpoint/2010/main" val="1738542040"/>
+              </p:ext>
+            </p:extLst>
           </p:nvPr>
         </p:nvGraphicFramePr>
         <p:xfrm>
-          <a:off x="323850" y="1419225"/>
-          <a:ext cx="4173540" cy="2232637"/>
+          <a:off x="323850" y="1419219"/>
+          <a:ext cx="4173540" cy="2232650"/>
         </p:xfrm>
         <a:graphic>
           <a:graphicData uri="http://schemas.openxmlformats.org/drawingml/2006/table">
@@ -14415,7 +14530,7 @@
                   </a:extLst>
                 </a:gridCol>
               </a:tblGrid>
-              <a:tr h="202967">
+              <a:tr h="223265">
                 <a:tc>
                   <a:txBody>
                     <a:bodyPr/>
@@ -14560,140 +14675,7 @@
                   </a:ext>
                 </a:extLst>
               </a:tr>
-              <a:tr h="202967">
-                <a:tc>
-                  <a:txBody>
-                    <a:bodyPr/>
-                    <a:lstStyle/>
-                    <a:p>
-                      <a:pPr algn="l" fontAlgn="b"/>
-                      <a:r>
-                        <a:rPr lang="de-DE" sz="1100" u="none" strike="noStrike" dirty="0">
-                          <a:effectLst/>
-                        </a:rPr>
-                        <a:t>ARCH(0)</a:t>
-                      </a:r>
-                      <a:endParaRPr lang="de-DE" sz="1100" b="0" i="0" u="none" strike="noStrike" dirty="0">
-                        <a:solidFill>
-                          <a:srgbClr val="000000"/>
-                        </a:solidFill>
-                        <a:effectLst/>
-                        <a:latin typeface="Calibri" panose="020F0502020204030204" pitchFamily="34" charset="0"/>
-                      </a:endParaRPr>
-                    </a:p>
-                  </a:txBody>
-                  <a:tcPr marL="9525" marR="9525" marT="9525" marB="0" anchor="ctr"/>
-                </a:tc>
-                <a:tc>
-                  <a:txBody>
-                    <a:bodyPr/>
-                    <a:lstStyle/>
-                    <a:p>
-                      <a:pPr algn="l" fontAlgn="b"/>
-                      <a:r>
-                        <a:rPr lang="de-DE" sz="1100" u="none" strike="noStrike" dirty="0">
-                          <a:effectLst/>
-                        </a:rPr>
-                        <a:t>0</a:t>
-                      </a:r>
-                      <a:endParaRPr lang="de-DE" sz="1100" b="0" i="0" u="none" strike="noStrike" dirty="0">
-                        <a:solidFill>
-                          <a:srgbClr val="000000"/>
-                        </a:solidFill>
-                        <a:effectLst/>
-                        <a:latin typeface="Calibri" panose="020F0502020204030204" pitchFamily="34" charset="0"/>
-                      </a:endParaRPr>
-                    </a:p>
-                  </a:txBody>
-                  <a:tcPr marL="9525" marR="9525" marT="9525" marB="0" anchor="ctr"/>
-                </a:tc>
-                <a:tc>
-                  <a:txBody>
-                    <a:bodyPr/>
-                    <a:lstStyle/>
-                    <a:p>
-                      <a:pPr algn="l" fontAlgn="b"/>
-                      <a:r>
-                        <a:rPr lang="de-DE" sz="1100" b="0" i="0" u="none" strike="noStrike">
-                          <a:solidFill>
-                            <a:srgbClr val="000000"/>
-                          </a:solidFill>
-                          <a:effectLst/>
-                          <a:latin typeface="Calibri" panose="020F0502020204030204" pitchFamily="34" charset="0"/>
-                        </a:rPr>
-                        <a:t>-257499</a:t>
-                      </a:r>
-                    </a:p>
-                  </a:txBody>
-                  <a:tcPr marL="9525" marR="9525" marT="9525" marB="0" anchor="b"/>
-                </a:tc>
-                <a:tc>
-                  <a:txBody>
-                    <a:bodyPr/>
-                    <a:lstStyle/>
-                    <a:p>
-                      <a:pPr algn="l" fontAlgn="b"/>
-                      <a:r>
-                        <a:rPr lang="de-DE" sz="1100" b="0" i="0" u="none" strike="noStrike">
-                          <a:solidFill>
-                            <a:srgbClr val="000000"/>
-                          </a:solidFill>
-                          <a:effectLst/>
-                          <a:latin typeface="Calibri" panose="020F0502020204030204" pitchFamily="34" charset="0"/>
-                        </a:rPr>
-                        <a:t>515000,5</a:t>
-                      </a:r>
-                    </a:p>
-                  </a:txBody>
-                  <a:tcPr marL="9525" marR="9525" marT="9525" marB="0" anchor="b"/>
-                </a:tc>
-                <a:tc>
-                  <a:txBody>
-                    <a:bodyPr/>
-                    <a:lstStyle/>
-                    <a:p>
-                      <a:pPr algn="l" fontAlgn="b"/>
-                      <a:r>
-                        <a:rPr lang="de-DE" sz="1100" b="0" i="0" u="none" strike="noStrike">
-                          <a:solidFill>
-                            <a:srgbClr val="000000"/>
-                          </a:solidFill>
-                          <a:effectLst/>
-                          <a:latin typeface="Calibri" panose="020F0502020204030204" pitchFamily="34" charset="0"/>
-                        </a:rPr>
-                        <a:t>514998,5</a:t>
-                      </a:r>
-                    </a:p>
-                  </a:txBody>
-                  <a:tcPr marL="9525" marR="9525" marT="9525" marB="0" anchor="b"/>
-                </a:tc>
-                <a:tc>
-                  <a:txBody>
-                    <a:bodyPr/>
-                    <a:lstStyle/>
-                    <a:p>
-                      <a:pPr algn="l" fontAlgn="b"/>
-                      <a:r>
-                        <a:rPr lang="de-DE" sz="1100" b="0" i="0" u="none" strike="noStrike">
-                          <a:solidFill>
-                            <a:srgbClr val="000000"/>
-                          </a:solidFill>
-                          <a:effectLst/>
-                          <a:latin typeface="Calibri" panose="020F0502020204030204" pitchFamily="34" charset="0"/>
-                        </a:rPr>
-                        <a:t>514998,5</a:t>
-                      </a:r>
-                    </a:p>
-                  </a:txBody>
-                  <a:tcPr marL="9525" marR="9525" marT="9525" marB="0" anchor="b"/>
-                </a:tc>
-                <a:extLst>
-                  <a:ext uri="{0D108BD9-81ED-4DB2-BD59-A6C34878D82A}">
-                    <a16:rowId xmlns:a16="http://schemas.microsoft.com/office/drawing/2014/main" val="896925308"/>
-                  </a:ext>
-                </a:extLst>
-              </a:tr>
-              <a:tr h="202967">
+              <a:tr h="223265">
                 <a:tc>
                   <a:txBody>
                     <a:bodyPr/>
@@ -14716,7 +14698,11 @@
                     </a:p>
                   </a:txBody>
                   <a:tcPr marL="9525" marR="9525" marT="9525" marB="0" anchor="ctr">
-                    <a:noFill/>
+                    <a:solidFill>
+                      <a:schemeClr val="bg1">
+                        <a:lumMod val="85000"/>
+                      </a:schemeClr>
+                    </a:solidFill>
                   </a:tcPr>
                 </a:tc>
                 <a:tc>
@@ -14741,7 +14727,11 @@
                     </a:p>
                   </a:txBody>
                   <a:tcPr marL="9525" marR="9525" marT="9525" marB="0" anchor="ctr">
-                    <a:noFill/>
+                    <a:solidFill>
+                      <a:schemeClr val="bg1">
+                        <a:lumMod val="85000"/>
+                      </a:schemeClr>
+                    </a:solidFill>
                   </a:tcPr>
                 </a:tc>
                 <a:tc>
@@ -14758,12 +14748,16 @@
                           <a:effectLst/>
                           <a:latin typeface="Calibri" panose="020F0502020204030204" pitchFamily="34" charset="0"/>
                         </a:rPr>
-                        <a:t>-256750</a:t>
+                        <a:t>-256748</a:t>
                       </a:r>
                     </a:p>
                   </a:txBody>
                   <a:tcPr marL="9525" marR="9525" marT="9525" marB="0" anchor="b">
-                    <a:noFill/>
+                    <a:solidFill>
+                      <a:schemeClr val="bg1">
+                        <a:lumMod val="85000"/>
+                      </a:schemeClr>
+                    </a:solidFill>
                   </a:tcPr>
                 </a:tc>
                 <a:tc>
@@ -14780,12 +14774,16 @@
                           <a:effectLst/>
                           <a:latin typeface="Calibri" panose="020F0502020204030204" pitchFamily="34" charset="0"/>
                         </a:rPr>
-                        <a:t>513503,7</a:t>
+                        <a:t>513500,7</a:t>
                       </a:r>
                     </a:p>
                   </a:txBody>
                   <a:tcPr marL="9525" marR="9525" marT="9525" marB="0" anchor="b">
-                    <a:noFill/>
+                    <a:solidFill>
+                      <a:schemeClr val="bg1">
+                        <a:lumMod val="85000"/>
+                      </a:schemeClr>
+                    </a:solidFill>
                   </a:tcPr>
                 </a:tc>
                 <a:tc>
@@ -14802,12 +14800,16 @@
                           <a:effectLst/>
                           <a:latin typeface="Calibri" panose="020F0502020204030204" pitchFamily="34" charset="0"/>
                         </a:rPr>
-                        <a:t>513501,7</a:t>
+                        <a:t>513498,7</a:t>
                       </a:r>
                     </a:p>
                   </a:txBody>
                   <a:tcPr marL="9525" marR="9525" marT="9525" marB="0" anchor="b">
-                    <a:noFill/>
+                    <a:solidFill>
+                      <a:schemeClr val="bg1">
+                        <a:lumMod val="85000"/>
+                      </a:schemeClr>
+                    </a:solidFill>
                   </a:tcPr>
                 </a:tc>
                 <a:tc>
@@ -14824,12 +14826,16 @@
                           <a:effectLst/>
                           <a:latin typeface="Calibri" panose="020F0502020204030204" pitchFamily="34" charset="0"/>
                         </a:rPr>
-                        <a:t>513511,2</a:t>
+                        <a:t>513508,2</a:t>
                       </a:r>
                     </a:p>
                   </a:txBody>
                   <a:tcPr marL="9525" marR="9525" marT="9525" marB="0" anchor="b">
-                    <a:noFill/>
+                    <a:solidFill>
+                      <a:schemeClr val="bg1">
+                        <a:lumMod val="85000"/>
+                      </a:schemeClr>
+                    </a:solidFill>
                   </a:tcPr>
                 </a:tc>
                 <a:extLst>
@@ -14838,7 +14844,7 @@
                   </a:ext>
                 </a:extLst>
               </a:tr>
-              <a:tr h="202967">
+              <a:tr h="223265">
                 <a:tc>
                   <a:txBody>
                     <a:bodyPr/>
@@ -14892,14 +14898,14 @@
                     <a:p>
                       <a:pPr algn="l" fontAlgn="b"/>
                       <a:r>
-                        <a:rPr lang="de-DE" sz="1100" b="0" i="0" u="none" strike="noStrike" dirty="0">
+                        <a:rPr lang="de-DE" sz="1100" b="0" i="0" u="none" strike="noStrike">
                           <a:solidFill>
                             <a:srgbClr val="000000"/>
                           </a:solidFill>
                           <a:effectLst/>
                           <a:latin typeface="Calibri" panose="020F0502020204030204" pitchFamily="34" charset="0"/>
                         </a:rPr>
-                        <a:t>-256266</a:t>
+                        <a:t>-256264</a:t>
                       </a:r>
                     </a:p>
                   </a:txBody>
@@ -14919,7 +14925,7 @@
                           <a:effectLst/>
                           <a:latin typeface="Calibri" panose="020F0502020204030204" pitchFamily="34" charset="0"/>
                         </a:rPr>
-                        <a:t>512537,3</a:t>
+                        <a:t>512534,1</a:t>
                       </a:r>
                     </a:p>
                   </a:txBody>
@@ -14939,7 +14945,7 @@
                           <a:effectLst/>
                           <a:latin typeface="Calibri" panose="020F0502020204030204" pitchFamily="34" charset="0"/>
                         </a:rPr>
-                        <a:t>512535,3</a:t>
+                        <a:t>512532,1</a:t>
                       </a:r>
                     </a:p>
                   </a:txBody>
@@ -14959,7 +14965,7 @@
                           <a:effectLst/>
                           <a:latin typeface="Calibri" panose="020F0502020204030204" pitchFamily="34" charset="0"/>
                         </a:rPr>
-                        <a:t>512554,3</a:t>
+                        <a:t>512551,1</a:t>
                       </a:r>
                     </a:p>
                   </a:txBody>
@@ -14971,7 +14977,7 @@
                   </a:ext>
                 </a:extLst>
               </a:tr>
-              <a:tr h="202967">
+              <a:tr h="223265">
                 <a:tc>
                   <a:txBody>
                     <a:bodyPr/>
@@ -14994,7 +15000,11 @@
                     </a:p>
                   </a:txBody>
                   <a:tcPr marL="9525" marR="9525" marT="9525" marB="0" anchor="ctr">
-                    <a:noFill/>
+                    <a:solidFill>
+                      <a:schemeClr val="bg1">
+                        <a:lumMod val="85000"/>
+                      </a:schemeClr>
+                    </a:solidFill>
                   </a:tcPr>
                 </a:tc>
                 <a:tc>
@@ -15019,7 +15029,11 @@
                     </a:p>
                   </a:txBody>
                   <a:tcPr marL="9525" marR="9525" marT="9525" marB="0" anchor="ctr">
-                    <a:noFill/>
+                    <a:solidFill>
+                      <a:schemeClr val="bg1">
+                        <a:lumMod val="85000"/>
+                      </a:schemeClr>
+                    </a:solidFill>
                   </a:tcPr>
                 </a:tc>
                 <a:tc>
@@ -15041,7 +15055,11 @@
                     </a:p>
                   </a:txBody>
                   <a:tcPr marL="9525" marR="9525" marT="9525" marB="0" anchor="b">
-                    <a:noFill/>
+                    <a:solidFill>
+                      <a:schemeClr val="bg1">
+                        <a:lumMod val="85000"/>
+                      </a:schemeClr>
+                    </a:solidFill>
                   </a:tcPr>
                 </a:tc>
                 <a:tc>
@@ -15058,12 +15076,16 @@
                           <a:effectLst/>
                           <a:latin typeface="Calibri" panose="020F0502020204030204" pitchFamily="34" charset="0"/>
                         </a:rPr>
-                        <a:t>511828,2</a:t>
+                        <a:t>511827,4</a:t>
                       </a:r>
                     </a:p>
                   </a:txBody>
                   <a:tcPr marL="9525" marR="9525" marT="9525" marB="0" anchor="b">
-                    <a:noFill/>
+                    <a:solidFill>
+                      <a:schemeClr val="bg1">
+                        <a:lumMod val="85000"/>
+                      </a:schemeClr>
+                    </a:solidFill>
                   </a:tcPr>
                 </a:tc>
                 <a:tc>
@@ -15080,12 +15102,16 @@
                           <a:effectLst/>
                           <a:latin typeface="Calibri" panose="020F0502020204030204" pitchFamily="34" charset="0"/>
                         </a:rPr>
-                        <a:t>511826,2</a:t>
+                        <a:t>511825,4</a:t>
                       </a:r>
                     </a:p>
                   </a:txBody>
                   <a:tcPr marL="9525" marR="9525" marT="9525" marB="0" anchor="b">
-                    <a:noFill/>
+                    <a:solidFill>
+                      <a:schemeClr val="bg1">
+                        <a:lumMod val="85000"/>
+                      </a:schemeClr>
+                    </a:solidFill>
                   </a:tcPr>
                 </a:tc>
                 <a:tc>
@@ -15095,19 +15121,23 @@
                     <a:p>
                       <a:pPr algn="l" fontAlgn="b"/>
                       <a:r>
-                        <a:rPr lang="de-DE" sz="1100" b="0" i="0" u="none" strike="noStrike" dirty="0">
+                        <a:rPr lang="de-DE" sz="1100" b="0" i="0" u="none" strike="noStrike">
                           <a:solidFill>
                             <a:srgbClr val="000000"/>
                           </a:solidFill>
                           <a:effectLst/>
                           <a:latin typeface="Calibri" panose="020F0502020204030204" pitchFamily="34" charset="0"/>
                         </a:rPr>
-                        <a:t>511854,7</a:t>
+                        <a:t>511853,9</a:t>
                       </a:r>
                     </a:p>
                   </a:txBody>
                   <a:tcPr marL="9525" marR="9525" marT="9525" marB="0" anchor="b">
-                    <a:noFill/>
+                    <a:solidFill>
+                      <a:schemeClr val="bg1">
+                        <a:lumMod val="85000"/>
+                      </a:schemeClr>
+                    </a:solidFill>
                   </a:tcPr>
                 </a:tc>
                 <a:extLst>
@@ -15116,7 +15146,7 @@
                   </a:ext>
                 </a:extLst>
               </a:tr>
-              <a:tr h="202967">
+              <a:tr h="223265">
                 <a:tc>
                   <a:txBody>
                     <a:bodyPr/>
@@ -15170,14 +15200,14 @@
                     <a:p>
                       <a:pPr algn="l" fontAlgn="b"/>
                       <a:r>
-                        <a:rPr lang="de-DE" sz="1100" b="0" i="0" u="none" strike="noStrike">
+                        <a:rPr lang="de-DE" sz="1100" b="0" i="0" u="none" strike="noStrike" dirty="0">
                           <a:solidFill>
                             <a:srgbClr val="000000"/>
                           </a:solidFill>
                           <a:effectLst/>
                           <a:latin typeface="Calibri" panose="020F0502020204030204" pitchFamily="34" charset="0"/>
                         </a:rPr>
-                        <a:t>-255742</a:t>
+                        <a:t>-255740</a:t>
                       </a:r>
                     </a:p>
                   </a:txBody>
@@ -15197,7 +15227,7 @@
                           <a:effectLst/>
                           <a:latin typeface="Calibri" panose="020F0502020204030204" pitchFamily="34" charset="0"/>
                         </a:rPr>
-                        <a:t>511494,2</a:t>
+                        <a:t>511490,8</a:t>
                       </a:r>
                     </a:p>
                   </a:txBody>
@@ -15217,7 +15247,7 @@
                           <a:effectLst/>
                           <a:latin typeface="Calibri" panose="020F0502020204030204" pitchFamily="34" charset="0"/>
                         </a:rPr>
-                        <a:t>511492,2</a:t>
+                        <a:t>511488,8</a:t>
                       </a:r>
                     </a:p>
                   </a:txBody>
@@ -15237,7 +15267,7 @@
                           <a:effectLst/>
                           <a:latin typeface="Calibri" panose="020F0502020204030204" pitchFamily="34" charset="0"/>
                         </a:rPr>
-                        <a:t>511530,2</a:t>
+                        <a:t>511526,9</a:t>
                       </a:r>
                     </a:p>
                   </a:txBody>
@@ -15249,7 +15279,7 @@
                   </a:ext>
                 </a:extLst>
               </a:tr>
-              <a:tr h="202967">
+              <a:tr h="223265">
                 <a:tc>
                   <a:txBody>
                     <a:bodyPr/>
@@ -15310,7 +15340,7 @@
                           <a:effectLst/>
                           <a:latin typeface="Calibri" panose="020F0502020204030204" pitchFamily="34" charset="0"/>
                         </a:rPr>
-                        <a:t>-255596</a:t>
+                        <a:t>-255594</a:t>
                       </a:r>
                     </a:p>
                   </a:txBody>
@@ -15330,7 +15360,7 @@
                           <a:effectLst/>
                           <a:latin typeface="Calibri" panose="020F0502020204030204" pitchFamily="34" charset="0"/>
                         </a:rPr>
-                        <a:t>511204,5</a:t>
+                        <a:t>511200,6</a:t>
                       </a:r>
                     </a:p>
                   </a:txBody>
@@ -15350,7 +15380,7 @@
                           <a:effectLst/>
                           <a:latin typeface="Calibri" panose="020F0502020204030204" pitchFamily="34" charset="0"/>
                         </a:rPr>
-                        <a:t>511202,5</a:t>
+                        <a:t>511198,6</a:t>
                       </a:r>
                     </a:p>
                   </a:txBody>
@@ -15370,7 +15400,7 @@
                           <a:effectLst/>
                           <a:latin typeface="Calibri" panose="020F0502020204030204" pitchFamily="34" charset="0"/>
                         </a:rPr>
-                        <a:t>511250,1</a:t>
+                        <a:t>511246,2</a:t>
                       </a:r>
                     </a:p>
                   </a:txBody>
@@ -15382,7 +15412,7 @@
                   </a:ext>
                 </a:extLst>
               </a:tr>
-              <a:tr h="202967">
+              <a:tr h="223265">
                 <a:tc>
                   <a:txBody>
                     <a:bodyPr/>
@@ -15443,7 +15473,7 @@
                           <a:effectLst/>
                           <a:latin typeface="Calibri" panose="020F0502020204030204" pitchFamily="34" charset="0"/>
                         </a:rPr>
-                        <a:t>-255511</a:t>
+                        <a:t>-255509</a:t>
                       </a:r>
                     </a:p>
                   </a:txBody>
@@ -15463,7 +15493,7 @@
                           <a:effectLst/>
                           <a:latin typeface="Calibri" panose="020F0502020204030204" pitchFamily="34" charset="0"/>
                         </a:rPr>
-                        <a:t>511035,3</a:t>
+                        <a:t>511031,5</a:t>
                       </a:r>
                     </a:p>
                   </a:txBody>
@@ -15483,7 +15513,7 @@
                           <a:effectLst/>
                           <a:latin typeface="Calibri" panose="020F0502020204030204" pitchFamily="34" charset="0"/>
                         </a:rPr>
-                        <a:t>511033,3</a:t>
+                        <a:t>511029,5</a:t>
                       </a:r>
                     </a:p>
                   </a:txBody>
@@ -15503,7 +15533,7 @@
                           <a:effectLst/>
                           <a:latin typeface="Calibri" panose="020F0502020204030204" pitchFamily="34" charset="0"/>
                         </a:rPr>
-                        <a:t>511090,4</a:t>
+                        <a:t>511086,6</a:t>
                       </a:r>
                     </a:p>
                   </a:txBody>
@@ -15515,7 +15545,7 @@
                   </a:ext>
                 </a:extLst>
               </a:tr>
-              <a:tr h="202967">
+              <a:tr h="223265">
                 <a:tc>
                   <a:txBody>
                     <a:bodyPr/>
@@ -15576,7 +15606,7 @@
                           <a:effectLst/>
                           <a:latin typeface="Calibri" panose="020F0502020204030204" pitchFamily="34" charset="0"/>
                         </a:rPr>
-                        <a:t>-255440</a:t>
+                        <a:t>-255438</a:t>
                       </a:r>
                     </a:p>
                   </a:txBody>
@@ -15596,7 +15626,7 @@
                           <a:effectLst/>
                           <a:latin typeface="Calibri" panose="020F0502020204030204" pitchFamily="34" charset="0"/>
                         </a:rPr>
-                        <a:t>510895,6</a:t>
+                        <a:t>510891,4</a:t>
                       </a:r>
                     </a:p>
                   </a:txBody>
@@ -15616,7 +15646,7 @@
                           <a:effectLst/>
                           <a:latin typeface="Calibri" panose="020F0502020204030204" pitchFamily="34" charset="0"/>
                         </a:rPr>
-                        <a:t>510893,6</a:t>
+                        <a:t>510889,4</a:t>
                       </a:r>
                     </a:p>
                   </a:txBody>
@@ -15636,7 +15666,7 @@
                           <a:effectLst/>
                           <a:latin typeface="Calibri" panose="020F0502020204030204" pitchFamily="34" charset="0"/>
                         </a:rPr>
-                        <a:t>510960,2</a:t>
+                        <a:t>510956</a:t>
                       </a:r>
                     </a:p>
                   </a:txBody>
@@ -15648,7 +15678,7 @@
                   </a:ext>
                 </a:extLst>
               </a:tr>
-              <a:tr h="202967">
+              <a:tr h="223265">
                 <a:tc>
                   <a:txBody>
                     <a:bodyPr/>
@@ -15702,14 +15732,14 @@
                     <a:p>
                       <a:pPr algn="l" fontAlgn="b"/>
                       <a:r>
-                        <a:rPr lang="de-DE" sz="1100" b="0" i="0" u="none" strike="noStrike" dirty="0">
+                        <a:rPr lang="de-DE" sz="1100" b="0" i="0" u="none" strike="noStrike">
                           <a:solidFill>
                             <a:srgbClr val="000000"/>
                           </a:solidFill>
                           <a:effectLst/>
                           <a:latin typeface="Calibri" panose="020F0502020204030204" pitchFamily="34" charset="0"/>
                         </a:rPr>
-                        <a:t>-255401</a:t>
+                        <a:t>-255398</a:t>
                       </a:r>
                     </a:p>
                   </a:txBody>
@@ -15729,7 +15759,7 @@
                           <a:effectLst/>
                           <a:latin typeface="Calibri" panose="020F0502020204030204" pitchFamily="34" charset="0"/>
                         </a:rPr>
-                        <a:t>510819,1</a:t>
+                        <a:t>510814,8</a:t>
                       </a:r>
                     </a:p>
                   </a:txBody>
@@ -15749,7 +15779,7 @@
                           <a:effectLst/>
                           <a:latin typeface="Calibri" panose="020F0502020204030204" pitchFamily="34" charset="0"/>
                         </a:rPr>
-                        <a:t>510817,1</a:t>
+                        <a:t>510812,8</a:t>
                       </a:r>
                     </a:p>
                   </a:txBody>
@@ -15769,7 +15799,7 @@
                           <a:effectLst/>
                           <a:latin typeface="Calibri" panose="020F0502020204030204" pitchFamily="34" charset="0"/>
                         </a:rPr>
-                        <a:t>510893,2</a:t>
+                        <a:t>510888,9</a:t>
                       </a:r>
                     </a:p>
                   </a:txBody>
@@ -15781,7 +15811,7 @@
                   </a:ext>
                 </a:extLst>
               </a:tr>
-              <a:tr h="202967">
+              <a:tr h="223265">
                 <a:tc>
                   <a:txBody>
                     <a:bodyPr/>
@@ -15854,7 +15884,7 @@
                           <a:effectLst/>
                           <a:latin typeface="Calibri" panose="020F0502020204030204" pitchFamily="34" charset="0"/>
                         </a:rPr>
-                        <a:t>-255367</a:t>
+                        <a:t>-255366</a:t>
                       </a:r>
                     </a:p>
                   </a:txBody>
@@ -15880,33 +15910,7 @@
                           <a:effectLst/>
                           <a:latin typeface="Calibri" panose="020F0502020204030204" pitchFamily="34" charset="0"/>
                         </a:rPr>
-                        <a:t>510740,3</a:t>
-                      </a:r>
-                    </a:p>
-                  </a:txBody>
-                  <a:tcPr marL="9525" marR="9525" marT="9525" marB="0" anchor="b">
-                    <a:solidFill>
-                      <a:schemeClr val="accent3">
-                        <a:lumMod val="75000"/>
-                      </a:schemeClr>
-                    </a:solidFill>
-                  </a:tcPr>
-                </a:tc>
-                <a:tc>
-                  <a:txBody>
-                    <a:bodyPr/>
-                    <a:lstStyle/>
-                    <a:p>
-                      <a:pPr algn="l" fontAlgn="b"/>
-                      <a:r>
-                        <a:rPr lang="de-DE" sz="1100" b="1" i="0" u="none" strike="noStrike">
-                          <a:solidFill>
-                            <a:srgbClr val="000000"/>
-                          </a:solidFill>
-                          <a:effectLst/>
-                          <a:latin typeface="Calibri" panose="020F0502020204030204" pitchFamily="34" charset="0"/>
-                        </a:rPr>
-                        <a:t>510738,3</a:t>
+                        <a:t>510737,5</a:t>
                       </a:r>
                     </a:p>
                   </a:txBody>
@@ -15932,7 +15936,33 @@
                           <a:effectLst/>
                           <a:latin typeface="Calibri" panose="020F0502020204030204" pitchFamily="34" charset="0"/>
                         </a:rPr>
-                        <a:t>510757,3</a:t>
+                        <a:t>510735,5</a:t>
+                      </a:r>
+                    </a:p>
+                  </a:txBody>
+                  <a:tcPr marL="9525" marR="9525" marT="9525" marB="0" anchor="b">
+                    <a:solidFill>
+                      <a:schemeClr val="accent3">
+                        <a:lumMod val="75000"/>
+                      </a:schemeClr>
+                    </a:solidFill>
+                  </a:tcPr>
+                </a:tc>
+                <a:tc>
+                  <a:txBody>
+                    <a:bodyPr/>
+                    <a:lstStyle/>
+                    <a:p>
+                      <a:pPr algn="l" fontAlgn="b"/>
+                      <a:r>
+                        <a:rPr lang="de-DE" sz="1100" b="1" i="0" u="none" strike="noStrike" dirty="0">
+                          <a:solidFill>
+                            <a:srgbClr val="000000"/>
+                          </a:solidFill>
+                          <a:effectLst/>
+                          <a:latin typeface="Calibri" panose="020F0502020204030204" pitchFamily="34" charset="0"/>
+                        </a:rPr>
+                        <a:t>510754,5</a:t>
                       </a:r>
                     </a:p>
                   </a:txBody>
@@ -16057,7 +16087,7 @@
           </p:nvPr>
         </p:nvPicPr>
         <p:blipFill>
-          <a:blip r:embed="rId4" cstate="print">
+          <a:blip r:embed="rId4">
             <a:extLst>
               <a:ext uri="{28A0092B-C50C-407E-A947-70E740481C1C}">
                 <a14:useLocalDpi xmlns:a14="http://schemas.microsoft.com/office/drawing/2010/main" val="0"/>
@@ -16070,8 +16100,8 @@
         </p:blipFill>
         <p:spPr>
           <a:xfrm>
-            <a:off x="4645026" y="1419225"/>
-            <a:ext cx="4175447" cy="2232025"/>
+            <a:off x="4645026" y="1419226"/>
+            <a:ext cx="4175447" cy="2232644"/>
           </a:xfrm>
         </p:spPr>
       </p:pic>
@@ -16146,44 +16176,219 @@
           </a:p>
         </p:txBody>
       </p:sp>
-      <p:sp>
-        <p:nvSpPr>
-          <p:cNvPr id="10" name="Inhaltsplatzhalter 9"/>
-          <p:cNvSpPr>
-            <a:spLocks noGrp="1"/>
-          </p:cNvSpPr>
-          <p:nvPr>
-            <p:ph sz="quarter" idx="13"/>
-          </p:nvPr>
-        </p:nvSpPr>
-        <p:spPr/>
-        <p:txBody>
-          <a:bodyPr>
-            <a:normAutofit fontScale="92500" lnSpcReduction="10000"/>
-          </a:bodyPr>
-          <a:lstStyle/>
-          <a:p>
-            <a:r>
-              <a:rPr lang="de-DE" dirty="0"/>
-              <a:t>Best fit: GARCH(1,1)</a:t>
-            </a:r>
-          </a:p>
-          <a:p>
-            <a:r>
-              <a:rPr lang="de-DE" dirty="0"/>
-              <a:t>p-Wert Box-Pierce-Test der Residuen: </a:t>
-            </a:r>
-            <a:r>
-              <a:rPr lang="de-DE" b="1" dirty="0"/>
-              <a:t>0.3979</a:t>
-            </a:r>
-            <a:r>
-              <a:rPr lang="de-DE" dirty="0"/>
-              <a:t> </a:t>
-            </a:r>
-          </a:p>
-        </p:txBody>
-      </p:sp>
+      <mc:AlternateContent xmlns:mc="http://schemas.openxmlformats.org/markup-compatibility/2006">
+        <mc:Choice xmlns:a14="http://schemas.microsoft.com/office/drawing/2010/main" Requires="a14">
+          <p:sp>
+            <p:nvSpPr>
+              <p:cNvPr id="10" name="Inhaltsplatzhalter 9"/>
+              <p:cNvSpPr>
+                <a:spLocks noGrp="1"/>
+              </p:cNvSpPr>
+              <p:nvPr>
+                <p:ph sz="quarter" idx="13"/>
+              </p:nvPr>
+            </p:nvSpPr>
+            <p:spPr/>
+            <p:txBody>
+              <a:bodyPr>
+                <a:normAutofit fontScale="92500" lnSpcReduction="10000"/>
+              </a:bodyPr>
+              <a:lstStyle/>
+              <a:p>
+                <a:r>
+                  <a:rPr lang="de-DE" dirty="0" smtClean="0"/>
+                  <a:t>Best fit: GARCH(1,1) mit </a:t>
+                </a:r>
+                <a14:m>
+                  <m:oMath xmlns:m="http://schemas.openxmlformats.org/officeDocument/2006/math">
+                    <m:sSub>
+                      <m:sSubPr>
+                        <m:ctrlPr>
+                          <a:rPr lang="de-DE" i="1">
+                            <a:latin typeface="Cambria Math" panose="02040503050406030204" pitchFamily="18" charset="0"/>
+                          </a:rPr>
+                        </m:ctrlPr>
+                      </m:sSubPr>
+                      <m:e>
+                        <m:r>
+                          <m:rPr>
+                            <m:sty m:val="p"/>
+                          </m:rPr>
+                          <a:rPr lang="el-GR" i="1">
+                            <a:latin typeface="Cambria Math" panose="02040503050406030204" pitchFamily="18" charset="0"/>
+                          </a:rPr>
+                          <m:t>α</m:t>
+                        </m:r>
+                      </m:e>
+                      <m:sub>
+                        <m:r>
+                          <a:rPr lang="de-DE" i="1">
+                            <a:latin typeface="Cambria Math" panose="02040503050406030204" pitchFamily="18" charset="0"/>
+                          </a:rPr>
+                          <m:t>0</m:t>
+                        </m:r>
+                      </m:sub>
+                    </m:sSub>
+                    <m:r>
+                      <a:rPr lang="de-DE" i="1">
+                        <a:latin typeface="Cambria Math" panose="02040503050406030204" pitchFamily="18" charset="0"/>
+                      </a:rPr>
+                      <m:t>=1</m:t>
+                    </m:r>
+                    <m:r>
+                      <a:rPr lang="de-DE" b="0" i="1" smtClean="0">
+                        <a:latin typeface="Cambria Math" panose="02040503050406030204" pitchFamily="18" charset="0"/>
+                      </a:rPr>
+                      <m:t>.00223</m:t>
+                    </m:r>
+                    <m:r>
+                      <a:rPr lang="de-DE" i="1">
+                        <a:latin typeface="Cambria Math" panose="02040503050406030204" pitchFamily="18" charset="0"/>
+                      </a:rPr>
+                      <m:t>,  </m:t>
+                    </m:r>
+                    <m:sSub>
+                      <m:sSubPr>
+                        <m:ctrlPr>
+                          <a:rPr lang="de-DE" i="1">
+                            <a:latin typeface="Cambria Math" panose="02040503050406030204" pitchFamily="18" charset="0"/>
+                          </a:rPr>
+                        </m:ctrlPr>
+                      </m:sSubPr>
+                      <m:e>
+                        <m:r>
+                          <m:rPr>
+                            <m:sty m:val="p"/>
+                          </m:rPr>
+                          <a:rPr lang="el-GR" i="1">
+                            <a:latin typeface="Cambria Math" panose="02040503050406030204" pitchFamily="18" charset="0"/>
+                          </a:rPr>
+                          <m:t>α</m:t>
+                        </m:r>
+                      </m:e>
+                      <m:sub>
+                        <m:r>
+                          <a:rPr lang="de-DE" i="1">
+                            <a:latin typeface="Cambria Math" panose="02040503050406030204" pitchFamily="18" charset="0"/>
+                          </a:rPr>
+                          <m:t>1</m:t>
+                        </m:r>
+                      </m:sub>
+                    </m:sSub>
+                    <m:r>
+                      <a:rPr lang="de-DE" i="1">
+                        <a:latin typeface="Cambria Math" panose="02040503050406030204" pitchFamily="18" charset="0"/>
+                      </a:rPr>
+                      <m:t>=0.</m:t>
+                    </m:r>
+                    <m:r>
+                      <a:rPr lang="de-DE" b="0" i="0" smtClean="0">
+                        <a:latin typeface="Cambria Math" panose="02040503050406030204" pitchFamily="18" charset="0"/>
+                      </a:rPr>
+                      <m:t>09778</m:t>
+                    </m:r>
+                    <m:r>
+                      <a:rPr lang="de-DE">
+                        <a:latin typeface="Cambria Math" panose="02040503050406030204" pitchFamily="18" charset="0"/>
+                      </a:rPr>
+                      <m:t>,  </m:t>
+                    </m:r>
+                    <m:sSub>
+                      <m:sSubPr>
+                        <m:ctrlPr>
+                          <a:rPr lang="de-DE" i="1">
+                            <a:latin typeface="Cambria Math" panose="02040503050406030204" pitchFamily="18" charset="0"/>
+                          </a:rPr>
+                        </m:ctrlPr>
+                      </m:sSubPr>
+                      <m:e>
+                        <m:r>
+                          <m:rPr>
+                            <m:sty m:val="p"/>
+                          </m:rPr>
+                          <a:rPr lang="el-GR" i="1">
+                            <a:latin typeface="Cambria Math" panose="02040503050406030204" pitchFamily="18" charset="0"/>
+                          </a:rPr>
+                          <m:t>β</m:t>
+                        </m:r>
+                      </m:e>
+                      <m:sub>
+                        <m:r>
+                          <a:rPr lang="de-DE" i="1">
+                            <a:latin typeface="Cambria Math" panose="02040503050406030204" pitchFamily="18" charset="0"/>
+                          </a:rPr>
+                          <m:t>1</m:t>
+                        </m:r>
+                      </m:sub>
+                    </m:sSub>
+                    <m:r>
+                      <a:rPr lang="de-DE" i="1">
+                        <a:latin typeface="Cambria Math" panose="02040503050406030204" pitchFamily="18" charset="0"/>
+                      </a:rPr>
+                      <m:t>=0.</m:t>
+                    </m:r>
+                    <m:r>
+                      <a:rPr lang="de-DE" b="0" i="1" smtClean="0">
+                        <a:latin typeface="Cambria Math" panose="02040503050406030204" pitchFamily="18" charset="0"/>
+                      </a:rPr>
+                      <m:t>80298</m:t>
+                    </m:r>
+                  </m:oMath>
+                </a14:m>
+                <a:endParaRPr lang="de-DE" dirty="0"/>
+              </a:p>
+              <a:p>
+                <a:r>
+                  <a:rPr lang="de-DE" dirty="0"/>
+                  <a:t>p-Wert Box-Pierce-Test der Residuen: </a:t>
+                </a:r>
+                <a:r>
+                  <a:rPr lang="de-DE" b="1" dirty="0" smtClean="0"/>
+                  <a:t>0.3953</a:t>
+                </a:r>
+                <a:r>
+                  <a:rPr lang="de-DE" dirty="0" smtClean="0"/>
+                  <a:t> </a:t>
+                </a:r>
+                <a:endParaRPr lang="de-DE" dirty="0"/>
+              </a:p>
+            </p:txBody>
+          </p:sp>
+        </mc:Choice>
+        <mc:Fallback>
+          <p:sp>
+            <p:nvSpPr>
+              <p:cNvPr id="10" name="Inhaltsplatzhalter 9"/>
+              <p:cNvSpPr>
+                <a:spLocks noGrp="1" noRot="1" noChangeAspect="1" noMove="1" noResize="1" noEditPoints="1" noAdjustHandles="1" noChangeArrowheads="1" noChangeShapeType="1" noTextEdit="1"/>
+              </p:cNvSpPr>
+              <p:nvPr>
+                <p:ph sz="quarter" idx="13"/>
+              </p:nvPr>
+            </p:nvSpPr>
+            <p:spPr>
+              <a:blipFill>
+                <a:blip r:embed="rId5"/>
+                <a:stretch>
+                  <a:fillRect t="-4167" b="-6250"/>
+                </a:stretch>
+              </a:blipFill>
+            </p:spPr>
+            <p:txBody>
+              <a:bodyPr/>
+              <a:lstStyle/>
+              <a:p>
+                <a:r>
+                  <a:rPr lang="de-DE">
+                    <a:noFill/>
+                  </a:rPr>
+                  <a:t> </a:t>
+                </a:r>
+              </a:p>
+            </p:txBody>
+          </p:sp>
+        </mc:Fallback>
+      </mc:AlternateContent>
     </p:spTree>
     <p:extLst>
       <p:ext uri="{BB962C8B-B14F-4D97-AF65-F5344CB8AC3E}">
@@ -19016,9 +19221,51 @@
           <a:lstStyle/>
           <a:p>
             <a:r>
+              <a:rPr lang="de-DE" dirty="0" smtClean="0"/>
+              <a:t>ARCH &amp; GARCH-Prozesse wichtig bei der Modellierung von Prozessen mit Volatilitätsschwankungen</a:t>
+            </a:r>
+          </a:p>
+          <a:p>
+            <a:r>
+              <a:rPr lang="de-DE" dirty="0" smtClean="0"/>
+              <a:t>ARCH-Prozesse identifizierbar anhand der PACF der quadrierten Daten (AR-Modell)</a:t>
+            </a:r>
+          </a:p>
+          <a:p>
+            <a:r>
+              <a:rPr lang="de-DE" dirty="0" smtClean="0"/>
+              <a:t>Identifizierung von GARCH-Prozessen schwierig (Verwechselbarkeit mit ARCH-Prozessen hohen Grades)</a:t>
+            </a:r>
+          </a:p>
+          <a:p>
+            <a:r>
+              <a:rPr lang="de-DE" dirty="0" smtClean="0"/>
+              <a:t>BIC als Kriterium für Model </a:t>
+            </a:r>
+            <a:r>
+              <a:rPr lang="de-DE" dirty="0" err="1" smtClean="0"/>
+              <a:t>Selection</a:t>
+            </a:r>
+            <a:r>
+              <a:rPr lang="de-DE" dirty="0" smtClean="0"/>
+              <a:t> für große N zur Auswahl des korrekten Modells sinnvoll (asymptotisch konsistent)</a:t>
+            </a:r>
+            <a:endParaRPr lang="de-DE" dirty="0" smtClean="0"/>
+          </a:p>
+          <a:p>
+            <a:r>
+              <a:rPr lang="de-DE" dirty="0" smtClean="0"/>
+              <a:t>GARCH-Modellierung zur Vorhersage von </a:t>
+            </a:r>
+            <a:r>
               <a:rPr lang="de-DE" dirty="0"/>
-              <a:t>TODO Resümee</a:t>
-            </a:r>
+              <a:t>Volatilitätsschwankungen</a:t>
+            </a:r>
+            <a:r>
+              <a:rPr lang="de-DE" dirty="0" smtClean="0"/>
+              <a:t> bei Zeitreihen im Finanzbereich </a:t>
+            </a:r>
+            <a:endParaRPr lang="de-DE" dirty="0"/>
           </a:p>
         </p:txBody>
       </p:sp>
@@ -19216,6 +19463,17 @@
             <a:r>
               <a:rPr lang="de-DE" dirty="0"/>
               <a:t>, O., Schlegel, A.:</a:t>
+            </a:r>
+            <a:r>
+              <a:rPr lang="de-DE" sz="1400" dirty="0">
+                <a:solidFill>
+                  <a:schemeClr val="tx1">
+                    <a:lumMod val="75000"/>
+                    <a:lumOff val="25000"/>
+                  </a:schemeClr>
+                </a:solidFill>
+              </a:rPr>
+              <a:t/>
             </a:r>
             <a:br>
               <a:rPr lang="de-DE" sz="1400" dirty="0">
@@ -20229,6 +20487,14 @@
   <p:clrMapOvr>
     <a:masterClrMapping/>
   </p:clrMapOvr>
+  <mc:AlternateContent xmlns:mc="http://schemas.openxmlformats.org/markup-compatibility/2006">
+    <mc:Choice xmlns:p14="http://schemas.microsoft.com/office/powerpoint/2010/main" Requires="p14">
+      <p:transition spd="slow" p14:dur="2000"/>
+    </mc:Choice>
+    <mc:Fallback>
+      <p:transition spd="slow"/>
+    </mc:Fallback>
+  </mc:AlternateContent>
 </p:sld>
 </file>
 
@@ -21700,13 +21966,22 @@
               <a:t> </a:t>
             </a:r>
             <a:r>
-              <a:rPr lang="de-DE" sz="1400" dirty="0" err="1"/>
+              <a:rPr lang="de-DE" sz="1400" dirty="0" err="1" smtClean="0"/>
               <a:t>highest</a:t>
             </a:r>
             <a:r>
               <a:rPr lang="de-DE" sz="1400" dirty="0"/>
-              <a:t> AIC</a:t>
-            </a:r>
+              <a:t> </a:t>
+            </a:r>
+            <a:r>
+              <a:rPr lang="de-DE" sz="1400" dirty="0"/>
+              <a:t>B</a:t>
+            </a:r>
+            <a:r>
+              <a:rPr lang="de-DE" sz="1400" dirty="0" smtClean="0"/>
+              <a:t>IC</a:t>
+            </a:r>
+            <a:endParaRPr lang="de-DE" sz="1400" dirty="0"/>
           </a:p>
           <a:p>
             <a:endParaRPr lang="de-DE" dirty="0"/>
@@ -22053,8 +22328,8 @@
           </a:p>
         </p:txBody>
       </p:sp>
-      <mc:AlternateContent xmlns:mc="http://schemas.openxmlformats.org/markup-compatibility/2006" xmlns:a14="http://schemas.microsoft.com/office/drawing/2010/main">
-        <mc:Choice Requires="a14">
+      <mc:AlternateContent xmlns:mc="http://schemas.openxmlformats.org/markup-compatibility/2006">
+        <mc:Choice xmlns:a14="http://schemas.microsoft.com/office/drawing/2010/main" Requires="a14">
           <p:sp>
             <p:nvSpPr>
               <p:cNvPr id="3" name="Inhaltsplatzhalter 2"/>
@@ -22831,7 +23106,19 @@
                   <a:rPr lang="de-DE" dirty="0">
                     <a:sym typeface="Wingdings" panose="05000000000000000000" pitchFamily="2" charset="2"/>
                   </a:rPr>
-                  <a:t>Benutztes Kriterium: Kleinster AIC Wert  Best fit</a:t>
+                  <a:t>Benutztes Kriterium: Kleinster </a:t>
+                </a:r>
+                <a:r>
+                  <a:rPr lang="de-DE" dirty="0" smtClean="0">
+                    <a:sym typeface="Wingdings" panose="05000000000000000000" pitchFamily="2" charset="2"/>
+                  </a:rPr>
+                  <a:t>BIC Wert (asymptotisch konsistent) </a:t>
+                </a:r>
+                <a:r>
+                  <a:rPr lang="de-DE" dirty="0">
+                    <a:sym typeface="Wingdings" panose="05000000000000000000" pitchFamily="2" charset="2"/>
+                  </a:rPr>
+                  <a:t> Best fit</a:t>
                 </a:r>
                 <a:endParaRPr lang="de-DE" b="0" dirty="0">
                   <a:sym typeface="Wingdings" panose="05000000000000000000" pitchFamily="2" charset="2"/>
@@ -22911,7 +23198,7 @@
             </p:txBody>
           </p:sp>
         </mc:Choice>
-        <mc:Fallback xmlns="">
+        <mc:Fallback>
           <p:sp>
             <p:nvSpPr>
               <p:cNvPr id="3" name="Inhaltsplatzhalter 2"/>

--- a/presentation/tsa_presentation_final.pptx
+++ b/presentation/tsa_presentation_final.pptx
@@ -5,10 +5,10 @@
     <p:sldMasterId id="2147483658" r:id="rId1"/>
   </p:sldMasterIdLst>
   <p:notesMasterIdLst>
-    <p:notesMasterId r:id="rId26"/>
+    <p:notesMasterId r:id="rId25"/>
   </p:notesMasterIdLst>
   <p:handoutMasterIdLst>
-    <p:handoutMasterId r:id="rId27"/>
+    <p:handoutMasterId r:id="rId26"/>
   </p:handoutMasterIdLst>
   <p:sldIdLst>
     <p:sldId id="290" r:id="rId2"/>
@@ -24,17 +24,16 @@
     <p:sldId id="327" r:id="rId12"/>
     <p:sldId id="328" r:id="rId13"/>
     <p:sldId id="329" r:id="rId14"/>
-    <p:sldId id="332" r:id="rId15"/>
-    <p:sldId id="331" r:id="rId16"/>
-    <p:sldId id="334" r:id="rId17"/>
-    <p:sldId id="335" r:id="rId18"/>
-    <p:sldId id="336" r:id="rId19"/>
-    <p:sldId id="337" r:id="rId20"/>
-    <p:sldId id="338" r:id="rId21"/>
-    <p:sldId id="340" r:id="rId22"/>
-    <p:sldId id="304" r:id="rId23"/>
-    <p:sldId id="323" r:id="rId24"/>
-    <p:sldId id="301" r:id="rId25"/>
+    <p:sldId id="341" r:id="rId15"/>
+    <p:sldId id="342" r:id="rId16"/>
+    <p:sldId id="343" r:id="rId17"/>
+    <p:sldId id="344" r:id="rId18"/>
+    <p:sldId id="345" r:id="rId19"/>
+    <p:sldId id="346" r:id="rId20"/>
+    <p:sldId id="347" r:id="rId21"/>
+    <p:sldId id="304" r:id="rId22"/>
+    <p:sldId id="323" r:id="rId23"/>
+    <p:sldId id="301" r:id="rId24"/>
   </p:sldIdLst>
   <p:sldSz cx="9144000" cy="5143500" type="screen16x9"/>
   <p:notesSz cx="6858000" cy="9144000"/>
@@ -249,7 +248,7 @@
             <a:fld id="{8A7CD7E6-D14C-4ECF-BE72-9282675AAFCC}" type="datetimeFigureOut">
               <a:rPr lang="de-DE" smtClean="0"/>
               <a:pPr/>
-              <a:t>05.08.2018</a:t>
+              <a:t>05.08.18</a:t>
             </a:fld>
             <a:endParaRPr lang="de-DE"/>
           </a:p>
@@ -316,7 +315,7 @@
             <a:fld id="{7119B856-22C7-4D3D-8424-185753AB3E24}" type="slidenum">
               <a:rPr lang="de-DE" smtClean="0"/>
               <a:pPr/>
-              <a:t>‹Nr.›</a:t>
+              <a:t>‹#›</a:t>
             </a:fld>
             <a:endParaRPr lang="de-DE"/>
           </a:p>
@@ -416,7 +415,7 @@
             <a:fld id="{9DEF7BA6-6945-4979-A31E-1F3FA0D91DC4}" type="datetimeFigureOut">
               <a:rPr lang="de-DE" smtClean="0"/>
               <a:pPr/>
-              <a:t>05.08.2018</a:t>
+              <a:t>05.08.18</a:t>
             </a:fld>
             <a:endParaRPr lang="de-DE"/>
           </a:p>
@@ -577,7 +576,7 @@
             <a:fld id="{6706D1AF-4C0D-4753-9D96-DDC1A4BC5412}" type="slidenum">
               <a:rPr lang="de-DE" smtClean="0"/>
               <a:pPr/>
-              <a:t>‹Nr.›</a:t>
+              <a:t>‹#›</a:t>
             </a:fld>
             <a:endParaRPr lang="de-DE"/>
           </a:p>
@@ -792,7 +791,7 @@
       </p:grpSpPr>
       <p:sp>
         <p:nvSpPr>
-          <p:cNvPr id="2" name="Folienbildplatzhalter 1"/>
+          <p:cNvPr id="2" name="Slide Image Placeholder 1"/>
           <p:cNvSpPr>
             <a:spLocks noGrp="1" noRot="1" noChangeAspect="1"/>
           </p:cNvSpPr>
@@ -804,7 +803,7 @@
       </p:sp>
       <p:sp>
         <p:nvSpPr>
-          <p:cNvPr id="3" name="Notizenplatzhalter 2"/>
+          <p:cNvPr id="3" name="Notes Placeholder 2"/>
           <p:cNvSpPr>
             <a:spLocks noGrp="1"/>
           </p:cNvSpPr>
@@ -823,7 +822,7 @@
       </p:sp>
       <p:sp>
         <p:nvSpPr>
-          <p:cNvPr id="4" name="Foliennummernplatzhalter 3"/>
+          <p:cNvPr id="4" name="Slide Number Placeholder 3"/>
           <p:cNvSpPr>
             <a:spLocks noGrp="1"/>
           </p:cNvSpPr>
@@ -839,7 +838,92 @@
             <a:fld id="{6706D1AF-4C0D-4753-9D96-DDC1A4BC5412}" type="slidenum">
               <a:rPr lang="de-DE" smtClean="0"/>
               <a:pPr/>
-              <a:t>22</a:t>
+              <a:t>20</a:t>
+            </a:fld>
+            <a:endParaRPr lang="de-DE"/>
+          </a:p>
+        </p:txBody>
+      </p:sp>
+    </p:spTree>
+    <p:extLst>
+      <p:ext uri="{BB962C8B-B14F-4D97-AF65-F5344CB8AC3E}">
+        <p14:creationId xmlns:p14="http://schemas.microsoft.com/office/powerpoint/2010/main" val="907930197"/>
+      </p:ext>
+    </p:extLst>
+  </p:cSld>
+  <p:clrMapOvr>
+    <a:masterClrMapping/>
+  </p:clrMapOvr>
+</p:notes>
+</file>
+
+<file path=ppt/notesSlides/notesSlide11.xml><?xml version="1.0" encoding="utf-8"?>
+<p:notes xmlns:a="http://schemas.openxmlformats.org/drawingml/2006/main" xmlns:r="http://schemas.openxmlformats.org/officeDocument/2006/relationships" xmlns:p="http://schemas.openxmlformats.org/presentationml/2006/main">
+  <p:cSld>
+    <p:spTree>
+      <p:nvGrpSpPr>
+        <p:cNvPr id="1" name=""/>
+        <p:cNvGrpSpPr/>
+        <p:nvPr/>
+      </p:nvGrpSpPr>
+      <p:grpSpPr>
+        <a:xfrm>
+          <a:off x="0" y="0"/>
+          <a:ext cx="0" cy="0"/>
+          <a:chOff x="0" y="0"/>
+          <a:chExt cx="0" cy="0"/>
+        </a:xfrm>
+      </p:grpSpPr>
+      <p:sp>
+        <p:nvSpPr>
+          <p:cNvPr id="2" name="Folienbildplatzhalter 1"/>
+          <p:cNvSpPr>
+            <a:spLocks noGrp="1" noRot="1" noChangeAspect="1"/>
+          </p:cNvSpPr>
+          <p:nvPr>
+            <p:ph type="sldImg"/>
+          </p:nvPr>
+        </p:nvSpPr>
+        <p:spPr/>
+      </p:sp>
+      <p:sp>
+        <p:nvSpPr>
+          <p:cNvPr id="3" name="Notizenplatzhalter 2"/>
+          <p:cNvSpPr>
+            <a:spLocks noGrp="1"/>
+          </p:cNvSpPr>
+          <p:nvPr>
+            <p:ph type="body" idx="1"/>
+          </p:nvPr>
+        </p:nvSpPr>
+        <p:spPr/>
+        <p:txBody>
+          <a:bodyPr/>
+          <a:lstStyle/>
+          <a:p>
+            <a:endParaRPr lang="de-DE" dirty="0"/>
+          </a:p>
+        </p:txBody>
+      </p:sp>
+      <p:sp>
+        <p:nvSpPr>
+          <p:cNvPr id="4" name="Foliennummernplatzhalter 3"/>
+          <p:cNvSpPr>
+            <a:spLocks noGrp="1"/>
+          </p:cNvSpPr>
+          <p:nvPr>
+            <p:ph type="sldNum" sz="quarter" idx="10"/>
+          </p:nvPr>
+        </p:nvSpPr>
+        <p:spPr/>
+        <p:txBody>
+          <a:bodyPr/>
+          <a:lstStyle/>
+          <a:p>
+            <a:fld id="{6706D1AF-4C0D-4753-9D96-DDC1A4BC5412}" type="slidenum">
+              <a:rPr lang="de-DE" smtClean="0"/>
+              <a:pPr/>
+              <a:t>21</a:t>
             </a:fld>
             <a:endParaRPr lang="de-DE"/>
           </a:p>
@@ -1322,12 +1406,8 @@
           <a:lstStyle/>
           <a:p>
             <a:r>
-              <a:rPr lang="de-DE" dirty="0" smtClean="0"/>
-              <a:t>Zu </a:t>
-            </a:r>
-            <a:r>
               <a:rPr lang="de-DE" dirty="0"/>
-              <a:t>GARCH(1,1):</a:t>
+              <a:t>Zu GARCH(1,1):</a:t>
             </a:r>
             <a:r>
               <a:rPr lang="de-DE" baseline="0" dirty="0"/>
@@ -2611,7 +2691,7 @@
     </p:spTree>
     <p:extLst>
       <p:ext uri="{BB962C8B-B14F-4D97-AF65-F5344CB8AC3E}">
-        <p14:creationId xmlns:p14="http://schemas.microsoft.com/office/powerpoint/2010/main" val="456308351"/>
+        <p14:creationId xmlns:p14="http://schemas.microsoft.com/office/powerpoint/2010/main" val="1535560334"/>
       </p:ext>
     </p:extLst>
   </p:cSld>
@@ -2696,7 +2776,7 @@
     </p:spTree>
     <p:extLst>
       <p:ext uri="{BB962C8B-B14F-4D97-AF65-F5344CB8AC3E}">
-        <p14:creationId xmlns:p14="http://schemas.microsoft.com/office/powerpoint/2010/main" val="3478881884"/>
+        <p14:creationId xmlns:p14="http://schemas.microsoft.com/office/powerpoint/2010/main" val="459565419"/>
       </p:ext>
     </p:extLst>
   </p:cSld>
@@ -3106,7 +3186,7 @@
             <a:fld id="{C6F490E5-6BD8-4297-ACA2-2AC87192B70F}" type="datetime1">
               <a:rPr lang="de-DE" smtClean="0"/>
               <a:pPr/>
-              <a:t>05.08.2018</a:t>
+              <a:t>05.08.18</a:t>
             </a:fld>
             <a:endParaRPr lang="de-DE"/>
           </a:p>
@@ -3130,7 +3210,7 @@
             <a:fld id="{015363AA-F6CB-4A58-B5AD-B2CDFEAF0813}" type="slidenum">
               <a:rPr lang="de-DE" smtClean="0"/>
               <a:pPr/>
-              <a:t>‹Nr.›</a:t>
+              <a:t>‹#›</a:t>
             </a:fld>
             <a:endParaRPr lang="de-DE"/>
           </a:p>
@@ -3406,7 +3486,7 @@
             <a:fld id="{18321833-73FA-4B7B-8368-585F78905B8E}" type="datetime1">
               <a:rPr lang="de-DE" smtClean="0"/>
               <a:pPr/>
-              <a:t>05.08.2018</a:t>
+              <a:t>05.08.18</a:t>
             </a:fld>
             <a:endParaRPr lang="de-DE"/>
           </a:p>
@@ -3452,7 +3532,7 @@
             <a:fld id="{015363AA-F6CB-4A58-B5AD-B2CDFEAF0813}" type="slidenum">
               <a:rPr lang="de-DE" smtClean="0"/>
               <a:pPr/>
-              <a:t>‹Nr.›</a:t>
+              <a:t>‹#›</a:t>
             </a:fld>
             <a:endParaRPr lang="de-DE"/>
           </a:p>
@@ -3523,7 +3603,7 @@
             <a:fld id="{3E1C52E8-7F49-4B86-AEB2-23BC7104D5B2}" type="datetime1">
               <a:rPr lang="de-DE" smtClean="0"/>
               <a:pPr/>
-              <a:t>05.08.2018</a:t>
+              <a:t>05.08.18</a:t>
             </a:fld>
             <a:endParaRPr lang="de-DE"/>
           </a:p>
@@ -3569,7 +3649,7 @@
             <a:fld id="{015363AA-F6CB-4A58-B5AD-B2CDFEAF0813}" type="slidenum">
               <a:rPr lang="de-DE" smtClean="0"/>
               <a:pPr/>
-              <a:t>‹Nr.›</a:t>
+              <a:t>‹#›</a:t>
             </a:fld>
             <a:endParaRPr lang="de-DE"/>
           </a:p>
@@ -3787,7 +3867,7 @@
             <a:fld id="{3E1C52E8-7F49-4B86-AEB2-23BC7104D5B2}" type="datetime1">
               <a:rPr lang="de-DE" smtClean="0"/>
               <a:pPr/>
-              <a:t>05.08.2018</a:t>
+              <a:t>05.08.18</a:t>
             </a:fld>
             <a:endParaRPr lang="de-DE"/>
           </a:p>
@@ -3833,7 +3913,7 @@
             <a:fld id="{015363AA-F6CB-4A58-B5AD-B2CDFEAF0813}" type="slidenum">
               <a:rPr lang="de-DE" smtClean="0"/>
               <a:pPr/>
-              <a:t>‹Nr.›</a:t>
+              <a:t>‹#›</a:t>
             </a:fld>
             <a:endParaRPr lang="de-DE"/>
           </a:p>
@@ -4489,7 +4569,7 @@
             <a:fld id="{DA5DE712-6C0E-4DF7-B336-AC97213DC93D}" type="datetime1">
               <a:rPr lang="de-DE" smtClean="0"/>
               <a:pPr/>
-              <a:t>05.08.2018</a:t>
+              <a:t>05.08.18</a:t>
             </a:fld>
             <a:endParaRPr lang="de-DE"/>
           </a:p>
@@ -4535,7 +4615,7 @@
             <a:fld id="{015363AA-F6CB-4A58-B5AD-B2CDFEAF0813}" type="slidenum">
               <a:rPr lang="de-DE" smtClean="0"/>
               <a:pPr/>
-              <a:t>‹Nr.›</a:t>
+              <a:t>‹#›</a:t>
             </a:fld>
             <a:endParaRPr lang="de-DE"/>
           </a:p>
@@ -5052,7 +5132,7 @@
             <a:fld id="{DA5DE712-6C0E-4DF7-B336-AC97213DC93D}" type="datetime1">
               <a:rPr lang="de-DE" smtClean="0"/>
               <a:pPr/>
-              <a:t>05.08.2018</a:t>
+              <a:t>05.08.18</a:t>
             </a:fld>
             <a:endParaRPr lang="de-DE"/>
           </a:p>
@@ -5098,7 +5178,7 @@
             <a:fld id="{015363AA-F6CB-4A58-B5AD-B2CDFEAF0813}" type="slidenum">
               <a:rPr lang="de-DE" smtClean="0"/>
               <a:pPr/>
-              <a:t>‹Nr.›</a:t>
+              <a:t>‹#›</a:t>
             </a:fld>
             <a:endParaRPr lang="de-DE"/>
           </a:p>
@@ -5355,7 +5435,7 @@
             <a:fld id="{19A0FC43-5E73-44C2-BFDB-9FAD1E8FED0E}" type="datetime1">
               <a:rPr lang="de-DE" smtClean="0"/>
               <a:pPr/>
-              <a:t>05.08.2018</a:t>
+              <a:t>05.08.18</a:t>
             </a:fld>
             <a:endParaRPr lang="de-DE"/>
           </a:p>
@@ -5401,7 +5481,7 @@
             <a:fld id="{015363AA-F6CB-4A58-B5AD-B2CDFEAF0813}" type="slidenum">
               <a:rPr lang="de-DE" smtClean="0"/>
               <a:pPr/>
-              <a:t>‹Nr.›</a:t>
+              <a:t>‹#›</a:t>
             </a:fld>
             <a:endParaRPr lang="de-DE"/>
           </a:p>
@@ -5632,7 +5712,7 @@
             <a:fld id="{065E8A4D-8D16-457C-AFD8-844AF28C1B14}" type="datetime1">
               <a:rPr lang="de-DE" smtClean="0"/>
               <a:pPr/>
-              <a:t>05.08.2018</a:t>
+              <a:t>05.08.18</a:t>
             </a:fld>
             <a:endParaRPr lang="de-DE"/>
           </a:p>
@@ -5678,7 +5758,7 @@
             <a:fld id="{015363AA-F6CB-4A58-B5AD-B2CDFEAF0813}" type="slidenum">
               <a:rPr lang="de-DE" smtClean="0"/>
               <a:pPr/>
-              <a:t>‹Nr.›</a:t>
+              <a:t>‹#›</a:t>
             </a:fld>
             <a:endParaRPr lang="de-DE"/>
           </a:p>
@@ -5834,7 +5914,7 @@
             <a:fld id="{6DB845E5-DACF-426C-8A10-A6438D29DD66}" type="datetime1">
               <a:rPr lang="de-DE" smtClean="0"/>
               <a:pPr/>
-              <a:t>05.08.2018</a:t>
+              <a:t>05.08.18</a:t>
             </a:fld>
             <a:endParaRPr lang="de-DE"/>
           </a:p>
@@ -5880,7 +5960,7 @@
             <a:fld id="{015363AA-F6CB-4A58-B5AD-B2CDFEAF0813}" type="slidenum">
               <a:rPr lang="de-DE" smtClean="0"/>
               <a:pPr/>
-              <a:t>‹Nr.›</a:t>
+              <a:t>‹#›</a:t>
             </a:fld>
             <a:endParaRPr lang="de-DE"/>
           </a:p>
@@ -6139,7 +6219,7 @@
             <a:fld id="{CA605C2C-549A-4615-A3C1-D5E9E9947B76}" type="datetime1">
               <a:rPr lang="de-DE" smtClean="0"/>
               <a:pPr/>
-              <a:t>05.08.2018</a:t>
+              <a:t>05.08.18</a:t>
             </a:fld>
             <a:endParaRPr lang="de-DE"/>
           </a:p>
@@ -6185,7 +6265,7 @@
             <a:fld id="{015363AA-F6CB-4A58-B5AD-B2CDFEAF0813}" type="slidenum">
               <a:rPr lang="de-DE" smtClean="0"/>
               <a:pPr/>
-              <a:t>‹Nr.›</a:t>
+              <a:t>‹#›</a:t>
             </a:fld>
             <a:endParaRPr lang="de-DE"/>
           </a:p>
@@ -6610,7 +6690,7 @@
             <a:fld id="{DA5DE712-6C0E-4DF7-B336-AC97213DC93D}" type="datetime1">
               <a:rPr lang="de-DE" smtClean="0"/>
               <a:pPr/>
-              <a:t>05.08.2018</a:t>
+              <a:t>05.08.18</a:t>
             </a:fld>
             <a:endParaRPr lang="de-DE"/>
           </a:p>
@@ -6656,7 +6736,7 @@
             <a:fld id="{015363AA-F6CB-4A58-B5AD-B2CDFEAF0813}" type="slidenum">
               <a:rPr lang="de-DE" smtClean="0"/>
               <a:pPr/>
-              <a:t>‹Nr.›</a:t>
+              <a:t>‹#›</a:t>
             </a:fld>
             <a:endParaRPr lang="de-DE"/>
           </a:p>
@@ -7081,7 +7161,7 @@
             <a:fld id="{DA5DE712-6C0E-4DF7-B336-AC97213DC93D}" type="datetime1">
               <a:rPr lang="de-DE" smtClean="0"/>
               <a:pPr/>
-              <a:t>05.08.2018</a:t>
+              <a:t>05.08.18</a:t>
             </a:fld>
             <a:endParaRPr lang="de-DE"/>
           </a:p>
@@ -7127,7 +7207,7 @@
             <a:fld id="{015363AA-F6CB-4A58-B5AD-B2CDFEAF0813}" type="slidenum">
               <a:rPr lang="de-DE" smtClean="0"/>
               <a:pPr/>
-              <a:t>‹Nr.›</a:t>
+              <a:t>‹#›</a:t>
             </a:fld>
             <a:endParaRPr lang="de-DE"/>
           </a:p>
@@ -7352,7 +7432,7 @@
             <a:fld id="{12CE0ACD-0B71-463F-9507-4095300257BC}" type="datetime1">
               <a:rPr lang="de-DE" smtClean="0"/>
               <a:pPr/>
-              <a:t>05.08.2018</a:t>
+              <a:t>05.08.18</a:t>
             </a:fld>
             <a:endParaRPr lang="de-DE"/>
           </a:p>
@@ -7398,7 +7478,7 @@
             <a:fld id="{015363AA-F6CB-4A58-B5AD-B2CDFEAF0813}" type="slidenum">
               <a:rPr lang="de-DE" smtClean="0"/>
               <a:pPr/>
-              <a:t>‹Nr.›</a:t>
+              <a:t>‹#›</a:t>
             </a:fld>
             <a:endParaRPr lang="de-DE"/>
           </a:p>
@@ -7495,7 +7575,7 @@
             <a:fld id="{89026A34-A4A3-4CC2-B452-9E4A0F73B38C}" type="datetime1">
               <a:rPr lang="de-DE" smtClean="0"/>
               <a:pPr/>
-              <a:t>05.08.2018</a:t>
+              <a:t>05.08.18</a:t>
             </a:fld>
             <a:endParaRPr lang="de-DE"/>
           </a:p>
@@ -7541,7 +7621,7 @@
             <a:fld id="{015363AA-F6CB-4A58-B5AD-B2CDFEAF0813}" type="slidenum">
               <a:rPr lang="de-DE" smtClean="0"/>
               <a:pPr/>
-              <a:t>‹Nr.›</a:t>
+              <a:t>‹#›</a:t>
             </a:fld>
             <a:endParaRPr lang="de-DE"/>
           </a:p>
@@ -7773,7 +7853,7 @@
             <a:fld id="{D509922F-D4D2-4984-9115-CE10B66F29DF}" type="datetime1">
               <a:rPr lang="de-DE" smtClean="0"/>
               <a:pPr/>
-              <a:t>05.08.2018</a:t>
+              <a:t>05.08.18</a:t>
             </a:fld>
             <a:endParaRPr lang="de-DE"/>
           </a:p>
@@ -7819,7 +7899,7 @@
             <a:fld id="{015363AA-F6CB-4A58-B5AD-B2CDFEAF0813}" type="slidenum">
               <a:rPr lang="de-DE" smtClean="0"/>
               <a:pPr/>
-              <a:t>‹Nr.›</a:t>
+              <a:t>‹#›</a:t>
             </a:fld>
             <a:endParaRPr lang="de-DE"/>
           </a:p>
@@ -8091,7 +8171,7 @@
             <a:fld id="{9624F9CC-0A0D-4C8D-81F7-82F64A12AE8F}" type="datetime1">
               <a:rPr lang="de-DE" smtClean="0"/>
               <a:pPr/>
-              <a:t>05.08.2018</a:t>
+              <a:t>05.08.18</a:t>
             </a:fld>
             <a:endParaRPr lang="de-DE"/>
           </a:p>
@@ -8179,7 +8259,7 @@
             <a:fld id="{015363AA-F6CB-4A58-B5AD-B2CDFEAF0813}" type="slidenum">
               <a:rPr lang="de-DE" smtClean="0"/>
               <a:pPr/>
-              <a:t>‹Nr.›</a:t>
+              <a:t>‹#›</a:t>
             </a:fld>
             <a:endParaRPr lang="de-DE"/>
           </a:p>
@@ -8685,8 +8765,8 @@
           </a:p>
         </p:txBody>
       </p:sp>
-      <mc:AlternateContent xmlns:mc="http://schemas.openxmlformats.org/markup-compatibility/2006">
-        <mc:Choice xmlns:a14="http://schemas.microsoft.com/office/drawing/2010/main" Requires="a14">
+      <mc:AlternateContent xmlns:mc="http://schemas.openxmlformats.org/markup-compatibility/2006" xmlns:a14="http://schemas.microsoft.com/office/drawing/2010/main">
+        <mc:Choice Requires="a14">
           <p:sp>
             <p:nvSpPr>
               <p:cNvPr id="4" name="Inhaltsplatzhalter 3"/>
@@ -8704,13 +8784,8 @@
               <a:p>
                 <a:r>
                   <a:rPr lang="de-DE" dirty="0"/>
-                  <a:t>Daten im Zeitreihenkontext mit n = </a:t>
+                  <a:t>Daten im Zeitreihenkontext mit n = 100000</a:t>
                 </a:r>
-                <a:r>
-                  <a:rPr lang="de-DE" dirty="0"/>
-                  <a:t>100000</a:t>
-                </a:r>
-                <a:endParaRPr lang="de-DE" dirty="0"/>
               </a:p>
               <a:p>
                 <a14:m>
@@ -9073,7 +9148,7 @@
             </p:txBody>
           </p:sp>
         </mc:Choice>
-        <mc:Fallback>
+        <mc:Fallback xmlns="">
           <p:sp>
             <p:nvSpPr>
               <p:cNvPr id="4" name="Inhaltsplatzhalter 3"/>
@@ -9130,8 +9205,8 @@
           </a:p>
         </p:txBody>
       </p:sp>
-      <mc:AlternateContent xmlns:mc="http://schemas.openxmlformats.org/markup-compatibility/2006">
-        <mc:Choice xmlns:a14="http://schemas.microsoft.com/office/drawing/2010/main" Requires="a14">
+      <mc:AlternateContent xmlns:mc="http://schemas.openxmlformats.org/markup-compatibility/2006" xmlns:a14="http://schemas.microsoft.com/office/drawing/2010/main">
+        <mc:Choice Requires="a14">
           <p:sp>
             <p:nvSpPr>
               <p:cNvPr id="6" name="Inhaltsplatzhalter 5"/>
@@ -9149,13 +9224,8 @@
               <a:p>
                 <a:r>
                   <a:rPr lang="de-DE" dirty="0"/>
-                  <a:t>Daten im Zeitreihenkontext mit n = </a:t>
+                  <a:t>Daten im Zeitreihenkontext mit n = 100000</a:t>
                 </a:r>
-                <a:r>
-                  <a:rPr lang="de-DE" dirty="0"/>
-                  <a:t>100000</a:t>
-                </a:r>
-                <a:endParaRPr lang="de-DE" dirty="0"/>
               </a:p>
               <a:p>
                 <a14:m>
@@ -9715,7 +9785,7 @@
             </p:txBody>
           </p:sp>
         </mc:Choice>
-        <mc:Fallback>
+        <mc:Fallback xmlns="">
           <p:sp>
             <p:nvSpPr>
               <p:cNvPr id="6" name="Inhaltsplatzhalter 5"/>
@@ -9767,7 +9837,7 @@
             <a:fld id="{DA5DE712-6C0E-4DF7-B336-AC97213DC93D}" type="datetime1">
               <a:rPr lang="de-DE" smtClean="0"/>
               <a:pPr/>
-              <a:t>05.08.2018</a:t>
+              <a:t>05.08.18</a:t>
             </a:fld>
             <a:endParaRPr lang="de-DE"/>
           </a:p>
@@ -12127,7 +12197,7 @@
             <a:fld id="{DA5DE712-6C0E-4DF7-B336-AC97213DC93D}" type="datetime1">
               <a:rPr lang="de-DE" smtClean="0"/>
               <a:pPr/>
-              <a:t>05.08.2018</a:t>
+              <a:t>05.08.18</a:t>
             </a:fld>
             <a:endParaRPr lang="de-DE"/>
           </a:p>
@@ -12180,8 +12250,8 @@
           </a:p>
         </p:txBody>
       </p:sp>
-      <mc:AlternateContent xmlns:mc="http://schemas.openxmlformats.org/markup-compatibility/2006">
-        <mc:Choice xmlns:a14="http://schemas.microsoft.com/office/drawing/2010/main" Requires="a14">
+      <mc:AlternateContent xmlns:mc="http://schemas.openxmlformats.org/markup-compatibility/2006" xmlns:a14="http://schemas.microsoft.com/office/drawing/2010/main">
+        <mc:Choice Requires="a14">
           <p:sp>
             <p:nvSpPr>
               <p:cNvPr id="10" name="Inhaltsplatzhalter 9"/>
@@ -12200,7 +12270,7 @@
               <a:lstStyle/>
               <a:p>
                 <a:r>
-                  <a:rPr lang="de-DE" dirty="0" smtClean="0"/>
+                  <a:rPr lang="de-DE" dirty="0"/>
                   <a:t>Best fit: ARCH(1)-Modell mit </a:t>
                 </a:r>
                 <a14:m>
@@ -12289,13 +12359,7 @@
                       <a:rPr lang="de-DE" i="1">
                         <a:latin typeface="Cambria Math" panose="02040503050406030204" pitchFamily="18" charset="0"/>
                       </a:rPr>
-                      <m:t>=0.</m:t>
-                    </m:r>
-                    <m:r>
-                      <a:rPr lang="de-DE" i="1">
-                        <a:latin typeface="Cambria Math" panose="02040503050406030204" pitchFamily="18" charset="0"/>
-                      </a:rPr>
-                      <m:t>5</m:t>
+                      <m:t>=0.5</m:t>
                     </m:r>
                     <m:r>
                       <a:rPr lang="de-DE" b="0" i="1" smtClean="0">
@@ -12313,15 +12377,14 @@
                   <a:t>p-Wert Box-Pierce-Test der Residuen: </a:t>
                 </a:r>
                 <a:r>
-                  <a:rPr lang="de-DE" b="1" dirty="0" smtClean="0"/>
+                  <a:rPr lang="de-DE" b="1" dirty="0"/>
                   <a:t>0.3972</a:t>
                 </a:r>
-                <a:endParaRPr lang="de-DE" b="1" dirty="0"/>
               </a:p>
             </p:txBody>
           </p:sp>
         </mc:Choice>
-        <mc:Fallback>
+        <mc:Fallback xmlns="">
           <p:sp>
             <p:nvSpPr>
               <p:cNvPr id="10" name="Inhaltsplatzhalter 9"/>
@@ -14035,7 +14098,7 @@
             <a:fld id="{DA5DE712-6C0E-4DF7-B336-AC97213DC93D}" type="datetime1">
               <a:rPr lang="de-DE" smtClean="0"/>
               <a:pPr/>
-              <a:t>05.08.2018</a:t>
+              <a:t>05.08.18</a:t>
             </a:fld>
             <a:endParaRPr lang="de-DE"/>
           </a:p>
@@ -14088,8 +14151,8 @@
           </a:p>
         </p:txBody>
       </p:sp>
-      <mc:AlternateContent xmlns:mc="http://schemas.openxmlformats.org/markup-compatibility/2006">
-        <mc:Choice xmlns:a14="http://schemas.microsoft.com/office/drawing/2010/main" Requires="a14">
+      <mc:AlternateContent xmlns:mc="http://schemas.openxmlformats.org/markup-compatibility/2006" xmlns:a14="http://schemas.microsoft.com/office/drawing/2010/main">
+        <mc:Choice Requires="a14">
           <p:sp>
             <p:nvSpPr>
               <p:cNvPr id="10" name="Inhaltsplatzhalter 9"/>
@@ -14108,7 +14171,7 @@
               <a:lstStyle/>
               <a:p>
                 <a:r>
-                  <a:rPr lang="de-DE" dirty="0" smtClean="0"/>
+                  <a:rPr lang="de-DE" dirty="0"/>
                   <a:t>Best fit: ARCH(3)-Modell mit </a:t>
                 </a:r>
                 <a14:m>
@@ -14283,13 +14346,7 @@
                       <a:rPr lang="de-DE" i="1">
                         <a:latin typeface="Cambria Math" panose="02040503050406030204" pitchFamily="18" charset="0"/>
                       </a:rPr>
-                      <m:t>=0.</m:t>
-                    </m:r>
-                    <m:r>
-                      <a:rPr lang="de-DE" i="1">
-                        <a:latin typeface="Cambria Math" panose="02040503050406030204" pitchFamily="18" charset="0"/>
-                      </a:rPr>
-                      <m:t>1</m:t>
+                      <m:t>=0.1</m:t>
                     </m:r>
                     <m:r>
                       <a:rPr lang="de-DE" b="0" i="1" smtClean="0">
@@ -14307,15 +14364,14 @@
                   <a:t>p-Wert Box-Pierce-Test der Residuen: </a:t>
                 </a:r>
                 <a:r>
-                  <a:rPr lang="de-DE" b="1" dirty="0" smtClean="0"/>
+                  <a:rPr lang="de-DE" b="1" dirty="0"/>
                   <a:t>0.401</a:t>
                 </a:r>
-                <a:endParaRPr lang="de-DE" b="1" dirty="0"/>
               </a:p>
             </p:txBody>
           </p:sp>
         </mc:Choice>
-        <mc:Fallback>
+        <mc:Fallback xmlns="">
           <p:sp>
             <p:nvSpPr>
               <p:cNvPr id="10" name="Inhaltsplatzhalter 9"/>
@@ -16123,7 +16179,7 @@
             <a:fld id="{DA5DE712-6C0E-4DF7-B336-AC97213DC93D}" type="datetime1">
               <a:rPr lang="de-DE" smtClean="0"/>
               <a:pPr/>
-              <a:t>05.08.2018</a:t>
+              <a:t>05.08.18</a:t>
             </a:fld>
             <a:endParaRPr lang="de-DE"/>
           </a:p>
@@ -16176,8 +16232,8 @@
           </a:p>
         </p:txBody>
       </p:sp>
-      <mc:AlternateContent xmlns:mc="http://schemas.openxmlformats.org/markup-compatibility/2006">
-        <mc:Choice xmlns:a14="http://schemas.microsoft.com/office/drawing/2010/main" Requires="a14">
+      <mc:AlternateContent xmlns:mc="http://schemas.openxmlformats.org/markup-compatibility/2006" xmlns:a14="http://schemas.microsoft.com/office/drawing/2010/main">
+        <mc:Choice Requires="a14">
           <p:sp>
             <p:nvSpPr>
               <p:cNvPr id="10" name="Inhaltsplatzhalter 9"/>
@@ -16196,7 +16252,7 @@
               <a:lstStyle/>
               <a:p>
                 <a:r>
-                  <a:rPr lang="de-DE" dirty="0" smtClean="0"/>
+                  <a:rPr lang="de-DE" dirty="0"/>
                   <a:t>Best fit: GARCH(1,1) mit </a:t>
                 </a:r>
                 <a14:m>
@@ -16343,19 +16399,18 @@
                   <a:t>p-Wert Box-Pierce-Test der Residuen: </a:t>
                 </a:r>
                 <a:r>
-                  <a:rPr lang="de-DE" b="1" dirty="0" smtClean="0"/>
+                  <a:rPr lang="de-DE" b="1" dirty="0"/>
                   <a:t>0.3953</a:t>
                 </a:r>
                 <a:r>
-                  <a:rPr lang="de-DE" dirty="0" smtClean="0"/>
+                  <a:rPr lang="de-DE" dirty="0"/>
                   <a:t> </a:t>
                 </a:r>
-                <a:endParaRPr lang="de-DE" dirty="0"/>
               </a:p>
             </p:txBody>
           </p:sp>
         </mc:Choice>
-        <mc:Fallback>
+        <mc:Fallback xmlns="">
           <p:sp>
             <p:nvSpPr>
               <p:cNvPr id="10" name="Inhaltsplatzhalter 9"/>
@@ -16471,7 +16526,7 @@
             <a:fld id="{12CE0ACD-0B71-463F-9507-4095300257BC}" type="datetime1">
               <a:rPr lang="de-DE" smtClean="0"/>
               <a:pPr/>
-              <a:t>05.08.2018</a:t>
+              <a:t>05.08.18</a:t>
             </a:fld>
             <a:endParaRPr lang="de-DE"/>
           </a:p>
@@ -16549,11 +16604,7 @@
             <a:graphicFrameLocks noGrp="1"/>
           </p:cNvGraphicFramePr>
           <p:nvPr>
-            <p:extLst>
-              <p:ext uri="{D42A27DB-BD31-4B8C-83A1-F6EECF244321}">
-                <p14:modId xmlns:p14="http://schemas.microsoft.com/office/powerpoint/2010/main" val="263242061"/>
-              </p:ext>
-            </p:extLst>
+            <p:extLst/>
           </p:nvPr>
         </p:nvGraphicFramePr>
         <p:xfrm>
@@ -16868,7 +16919,7 @@
     </p:spTree>
     <p:extLst>
       <p:ext uri="{BB962C8B-B14F-4D97-AF65-F5344CB8AC3E}">
-        <p14:creationId xmlns:p14="http://schemas.microsoft.com/office/powerpoint/2010/main" val="1181804092"/>
+        <p14:creationId xmlns:p14="http://schemas.microsoft.com/office/powerpoint/2010/main" val="1017072635"/>
       </p:ext>
     </p:extLst>
   </p:cSld>
@@ -16947,7 +16998,7 @@
             <a:fld id="{12CE0ACD-0B71-463F-9507-4095300257BC}" type="datetime1">
               <a:rPr lang="de-DE" smtClean="0"/>
               <a:pPr/>
-              <a:t>05.08.2018</a:t>
+              <a:t>05.08.18</a:t>
             </a:fld>
             <a:endParaRPr lang="de-DE"/>
           </a:p>
@@ -17114,11 +17165,7 @@
             <a:graphicFrameLocks noGrp="1"/>
           </p:cNvGraphicFramePr>
           <p:nvPr>
-            <p:extLst>
-              <p:ext uri="{D42A27DB-BD31-4B8C-83A1-F6EECF244321}">
-                <p14:modId xmlns:p14="http://schemas.microsoft.com/office/powerpoint/2010/main" val="68375357"/>
-              </p:ext>
-            </p:extLst>
+            <p:extLst/>
           </p:nvPr>
         </p:nvGraphicFramePr>
         <p:xfrm>
@@ -17450,7 +17497,7 @@
     </p:spTree>
     <p:extLst>
       <p:ext uri="{BB962C8B-B14F-4D97-AF65-F5344CB8AC3E}">
-        <p14:creationId xmlns:p14="http://schemas.microsoft.com/office/powerpoint/2010/main" val="1948337129"/>
+        <p14:creationId xmlns:p14="http://schemas.microsoft.com/office/powerpoint/2010/main" val="2853250385"/>
       </p:ext>
     </p:extLst>
   </p:cSld>
@@ -17500,7 +17547,7 @@
           <a:p>
             <a:r>
               <a:rPr lang="de-DE" dirty="0"/>
-              <a:t>Versuchsreihe: Dax 30</a:t>
+              <a:t>Versuchsreihe: Dax 30 – Autokorrelation der Residuen</a:t>
             </a:r>
           </a:p>
         </p:txBody>
@@ -17529,7 +17576,7 @@
             <a:fld id="{12CE0ACD-0B71-463F-9507-4095300257BC}" type="datetime1">
               <a:rPr lang="de-DE" smtClean="0"/>
               <a:pPr/>
-              <a:t>05.08.2018</a:t>
+              <a:t>05.08.18</a:t>
             </a:fld>
             <a:endParaRPr lang="de-DE"/>
           </a:p>
@@ -17716,7 +17763,7 @@
         <p:spPr>
           <a:xfrm>
             <a:off x="3306525" y="4299942"/>
-            <a:ext cx="2602957" cy="369332"/>
+            <a:ext cx="2552943" cy="369332"/>
           </a:xfrm>
           <a:prstGeom prst="rect">
             <a:avLst/>
@@ -17731,7 +17778,7 @@
           <a:p>
             <a:r>
               <a:rPr lang="de-DE" dirty="0"/>
-              <a:t>ARCH-Effekte vorhanden?</a:t>
+              <a:t>Liegen ARCH-Effekte vor?</a:t>
             </a:r>
           </a:p>
         </p:txBody>
@@ -17739,7 +17786,7 @@
     </p:spTree>
     <p:extLst>
       <p:ext uri="{BB962C8B-B14F-4D97-AF65-F5344CB8AC3E}">
-        <p14:creationId xmlns:p14="http://schemas.microsoft.com/office/powerpoint/2010/main" val="2040067600"/>
+        <p14:creationId xmlns:p14="http://schemas.microsoft.com/office/powerpoint/2010/main" val="3919391604"/>
       </p:ext>
     </p:extLst>
   </p:cSld>
@@ -17784,12 +17831,14 @@
         </p:nvSpPr>
         <p:spPr/>
         <p:txBody>
-          <a:bodyPr/>
+          <a:bodyPr>
+            <a:normAutofit fontScale="90000"/>
+          </a:bodyPr>
           <a:lstStyle/>
           <a:p>
             <a:r>
               <a:rPr lang="de-DE" dirty="0"/>
-              <a:t>Versuchsreihe: Dax 30</a:t>
+              <a:t>Versuchsreihe: Dax 30 – GARCH-Modell basierend auf ARIMA(0,0,0)</a:t>
             </a:r>
           </a:p>
         </p:txBody>
@@ -17818,7 +17867,7 @@
             <a:fld id="{12CE0ACD-0B71-463F-9507-4095300257BC}" type="datetime1">
               <a:rPr lang="de-DE" smtClean="0"/>
               <a:pPr/>
-              <a:t>05.08.2018</a:t>
+              <a:t>05.08.18</a:t>
             </a:fld>
             <a:endParaRPr lang="de-DE"/>
           </a:p>
@@ -17957,7 +18006,7 @@
     </p:spTree>
     <p:extLst>
       <p:ext uri="{BB962C8B-B14F-4D97-AF65-F5344CB8AC3E}">
-        <p14:creationId xmlns:p14="http://schemas.microsoft.com/office/powerpoint/2010/main" val="905678871"/>
+        <p14:creationId xmlns:p14="http://schemas.microsoft.com/office/powerpoint/2010/main" val="2972891155"/>
       </p:ext>
     </p:extLst>
   </p:cSld>
@@ -17968,153 +18017,6 @@
 </file>
 
 <file path=ppt/slides/slide18.xml><?xml version="1.0" encoding="utf-8"?>
-<p:sld xmlns:a="http://schemas.openxmlformats.org/drawingml/2006/main" xmlns:r="http://schemas.openxmlformats.org/officeDocument/2006/relationships" xmlns:p="http://schemas.openxmlformats.org/presentationml/2006/main">
-  <p:cSld>
-    <p:spTree>
-      <p:nvGrpSpPr>
-        <p:cNvPr id="1" name=""/>
-        <p:cNvGrpSpPr/>
-        <p:nvPr/>
-      </p:nvGrpSpPr>
-      <p:grpSpPr>
-        <a:xfrm>
-          <a:off x="0" y="0"/>
-          <a:ext cx="0" cy="0"/>
-          <a:chOff x="0" y="0"/>
-          <a:chExt cx="0" cy="0"/>
-        </a:xfrm>
-      </p:grpSpPr>
-      <p:sp>
-        <p:nvSpPr>
-          <p:cNvPr id="2" name="Title 1">
-            <a:extLst>
-              <a:ext uri="{FF2B5EF4-FFF2-40B4-BE49-F238E27FC236}">
-                <a16:creationId xmlns:a16="http://schemas.microsoft.com/office/drawing/2014/main" id="{5913E78F-16B7-3440-93BB-F987622E4F29}"/>
-              </a:ext>
-            </a:extLst>
-          </p:cNvPr>
-          <p:cNvSpPr>
-            <a:spLocks noGrp="1"/>
-          </p:cNvSpPr>
-          <p:nvPr>
-            <p:ph type="title"/>
-          </p:nvPr>
-        </p:nvSpPr>
-        <p:spPr/>
-        <p:txBody>
-          <a:bodyPr/>
-          <a:lstStyle/>
-          <a:p>
-            <a:r>
-              <a:rPr lang="de-DE" dirty="0"/>
-              <a:t>Versuchsreihe: Dax 30</a:t>
-            </a:r>
-          </a:p>
-        </p:txBody>
-      </p:sp>
-      <p:sp>
-        <p:nvSpPr>
-          <p:cNvPr id="3" name="Date Placeholder 2">
-            <a:extLst>
-              <a:ext uri="{FF2B5EF4-FFF2-40B4-BE49-F238E27FC236}">
-                <a16:creationId xmlns:a16="http://schemas.microsoft.com/office/drawing/2014/main" id="{B5577484-49D9-364D-96A1-860BAE53DAC7}"/>
-              </a:ext>
-            </a:extLst>
-          </p:cNvPr>
-          <p:cNvSpPr>
-            <a:spLocks noGrp="1"/>
-          </p:cNvSpPr>
-          <p:nvPr>
-            <p:ph type="dt" sz="half" idx="10"/>
-          </p:nvPr>
-        </p:nvSpPr>
-        <p:spPr/>
-        <p:txBody>
-          <a:bodyPr/>
-          <a:lstStyle/>
-          <a:p>
-            <a:fld id="{12CE0ACD-0B71-463F-9507-4095300257BC}" type="datetime1">
-              <a:rPr lang="de-DE" smtClean="0"/>
-              <a:pPr/>
-              <a:t>05.08.2018</a:t>
-            </a:fld>
-            <a:endParaRPr lang="de-DE"/>
-          </a:p>
-        </p:txBody>
-      </p:sp>
-      <p:sp>
-        <p:nvSpPr>
-          <p:cNvPr id="4" name="Footer Placeholder 3">
-            <a:extLst>
-              <a:ext uri="{FF2B5EF4-FFF2-40B4-BE49-F238E27FC236}">
-                <a16:creationId xmlns:a16="http://schemas.microsoft.com/office/drawing/2014/main" id="{C2260F1C-3970-4C4B-A246-C22E19B93C13}"/>
-              </a:ext>
-            </a:extLst>
-          </p:cNvPr>
-          <p:cNvSpPr>
-            <a:spLocks noGrp="1"/>
-          </p:cNvSpPr>
-          <p:nvPr>
-            <p:ph type="ftr" sz="quarter" idx="11"/>
-          </p:nvPr>
-        </p:nvSpPr>
-        <p:spPr/>
-        <p:txBody>
-          <a:bodyPr/>
-          <a:lstStyle/>
-          <a:p>
-            <a:r>
-              <a:rPr lang="de-DE"/>
-              <a:t>Time Series Analysis – Sommersemester 2018</a:t>
-            </a:r>
-            <a:endParaRPr lang="de-DE" dirty="0"/>
-          </a:p>
-        </p:txBody>
-      </p:sp>
-      <p:sp>
-        <p:nvSpPr>
-          <p:cNvPr id="5" name="Slide Number Placeholder 4">
-            <a:extLst>
-              <a:ext uri="{FF2B5EF4-FFF2-40B4-BE49-F238E27FC236}">
-                <a16:creationId xmlns:a16="http://schemas.microsoft.com/office/drawing/2014/main" id="{A6A2199C-5932-794D-8157-6911987C3463}"/>
-              </a:ext>
-            </a:extLst>
-          </p:cNvPr>
-          <p:cNvSpPr>
-            <a:spLocks noGrp="1"/>
-          </p:cNvSpPr>
-          <p:nvPr>
-            <p:ph type="sldNum" sz="quarter" idx="12"/>
-          </p:nvPr>
-        </p:nvSpPr>
-        <p:spPr/>
-        <p:txBody>
-          <a:bodyPr/>
-          <a:lstStyle/>
-          <a:p>
-            <a:fld id="{015363AA-F6CB-4A58-B5AD-B2CDFEAF0813}" type="slidenum">
-              <a:rPr lang="de-DE" smtClean="0"/>
-              <a:pPr/>
-              <a:t>18</a:t>
-            </a:fld>
-            <a:endParaRPr lang="de-DE"/>
-          </a:p>
-        </p:txBody>
-      </p:sp>
-    </p:spTree>
-    <p:extLst>
-      <p:ext uri="{BB962C8B-B14F-4D97-AF65-F5344CB8AC3E}">
-        <p14:creationId xmlns:p14="http://schemas.microsoft.com/office/powerpoint/2010/main" val="3697593727"/>
-      </p:ext>
-    </p:extLst>
-  </p:cSld>
-  <p:clrMapOvr>
-    <a:masterClrMapping/>
-  </p:clrMapOvr>
-</p:sld>
-</file>
-
-<file path=ppt/slides/slide19.xml><?xml version="1.0" encoding="utf-8"?>
 <p:sld xmlns:a="http://schemas.openxmlformats.org/drawingml/2006/main" xmlns:r="http://schemas.openxmlformats.org/officeDocument/2006/relationships" xmlns:p="http://schemas.openxmlformats.org/presentationml/2006/main">
   <p:cSld>
     <p:spTree>
@@ -18253,7 +18155,7 @@
             <a:fld id="{D509922F-D4D2-4984-9115-CE10B66F29DF}" type="datetime1">
               <a:rPr lang="de-DE" smtClean="0"/>
               <a:pPr/>
-              <a:t>05.08.2018</a:t>
+              <a:t>05.08.18</a:t>
             </a:fld>
             <a:endParaRPr lang="de-DE"/>
           </a:p>
@@ -18312,7 +18214,7 @@
             <a:fld id="{015363AA-F6CB-4A58-B5AD-B2CDFEAF0813}" type="slidenum">
               <a:rPr lang="de-DE" smtClean="0"/>
               <a:pPr/>
-              <a:t>19</a:t>
+              <a:t>18</a:t>
             </a:fld>
             <a:endParaRPr lang="de-DE"/>
           </a:p>
@@ -18336,12 +18238,14 @@
         </p:nvSpPr>
         <p:spPr/>
         <p:txBody>
-          <a:bodyPr/>
+          <a:bodyPr>
+            <a:normAutofit/>
+          </a:bodyPr>
           <a:lstStyle/>
           <a:p>
             <a:r>
               <a:rPr lang="de-DE" dirty="0"/>
-              <a:t>Versuchsreihe: Dax 30</a:t>
+              <a:t>Versuchsreihe: Dax 30 – Normalverteilung der Residuen</a:t>
             </a:r>
           </a:p>
         </p:txBody>
@@ -18349,7 +18253,254 @@
     </p:spTree>
     <p:extLst>
       <p:ext uri="{BB962C8B-B14F-4D97-AF65-F5344CB8AC3E}">
-        <p14:creationId xmlns:p14="http://schemas.microsoft.com/office/powerpoint/2010/main" val="2260786811"/>
+        <p14:creationId xmlns:p14="http://schemas.microsoft.com/office/powerpoint/2010/main" val="1339015251"/>
+      </p:ext>
+    </p:extLst>
+  </p:cSld>
+  <p:clrMapOvr>
+    <a:masterClrMapping/>
+  </p:clrMapOvr>
+</p:sld>
+</file>
+
+<file path=ppt/slides/slide19.xml><?xml version="1.0" encoding="utf-8"?>
+<p:sld xmlns:a="http://schemas.openxmlformats.org/drawingml/2006/main" xmlns:r="http://schemas.openxmlformats.org/officeDocument/2006/relationships" xmlns:p="http://schemas.openxmlformats.org/presentationml/2006/main">
+  <p:cSld>
+    <p:spTree>
+      <p:nvGrpSpPr>
+        <p:cNvPr id="1" name=""/>
+        <p:cNvGrpSpPr/>
+        <p:nvPr/>
+      </p:nvGrpSpPr>
+      <p:grpSpPr>
+        <a:xfrm>
+          <a:off x="0" y="0"/>
+          <a:ext cx="0" cy="0"/>
+          <a:chOff x="0" y="0"/>
+          <a:chExt cx="0" cy="0"/>
+        </a:xfrm>
+      </p:grpSpPr>
+      <p:sp>
+        <p:nvSpPr>
+          <p:cNvPr id="3" name="Text Placeholder 2">
+            <a:extLst>
+              <a:ext uri="{FF2B5EF4-FFF2-40B4-BE49-F238E27FC236}">
+                <a16:creationId xmlns:a16="http://schemas.microsoft.com/office/drawing/2014/main" id="{7C58D974-6B67-D444-882F-B8D539D75ED0}"/>
+              </a:ext>
+            </a:extLst>
+          </p:cNvPr>
+          <p:cNvSpPr>
+            <a:spLocks noGrp="1"/>
+          </p:cNvSpPr>
+          <p:nvPr>
+            <p:ph type="body" sz="half" idx="2"/>
+          </p:nvPr>
+        </p:nvSpPr>
+        <p:spPr/>
+        <p:txBody>
+          <a:bodyPr/>
+          <a:lstStyle/>
+          <a:p>
+            <a:pPr marL="342900" indent="-342900">
+              <a:buFont typeface="+mj-lt"/>
+              <a:buAutoNum type="arabicPeriod"/>
+            </a:pPr>
+            <a:r>
+              <a:rPr lang="de-DE" dirty="0"/>
+              <a:t>ARCH-Effekte in den quadrierten Residuen</a:t>
+            </a:r>
+          </a:p>
+          <a:p>
+            <a:pPr marL="342900" indent="-342900">
+              <a:buFont typeface="+mj-lt"/>
+              <a:buAutoNum type="arabicPeriod"/>
+            </a:pPr>
+            <a:r>
+              <a:rPr lang="de-DE" dirty="0"/>
+              <a:t>Normalverteilung der standardisierten Residuen des GARCH-Models</a:t>
+            </a:r>
+          </a:p>
+          <a:p>
+            <a:pPr marL="342900" indent="-342900">
+              <a:buFont typeface="+mj-lt"/>
+              <a:buAutoNum type="arabicPeriod"/>
+            </a:pPr>
+            <a:r>
+              <a:rPr lang="de-DE" dirty="0">
+                <a:solidFill>
+                  <a:srgbClr val="C00000"/>
+                </a:solidFill>
+              </a:rPr>
+              <a:t>Keine Autokorrelation der quadrierten standardisierten Residuen des GARCH-Models</a:t>
+            </a:r>
+          </a:p>
+          <a:p>
+            <a:pPr marL="285750" indent="-285750">
+              <a:buFont typeface="Arial" panose="020B0604020202020204" pitchFamily="34" charset="0"/>
+              <a:buChar char="•"/>
+            </a:pPr>
+            <a:endParaRPr lang="de-DE" dirty="0"/>
+          </a:p>
+        </p:txBody>
+      </p:sp>
+      <p:sp>
+        <p:nvSpPr>
+          <p:cNvPr id="4" name="Date Placeholder 3">
+            <a:extLst>
+              <a:ext uri="{FF2B5EF4-FFF2-40B4-BE49-F238E27FC236}">
+                <a16:creationId xmlns:a16="http://schemas.microsoft.com/office/drawing/2014/main" id="{210CCB76-226E-6D49-82B9-F25F30362223}"/>
+              </a:ext>
+            </a:extLst>
+          </p:cNvPr>
+          <p:cNvSpPr>
+            <a:spLocks noGrp="1"/>
+          </p:cNvSpPr>
+          <p:nvPr>
+            <p:ph type="dt" sz="half" idx="10"/>
+          </p:nvPr>
+        </p:nvSpPr>
+        <p:spPr/>
+        <p:txBody>
+          <a:bodyPr/>
+          <a:lstStyle/>
+          <a:p>
+            <a:fld id="{D509922F-D4D2-4984-9115-CE10B66F29DF}" type="datetime1">
+              <a:rPr lang="de-DE" smtClean="0"/>
+              <a:pPr/>
+              <a:t>05.08.18</a:t>
+            </a:fld>
+            <a:endParaRPr lang="de-DE"/>
+          </a:p>
+        </p:txBody>
+      </p:sp>
+      <p:sp>
+        <p:nvSpPr>
+          <p:cNvPr id="5" name="Footer Placeholder 4">
+            <a:extLst>
+              <a:ext uri="{FF2B5EF4-FFF2-40B4-BE49-F238E27FC236}">
+                <a16:creationId xmlns:a16="http://schemas.microsoft.com/office/drawing/2014/main" id="{A18FD021-684D-C245-B2E2-087729D8215C}"/>
+              </a:ext>
+            </a:extLst>
+          </p:cNvPr>
+          <p:cNvSpPr>
+            <a:spLocks noGrp="1"/>
+          </p:cNvSpPr>
+          <p:nvPr>
+            <p:ph type="ftr" sz="quarter" idx="11"/>
+          </p:nvPr>
+        </p:nvSpPr>
+        <p:spPr/>
+        <p:txBody>
+          <a:bodyPr/>
+          <a:lstStyle/>
+          <a:p>
+            <a:r>
+              <a:rPr lang="de-DE"/>
+              <a:t>Time Series Analysis – Sommersemester 2018</a:t>
+            </a:r>
+            <a:endParaRPr lang="de-DE" dirty="0"/>
+          </a:p>
+        </p:txBody>
+      </p:sp>
+      <p:sp>
+        <p:nvSpPr>
+          <p:cNvPr id="6" name="Slide Number Placeholder 5">
+            <a:extLst>
+              <a:ext uri="{FF2B5EF4-FFF2-40B4-BE49-F238E27FC236}">
+                <a16:creationId xmlns:a16="http://schemas.microsoft.com/office/drawing/2014/main" id="{BC18C5B3-EE93-BE4E-BDAB-25CC1BD2DA8E}"/>
+              </a:ext>
+            </a:extLst>
+          </p:cNvPr>
+          <p:cNvSpPr>
+            <a:spLocks noGrp="1"/>
+          </p:cNvSpPr>
+          <p:nvPr>
+            <p:ph type="sldNum" sz="quarter" idx="12"/>
+          </p:nvPr>
+        </p:nvSpPr>
+        <p:spPr/>
+        <p:txBody>
+          <a:bodyPr/>
+          <a:lstStyle/>
+          <a:p>
+            <a:fld id="{015363AA-F6CB-4A58-B5AD-B2CDFEAF0813}" type="slidenum">
+              <a:rPr lang="de-DE" smtClean="0"/>
+              <a:pPr/>
+              <a:t>19</a:t>
+            </a:fld>
+            <a:endParaRPr lang="de-DE"/>
+          </a:p>
+        </p:txBody>
+      </p:sp>
+      <p:sp>
+        <p:nvSpPr>
+          <p:cNvPr id="7" name="Title 6">
+            <a:extLst>
+              <a:ext uri="{FF2B5EF4-FFF2-40B4-BE49-F238E27FC236}">
+                <a16:creationId xmlns:a16="http://schemas.microsoft.com/office/drawing/2014/main" id="{53FB6306-6D07-9D47-B750-22BD56735AFD}"/>
+              </a:ext>
+            </a:extLst>
+          </p:cNvPr>
+          <p:cNvSpPr>
+            <a:spLocks noGrp="1"/>
+          </p:cNvSpPr>
+          <p:nvPr>
+            <p:ph type="title"/>
+          </p:nvPr>
+        </p:nvSpPr>
+        <p:spPr/>
+        <p:txBody>
+          <a:bodyPr>
+            <a:normAutofit/>
+          </a:bodyPr>
+          <a:lstStyle/>
+          <a:p>
+            <a:r>
+              <a:rPr lang="de-DE" dirty="0"/>
+              <a:t>Versuchsreihe: Dax 30 – Autokorrelation der Residuen</a:t>
+            </a:r>
+          </a:p>
+        </p:txBody>
+      </p:sp>
+      <p:pic>
+        <p:nvPicPr>
+          <p:cNvPr id="11" name="Content Placeholder 10">
+            <a:extLst>
+              <a:ext uri="{FF2B5EF4-FFF2-40B4-BE49-F238E27FC236}">
+                <a16:creationId xmlns:a16="http://schemas.microsoft.com/office/drawing/2014/main" id="{B7A5038E-F0D4-2E42-88E1-B2A3F58D71CA}"/>
+              </a:ext>
+            </a:extLst>
+          </p:cNvPr>
+          <p:cNvPicPr>
+            <a:picLocks noGrp="1" noChangeAspect="1"/>
+          </p:cNvPicPr>
+          <p:nvPr>
+            <p:ph idx="1"/>
+          </p:nvPr>
+        </p:nvPicPr>
+        <p:blipFill>
+          <a:blip r:embed="rId2">
+            <a:extLst>
+              <a:ext uri="{28A0092B-C50C-407E-A947-70E740481C1C}">
+                <a14:useLocalDpi xmlns:a14="http://schemas.microsoft.com/office/drawing/2010/main" val="0"/>
+              </a:ext>
+            </a:extLst>
+          </a:blip>
+          <a:stretch>
+            <a:fillRect/>
+          </a:stretch>
+        </p:blipFill>
+        <p:spPr>
+          <a:xfrm>
+            <a:off x="3995936" y="1236211"/>
+            <a:ext cx="5007272" cy="3240000"/>
+          </a:xfrm>
+        </p:spPr>
+      </p:pic>
+    </p:spTree>
+    <p:extLst>
+      <p:ext uri="{BB962C8B-B14F-4D97-AF65-F5344CB8AC3E}">
+        <p14:creationId xmlns:p14="http://schemas.microsoft.com/office/powerpoint/2010/main" val="3479761428"/>
       </p:ext>
     </p:extLst>
   </p:cSld>
@@ -18567,7 +18718,7 @@
             <a:fld id="{6DB845E5-DACF-426C-8A10-A6438D29DD66}" type="datetime1">
               <a:rPr lang="de-DE" smtClean="0"/>
               <a:pPr/>
-              <a:t>05.08.2018</a:t>
+              <a:t>05.08.18</a:t>
             </a:fld>
             <a:endParaRPr lang="de-DE"/>
           </a:p>
@@ -18651,10 +18802,10 @@
       </p:grpSpPr>
       <p:sp>
         <p:nvSpPr>
-          <p:cNvPr id="3" name="Text Placeholder 2">
+          <p:cNvPr id="2" name="Title 1">
             <a:extLst>
               <a:ext uri="{FF2B5EF4-FFF2-40B4-BE49-F238E27FC236}">
-                <a16:creationId xmlns:a16="http://schemas.microsoft.com/office/drawing/2014/main" id="{7C58D974-6B67-D444-882F-B8D539D75ED0}"/>
+                <a16:creationId xmlns:a16="http://schemas.microsoft.com/office/drawing/2014/main" id="{16C2D24F-031D-3042-8DB3-2C9F1FFAA6D2}"/>
               </a:ext>
             </a:extLst>
           </p:cNvPr>
@@ -18662,62 +18813,29 @@
             <a:spLocks noGrp="1"/>
           </p:cNvSpPr>
           <p:nvPr>
-            <p:ph type="body" sz="half" idx="2"/>
+            <p:ph type="title"/>
           </p:nvPr>
         </p:nvSpPr>
         <p:spPr/>
         <p:txBody>
-          <a:bodyPr/>
+          <a:bodyPr>
+            <a:normAutofit/>
+          </a:bodyPr>
           <a:lstStyle/>
           <a:p>
-            <a:pPr marL="342900" indent="-342900">
-              <a:buFont typeface="+mj-lt"/>
-              <a:buAutoNum type="arabicPeriod"/>
-            </a:pPr>
             <a:r>
               <a:rPr lang="de-DE" dirty="0"/>
-              <a:t>ARCH-Effekte in den quadrierten Residuen</a:t>
-            </a:r>
-          </a:p>
-          <a:p>
-            <a:pPr marL="342900" indent="-342900">
-              <a:buFont typeface="+mj-lt"/>
-              <a:buAutoNum type="arabicPeriod"/>
-            </a:pPr>
-            <a:r>
-              <a:rPr lang="de-DE" dirty="0"/>
-              <a:t>Normalverteilung der standardisierten Residuen des GARCH-Models</a:t>
-            </a:r>
-          </a:p>
-          <a:p>
-            <a:pPr marL="342900" indent="-342900">
-              <a:buFont typeface="+mj-lt"/>
-              <a:buAutoNum type="arabicPeriod"/>
-            </a:pPr>
-            <a:r>
-              <a:rPr lang="de-DE" dirty="0">
-                <a:solidFill>
-                  <a:srgbClr val="C00000"/>
-                </a:solidFill>
-              </a:rPr>
-              <a:t>Keine Autokorrelation der quadrierten standardisierten Residuen des GARCH-Models</a:t>
-            </a:r>
-          </a:p>
-          <a:p>
-            <a:pPr marL="285750" indent="-285750">
-              <a:buFont typeface="Arial" panose="020B0604020202020204" pitchFamily="34" charset="0"/>
-              <a:buChar char="•"/>
-            </a:pPr>
-            <a:endParaRPr lang="de-DE" dirty="0"/>
-          </a:p>
-        </p:txBody>
-      </p:sp>
-      <p:sp>
-        <p:nvSpPr>
-          <p:cNvPr id="4" name="Date Placeholder 3">
+              <a:t>Versuchsreihe: Dax 30 – Vorhersagefähigkeit</a:t>
+            </a:r>
+          </a:p>
+        </p:txBody>
+      </p:sp>
+      <p:sp>
+        <p:nvSpPr>
+          <p:cNvPr id="3" name="Date Placeholder 2">
             <a:extLst>
               <a:ext uri="{FF2B5EF4-FFF2-40B4-BE49-F238E27FC236}">
-                <a16:creationId xmlns:a16="http://schemas.microsoft.com/office/drawing/2014/main" id="{210CCB76-226E-6D49-82B9-F25F30362223}"/>
+                <a16:creationId xmlns:a16="http://schemas.microsoft.com/office/drawing/2014/main" id="{2974CD45-0965-DD47-B0B7-BB5DDCC4D698}"/>
               </a:ext>
             </a:extLst>
           </p:cNvPr>
@@ -18733,10 +18851,10 @@
           <a:bodyPr/>
           <a:lstStyle/>
           <a:p>
-            <a:fld id="{D509922F-D4D2-4984-9115-CE10B66F29DF}" type="datetime1">
+            <a:fld id="{12CE0ACD-0B71-463F-9507-4095300257BC}" type="datetime1">
               <a:rPr lang="de-DE" smtClean="0"/>
               <a:pPr/>
-              <a:t>05.08.2018</a:t>
+              <a:t>05.08.18</a:t>
             </a:fld>
             <a:endParaRPr lang="de-DE"/>
           </a:p>
@@ -18744,10 +18862,10 @@
       </p:sp>
       <p:sp>
         <p:nvSpPr>
-          <p:cNvPr id="5" name="Footer Placeholder 4">
+          <p:cNvPr id="4" name="Footer Placeholder 3">
             <a:extLst>
               <a:ext uri="{FF2B5EF4-FFF2-40B4-BE49-F238E27FC236}">
-                <a16:creationId xmlns:a16="http://schemas.microsoft.com/office/drawing/2014/main" id="{A18FD021-684D-C245-B2E2-087729D8215C}"/>
+                <a16:creationId xmlns:a16="http://schemas.microsoft.com/office/drawing/2014/main" id="{36CFC7C2-E6FE-9C49-8D63-01C2420DF4AF}"/>
               </a:ext>
             </a:extLst>
           </p:cNvPr>
@@ -18773,10 +18891,10 @@
       </p:sp>
       <p:sp>
         <p:nvSpPr>
-          <p:cNvPr id="6" name="Slide Number Placeholder 5">
+          <p:cNvPr id="5" name="Slide Number Placeholder 4">
             <a:extLst>
               <a:ext uri="{FF2B5EF4-FFF2-40B4-BE49-F238E27FC236}">
-                <a16:creationId xmlns:a16="http://schemas.microsoft.com/office/drawing/2014/main" id="{BC18C5B3-EE93-BE4E-BDAB-25CC1BD2DA8E}"/>
+                <a16:creationId xmlns:a16="http://schemas.microsoft.com/office/drawing/2014/main" id="{B85CF25C-E699-6D44-A5D6-AA445BF709F8}"/>
               </a:ext>
             </a:extLst>
           </p:cNvPr>
@@ -18801,52 +18919,22 @@
           </a:p>
         </p:txBody>
       </p:sp>
-      <p:sp>
-        <p:nvSpPr>
-          <p:cNvPr id="7" name="Title 6">
+      <p:pic>
+        <p:nvPicPr>
+          <p:cNvPr id="9" name="Picture 8">
             <a:extLst>
               <a:ext uri="{FF2B5EF4-FFF2-40B4-BE49-F238E27FC236}">
-                <a16:creationId xmlns:a16="http://schemas.microsoft.com/office/drawing/2014/main" id="{53FB6306-6D07-9D47-B750-22BD56735AFD}"/>
-              </a:ext>
-            </a:extLst>
-          </p:cNvPr>
-          <p:cNvSpPr>
-            <a:spLocks noGrp="1"/>
-          </p:cNvSpPr>
-          <p:nvPr>
-            <p:ph type="title"/>
-          </p:nvPr>
-        </p:nvSpPr>
-        <p:spPr/>
-        <p:txBody>
-          <a:bodyPr/>
-          <a:lstStyle/>
-          <a:p>
-            <a:r>
-              <a:rPr lang="de-DE" dirty="0"/>
-              <a:t>Versuchsreihe: Dax 30</a:t>
-            </a:r>
-          </a:p>
-        </p:txBody>
-      </p:sp>
-      <p:pic>
-        <p:nvPicPr>
-          <p:cNvPr id="11" name="Content Placeholder 10">
-            <a:extLst>
-              <a:ext uri="{FF2B5EF4-FFF2-40B4-BE49-F238E27FC236}">
-                <a16:creationId xmlns:a16="http://schemas.microsoft.com/office/drawing/2014/main" id="{B7A5038E-F0D4-2E42-88E1-B2A3F58D71CA}"/>
+                <a16:creationId xmlns:a16="http://schemas.microsoft.com/office/drawing/2014/main" id="{E8FC95AB-256E-A749-AB9B-A5112FC33686}"/>
               </a:ext>
             </a:extLst>
           </p:cNvPr>
           <p:cNvPicPr>
-            <a:picLocks noGrp="1" noChangeAspect="1"/>
+            <a:picLocks noChangeAspect="1"/>
           </p:cNvPicPr>
-          <p:nvPr>
-            <p:ph idx="1"/>
-          </p:nvPr>
+          <p:nvPr/>
         </p:nvPicPr>
         <p:blipFill>
-          <a:blip r:embed="rId2">
+          <a:blip r:embed="rId3">
             <a:extLst>
               <a:ext uri="{28A0092B-C50C-407E-A947-70E740481C1C}">
                 <a14:useLocalDpi xmlns:a14="http://schemas.microsoft.com/office/drawing/2010/main" val="0"/>
@@ -18859,15 +18947,124 @@
         </p:blipFill>
         <p:spPr>
           <a:xfrm>
-            <a:off x="3995936" y="1236211"/>
-            <a:ext cx="5007272" cy="3240000"/>
+            <a:off x="539552" y="1059581"/>
+            <a:ext cx="5463965" cy="3445430"/>
           </a:xfrm>
+          <a:prstGeom prst="rect">
+            <a:avLst/>
+          </a:prstGeom>
         </p:spPr>
       </p:pic>
+      <p:sp>
+        <p:nvSpPr>
+          <p:cNvPr id="11" name="TextBox 10">
+            <a:extLst>
+              <a:ext uri="{FF2B5EF4-FFF2-40B4-BE49-F238E27FC236}">
+                <a16:creationId xmlns:a16="http://schemas.microsoft.com/office/drawing/2014/main" id="{8AA6A156-7A53-BC41-9135-85BD263F5808}"/>
+              </a:ext>
+            </a:extLst>
+          </p:cNvPr>
+          <p:cNvSpPr txBox="1"/>
+          <p:nvPr/>
+        </p:nvSpPr>
+        <p:spPr>
+          <a:xfrm>
+            <a:off x="6606693" y="1551190"/>
+            <a:ext cx="2089033" cy="2462213"/>
+          </a:xfrm>
+          <a:prstGeom prst="rect">
+            <a:avLst/>
+          </a:prstGeom>
+          <a:noFill/>
+        </p:spPr>
+        <p:txBody>
+          <a:bodyPr wrap="none" rtlCol="0">
+            <a:spAutoFit/>
+          </a:bodyPr>
+          <a:lstStyle/>
+          <a:p>
+            <a:pPr fontAlgn="t"/>
+            <a:r>
+              <a:rPr lang="de-DE" sz="1400" dirty="0"/>
+              <a:t>          Series            Sigma</a:t>
+            </a:r>
+          </a:p>
+          <a:p>
+            <a:pPr fontAlgn="t"/>
+            <a:r>
+              <a:rPr lang="de-DE" sz="1400" dirty="0"/>
+              <a:t>T+1  -0.0008865   0.01662</a:t>
+            </a:r>
+          </a:p>
+          <a:p>
+            <a:pPr fontAlgn="t"/>
+            <a:r>
+              <a:rPr lang="de-DE" sz="1400" dirty="0"/>
+              <a:t>T+2  -0.0008865   0.01658</a:t>
+            </a:r>
+          </a:p>
+          <a:p>
+            <a:pPr fontAlgn="t"/>
+            <a:r>
+              <a:rPr lang="de-DE" sz="1400" dirty="0"/>
+              <a:t>T+3  -0.0008865   0.01655</a:t>
+            </a:r>
+          </a:p>
+          <a:p>
+            <a:pPr fontAlgn="t"/>
+            <a:r>
+              <a:rPr lang="de-DE" sz="1400" dirty="0"/>
+              <a:t>T+4  -0.0008865   0.01652</a:t>
+            </a:r>
+          </a:p>
+          <a:p>
+            <a:pPr fontAlgn="t"/>
+            <a:r>
+              <a:rPr lang="de-DE" sz="1400" dirty="0"/>
+              <a:t>T+5  -0.0008865   0.01648</a:t>
+            </a:r>
+          </a:p>
+          <a:p>
+            <a:pPr fontAlgn="t"/>
+            <a:r>
+              <a:rPr lang="de-DE" sz="1400" dirty="0"/>
+              <a:t>T+6  -0.0008865   0.01645</a:t>
+            </a:r>
+          </a:p>
+          <a:p>
+            <a:pPr fontAlgn="t"/>
+            <a:r>
+              <a:rPr lang="de-DE" sz="1400" dirty="0"/>
+              <a:t>T+7  -0.0008865   0.01642</a:t>
+            </a:r>
+          </a:p>
+          <a:p>
+            <a:pPr fontAlgn="t"/>
+            <a:r>
+              <a:rPr lang="de-DE" sz="1400" dirty="0"/>
+              <a:t>T+8  -0.0008865   0.01638</a:t>
+            </a:r>
+          </a:p>
+          <a:p>
+            <a:pPr fontAlgn="t"/>
+            <a:r>
+              <a:rPr lang="de-DE" sz="1400" dirty="0"/>
+              <a:t>T+9  -0.0008865   0.01635</a:t>
+            </a:r>
+          </a:p>
+          <a:p>
+            <a:pPr fontAlgn="t"/>
+            <a:r>
+              <a:rPr lang="de-DE" sz="1400" dirty="0"/>
+              <a:t>T+10 -0.0008865  0.01632</a:t>
+            </a:r>
+          </a:p>
+        </p:txBody>
+      </p:sp>
     </p:spTree>
     <p:extLst>
       <p:ext uri="{BB962C8B-B14F-4D97-AF65-F5344CB8AC3E}">
-        <p14:creationId xmlns:p14="http://schemas.microsoft.com/office/powerpoint/2010/main" val="459564503"/>
+        <p14:creationId xmlns:p14="http://schemas.microsoft.com/office/powerpoint/2010/main" val="814099503"/>
       </p:ext>
     </p:extLst>
   </p:cSld>
@@ -18896,13 +19093,7 @@
       </p:grpSpPr>
       <p:sp>
         <p:nvSpPr>
-          <p:cNvPr id="2" name="Title 1">
-            <a:extLst>
-              <a:ext uri="{FF2B5EF4-FFF2-40B4-BE49-F238E27FC236}">
-                <a16:creationId xmlns:a16="http://schemas.microsoft.com/office/drawing/2014/main" id="{16C2D24F-031D-3042-8DB3-2C9F1FFAA6D2}"/>
-              </a:ext>
-            </a:extLst>
-          </p:cNvPr>
+          <p:cNvPr id="2" name="Titel 1"/>
           <p:cNvSpPr>
             <a:spLocks noGrp="1"/>
           </p:cNvSpPr>
@@ -18917,25 +19108,19 @@
           <a:p>
             <a:r>
               <a:rPr lang="de-DE" dirty="0"/>
-              <a:t>Versuchsreihe: Dax 30</a:t>
-            </a:r>
-          </a:p>
-        </p:txBody>
-      </p:sp>
-      <p:sp>
-        <p:nvSpPr>
-          <p:cNvPr id="3" name="Date Placeholder 2">
-            <a:extLst>
-              <a:ext uri="{FF2B5EF4-FFF2-40B4-BE49-F238E27FC236}">
-                <a16:creationId xmlns:a16="http://schemas.microsoft.com/office/drawing/2014/main" id="{2974CD45-0965-DD47-B0B7-BB5DDCC4D698}"/>
-              </a:ext>
-            </a:extLst>
-          </p:cNvPr>
-          <p:cNvSpPr>
-            <a:spLocks noGrp="1"/>
-          </p:cNvSpPr>
-          <p:nvPr>
-            <p:ph type="dt" sz="half" idx="10"/>
+              <a:t>Resümee</a:t>
+            </a:r>
+          </a:p>
+        </p:txBody>
+      </p:sp>
+      <p:sp>
+        <p:nvSpPr>
+          <p:cNvPr id="3" name="Inhaltsplatzhalter 2"/>
+          <p:cNvSpPr>
+            <a:spLocks noGrp="1"/>
+          </p:cNvSpPr>
+          <p:nvPr>
+            <p:ph idx="1"/>
           </p:nvPr>
         </p:nvSpPr>
         <p:spPr/>
@@ -18943,10 +19128,64 @@
           <a:bodyPr/>
           <a:lstStyle/>
           <a:p>
-            <a:fld id="{12CE0ACD-0B71-463F-9507-4095300257BC}" type="datetime1">
+            <a:r>
+              <a:rPr lang="de-DE" dirty="0"/>
+              <a:t>ARCH &amp; GARCH-Prozesse wichtig bei der Modellierung von Prozessen mit Volatilitätsschwankungen</a:t>
+            </a:r>
+          </a:p>
+          <a:p>
+            <a:r>
+              <a:rPr lang="de-DE" dirty="0"/>
+              <a:t>ARCH-Prozesse identifizierbar anhand der PACF der quadrierten Daten (AR-Modell)</a:t>
+            </a:r>
+          </a:p>
+          <a:p>
+            <a:r>
+              <a:rPr lang="de-DE" dirty="0"/>
+              <a:t>Identifizierung von GARCH-Prozessen schwierig (Verwechselbarkeit mit ARCH-Prozessen hohen Grades)</a:t>
+            </a:r>
+          </a:p>
+          <a:p>
+            <a:r>
+              <a:rPr lang="de-DE" dirty="0"/>
+              <a:t>BIC als Kriterium für Model </a:t>
+            </a:r>
+            <a:r>
+              <a:rPr lang="de-DE" dirty="0" err="1"/>
+              <a:t>Selection</a:t>
+            </a:r>
+            <a:r>
+              <a:rPr lang="de-DE" dirty="0"/>
+              <a:t> für große N zur Auswahl des korrekten Modells sinnvoll (asymptotisch konsistent)</a:t>
+            </a:r>
+          </a:p>
+          <a:p>
+            <a:r>
+              <a:rPr lang="de-DE" dirty="0"/>
+              <a:t>GARCH-Modellierung zur Vorhersage von Volatilitätsschwankungen bei Zeitreihen im Finanzbereich </a:t>
+            </a:r>
+          </a:p>
+        </p:txBody>
+      </p:sp>
+      <p:sp>
+        <p:nvSpPr>
+          <p:cNvPr id="4" name="Datumsplatzhalter 3"/>
+          <p:cNvSpPr>
+            <a:spLocks noGrp="1"/>
+          </p:cNvSpPr>
+          <p:nvPr>
+            <p:ph type="dt" sz="half" idx="10"/>
+          </p:nvPr>
+        </p:nvSpPr>
+        <p:spPr/>
+        <p:txBody>
+          <a:bodyPr/>
+          <a:lstStyle/>
+          <a:p>
+            <a:fld id="{6DB845E5-DACF-426C-8A10-A6438D29DD66}" type="datetime1">
               <a:rPr lang="de-DE" smtClean="0"/>
               <a:pPr/>
-              <a:t>05.08.2018</a:t>
+              <a:t>05.08.18</a:t>
             </a:fld>
             <a:endParaRPr lang="de-DE"/>
           </a:p>
@@ -18954,13 +19193,7 @@
       </p:sp>
       <p:sp>
         <p:nvSpPr>
-          <p:cNvPr id="4" name="Footer Placeholder 3">
-            <a:extLst>
-              <a:ext uri="{FF2B5EF4-FFF2-40B4-BE49-F238E27FC236}">
-                <a16:creationId xmlns:a16="http://schemas.microsoft.com/office/drawing/2014/main" id="{36CFC7C2-E6FE-9C49-8D63-01C2420DF4AF}"/>
-              </a:ext>
-            </a:extLst>
-          </p:cNvPr>
+          <p:cNvPr id="5" name="Fußzeilenplatzhalter 4"/>
           <p:cNvSpPr>
             <a:spLocks noGrp="1"/>
           </p:cNvSpPr>
@@ -18975,7 +19208,7 @@
           <a:p>
             <a:r>
               <a:rPr lang="de-DE"/>
-              <a:t>Time Series Analysis – Sommersemester 2018</a:t>
+              <a:t>Structural Equation Modelling – Wintersemester 2017/2018</a:t>
             </a:r>
             <a:endParaRPr lang="de-DE" dirty="0"/>
           </a:p>
@@ -18983,13 +19216,7 @@
       </p:sp>
       <p:sp>
         <p:nvSpPr>
-          <p:cNvPr id="5" name="Slide Number Placeholder 4">
-            <a:extLst>
-              <a:ext uri="{FF2B5EF4-FFF2-40B4-BE49-F238E27FC236}">
-                <a16:creationId xmlns:a16="http://schemas.microsoft.com/office/drawing/2014/main" id="{B85CF25C-E699-6D44-A5D6-AA445BF709F8}"/>
-              </a:ext>
-            </a:extLst>
-          </p:cNvPr>
+          <p:cNvPr id="6" name="Foliennummernplatzhalter 5"/>
           <p:cNvSpPr>
             <a:spLocks noGrp="1"/>
           </p:cNvSpPr>
@@ -19011,152 +19238,10 @@
           </a:p>
         </p:txBody>
       </p:sp>
-      <p:pic>
-        <p:nvPicPr>
-          <p:cNvPr id="9" name="Picture 8">
-            <a:extLst>
-              <a:ext uri="{FF2B5EF4-FFF2-40B4-BE49-F238E27FC236}">
-                <a16:creationId xmlns:a16="http://schemas.microsoft.com/office/drawing/2014/main" id="{E8FC95AB-256E-A749-AB9B-A5112FC33686}"/>
-              </a:ext>
-            </a:extLst>
-          </p:cNvPr>
-          <p:cNvPicPr>
-            <a:picLocks noChangeAspect="1"/>
-          </p:cNvPicPr>
-          <p:nvPr/>
-        </p:nvPicPr>
-        <p:blipFill>
-          <a:blip r:embed="rId2">
-            <a:extLst>
-              <a:ext uri="{28A0092B-C50C-407E-A947-70E740481C1C}">
-                <a14:useLocalDpi xmlns:a14="http://schemas.microsoft.com/office/drawing/2010/main" val="0"/>
-              </a:ext>
-            </a:extLst>
-          </a:blip>
-          <a:stretch>
-            <a:fillRect/>
-          </a:stretch>
-        </p:blipFill>
-        <p:spPr>
-          <a:xfrm>
-            <a:off x="539552" y="1059581"/>
-            <a:ext cx="5463965" cy="3445430"/>
-          </a:xfrm>
-          <a:prstGeom prst="rect">
-            <a:avLst/>
-          </a:prstGeom>
-        </p:spPr>
-      </p:pic>
-      <p:sp>
-        <p:nvSpPr>
-          <p:cNvPr id="11" name="TextBox 10">
-            <a:extLst>
-              <a:ext uri="{FF2B5EF4-FFF2-40B4-BE49-F238E27FC236}">
-                <a16:creationId xmlns:a16="http://schemas.microsoft.com/office/drawing/2014/main" id="{8AA6A156-7A53-BC41-9135-85BD263F5808}"/>
-              </a:ext>
-            </a:extLst>
-          </p:cNvPr>
-          <p:cNvSpPr txBox="1"/>
-          <p:nvPr/>
-        </p:nvSpPr>
-        <p:spPr>
-          <a:xfrm>
-            <a:off x="6606693" y="1551190"/>
-            <a:ext cx="2089033" cy="2462213"/>
-          </a:xfrm>
-          <a:prstGeom prst="rect">
-            <a:avLst/>
-          </a:prstGeom>
-          <a:noFill/>
-        </p:spPr>
-        <p:txBody>
-          <a:bodyPr wrap="none" rtlCol="0">
-            <a:spAutoFit/>
-          </a:bodyPr>
-          <a:lstStyle/>
-          <a:p>
-            <a:pPr fontAlgn="t"/>
-            <a:r>
-              <a:rPr lang="de-DE" sz="1400" dirty="0"/>
-              <a:t>         Series              Sigma</a:t>
-            </a:r>
-          </a:p>
-          <a:p>
-            <a:pPr fontAlgn="t"/>
-            <a:r>
-              <a:rPr lang="de-DE" sz="1400" dirty="0"/>
-              <a:t>T+1  -0.0008865   0.01662</a:t>
-            </a:r>
-          </a:p>
-          <a:p>
-            <a:pPr fontAlgn="t"/>
-            <a:r>
-              <a:rPr lang="de-DE" sz="1400" dirty="0"/>
-              <a:t>T+2  -0.0008865   0.01658</a:t>
-            </a:r>
-          </a:p>
-          <a:p>
-            <a:pPr fontAlgn="t"/>
-            <a:r>
-              <a:rPr lang="de-DE" sz="1400" dirty="0"/>
-              <a:t>T+3  -0.0008865   0.01655</a:t>
-            </a:r>
-          </a:p>
-          <a:p>
-            <a:pPr fontAlgn="t"/>
-            <a:r>
-              <a:rPr lang="de-DE" sz="1400" dirty="0"/>
-              <a:t>T+4  -0.0008865   0.01652</a:t>
-            </a:r>
-          </a:p>
-          <a:p>
-            <a:pPr fontAlgn="t"/>
-            <a:r>
-              <a:rPr lang="de-DE" sz="1400" dirty="0"/>
-              <a:t>T+5  -0.0008865   0.01648</a:t>
-            </a:r>
-          </a:p>
-          <a:p>
-            <a:pPr fontAlgn="t"/>
-            <a:r>
-              <a:rPr lang="de-DE" sz="1400" dirty="0"/>
-              <a:t>T+6  -0.0008865   0.01645</a:t>
-            </a:r>
-          </a:p>
-          <a:p>
-            <a:pPr fontAlgn="t"/>
-            <a:r>
-              <a:rPr lang="de-DE" sz="1400" dirty="0"/>
-              <a:t>T+7  -0.0008865   0.01642</a:t>
-            </a:r>
-          </a:p>
-          <a:p>
-            <a:pPr fontAlgn="t"/>
-            <a:r>
-              <a:rPr lang="de-DE" sz="1400" dirty="0"/>
-              <a:t>T+8  -0.0008865   0.01638</a:t>
-            </a:r>
-          </a:p>
-          <a:p>
-            <a:pPr fontAlgn="t"/>
-            <a:r>
-              <a:rPr lang="de-DE" sz="1400" dirty="0"/>
-              <a:t>T+9  -0.0008865   0.01635</a:t>
-            </a:r>
-          </a:p>
-          <a:p>
-            <a:pPr fontAlgn="t"/>
-            <a:r>
-              <a:rPr lang="de-DE" sz="1400" dirty="0"/>
-              <a:t>T+10 -0.0008865  0.01632</a:t>
-            </a:r>
-          </a:p>
-        </p:txBody>
-      </p:sp>
     </p:spTree>
     <p:extLst>
       <p:ext uri="{BB962C8B-B14F-4D97-AF65-F5344CB8AC3E}">
-        <p14:creationId xmlns:p14="http://schemas.microsoft.com/office/powerpoint/2010/main" val="3007730682"/>
+        <p14:creationId xmlns:p14="http://schemas.microsoft.com/office/powerpoint/2010/main" val="2137650087"/>
       </p:ext>
     </p:extLst>
   </p:cSld>
@@ -19200,7 +19285,7 @@
           <a:p>
             <a:r>
               <a:rPr lang="de-DE" dirty="0"/>
-              <a:t>Resümee</a:t>
+              <a:t>Literatur</a:t>
             </a:r>
           </a:p>
         </p:txBody>
@@ -19221,51 +19306,176 @@
           <a:lstStyle/>
           <a:p>
             <a:r>
-              <a:rPr lang="de-DE" dirty="0" smtClean="0"/>
-              <a:t>ARCH &amp; GARCH-Prozesse wichtig bei der Modellierung von Prozessen mit Volatilitätsschwankungen</a:t>
-            </a:r>
-          </a:p>
-          <a:p>
-            <a:r>
-              <a:rPr lang="de-DE" dirty="0" smtClean="0"/>
-              <a:t>ARCH-Prozesse identifizierbar anhand der PACF der quadrierten Daten (AR-Modell)</a:t>
-            </a:r>
-          </a:p>
-          <a:p>
-            <a:r>
-              <a:rPr lang="de-DE" dirty="0" smtClean="0"/>
-              <a:t>Identifizierung von GARCH-Prozessen schwierig (Verwechselbarkeit mit ARCH-Prozessen hohen Grades)</a:t>
-            </a:r>
-          </a:p>
-          <a:p>
-            <a:r>
-              <a:rPr lang="de-DE" dirty="0" smtClean="0"/>
-              <a:t>BIC als Kriterium für Model </a:t>
-            </a:r>
-            <a:r>
-              <a:rPr lang="de-DE" dirty="0" err="1" smtClean="0"/>
-              <a:t>Selection</a:t>
-            </a:r>
-            <a:r>
-              <a:rPr lang="de-DE" dirty="0" smtClean="0"/>
-              <a:t> für große N zur Auswahl des korrekten Modells sinnvoll (asymptotisch konsistent)</a:t>
-            </a:r>
-            <a:endParaRPr lang="de-DE" dirty="0" smtClean="0"/>
-          </a:p>
-          <a:p>
-            <a:r>
-              <a:rPr lang="de-DE" dirty="0" smtClean="0"/>
-              <a:t>GARCH-Modellierung zur Vorhersage von </a:t>
+              <a:rPr lang="de-DE" dirty="0" err="1"/>
+              <a:t>Mazzoni</a:t>
             </a:r>
             <a:r>
               <a:rPr lang="de-DE" dirty="0"/>
-              <a:t>Volatilitätsschwankungen</a:t>
-            </a:r>
-            <a:r>
-              <a:rPr lang="de-DE" dirty="0" smtClean="0"/>
-              <a:t> bei Zeitreihen im Finanzbereich </a:t>
-            </a:r>
-            <a:endParaRPr lang="de-DE" dirty="0"/>
+              <a:t>, Thomas: </a:t>
+            </a:r>
+            <a:br>
+              <a:rPr lang="de-DE" dirty="0"/>
+            </a:br>
+            <a:r>
+              <a:rPr lang="de-DE" sz="1400" dirty="0">
+                <a:solidFill>
+                  <a:schemeClr val="tx1">
+                    <a:lumMod val="75000"/>
+                    <a:lumOff val="25000"/>
+                  </a:schemeClr>
+                </a:solidFill>
+              </a:rPr>
+              <a:t>Zeitreihenanalyse</a:t>
+            </a:r>
+            <a:br>
+              <a:rPr lang="de-DE" sz="1400" dirty="0">
+                <a:solidFill>
+                  <a:schemeClr val="tx1">
+                    <a:lumMod val="75000"/>
+                    <a:lumOff val="25000"/>
+                  </a:schemeClr>
+                </a:solidFill>
+              </a:rPr>
+            </a:br>
+            <a:r>
+              <a:rPr lang="de-DE" sz="1400" dirty="0">
+                <a:solidFill>
+                  <a:schemeClr val="tx1">
+                    <a:lumMod val="75000"/>
+                    <a:lumOff val="25000"/>
+                  </a:schemeClr>
+                </a:solidFill>
+              </a:rPr>
+              <a:t>2010</a:t>
+            </a:r>
+          </a:p>
+          <a:p>
+            <a:r>
+              <a:rPr lang="de-DE" dirty="0"/>
+              <a:t>Zucchini, W., </a:t>
+            </a:r>
+            <a:r>
+              <a:rPr lang="de-DE" dirty="0" err="1"/>
+              <a:t>Nenadic</a:t>
+            </a:r>
+            <a:r>
+              <a:rPr lang="de-DE" dirty="0"/>
+              <a:t>, O., Schlegel, A.:</a:t>
+            </a:r>
+            <a:br>
+              <a:rPr lang="de-DE" sz="1400" dirty="0">
+                <a:solidFill>
+                  <a:schemeClr val="tx1">
+                    <a:lumMod val="75000"/>
+                    <a:lumOff val="25000"/>
+                  </a:schemeClr>
+                </a:solidFill>
+              </a:rPr>
+            </a:br>
+            <a:r>
+              <a:rPr lang="de-DE" sz="1400" dirty="0">
+                <a:solidFill>
+                  <a:schemeClr val="tx1">
+                    <a:lumMod val="75000"/>
+                    <a:lumOff val="25000"/>
+                  </a:schemeClr>
+                </a:solidFill>
+              </a:rPr>
+              <a:t>Zeitreihenanalyse – Nichtlineare Zeitreihenmodelle</a:t>
+            </a:r>
+          </a:p>
+          <a:p>
+            <a:pPr marL="0" indent="0">
+              <a:buNone/>
+            </a:pPr>
+            <a:r>
+              <a:rPr lang="de-DE" sz="1400" dirty="0">
+                <a:solidFill>
+                  <a:schemeClr val="tx1">
+                    <a:lumMod val="75000"/>
+                    <a:lumOff val="25000"/>
+                  </a:schemeClr>
+                </a:solidFill>
+              </a:rPr>
+              <a:t>       2009</a:t>
+            </a:r>
+          </a:p>
+          <a:p>
+            <a:r>
+              <a:rPr lang="de-DE" sz="1400" dirty="0" err="1"/>
+              <a:t>Wuertz</a:t>
+            </a:r>
+            <a:r>
+              <a:rPr lang="de-DE" sz="1400" dirty="0"/>
+              <a:t>, D. et. al.:</a:t>
+            </a:r>
+            <a:br>
+              <a:rPr lang="de-DE" sz="1400" dirty="0"/>
+            </a:br>
+            <a:r>
+              <a:rPr lang="de-DE" sz="1400" dirty="0">
+                <a:solidFill>
+                  <a:schemeClr val="tx1">
+                    <a:lumMod val="75000"/>
+                    <a:lumOff val="25000"/>
+                  </a:schemeClr>
+                </a:solidFill>
+              </a:rPr>
+              <a:t>Package „</a:t>
+            </a:r>
+            <a:r>
+              <a:rPr lang="de-DE" sz="1400" dirty="0" err="1">
+                <a:solidFill>
+                  <a:schemeClr val="tx1">
+                    <a:lumMod val="75000"/>
+                    <a:lumOff val="25000"/>
+                  </a:schemeClr>
+                </a:solidFill>
+              </a:rPr>
+              <a:t>fGarch</a:t>
+            </a:r>
+            <a:r>
+              <a:rPr lang="de-DE" sz="1400" dirty="0">
+                <a:solidFill>
+                  <a:schemeClr val="tx1">
+                    <a:lumMod val="75000"/>
+                    <a:lumOff val="25000"/>
+                  </a:schemeClr>
+                </a:solidFill>
+              </a:rPr>
+              <a:t>“</a:t>
+            </a:r>
+            <a:br>
+              <a:rPr lang="de-DE" sz="1400" dirty="0">
+                <a:solidFill>
+                  <a:schemeClr val="tx1">
+                    <a:lumMod val="75000"/>
+                    <a:lumOff val="25000"/>
+                  </a:schemeClr>
+                </a:solidFill>
+              </a:rPr>
+            </a:br>
+            <a:r>
+              <a:rPr lang="de-DE" sz="1400" dirty="0">
+                <a:solidFill>
+                  <a:schemeClr val="tx1">
+                    <a:lumMod val="75000"/>
+                    <a:lumOff val="25000"/>
+                  </a:schemeClr>
+                </a:solidFill>
+              </a:rPr>
+              <a:t>2017</a:t>
+            </a:r>
+          </a:p>
+          <a:p>
+            <a:endParaRPr lang="de-DE" sz="1400" dirty="0">
+              <a:solidFill>
+                <a:schemeClr val="tx1">
+                  <a:lumMod val="75000"/>
+                  <a:lumOff val="25000"/>
+                </a:schemeClr>
+              </a:solidFill>
+            </a:endParaRPr>
           </a:p>
         </p:txBody>
       </p:sp>
@@ -19287,7 +19497,7 @@
             <a:fld id="{6DB845E5-DACF-426C-8A10-A6438D29DD66}" type="datetime1">
               <a:rPr lang="de-DE" smtClean="0"/>
               <a:pPr/>
-              <a:t>05.08.2018</a:t>
+              <a:t>05.08.18</a:t>
             </a:fld>
             <a:endParaRPr lang="de-DE"/>
           </a:p>
@@ -19309,10 +19519,9 @@
           <a:lstStyle/>
           <a:p>
             <a:r>
-              <a:rPr lang="de-DE"/>
-              <a:t>Structural Equation Modelling – Wintersemester 2017/2018</a:t>
-            </a:r>
-            <a:endParaRPr lang="de-DE" dirty="0"/>
+              <a:rPr lang="de-DE" dirty="0"/>
+              <a:t>Time Series Analysis– Sommersemester 2018</a:t>
+            </a:r>
           </a:p>
         </p:txBody>
       </p:sp>
@@ -19343,7 +19552,7 @@
     </p:spTree>
     <p:extLst>
       <p:ext uri="{BB962C8B-B14F-4D97-AF65-F5344CB8AC3E}">
-        <p14:creationId xmlns:p14="http://schemas.microsoft.com/office/powerpoint/2010/main" val="2137650087"/>
+        <p14:creationId xmlns:p14="http://schemas.microsoft.com/office/powerpoint/2010/main" val="430762112"/>
       </p:ext>
     </p:extLst>
   </p:cSld>
@@ -19387,19 +19596,19 @@
           <a:p>
             <a:r>
               <a:rPr lang="de-DE" dirty="0"/>
-              <a:t>Literatur</a:t>
-            </a:r>
-          </a:p>
-        </p:txBody>
-      </p:sp>
-      <p:sp>
-        <p:nvSpPr>
-          <p:cNvPr id="3" name="Inhaltsplatzhalter 2"/>
-          <p:cNvSpPr>
-            <a:spLocks noGrp="1"/>
-          </p:cNvSpPr>
-          <p:nvPr>
-            <p:ph idx="1"/>
+              <a:t>Vielen Dank für Ihre Aufmerksamkeit.</a:t>
+            </a:r>
+          </a:p>
+        </p:txBody>
+      </p:sp>
+      <p:sp>
+        <p:nvSpPr>
+          <p:cNvPr id="3" name="Datumsplatzhalter 2"/>
+          <p:cNvSpPr>
+            <a:spLocks noGrp="1"/>
+          </p:cNvSpPr>
+          <p:nvPr>
+            <p:ph type="dt" sz="half" idx="10"/>
           </p:nvPr>
         </p:nvSpPr>
         <p:spPr/>
@@ -19407,199 +19616,23 @@
           <a:bodyPr/>
           <a:lstStyle/>
           <a:p>
-            <a:r>
-              <a:rPr lang="de-DE" dirty="0" err="1"/>
-              <a:t>Mazzoni</a:t>
-            </a:r>
-            <a:r>
-              <a:rPr lang="de-DE" dirty="0"/>
-              <a:t>, Thomas: </a:t>
-            </a:r>
-            <a:br>
-              <a:rPr lang="de-DE" dirty="0"/>
-            </a:br>
-            <a:r>
-              <a:rPr lang="de-DE" sz="1400" dirty="0">
-                <a:solidFill>
-                  <a:schemeClr val="tx1">
-                    <a:lumMod val="75000"/>
-                    <a:lumOff val="25000"/>
-                  </a:schemeClr>
-                </a:solidFill>
-              </a:rPr>
-              <a:t>Zeitreihenanalyse</a:t>
-            </a:r>
-            <a:br>
-              <a:rPr lang="de-DE" sz="1400" dirty="0">
-                <a:solidFill>
-                  <a:schemeClr val="tx1">
-                    <a:lumMod val="75000"/>
-                    <a:lumOff val="25000"/>
-                  </a:schemeClr>
-                </a:solidFill>
-              </a:rPr>
-            </a:br>
-            <a:r>
-              <a:rPr lang="de-DE" sz="1400" dirty="0">
-                <a:solidFill>
-                  <a:schemeClr val="tx1">
-                    <a:lumMod val="75000"/>
-                    <a:lumOff val="25000"/>
-                  </a:schemeClr>
-                </a:solidFill>
-              </a:rPr>
-              <a:t>2010</a:t>
-            </a:r>
-          </a:p>
-          <a:p>
-            <a:r>
-              <a:rPr lang="de-DE" dirty="0"/>
-              <a:t>Zucchini, W., </a:t>
-            </a:r>
-            <a:r>
-              <a:rPr lang="de-DE" dirty="0" err="1"/>
-              <a:t>Nenadic</a:t>
-            </a:r>
-            <a:r>
-              <a:rPr lang="de-DE" dirty="0"/>
-              <a:t>, O., Schlegel, A.:</a:t>
-            </a:r>
-            <a:r>
-              <a:rPr lang="de-DE" sz="1400" dirty="0">
-                <a:solidFill>
-                  <a:schemeClr val="tx1">
-                    <a:lumMod val="75000"/>
-                    <a:lumOff val="25000"/>
-                  </a:schemeClr>
-                </a:solidFill>
-              </a:rPr>
-              <a:t/>
-            </a:r>
-            <a:br>
-              <a:rPr lang="de-DE" sz="1400" dirty="0">
-                <a:solidFill>
-                  <a:schemeClr val="tx1">
-                    <a:lumMod val="75000"/>
-                    <a:lumOff val="25000"/>
-                  </a:schemeClr>
-                </a:solidFill>
-              </a:rPr>
-            </a:br>
-            <a:r>
-              <a:rPr lang="de-DE" sz="1400" dirty="0">
-                <a:solidFill>
-                  <a:schemeClr val="tx1">
-                    <a:lumMod val="75000"/>
-                    <a:lumOff val="25000"/>
-                  </a:schemeClr>
-                </a:solidFill>
-              </a:rPr>
-              <a:t>Zeitreihenanalyse – Nichtlineare Zeitreihenmodelle</a:t>
-            </a:r>
-          </a:p>
-          <a:p>
-            <a:pPr marL="0" indent="0">
-              <a:buNone/>
-            </a:pPr>
-            <a:r>
-              <a:rPr lang="de-DE" sz="1400" dirty="0">
-                <a:solidFill>
-                  <a:schemeClr val="tx1">
-                    <a:lumMod val="75000"/>
-                    <a:lumOff val="25000"/>
-                  </a:schemeClr>
-                </a:solidFill>
-              </a:rPr>
-              <a:t>       2009</a:t>
-            </a:r>
-          </a:p>
-          <a:p>
-            <a:r>
-              <a:rPr lang="de-DE" sz="1400" dirty="0" err="1"/>
-              <a:t>Wuertz</a:t>
-            </a:r>
-            <a:r>
-              <a:rPr lang="de-DE" sz="1400" dirty="0"/>
-              <a:t>, D. et. al.:</a:t>
-            </a:r>
-            <a:br>
-              <a:rPr lang="de-DE" sz="1400" dirty="0"/>
-            </a:br>
-            <a:r>
-              <a:rPr lang="de-DE" sz="1400" dirty="0">
-                <a:solidFill>
-                  <a:schemeClr val="tx1">
-                    <a:lumMod val="75000"/>
-                    <a:lumOff val="25000"/>
-                  </a:schemeClr>
-                </a:solidFill>
-              </a:rPr>
-              <a:t>Package „</a:t>
-            </a:r>
-            <a:r>
-              <a:rPr lang="de-DE" sz="1400" dirty="0" err="1">
-                <a:solidFill>
-                  <a:schemeClr val="tx1">
-                    <a:lumMod val="75000"/>
-                    <a:lumOff val="25000"/>
-                  </a:schemeClr>
-                </a:solidFill>
-              </a:rPr>
-              <a:t>fGarch</a:t>
-            </a:r>
-            <a:r>
-              <a:rPr lang="de-DE" sz="1400" dirty="0">
-                <a:solidFill>
-                  <a:schemeClr val="tx1">
-                    <a:lumMod val="75000"/>
-                    <a:lumOff val="25000"/>
-                  </a:schemeClr>
-                </a:solidFill>
-              </a:rPr>
-              <a:t>“</a:t>
-            </a:r>
-            <a:br>
-              <a:rPr lang="de-DE" sz="1400" dirty="0">
-                <a:solidFill>
-                  <a:schemeClr val="tx1">
-                    <a:lumMod val="75000"/>
-                    <a:lumOff val="25000"/>
-                  </a:schemeClr>
-                </a:solidFill>
-              </a:rPr>
-            </a:br>
-            <a:r>
-              <a:rPr lang="de-DE" sz="1400" dirty="0">
-                <a:solidFill>
-                  <a:schemeClr val="tx1">
-                    <a:lumMod val="75000"/>
-                    <a:lumOff val="25000"/>
-                  </a:schemeClr>
-                </a:solidFill>
-              </a:rPr>
-              <a:t>2017</a:t>
-            </a:r>
-          </a:p>
-          <a:p>
-            <a:endParaRPr lang="de-DE" sz="1400" dirty="0">
-              <a:solidFill>
-                <a:schemeClr val="tx1">
-                  <a:lumMod val="75000"/>
-                  <a:lumOff val="25000"/>
-                </a:schemeClr>
-              </a:solidFill>
-            </a:endParaRPr>
-          </a:p>
-        </p:txBody>
-      </p:sp>
-      <p:sp>
-        <p:nvSpPr>
-          <p:cNvPr id="4" name="Datumsplatzhalter 3"/>
-          <p:cNvSpPr>
-            <a:spLocks noGrp="1"/>
-          </p:cNvSpPr>
-          <p:nvPr>
-            <p:ph type="dt" sz="half" idx="10"/>
+            <a:fld id="{19A0FC43-5E73-44C2-BFDB-9FAD1E8FED0E}" type="datetime1">
+              <a:rPr lang="de-DE" smtClean="0"/>
+              <a:pPr/>
+              <a:t>05.08.18</a:t>
+            </a:fld>
+            <a:endParaRPr lang="de-DE"/>
+          </a:p>
+        </p:txBody>
+      </p:sp>
+      <p:sp>
+        <p:nvSpPr>
+          <p:cNvPr id="4" name="Fußzeilenplatzhalter 3"/>
+          <p:cNvSpPr>
+            <a:spLocks noGrp="1"/>
+          </p:cNvSpPr>
+          <p:nvPr>
+            <p:ph type="ftr" sz="quarter" idx="11"/>
           </p:nvPr>
         </p:nvSpPr>
         <p:spPr/>
@@ -19607,40 +19640,17 @@
           <a:bodyPr/>
           <a:lstStyle/>
           <a:p>
-            <a:fld id="{6DB845E5-DACF-426C-8A10-A6438D29DD66}" type="datetime1">
-              <a:rPr lang="de-DE" smtClean="0"/>
-              <a:pPr/>
-              <a:t>05.08.2018</a:t>
-            </a:fld>
-            <a:endParaRPr lang="de-DE"/>
-          </a:p>
-        </p:txBody>
-      </p:sp>
-      <p:sp>
-        <p:nvSpPr>
-          <p:cNvPr id="5" name="Fußzeilenplatzhalter 4"/>
-          <p:cNvSpPr>
-            <a:spLocks noGrp="1"/>
-          </p:cNvSpPr>
-          <p:nvPr>
-            <p:ph type="ftr" sz="quarter" idx="11"/>
-          </p:nvPr>
-        </p:nvSpPr>
-        <p:spPr/>
-        <p:txBody>
-          <a:bodyPr/>
-          <a:lstStyle/>
-          <a:p>
-            <a:r>
-              <a:rPr lang="de-DE" dirty="0"/>
-              <a:t>Time Series Analysis– Sommersemester 2018</a:t>
-            </a:r>
-          </a:p>
-        </p:txBody>
-      </p:sp>
-      <p:sp>
-        <p:nvSpPr>
-          <p:cNvPr id="6" name="Foliennummernplatzhalter 5"/>
+            <a:r>
+              <a:rPr lang="de-DE"/>
+              <a:t>Structural Equation Modelling – Wintersemester 2017/2018</a:t>
+            </a:r>
+            <a:endParaRPr lang="de-DE" dirty="0"/>
+          </a:p>
+        </p:txBody>
+      </p:sp>
+      <p:sp>
+        <p:nvSpPr>
+          <p:cNvPr id="5" name="Foliennummernplatzhalter 4"/>
           <p:cNvSpPr>
             <a:spLocks noGrp="1"/>
           </p:cNvSpPr>
@@ -19657,129 +19667,6 @@
               <a:rPr lang="de-DE" smtClean="0"/>
               <a:pPr/>
               <a:t>23</a:t>
-            </a:fld>
-            <a:endParaRPr lang="de-DE"/>
-          </a:p>
-        </p:txBody>
-      </p:sp>
-    </p:spTree>
-    <p:extLst>
-      <p:ext uri="{BB962C8B-B14F-4D97-AF65-F5344CB8AC3E}">
-        <p14:creationId xmlns:p14="http://schemas.microsoft.com/office/powerpoint/2010/main" val="430762112"/>
-      </p:ext>
-    </p:extLst>
-  </p:cSld>
-  <p:clrMapOvr>
-    <a:masterClrMapping/>
-  </p:clrMapOvr>
-</p:sld>
-</file>
-
-<file path=ppt/slides/slide24.xml><?xml version="1.0" encoding="utf-8"?>
-<p:sld xmlns:a="http://schemas.openxmlformats.org/drawingml/2006/main" xmlns:r="http://schemas.openxmlformats.org/officeDocument/2006/relationships" xmlns:p="http://schemas.openxmlformats.org/presentationml/2006/main">
-  <p:cSld>
-    <p:spTree>
-      <p:nvGrpSpPr>
-        <p:cNvPr id="1" name=""/>
-        <p:cNvGrpSpPr/>
-        <p:nvPr/>
-      </p:nvGrpSpPr>
-      <p:grpSpPr>
-        <a:xfrm>
-          <a:off x="0" y="0"/>
-          <a:ext cx="0" cy="0"/>
-          <a:chOff x="0" y="0"/>
-          <a:chExt cx="0" cy="0"/>
-        </a:xfrm>
-      </p:grpSpPr>
-      <p:sp>
-        <p:nvSpPr>
-          <p:cNvPr id="2" name="Titel 1"/>
-          <p:cNvSpPr>
-            <a:spLocks noGrp="1"/>
-          </p:cNvSpPr>
-          <p:nvPr>
-            <p:ph type="title"/>
-          </p:nvPr>
-        </p:nvSpPr>
-        <p:spPr/>
-        <p:txBody>
-          <a:bodyPr/>
-          <a:lstStyle/>
-          <a:p>
-            <a:r>
-              <a:rPr lang="de-DE" dirty="0"/>
-              <a:t>Vielen Dank für Ihre Aufmerksamkeit.</a:t>
-            </a:r>
-          </a:p>
-        </p:txBody>
-      </p:sp>
-      <p:sp>
-        <p:nvSpPr>
-          <p:cNvPr id="3" name="Datumsplatzhalter 2"/>
-          <p:cNvSpPr>
-            <a:spLocks noGrp="1"/>
-          </p:cNvSpPr>
-          <p:nvPr>
-            <p:ph type="dt" sz="half" idx="10"/>
-          </p:nvPr>
-        </p:nvSpPr>
-        <p:spPr/>
-        <p:txBody>
-          <a:bodyPr/>
-          <a:lstStyle/>
-          <a:p>
-            <a:fld id="{19A0FC43-5E73-44C2-BFDB-9FAD1E8FED0E}" type="datetime1">
-              <a:rPr lang="de-DE" smtClean="0"/>
-              <a:pPr/>
-              <a:t>05.08.2018</a:t>
-            </a:fld>
-            <a:endParaRPr lang="de-DE"/>
-          </a:p>
-        </p:txBody>
-      </p:sp>
-      <p:sp>
-        <p:nvSpPr>
-          <p:cNvPr id="4" name="Fußzeilenplatzhalter 3"/>
-          <p:cNvSpPr>
-            <a:spLocks noGrp="1"/>
-          </p:cNvSpPr>
-          <p:nvPr>
-            <p:ph type="ftr" sz="quarter" idx="11"/>
-          </p:nvPr>
-        </p:nvSpPr>
-        <p:spPr/>
-        <p:txBody>
-          <a:bodyPr/>
-          <a:lstStyle/>
-          <a:p>
-            <a:r>
-              <a:rPr lang="de-DE"/>
-              <a:t>Structural Equation Modelling – Wintersemester 2017/2018</a:t>
-            </a:r>
-            <a:endParaRPr lang="de-DE" dirty="0"/>
-          </a:p>
-        </p:txBody>
-      </p:sp>
-      <p:sp>
-        <p:nvSpPr>
-          <p:cNvPr id="5" name="Foliennummernplatzhalter 4"/>
-          <p:cNvSpPr>
-            <a:spLocks noGrp="1"/>
-          </p:cNvSpPr>
-          <p:nvPr>
-            <p:ph type="sldNum" sz="quarter" idx="12"/>
-          </p:nvPr>
-        </p:nvSpPr>
-        <p:spPr/>
-        <p:txBody>
-          <a:bodyPr/>
-          <a:lstStyle/>
-          <a:p>
-            <a:fld id="{015363AA-F6CB-4A58-B5AD-B2CDFEAF0813}" type="slidenum">
-              <a:rPr lang="de-DE" smtClean="0"/>
-              <a:pPr/>
-              <a:t>24</a:t>
             </a:fld>
             <a:endParaRPr lang="de-DE"/>
           </a:p>
@@ -19991,7 +19878,7 @@
             <a:fld id="{6DB845E5-DACF-426C-8A10-A6438D29DD66}" type="datetime1">
               <a:rPr lang="de-DE" smtClean="0"/>
               <a:pPr/>
-              <a:t>05.08.2018</a:t>
+              <a:t>05.08.18</a:t>
             </a:fld>
             <a:endParaRPr lang="de-DE"/>
           </a:p>
@@ -20168,7 +20055,7 @@
             <a:fld id="{6DB845E5-DACF-426C-8A10-A6438D29DD66}" type="datetime1">
               <a:rPr lang="de-DE" smtClean="0"/>
               <a:pPr/>
-              <a:t>05.08.2018</a:t>
+              <a:t>05.08.18</a:t>
             </a:fld>
             <a:endParaRPr lang="de-DE"/>
           </a:p>
@@ -20377,7 +20264,7 @@
             <a:fld id="{6DB845E5-DACF-426C-8A10-A6438D29DD66}" type="datetime1">
               <a:rPr lang="de-DE" smtClean="0"/>
               <a:pPr/>
-              <a:t>05.08.2018</a:t>
+              <a:t>05.08.18</a:t>
             </a:fld>
             <a:endParaRPr lang="de-DE"/>
           </a:p>
@@ -20487,14 +20374,6 @@
   <p:clrMapOvr>
     <a:masterClrMapping/>
   </p:clrMapOvr>
-  <mc:AlternateContent xmlns:mc="http://schemas.openxmlformats.org/markup-compatibility/2006">
-    <mc:Choice xmlns:p14="http://schemas.microsoft.com/office/powerpoint/2010/main" Requires="p14">
-      <p:transition spd="slow" p14:dur="2000"/>
-    </mc:Choice>
-    <mc:Fallback>
-      <p:transition spd="slow"/>
-    </mc:Fallback>
-  </mc:AlternateContent>
 </p:sld>
 </file>
 
@@ -20691,7 +20570,7 @@
             <a:fld id="{6DB845E5-DACF-426C-8A10-A6438D29DD66}" type="datetime1">
               <a:rPr lang="de-DE" smtClean="0"/>
               <a:pPr/>
-              <a:t>05.08.2018</a:t>
+              <a:t>05.08.18</a:t>
             </a:fld>
             <a:endParaRPr lang="de-DE"/>
           </a:p>
@@ -20984,7 +20863,7 @@
             <a:fld id="{6DB845E5-DACF-426C-8A10-A6438D29DD66}" type="datetime1">
               <a:rPr lang="de-DE" smtClean="0"/>
               <a:pPr/>
-              <a:t>05.08.2018</a:t>
+              <a:t>05.08.18</a:t>
             </a:fld>
             <a:endParaRPr lang="de-DE"/>
           </a:p>
@@ -21148,7 +21027,7 @@
             <a:fld id="{12CE0ACD-0B71-463F-9507-4095300257BC}" type="datetime1">
               <a:rPr lang="de-DE" smtClean="0"/>
               <a:pPr/>
-              <a:t>05.08.2018</a:t>
+              <a:t>05.08.18</a:t>
             </a:fld>
             <a:endParaRPr lang="de-DE"/>
           </a:p>
@@ -21966,22 +21845,13 @@
               <a:t> </a:t>
             </a:r>
             <a:r>
-              <a:rPr lang="de-DE" sz="1400" dirty="0" err="1" smtClean="0"/>
+              <a:rPr lang="de-DE" sz="1400" dirty="0" err="1"/>
               <a:t>highest</a:t>
             </a:r>
             <a:r>
               <a:rPr lang="de-DE" sz="1400" dirty="0"/>
-              <a:t> </a:t>
-            </a:r>
-            <a:r>
-              <a:rPr lang="de-DE" sz="1400" dirty="0"/>
-              <a:t>B</a:t>
-            </a:r>
-            <a:r>
-              <a:rPr lang="de-DE" sz="1400" dirty="0" smtClean="0"/>
-              <a:t>IC</a:t>
-            </a:r>
-            <a:endParaRPr lang="de-DE" sz="1400" dirty="0"/>
+              <a:t> BIC</a:t>
+            </a:r>
           </a:p>
           <a:p>
             <a:endParaRPr lang="de-DE" dirty="0"/>
@@ -22328,8 +22198,8 @@
           </a:p>
         </p:txBody>
       </p:sp>
-      <mc:AlternateContent xmlns:mc="http://schemas.openxmlformats.org/markup-compatibility/2006">
-        <mc:Choice xmlns:a14="http://schemas.microsoft.com/office/drawing/2010/main" Requires="a14">
+      <mc:AlternateContent xmlns:mc="http://schemas.openxmlformats.org/markup-compatibility/2006" xmlns:a14="http://schemas.microsoft.com/office/drawing/2010/main">
+        <mc:Choice Requires="a14">
           <p:sp>
             <p:nvSpPr>
               <p:cNvPr id="3" name="Inhaltsplatzhalter 2"/>
@@ -23106,19 +22976,7 @@
                   <a:rPr lang="de-DE" dirty="0">
                     <a:sym typeface="Wingdings" panose="05000000000000000000" pitchFamily="2" charset="2"/>
                   </a:rPr>
-                  <a:t>Benutztes Kriterium: Kleinster </a:t>
-                </a:r>
-                <a:r>
-                  <a:rPr lang="de-DE" dirty="0" smtClean="0">
-                    <a:sym typeface="Wingdings" panose="05000000000000000000" pitchFamily="2" charset="2"/>
-                  </a:rPr>
-                  <a:t>BIC Wert (asymptotisch konsistent) </a:t>
-                </a:r>
-                <a:r>
-                  <a:rPr lang="de-DE" dirty="0">
-                    <a:sym typeface="Wingdings" panose="05000000000000000000" pitchFamily="2" charset="2"/>
-                  </a:rPr>
-                  <a:t> Best fit</a:t>
+                  <a:t>Benutztes Kriterium: Kleinster BIC Wert (asymptotisch konsistent)  Best fit</a:t>
                 </a:r>
                 <a:endParaRPr lang="de-DE" b="0" dirty="0">
                   <a:sym typeface="Wingdings" panose="05000000000000000000" pitchFamily="2" charset="2"/>
@@ -23198,7 +23056,7 @@
             </p:txBody>
           </p:sp>
         </mc:Choice>
-        <mc:Fallback>
+        <mc:Fallback xmlns="">
           <p:sp>
             <p:nvSpPr>
               <p:cNvPr id="3" name="Inhaltsplatzhalter 2"/>
@@ -23254,7 +23112,7 @@
             <a:fld id="{6DB845E5-DACF-426C-8A10-A6438D29DD66}" type="datetime1">
               <a:rPr lang="de-DE" smtClean="0"/>
               <a:pPr/>
-              <a:t>05.08.2018</a:t>
+              <a:t>05.08.18</a:t>
             </a:fld>
             <a:endParaRPr lang="de-DE"/>
           </a:p>

--- a/presentation/tsa_presentation_final.pptx
+++ b/presentation/tsa_presentation_final.pptx
@@ -248,7 +248,7 @@
             <a:fld id="{8A7CD7E6-D14C-4ECF-BE72-9282675AAFCC}" type="datetimeFigureOut">
               <a:rPr lang="de-DE" smtClean="0"/>
               <a:pPr/>
-              <a:t>05.08.18</a:t>
+              <a:t>06.08.18</a:t>
             </a:fld>
             <a:endParaRPr lang="de-DE"/>
           </a:p>
@@ -415,7 +415,7 @@
             <a:fld id="{9DEF7BA6-6945-4979-A31E-1F3FA0D91DC4}" type="datetimeFigureOut">
               <a:rPr lang="de-DE" smtClean="0"/>
               <a:pPr/>
-              <a:t>05.08.18</a:t>
+              <a:t>06.08.18</a:t>
             </a:fld>
             <a:endParaRPr lang="de-DE"/>
           </a:p>
@@ -3186,7 +3186,7 @@
             <a:fld id="{C6F490E5-6BD8-4297-ACA2-2AC87192B70F}" type="datetime1">
               <a:rPr lang="de-DE" smtClean="0"/>
               <a:pPr/>
-              <a:t>05.08.18</a:t>
+              <a:t>06.08.18</a:t>
             </a:fld>
             <a:endParaRPr lang="de-DE"/>
           </a:p>
@@ -3486,7 +3486,7 @@
             <a:fld id="{18321833-73FA-4B7B-8368-585F78905B8E}" type="datetime1">
               <a:rPr lang="de-DE" smtClean="0"/>
               <a:pPr/>
-              <a:t>05.08.18</a:t>
+              <a:t>06.08.18</a:t>
             </a:fld>
             <a:endParaRPr lang="de-DE"/>
           </a:p>
@@ -3603,7 +3603,7 @@
             <a:fld id="{3E1C52E8-7F49-4B86-AEB2-23BC7104D5B2}" type="datetime1">
               <a:rPr lang="de-DE" smtClean="0"/>
               <a:pPr/>
-              <a:t>05.08.18</a:t>
+              <a:t>06.08.18</a:t>
             </a:fld>
             <a:endParaRPr lang="de-DE"/>
           </a:p>
@@ -3867,7 +3867,7 @@
             <a:fld id="{3E1C52E8-7F49-4B86-AEB2-23BC7104D5B2}" type="datetime1">
               <a:rPr lang="de-DE" smtClean="0"/>
               <a:pPr/>
-              <a:t>05.08.18</a:t>
+              <a:t>06.08.18</a:t>
             </a:fld>
             <a:endParaRPr lang="de-DE"/>
           </a:p>
@@ -4569,7 +4569,7 @@
             <a:fld id="{DA5DE712-6C0E-4DF7-B336-AC97213DC93D}" type="datetime1">
               <a:rPr lang="de-DE" smtClean="0"/>
               <a:pPr/>
-              <a:t>05.08.18</a:t>
+              <a:t>06.08.18</a:t>
             </a:fld>
             <a:endParaRPr lang="de-DE"/>
           </a:p>
@@ -5132,7 +5132,7 @@
             <a:fld id="{DA5DE712-6C0E-4DF7-B336-AC97213DC93D}" type="datetime1">
               <a:rPr lang="de-DE" smtClean="0"/>
               <a:pPr/>
-              <a:t>05.08.18</a:t>
+              <a:t>06.08.18</a:t>
             </a:fld>
             <a:endParaRPr lang="de-DE"/>
           </a:p>
@@ -5435,7 +5435,7 @@
             <a:fld id="{19A0FC43-5E73-44C2-BFDB-9FAD1E8FED0E}" type="datetime1">
               <a:rPr lang="de-DE" smtClean="0"/>
               <a:pPr/>
-              <a:t>05.08.18</a:t>
+              <a:t>06.08.18</a:t>
             </a:fld>
             <a:endParaRPr lang="de-DE"/>
           </a:p>
@@ -5712,7 +5712,7 @@
             <a:fld id="{065E8A4D-8D16-457C-AFD8-844AF28C1B14}" type="datetime1">
               <a:rPr lang="de-DE" smtClean="0"/>
               <a:pPr/>
-              <a:t>05.08.18</a:t>
+              <a:t>06.08.18</a:t>
             </a:fld>
             <a:endParaRPr lang="de-DE"/>
           </a:p>
@@ -5914,7 +5914,7 @@
             <a:fld id="{6DB845E5-DACF-426C-8A10-A6438D29DD66}" type="datetime1">
               <a:rPr lang="de-DE" smtClean="0"/>
               <a:pPr/>
-              <a:t>05.08.18</a:t>
+              <a:t>06.08.18</a:t>
             </a:fld>
             <a:endParaRPr lang="de-DE"/>
           </a:p>
@@ -6219,7 +6219,7 @@
             <a:fld id="{CA605C2C-549A-4615-A3C1-D5E9E9947B76}" type="datetime1">
               <a:rPr lang="de-DE" smtClean="0"/>
               <a:pPr/>
-              <a:t>05.08.18</a:t>
+              <a:t>06.08.18</a:t>
             </a:fld>
             <a:endParaRPr lang="de-DE"/>
           </a:p>
@@ -6690,7 +6690,7 @@
             <a:fld id="{DA5DE712-6C0E-4DF7-B336-AC97213DC93D}" type="datetime1">
               <a:rPr lang="de-DE" smtClean="0"/>
               <a:pPr/>
-              <a:t>05.08.18</a:t>
+              <a:t>06.08.18</a:t>
             </a:fld>
             <a:endParaRPr lang="de-DE"/>
           </a:p>
@@ -7161,7 +7161,7 @@
             <a:fld id="{DA5DE712-6C0E-4DF7-B336-AC97213DC93D}" type="datetime1">
               <a:rPr lang="de-DE" smtClean="0"/>
               <a:pPr/>
-              <a:t>05.08.18</a:t>
+              <a:t>06.08.18</a:t>
             </a:fld>
             <a:endParaRPr lang="de-DE"/>
           </a:p>
@@ -7432,7 +7432,7 @@
             <a:fld id="{12CE0ACD-0B71-463F-9507-4095300257BC}" type="datetime1">
               <a:rPr lang="de-DE" smtClean="0"/>
               <a:pPr/>
-              <a:t>05.08.18</a:t>
+              <a:t>06.08.18</a:t>
             </a:fld>
             <a:endParaRPr lang="de-DE"/>
           </a:p>
@@ -7575,7 +7575,7 @@
             <a:fld id="{89026A34-A4A3-4CC2-B452-9E4A0F73B38C}" type="datetime1">
               <a:rPr lang="de-DE" smtClean="0"/>
               <a:pPr/>
-              <a:t>05.08.18</a:t>
+              <a:t>06.08.18</a:t>
             </a:fld>
             <a:endParaRPr lang="de-DE"/>
           </a:p>
@@ -7853,7 +7853,7 @@
             <a:fld id="{D509922F-D4D2-4984-9115-CE10B66F29DF}" type="datetime1">
               <a:rPr lang="de-DE" smtClean="0"/>
               <a:pPr/>
-              <a:t>05.08.18</a:t>
+              <a:t>06.08.18</a:t>
             </a:fld>
             <a:endParaRPr lang="de-DE"/>
           </a:p>
@@ -8171,7 +8171,7 @@
             <a:fld id="{9624F9CC-0A0D-4C8D-81F7-82F64A12AE8F}" type="datetime1">
               <a:rPr lang="de-DE" smtClean="0"/>
               <a:pPr/>
-              <a:t>05.08.18</a:t>
+              <a:t>06.08.18</a:t>
             </a:fld>
             <a:endParaRPr lang="de-DE"/>
           </a:p>
@@ -9837,7 +9837,7 @@
             <a:fld id="{DA5DE712-6C0E-4DF7-B336-AC97213DC93D}" type="datetime1">
               <a:rPr lang="de-DE" smtClean="0"/>
               <a:pPr/>
-              <a:t>05.08.18</a:t>
+              <a:t>06.08.18</a:t>
             </a:fld>
             <a:endParaRPr lang="de-DE"/>
           </a:p>
@@ -12197,7 +12197,7 @@
             <a:fld id="{DA5DE712-6C0E-4DF7-B336-AC97213DC93D}" type="datetime1">
               <a:rPr lang="de-DE" smtClean="0"/>
               <a:pPr/>
-              <a:t>05.08.18</a:t>
+              <a:t>06.08.18</a:t>
             </a:fld>
             <a:endParaRPr lang="de-DE"/>
           </a:p>
@@ -14098,7 +14098,7 @@
             <a:fld id="{DA5DE712-6C0E-4DF7-B336-AC97213DC93D}" type="datetime1">
               <a:rPr lang="de-DE" smtClean="0"/>
               <a:pPr/>
-              <a:t>05.08.18</a:t>
+              <a:t>06.08.18</a:t>
             </a:fld>
             <a:endParaRPr lang="de-DE"/>
           </a:p>
@@ -16179,7 +16179,7 @@
             <a:fld id="{DA5DE712-6C0E-4DF7-B336-AC97213DC93D}" type="datetime1">
               <a:rPr lang="de-DE" smtClean="0"/>
               <a:pPr/>
-              <a:t>05.08.18</a:t>
+              <a:t>06.08.18</a:t>
             </a:fld>
             <a:endParaRPr lang="de-DE"/>
           </a:p>
@@ -16526,7 +16526,7 @@
             <a:fld id="{12CE0ACD-0B71-463F-9507-4095300257BC}" type="datetime1">
               <a:rPr lang="de-DE" smtClean="0"/>
               <a:pPr/>
-              <a:t>05.08.18</a:t>
+              <a:t>06.08.18</a:t>
             </a:fld>
             <a:endParaRPr lang="de-DE"/>
           </a:p>
@@ -16998,7 +16998,7 @@
             <a:fld id="{12CE0ACD-0B71-463F-9507-4095300257BC}" type="datetime1">
               <a:rPr lang="de-DE" smtClean="0"/>
               <a:pPr/>
-              <a:t>05.08.18</a:t>
+              <a:t>06.08.18</a:t>
             </a:fld>
             <a:endParaRPr lang="de-DE"/>
           </a:p>
@@ -17576,7 +17576,7 @@
             <a:fld id="{12CE0ACD-0B71-463F-9507-4095300257BC}" type="datetime1">
               <a:rPr lang="de-DE" smtClean="0"/>
               <a:pPr/>
-              <a:t>05.08.18</a:t>
+              <a:t>06.08.18</a:t>
             </a:fld>
             <a:endParaRPr lang="de-DE"/>
           </a:p>
@@ -17638,41 +17638,6 @@
               <a:t>16</a:t>
             </a:fld>
             <a:endParaRPr lang="de-DE"/>
-          </a:p>
-        </p:txBody>
-      </p:sp>
-      <p:sp>
-        <p:nvSpPr>
-          <p:cNvPr id="6" name="TextBox 5">
-            <a:extLst>
-              <a:ext uri="{FF2B5EF4-FFF2-40B4-BE49-F238E27FC236}">
-                <a16:creationId xmlns:a16="http://schemas.microsoft.com/office/drawing/2014/main" id="{F5DA7DEA-393A-4445-AC69-0AD7E0DE4F6C}"/>
-              </a:ext>
-            </a:extLst>
-          </p:cNvPr>
-          <p:cNvSpPr txBox="1"/>
-          <p:nvPr/>
-        </p:nvSpPr>
-        <p:spPr>
-          <a:xfrm>
-            <a:off x="2582001" y="1059582"/>
-            <a:ext cx="4052007" cy="369332"/>
-          </a:xfrm>
-          <a:prstGeom prst="rect">
-            <a:avLst/>
-          </a:prstGeom>
-          <a:noFill/>
-        </p:spPr>
-        <p:txBody>
-          <a:bodyPr wrap="none" rtlCol="0">
-            <a:spAutoFit/>
-          </a:bodyPr>
-          <a:lstStyle/>
-          <a:p>
-            <a:r>
-              <a:rPr lang="de-DE" dirty="0"/>
-              <a:t>Bestes AIC auf Log-Returns: ARIMA(0,0,0)</a:t>
-            </a:r>
           </a:p>
         </p:txBody>
       </p:sp>
@@ -17686,7 +17651,7 @@
             </a:extLst>
           </p:cNvPr>
           <p:cNvPicPr>
-            <a:picLocks noChangeAspect="1"/>
+            <a:picLocks/>
           </p:cNvPicPr>
           <p:nvPr/>
         </p:nvPicPr>
@@ -17704,14 +17669,49 @@
         </p:blipFill>
         <p:spPr>
           <a:xfrm>
-            <a:off x="413792" y="1428914"/>
-            <a:ext cx="3862800" cy="3035058"/>
+            <a:off x="0" y="1773231"/>
+            <a:ext cx="2160000" cy="1983600"/>
           </a:xfrm>
           <a:prstGeom prst="rect">
             <a:avLst/>
           </a:prstGeom>
         </p:spPr>
       </p:pic>
+      <p:sp>
+        <p:nvSpPr>
+          <p:cNvPr id="6" name="TextBox 5">
+            <a:extLst>
+              <a:ext uri="{FF2B5EF4-FFF2-40B4-BE49-F238E27FC236}">
+                <a16:creationId xmlns:a16="http://schemas.microsoft.com/office/drawing/2014/main" id="{F5DA7DEA-393A-4445-AC69-0AD7E0DE4F6C}"/>
+              </a:ext>
+            </a:extLst>
+          </p:cNvPr>
+          <p:cNvSpPr txBox="1"/>
+          <p:nvPr/>
+        </p:nvSpPr>
+        <p:spPr>
+          <a:xfrm>
+            <a:off x="2582001" y="1059582"/>
+            <a:ext cx="4052007" cy="369332"/>
+          </a:xfrm>
+          <a:prstGeom prst="rect">
+            <a:avLst/>
+          </a:prstGeom>
+          <a:noFill/>
+        </p:spPr>
+        <p:txBody>
+          <a:bodyPr wrap="none" rtlCol="0">
+            <a:spAutoFit/>
+          </a:bodyPr>
+          <a:lstStyle/>
+          <a:p>
+            <a:r>
+              <a:rPr lang="de-DE" dirty="0"/>
+              <a:t>Bestes AIC auf Log-Returns: ARIMA(0,0,0)</a:t>
+            </a:r>
+          </a:p>
+        </p:txBody>
+      </p:sp>
       <p:pic>
         <p:nvPicPr>
           <p:cNvPr id="12" name="Picture 11">
@@ -17722,7 +17722,7 @@
             </a:extLst>
           </p:cNvPr>
           <p:cNvPicPr>
-            <a:picLocks noChangeAspect="1"/>
+            <a:picLocks/>
           </p:cNvPicPr>
           <p:nvPr/>
         </p:nvPicPr>
@@ -17740,8 +17740,8 @@
         </p:blipFill>
         <p:spPr>
           <a:xfrm>
-            <a:off x="4716016" y="1428914"/>
-            <a:ext cx="3862800" cy="3035057"/>
+            <a:off x="2221917" y="1746582"/>
+            <a:ext cx="2160000" cy="1983600"/>
           </a:xfrm>
           <a:prstGeom prst="rect">
             <a:avLst/>
@@ -17783,6 +17783,78 @@
           </a:p>
         </p:txBody>
       </p:sp>
+      <p:pic>
+        <p:nvPicPr>
+          <p:cNvPr id="8" name="Picture 7">
+            <a:extLst>
+              <a:ext uri="{FF2B5EF4-FFF2-40B4-BE49-F238E27FC236}">
+                <a16:creationId xmlns:a16="http://schemas.microsoft.com/office/drawing/2014/main" id="{E4BD37D8-1B72-5349-97B3-B823AD750A75}"/>
+              </a:ext>
+            </a:extLst>
+          </p:cNvPr>
+          <p:cNvPicPr>
+            <a:picLocks/>
+          </p:cNvPicPr>
+          <p:nvPr/>
+        </p:nvPicPr>
+        <p:blipFill>
+          <a:blip r:embed="rId5">
+            <a:extLst>
+              <a:ext uri="{28A0092B-C50C-407E-A947-70E740481C1C}">
+                <a14:useLocalDpi xmlns:a14="http://schemas.microsoft.com/office/drawing/2010/main" val="0"/>
+              </a:ext>
+            </a:extLst>
+          </a:blip>
+          <a:stretch>
+            <a:fillRect/>
+          </a:stretch>
+        </p:blipFill>
+        <p:spPr>
+          <a:xfrm>
+            <a:off x="4443835" y="1746582"/>
+            <a:ext cx="2160000" cy="1983600"/>
+          </a:xfrm>
+          <a:prstGeom prst="rect">
+            <a:avLst/>
+          </a:prstGeom>
+        </p:spPr>
+      </p:pic>
+      <p:pic>
+        <p:nvPicPr>
+          <p:cNvPr id="11" name="Picture 10">
+            <a:extLst>
+              <a:ext uri="{FF2B5EF4-FFF2-40B4-BE49-F238E27FC236}">
+                <a16:creationId xmlns:a16="http://schemas.microsoft.com/office/drawing/2014/main" id="{0D94C3E8-9AE0-8442-9C07-7F8512A449DA}"/>
+              </a:ext>
+            </a:extLst>
+          </p:cNvPr>
+          <p:cNvPicPr>
+            <a:picLocks/>
+          </p:cNvPicPr>
+          <p:nvPr/>
+        </p:nvPicPr>
+        <p:blipFill>
+          <a:blip r:embed="rId6">
+            <a:extLst>
+              <a:ext uri="{28A0092B-C50C-407E-A947-70E740481C1C}">
+                <a14:useLocalDpi xmlns:a14="http://schemas.microsoft.com/office/drawing/2010/main" val="0"/>
+              </a:ext>
+            </a:extLst>
+          </a:blip>
+          <a:stretch>
+            <a:fillRect/>
+          </a:stretch>
+        </p:blipFill>
+        <p:spPr>
+          <a:xfrm>
+            <a:off x="6804248" y="1746582"/>
+            <a:ext cx="2160000" cy="1983600"/>
+          </a:xfrm>
+          <a:prstGeom prst="rect">
+            <a:avLst/>
+          </a:prstGeom>
+        </p:spPr>
+      </p:pic>
     </p:spTree>
     <p:extLst>
       <p:ext uri="{BB962C8B-B14F-4D97-AF65-F5344CB8AC3E}">
@@ -17867,7 +17939,7 @@
             <a:fld id="{12CE0ACD-0B71-463F-9507-4095300257BC}" type="datetime1">
               <a:rPr lang="de-DE" smtClean="0"/>
               <a:pPr/>
-              <a:t>05.08.18</a:t>
+              <a:t>06.08.18</a:t>
             </a:fld>
             <a:endParaRPr lang="de-DE"/>
           </a:p>
@@ -18155,7 +18227,7 @@
             <a:fld id="{D509922F-D4D2-4984-9115-CE10B66F29DF}" type="datetime1">
               <a:rPr lang="de-DE" smtClean="0"/>
               <a:pPr/>
-              <a:t>05.08.18</a:t>
+              <a:t>06.08.18</a:t>
             </a:fld>
             <a:endParaRPr lang="de-DE"/>
           </a:p>
@@ -18367,7 +18439,7 @@
             <a:fld id="{D509922F-D4D2-4984-9115-CE10B66F29DF}" type="datetime1">
               <a:rPr lang="de-DE" smtClean="0"/>
               <a:pPr/>
-              <a:t>05.08.18</a:t>
+              <a:t>06.08.18</a:t>
             </a:fld>
             <a:endParaRPr lang="de-DE"/>
           </a:p>
@@ -18718,7 +18790,7 @@
             <a:fld id="{6DB845E5-DACF-426C-8A10-A6438D29DD66}" type="datetime1">
               <a:rPr lang="de-DE" smtClean="0"/>
               <a:pPr/>
-              <a:t>05.08.18</a:t>
+              <a:t>06.08.18</a:t>
             </a:fld>
             <a:endParaRPr lang="de-DE"/>
           </a:p>
@@ -18854,7 +18926,7 @@
             <a:fld id="{12CE0ACD-0B71-463F-9507-4095300257BC}" type="datetime1">
               <a:rPr lang="de-DE" smtClean="0"/>
               <a:pPr/>
-              <a:t>05.08.18</a:t>
+              <a:t>06.08.18</a:t>
             </a:fld>
             <a:endParaRPr lang="de-DE"/>
           </a:p>
@@ -19185,7 +19257,7 @@
             <a:fld id="{6DB845E5-DACF-426C-8A10-A6438D29DD66}" type="datetime1">
               <a:rPr lang="de-DE" smtClean="0"/>
               <a:pPr/>
-              <a:t>05.08.18</a:t>
+              <a:t>06.08.18</a:t>
             </a:fld>
             <a:endParaRPr lang="de-DE"/>
           </a:p>
@@ -19497,7 +19569,7 @@
             <a:fld id="{6DB845E5-DACF-426C-8A10-A6438D29DD66}" type="datetime1">
               <a:rPr lang="de-DE" smtClean="0"/>
               <a:pPr/>
-              <a:t>05.08.18</a:t>
+              <a:t>06.08.18</a:t>
             </a:fld>
             <a:endParaRPr lang="de-DE"/>
           </a:p>
@@ -19619,7 +19691,7 @@
             <a:fld id="{19A0FC43-5E73-44C2-BFDB-9FAD1E8FED0E}" type="datetime1">
               <a:rPr lang="de-DE" smtClean="0"/>
               <a:pPr/>
-              <a:t>05.08.18</a:t>
+              <a:t>06.08.18</a:t>
             </a:fld>
             <a:endParaRPr lang="de-DE"/>
           </a:p>
@@ -19878,7 +19950,7 @@
             <a:fld id="{6DB845E5-DACF-426C-8A10-A6438D29DD66}" type="datetime1">
               <a:rPr lang="de-DE" smtClean="0"/>
               <a:pPr/>
-              <a:t>05.08.18</a:t>
+              <a:t>06.08.18</a:t>
             </a:fld>
             <a:endParaRPr lang="de-DE"/>
           </a:p>
@@ -20055,7 +20127,7 @@
             <a:fld id="{6DB845E5-DACF-426C-8A10-A6438D29DD66}" type="datetime1">
               <a:rPr lang="de-DE" smtClean="0"/>
               <a:pPr/>
-              <a:t>05.08.18</a:t>
+              <a:t>06.08.18</a:t>
             </a:fld>
             <a:endParaRPr lang="de-DE"/>
           </a:p>
@@ -20264,7 +20336,7 @@
             <a:fld id="{6DB845E5-DACF-426C-8A10-A6438D29DD66}" type="datetime1">
               <a:rPr lang="de-DE" smtClean="0"/>
               <a:pPr/>
-              <a:t>05.08.18</a:t>
+              <a:t>06.08.18</a:t>
             </a:fld>
             <a:endParaRPr lang="de-DE"/>
           </a:p>
@@ -20570,7 +20642,7 @@
             <a:fld id="{6DB845E5-DACF-426C-8A10-A6438D29DD66}" type="datetime1">
               <a:rPr lang="de-DE" smtClean="0"/>
               <a:pPr/>
-              <a:t>05.08.18</a:t>
+              <a:t>06.08.18</a:t>
             </a:fld>
             <a:endParaRPr lang="de-DE"/>
           </a:p>
@@ -20863,7 +20935,7 @@
             <a:fld id="{6DB845E5-DACF-426C-8A10-A6438D29DD66}" type="datetime1">
               <a:rPr lang="de-DE" smtClean="0"/>
               <a:pPr/>
-              <a:t>05.08.18</a:t>
+              <a:t>06.08.18</a:t>
             </a:fld>
             <a:endParaRPr lang="de-DE"/>
           </a:p>
@@ -21027,7 +21099,7 @@
             <a:fld id="{12CE0ACD-0B71-463F-9507-4095300257BC}" type="datetime1">
               <a:rPr lang="de-DE" smtClean="0"/>
               <a:pPr/>
-              <a:t>05.08.18</a:t>
+              <a:t>06.08.18</a:t>
             </a:fld>
             <a:endParaRPr lang="de-DE"/>
           </a:p>
@@ -23112,7 +23184,7 @@
             <a:fld id="{6DB845E5-DACF-426C-8A10-A6438D29DD66}" type="datetime1">
               <a:rPr lang="de-DE" smtClean="0"/>
               <a:pPr/>
-              <a:t>05.08.18</a:t>
+              <a:t>06.08.18</a:t>
             </a:fld>
             <a:endParaRPr lang="de-DE"/>
           </a:p>

--- a/presentation/tsa_presentation_final.pptx
+++ b/presentation/tsa_presentation_final.pptx
@@ -18755,7 +18755,7 @@
             </a:pPr>
             <a:r>
               <a:rPr lang="de-DE" dirty="0"/>
-              <a:t>ARIMA-GARCH-Modelle</a:t>
+              <a:t>Beispiel GARCH-Vorhersagen </a:t>
             </a:r>
           </a:p>
           <a:p>

--- a/presentation/tsa_presentation_final.pptx
+++ b/presentation/tsa_presentation_final.pptx
@@ -19019,8 +19019,8 @@
         </p:blipFill>
         <p:spPr>
           <a:xfrm>
-            <a:off x="539552" y="1059581"/>
-            <a:ext cx="5463965" cy="3445430"/>
+            <a:off x="107504" y="1059581"/>
+            <a:ext cx="3024337" cy="3445430"/>
           </a:xfrm>
           <a:prstGeom prst="rect">
             <a:avLst/>
@@ -19133,6 +19133,42 @@
           </a:p>
         </p:txBody>
       </p:sp>
+      <p:pic>
+        <p:nvPicPr>
+          <p:cNvPr id="7" name="Picture 6">
+            <a:extLst>
+              <a:ext uri="{FF2B5EF4-FFF2-40B4-BE49-F238E27FC236}">
+                <a16:creationId xmlns:a16="http://schemas.microsoft.com/office/drawing/2014/main" id="{BCF68E18-17DB-9F47-A753-2024183C1FC3}"/>
+              </a:ext>
+            </a:extLst>
+          </p:cNvPr>
+          <p:cNvPicPr>
+            <a:picLocks noChangeAspect="1"/>
+          </p:cNvPicPr>
+          <p:nvPr/>
+        </p:nvPicPr>
+        <p:blipFill>
+          <a:blip r:embed="rId4">
+            <a:extLst>
+              <a:ext uri="{28A0092B-C50C-407E-A947-70E740481C1C}">
+                <a14:useLocalDpi xmlns:a14="http://schemas.microsoft.com/office/drawing/2010/main" val="0"/>
+              </a:ext>
+            </a:extLst>
+          </a:blip>
+          <a:stretch>
+            <a:fillRect/>
+          </a:stretch>
+        </p:blipFill>
+        <p:spPr>
+          <a:xfrm>
+            <a:off x="3127284" y="1563638"/>
+            <a:ext cx="3479409" cy="2375596"/>
+          </a:xfrm>
+          <a:prstGeom prst="rect">
+            <a:avLst/>
+          </a:prstGeom>
+        </p:spPr>
+      </p:pic>
     </p:spTree>
     <p:extLst>
       <p:ext uri="{BB962C8B-B14F-4D97-AF65-F5344CB8AC3E}">

--- a/presentation/tsa_presentation_final.pptx
+++ b/presentation/tsa_presentation_final.pptx
@@ -32,8 +32,8 @@
     <p:sldId id="346" r:id="rId20"/>
     <p:sldId id="347" r:id="rId21"/>
     <p:sldId id="304" r:id="rId22"/>
-    <p:sldId id="323" r:id="rId23"/>
-    <p:sldId id="301" r:id="rId24"/>
+    <p:sldId id="301" r:id="rId23"/>
+    <p:sldId id="323" r:id="rId24"/>
   </p:sldIdLst>
   <p:sldSz cx="9144000" cy="5143500" type="screen16x9"/>
   <p:notesSz cx="6858000" cy="9144000"/>
@@ -248,7 +248,7 @@
             <a:fld id="{8A7CD7E6-D14C-4ECF-BE72-9282675AAFCC}" type="datetimeFigureOut">
               <a:rPr lang="de-DE" smtClean="0"/>
               <a:pPr/>
-              <a:t>06.08.18</a:t>
+              <a:t>06.08.2018</a:t>
             </a:fld>
             <a:endParaRPr lang="de-DE"/>
           </a:p>
@@ -315,7 +315,7 @@
             <a:fld id="{7119B856-22C7-4D3D-8424-185753AB3E24}" type="slidenum">
               <a:rPr lang="de-DE" smtClean="0"/>
               <a:pPr/>
-              <a:t>‹#›</a:t>
+              <a:t>‹Nr.›</a:t>
             </a:fld>
             <a:endParaRPr lang="de-DE"/>
           </a:p>
@@ -415,7 +415,7 @@
             <a:fld id="{9DEF7BA6-6945-4979-A31E-1F3FA0D91DC4}" type="datetimeFigureOut">
               <a:rPr lang="de-DE" smtClean="0"/>
               <a:pPr/>
-              <a:t>06.08.18</a:t>
+              <a:t>06.08.2018</a:t>
             </a:fld>
             <a:endParaRPr lang="de-DE"/>
           </a:p>
@@ -576,7 +576,7 @@
             <a:fld id="{6706D1AF-4C0D-4753-9D96-DDC1A4BC5412}" type="slidenum">
               <a:rPr lang="de-DE" smtClean="0"/>
               <a:pPr/>
-              <a:t>‹#›</a:t>
+              <a:t>‹Nr.›</a:t>
             </a:fld>
             <a:endParaRPr lang="de-DE"/>
           </a:p>
@@ -3186,7 +3186,7 @@
             <a:fld id="{C6F490E5-6BD8-4297-ACA2-2AC87192B70F}" type="datetime1">
               <a:rPr lang="de-DE" smtClean="0"/>
               <a:pPr/>
-              <a:t>06.08.18</a:t>
+              <a:t>06.08.2018</a:t>
             </a:fld>
             <a:endParaRPr lang="de-DE"/>
           </a:p>
@@ -3210,7 +3210,7 @@
             <a:fld id="{015363AA-F6CB-4A58-B5AD-B2CDFEAF0813}" type="slidenum">
               <a:rPr lang="de-DE" smtClean="0"/>
               <a:pPr/>
-              <a:t>‹#›</a:t>
+              <a:t>‹Nr.›</a:t>
             </a:fld>
             <a:endParaRPr lang="de-DE"/>
           </a:p>
@@ -3486,7 +3486,7 @@
             <a:fld id="{18321833-73FA-4B7B-8368-585F78905B8E}" type="datetime1">
               <a:rPr lang="de-DE" smtClean="0"/>
               <a:pPr/>
-              <a:t>06.08.18</a:t>
+              <a:t>06.08.2018</a:t>
             </a:fld>
             <a:endParaRPr lang="de-DE"/>
           </a:p>
@@ -3532,7 +3532,7 @@
             <a:fld id="{015363AA-F6CB-4A58-B5AD-B2CDFEAF0813}" type="slidenum">
               <a:rPr lang="de-DE" smtClean="0"/>
               <a:pPr/>
-              <a:t>‹#›</a:t>
+              <a:t>‹Nr.›</a:t>
             </a:fld>
             <a:endParaRPr lang="de-DE"/>
           </a:p>
@@ -3603,7 +3603,7 @@
             <a:fld id="{3E1C52E8-7F49-4B86-AEB2-23BC7104D5B2}" type="datetime1">
               <a:rPr lang="de-DE" smtClean="0"/>
               <a:pPr/>
-              <a:t>06.08.18</a:t>
+              <a:t>06.08.2018</a:t>
             </a:fld>
             <a:endParaRPr lang="de-DE"/>
           </a:p>
@@ -3649,7 +3649,7 @@
             <a:fld id="{015363AA-F6CB-4A58-B5AD-B2CDFEAF0813}" type="slidenum">
               <a:rPr lang="de-DE" smtClean="0"/>
               <a:pPr/>
-              <a:t>‹#›</a:t>
+              <a:t>‹Nr.›</a:t>
             </a:fld>
             <a:endParaRPr lang="de-DE"/>
           </a:p>
@@ -3867,7 +3867,7 @@
             <a:fld id="{3E1C52E8-7F49-4B86-AEB2-23BC7104D5B2}" type="datetime1">
               <a:rPr lang="de-DE" smtClean="0"/>
               <a:pPr/>
-              <a:t>06.08.18</a:t>
+              <a:t>06.08.2018</a:t>
             </a:fld>
             <a:endParaRPr lang="de-DE"/>
           </a:p>
@@ -3913,7 +3913,7 @@
             <a:fld id="{015363AA-F6CB-4A58-B5AD-B2CDFEAF0813}" type="slidenum">
               <a:rPr lang="de-DE" smtClean="0"/>
               <a:pPr/>
-              <a:t>‹#›</a:t>
+              <a:t>‹Nr.›</a:t>
             </a:fld>
             <a:endParaRPr lang="de-DE"/>
           </a:p>
@@ -4569,7 +4569,7 @@
             <a:fld id="{DA5DE712-6C0E-4DF7-B336-AC97213DC93D}" type="datetime1">
               <a:rPr lang="de-DE" smtClean="0"/>
               <a:pPr/>
-              <a:t>06.08.18</a:t>
+              <a:t>06.08.2018</a:t>
             </a:fld>
             <a:endParaRPr lang="de-DE"/>
           </a:p>
@@ -4615,7 +4615,7 @@
             <a:fld id="{015363AA-F6CB-4A58-B5AD-B2CDFEAF0813}" type="slidenum">
               <a:rPr lang="de-DE" smtClean="0"/>
               <a:pPr/>
-              <a:t>‹#›</a:t>
+              <a:t>‹Nr.›</a:t>
             </a:fld>
             <a:endParaRPr lang="de-DE"/>
           </a:p>
@@ -5132,7 +5132,7 @@
             <a:fld id="{DA5DE712-6C0E-4DF7-B336-AC97213DC93D}" type="datetime1">
               <a:rPr lang="de-DE" smtClean="0"/>
               <a:pPr/>
-              <a:t>06.08.18</a:t>
+              <a:t>06.08.2018</a:t>
             </a:fld>
             <a:endParaRPr lang="de-DE"/>
           </a:p>
@@ -5178,7 +5178,7 @@
             <a:fld id="{015363AA-F6CB-4A58-B5AD-B2CDFEAF0813}" type="slidenum">
               <a:rPr lang="de-DE" smtClean="0"/>
               <a:pPr/>
-              <a:t>‹#›</a:t>
+              <a:t>‹Nr.›</a:t>
             </a:fld>
             <a:endParaRPr lang="de-DE"/>
           </a:p>
@@ -5435,7 +5435,7 @@
             <a:fld id="{19A0FC43-5E73-44C2-BFDB-9FAD1E8FED0E}" type="datetime1">
               <a:rPr lang="de-DE" smtClean="0"/>
               <a:pPr/>
-              <a:t>06.08.18</a:t>
+              <a:t>06.08.2018</a:t>
             </a:fld>
             <a:endParaRPr lang="de-DE"/>
           </a:p>
@@ -5481,7 +5481,7 @@
             <a:fld id="{015363AA-F6CB-4A58-B5AD-B2CDFEAF0813}" type="slidenum">
               <a:rPr lang="de-DE" smtClean="0"/>
               <a:pPr/>
-              <a:t>‹#›</a:t>
+              <a:t>‹Nr.›</a:t>
             </a:fld>
             <a:endParaRPr lang="de-DE"/>
           </a:p>
@@ -5712,7 +5712,7 @@
             <a:fld id="{065E8A4D-8D16-457C-AFD8-844AF28C1B14}" type="datetime1">
               <a:rPr lang="de-DE" smtClean="0"/>
               <a:pPr/>
-              <a:t>06.08.18</a:t>
+              <a:t>06.08.2018</a:t>
             </a:fld>
             <a:endParaRPr lang="de-DE"/>
           </a:p>
@@ -5758,7 +5758,7 @@
             <a:fld id="{015363AA-F6CB-4A58-B5AD-B2CDFEAF0813}" type="slidenum">
               <a:rPr lang="de-DE" smtClean="0"/>
               <a:pPr/>
-              <a:t>‹#›</a:t>
+              <a:t>‹Nr.›</a:t>
             </a:fld>
             <a:endParaRPr lang="de-DE"/>
           </a:p>
@@ -5914,7 +5914,7 @@
             <a:fld id="{6DB845E5-DACF-426C-8A10-A6438D29DD66}" type="datetime1">
               <a:rPr lang="de-DE" smtClean="0"/>
               <a:pPr/>
-              <a:t>06.08.18</a:t>
+              <a:t>06.08.2018</a:t>
             </a:fld>
             <a:endParaRPr lang="de-DE"/>
           </a:p>
@@ -5960,7 +5960,7 @@
             <a:fld id="{015363AA-F6CB-4A58-B5AD-B2CDFEAF0813}" type="slidenum">
               <a:rPr lang="de-DE" smtClean="0"/>
               <a:pPr/>
-              <a:t>‹#›</a:t>
+              <a:t>‹Nr.›</a:t>
             </a:fld>
             <a:endParaRPr lang="de-DE"/>
           </a:p>
@@ -6219,7 +6219,7 @@
             <a:fld id="{CA605C2C-549A-4615-A3C1-D5E9E9947B76}" type="datetime1">
               <a:rPr lang="de-DE" smtClean="0"/>
               <a:pPr/>
-              <a:t>06.08.18</a:t>
+              <a:t>06.08.2018</a:t>
             </a:fld>
             <a:endParaRPr lang="de-DE"/>
           </a:p>
@@ -6265,7 +6265,7 @@
             <a:fld id="{015363AA-F6CB-4A58-B5AD-B2CDFEAF0813}" type="slidenum">
               <a:rPr lang="de-DE" smtClean="0"/>
               <a:pPr/>
-              <a:t>‹#›</a:t>
+              <a:t>‹Nr.›</a:t>
             </a:fld>
             <a:endParaRPr lang="de-DE"/>
           </a:p>
@@ -6690,7 +6690,7 @@
             <a:fld id="{DA5DE712-6C0E-4DF7-B336-AC97213DC93D}" type="datetime1">
               <a:rPr lang="de-DE" smtClean="0"/>
               <a:pPr/>
-              <a:t>06.08.18</a:t>
+              <a:t>06.08.2018</a:t>
             </a:fld>
             <a:endParaRPr lang="de-DE"/>
           </a:p>
@@ -6736,7 +6736,7 @@
             <a:fld id="{015363AA-F6CB-4A58-B5AD-B2CDFEAF0813}" type="slidenum">
               <a:rPr lang="de-DE" smtClean="0"/>
               <a:pPr/>
-              <a:t>‹#›</a:t>
+              <a:t>‹Nr.›</a:t>
             </a:fld>
             <a:endParaRPr lang="de-DE"/>
           </a:p>
@@ -7161,7 +7161,7 @@
             <a:fld id="{DA5DE712-6C0E-4DF7-B336-AC97213DC93D}" type="datetime1">
               <a:rPr lang="de-DE" smtClean="0"/>
               <a:pPr/>
-              <a:t>06.08.18</a:t>
+              <a:t>06.08.2018</a:t>
             </a:fld>
             <a:endParaRPr lang="de-DE"/>
           </a:p>
@@ -7207,7 +7207,7 @@
             <a:fld id="{015363AA-F6CB-4A58-B5AD-B2CDFEAF0813}" type="slidenum">
               <a:rPr lang="de-DE" smtClean="0"/>
               <a:pPr/>
-              <a:t>‹#›</a:t>
+              <a:t>‹Nr.›</a:t>
             </a:fld>
             <a:endParaRPr lang="de-DE"/>
           </a:p>
@@ -7432,7 +7432,7 @@
             <a:fld id="{12CE0ACD-0B71-463F-9507-4095300257BC}" type="datetime1">
               <a:rPr lang="de-DE" smtClean="0"/>
               <a:pPr/>
-              <a:t>06.08.18</a:t>
+              <a:t>06.08.2018</a:t>
             </a:fld>
             <a:endParaRPr lang="de-DE"/>
           </a:p>
@@ -7478,7 +7478,7 @@
             <a:fld id="{015363AA-F6CB-4A58-B5AD-B2CDFEAF0813}" type="slidenum">
               <a:rPr lang="de-DE" smtClean="0"/>
               <a:pPr/>
-              <a:t>‹#›</a:t>
+              <a:t>‹Nr.›</a:t>
             </a:fld>
             <a:endParaRPr lang="de-DE"/>
           </a:p>
@@ -7575,7 +7575,7 @@
             <a:fld id="{89026A34-A4A3-4CC2-B452-9E4A0F73B38C}" type="datetime1">
               <a:rPr lang="de-DE" smtClean="0"/>
               <a:pPr/>
-              <a:t>06.08.18</a:t>
+              <a:t>06.08.2018</a:t>
             </a:fld>
             <a:endParaRPr lang="de-DE"/>
           </a:p>
@@ -7621,7 +7621,7 @@
             <a:fld id="{015363AA-F6CB-4A58-B5AD-B2CDFEAF0813}" type="slidenum">
               <a:rPr lang="de-DE" smtClean="0"/>
               <a:pPr/>
-              <a:t>‹#›</a:t>
+              <a:t>‹Nr.›</a:t>
             </a:fld>
             <a:endParaRPr lang="de-DE"/>
           </a:p>
@@ -7853,7 +7853,7 @@
             <a:fld id="{D509922F-D4D2-4984-9115-CE10B66F29DF}" type="datetime1">
               <a:rPr lang="de-DE" smtClean="0"/>
               <a:pPr/>
-              <a:t>06.08.18</a:t>
+              <a:t>06.08.2018</a:t>
             </a:fld>
             <a:endParaRPr lang="de-DE"/>
           </a:p>
@@ -7899,7 +7899,7 @@
             <a:fld id="{015363AA-F6CB-4A58-B5AD-B2CDFEAF0813}" type="slidenum">
               <a:rPr lang="de-DE" smtClean="0"/>
               <a:pPr/>
-              <a:t>‹#›</a:t>
+              <a:t>‹Nr.›</a:t>
             </a:fld>
             <a:endParaRPr lang="de-DE"/>
           </a:p>
@@ -8171,7 +8171,7 @@
             <a:fld id="{9624F9CC-0A0D-4C8D-81F7-82F64A12AE8F}" type="datetime1">
               <a:rPr lang="de-DE" smtClean="0"/>
               <a:pPr/>
-              <a:t>06.08.18</a:t>
+              <a:t>06.08.2018</a:t>
             </a:fld>
             <a:endParaRPr lang="de-DE"/>
           </a:p>
@@ -8259,7 +8259,7 @@
             <a:fld id="{015363AA-F6CB-4A58-B5AD-B2CDFEAF0813}" type="slidenum">
               <a:rPr lang="de-DE" smtClean="0"/>
               <a:pPr/>
-              <a:t>‹#›</a:t>
+              <a:t>‹Nr.›</a:t>
             </a:fld>
             <a:endParaRPr lang="de-DE"/>
           </a:p>
@@ -8646,8 +8646,12 @@
               </a:spcAft>
             </a:pPr>
             <a:r>
+              <a:rPr lang="de-DE" sz="1200" dirty="0" smtClean="0"/>
+              <a:t>Janis </a:t>
+            </a:r>
+            <a:r>
               <a:rPr lang="de-DE" sz="1200" dirty="0"/>
-              <a:t>Jannis Landwehr, Björn Mohr, Mirco </a:t>
+              <a:t>Landwehr, Björn Mohr, Mirco </a:t>
             </a:r>
             <a:r>
               <a:rPr lang="de-DE" sz="1200" dirty="0" err="1"/>
@@ -9837,7 +9841,7 @@
             <a:fld id="{DA5DE712-6C0E-4DF7-B336-AC97213DC93D}" type="datetime1">
               <a:rPr lang="de-DE" smtClean="0"/>
               <a:pPr/>
-              <a:t>06.08.18</a:t>
+              <a:t>06.08.2018</a:t>
             </a:fld>
             <a:endParaRPr lang="de-DE"/>
           </a:p>
@@ -12197,7 +12201,7 @@
             <a:fld id="{DA5DE712-6C0E-4DF7-B336-AC97213DC93D}" type="datetime1">
               <a:rPr lang="de-DE" smtClean="0"/>
               <a:pPr/>
-              <a:t>06.08.18</a:t>
+              <a:t>06.08.2018</a:t>
             </a:fld>
             <a:endParaRPr lang="de-DE"/>
           </a:p>
@@ -14098,7 +14102,7 @@
             <a:fld id="{DA5DE712-6C0E-4DF7-B336-AC97213DC93D}" type="datetime1">
               <a:rPr lang="de-DE" smtClean="0"/>
               <a:pPr/>
-              <a:t>06.08.18</a:t>
+              <a:t>06.08.2018</a:t>
             </a:fld>
             <a:endParaRPr lang="de-DE"/>
           </a:p>
@@ -16179,7 +16183,7 @@
             <a:fld id="{DA5DE712-6C0E-4DF7-B336-AC97213DC93D}" type="datetime1">
               <a:rPr lang="de-DE" smtClean="0"/>
               <a:pPr/>
-              <a:t>06.08.18</a:t>
+              <a:t>06.08.2018</a:t>
             </a:fld>
             <a:endParaRPr lang="de-DE"/>
           </a:p>
@@ -16526,7 +16530,7 @@
             <a:fld id="{12CE0ACD-0B71-463F-9507-4095300257BC}" type="datetime1">
               <a:rPr lang="de-DE" smtClean="0"/>
               <a:pPr/>
-              <a:t>06.08.18</a:t>
+              <a:t>06.08.2018</a:t>
             </a:fld>
             <a:endParaRPr lang="de-DE"/>
           </a:p>
@@ -16998,7 +17002,7 @@
             <a:fld id="{12CE0ACD-0B71-463F-9507-4095300257BC}" type="datetime1">
               <a:rPr lang="de-DE" smtClean="0"/>
               <a:pPr/>
-              <a:t>06.08.18</a:t>
+              <a:t>06.08.2018</a:t>
             </a:fld>
             <a:endParaRPr lang="de-DE"/>
           </a:p>
@@ -17576,7 +17580,7 @@
             <a:fld id="{12CE0ACD-0B71-463F-9507-4095300257BC}" type="datetime1">
               <a:rPr lang="de-DE" smtClean="0"/>
               <a:pPr/>
-              <a:t>06.08.18</a:t>
+              <a:t>06.08.2018</a:t>
             </a:fld>
             <a:endParaRPr lang="de-DE"/>
           </a:p>
@@ -17939,7 +17943,7 @@
             <a:fld id="{12CE0ACD-0B71-463F-9507-4095300257BC}" type="datetime1">
               <a:rPr lang="de-DE" smtClean="0"/>
               <a:pPr/>
-              <a:t>06.08.18</a:t>
+              <a:t>06.08.2018</a:t>
             </a:fld>
             <a:endParaRPr lang="de-DE"/>
           </a:p>
@@ -18227,7 +18231,7 @@
             <a:fld id="{D509922F-D4D2-4984-9115-CE10B66F29DF}" type="datetime1">
               <a:rPr lang="de-DE" smtClean="0"/>
               <a:pPr/>
-              <a:t>06.08.18</a:t>
+              <a:t>06.08.2018</a:t>
             </a:fld>
             <a:endParaRPr lang="de-DE"/>
           </a:p>
@@ -18439,7 +18443,7 @@
             <a:fld id="{D509922F-D4D2-4984-9115-CE10B66F29DF}" type="datetime1">
               <a:rPr lang="de-DE" smtClean="0"/>
               <a:pPr/>
-              <a:t>06.08.18</a:t>
+              <a:t>06.08.2018</a:t>
             </a:fld>
             <a:endParaRPr lang="de-DE"/>
           </a:p>
@@ -18634,7 +18638,7 @@
         <p:spPr/>
         <p:txBody>
           <a:bodyPr>
-            <a:normAutofit lnSpcReduction="10000"/>
+            <a:normAutofit/>
           </a:bodyPr>
           <a:lstStyle/>
           <a:p>
@@ -18694,9 +18698,46 @@
               <a:buAutoNum type="arabicPeriod"/>
             </a:pPr>
             <a:r>
-              <a:rPr lang="de-DE" dirty="0"/>
-              <a:t>Versuchsaufbau</a:t>
-            </a:r>
+              <a:rPr lang="de-DE" dirty="0" smtClean="0"/>
+              <a:t>Versuchsreihe: Datensimulation</a:t>
+            </a:r>
+          </a:p>
+          <a:p>
+            <a:pPr lvl="1">
+              <a:spcAft>
+                <a:spcPts val="600"/>
+              </a:spcAft>
+              <a:buAutoNum type="arabicPeriod"/>
+            </a:pPr>
+            <a:r>
+              <a:rPr lang="de-DE" dirty="0" smtClean="0"/>
+              <a:t>Prozessablauf</a:t>
+            </a:r>
+          </a:p>
+          <a:p>
+            <a:pPr lvl="1">
+              <a:spcAft>
+                <a:spcPts val="600"/>
+              </a:spcAft>
+              <a:buAutoNum type="arabicPeriod"/>
+            </a:pPr>
+            <a:r>
+              <a:rPr lang="de-DE" dirty="0" smtClean="0"/>
+              <a:t>Anmerkungen</a:t>
+            </a:r>
+          </a:p>
+          <a:p>
+            <a:pPr lvl="1">
+              <a:spcAft>
+                <a:spcPts val="600"/>
+              </a:spcAft>
+              <a:buAutoNum type="arabicPeriod"/>
+            </a:pPr>
+            <a:r>
+              <a:rPr lang="de-DE" dirty="0" smtClean="0"/>
+              <a:t>Ergebnisse</a:t>
+            </a:r>
+            <a:endParaRPr lang="de-DE" dirty="0"/>
           </a:p>
           <a:p>
             <a:pPr>
@@ -18706,9 +18747,10 @@
               <a:buAutoNum type="arabicPeriod"/>
             </a:pPr>
             <a:r>
-              <a:rPr lang="de-DE" dirty="0"/>
-              <a:t>Datensätze</a:t>
-            </a:r>
+              <a:rPr lang="de-DE" dirty="0" smtClean="0"/>
+              <a:t>Versuchsreihe: Dax 30</a:t>
+            </a:r>
+            <a:endParaRPr lang="de-DE" dirty="0"/>
           </a:p>
           <a:p>
             <a:pPr>
@@ -18718,57 +18760,10 @@
               <a:buAutoNum type="arabicPeriod"/>
             </a:pPr>
             <a:r>
-              <a:rPr lang="de-DE" dirty="0"/>
-              <a:t>Modellierung</a:t>
-            </a:r>
-          </a:p>
-          <a:p>
-            <a:pPr lvl="1">
-              <a:spcAft>
-                <a:spcPts val="600"/>
-              </a:spcAft>
-              <a:buAutoNum type="arabicPeriod"/>
-            </a:pPr>
-            <a:r>
-              <a:rPr lang="de-DE" dirty="0"/>
-              <a:t>ARCH-Modelle</a:t>
-            </a:r>
-          </a:p>
-          <a:p>
-            <a:pPr lvl="1">
-              <a:spcAft>
-                <a:spcPts val="600"/>
-              </a:spcAft>
-              <a:buAutoNum type="arabicPeriod"/>
-            </a:pPr>
-            <a:r>
-              <a:rPr lang="de-DE" dirty="0"/>
-              <a:t>GARCH-Modelle</a:t>
-            </a:r>
-          </a:p>
-          <a:p>
-            <a:pPr lvl="1">
-              <a:spcAft>
-                <a:spcPts val="600"/>
-              </a:spcAft>
-              <a:buAutoNum type="arabicPeriod"/>
-            </a:pPr>
-            <a:r>
-              <a:rPr lang="de-DE" dirty="0"/>
-              <a:t>Beispiel GARCH-Vorhersagen </a:t>
-            </a:r>
-          </a:p>
-          <a:p>
-            <a:pPr>
-              <a:spcAft>
-                <a:spcPts val="600"/>
-              </a:spcAft>
-              <a:buAutoNum type="arabicPeriod"/>
-            </a:pPr>
-            <a:r>
-              <a:rPr lang="de-DE" dirty="0"/>
+              <a:rPr lang="de-DE" dirty="0" smtClean="0"/>
               <a:t>Resümee</a:t>
             </a:r>
+            <a:endParaRPr lang="de-DE" dirty="0"/>
           </a:p>
         </p:txBody>
       </p:sp>
@@ -18790,7 +18785,7 @@
             <a:fld id="{6DB845E5-DACF-426C-8A10-A6438D29DD66}" type="datetime1">
               <a:rPr lang="de-DE" smtClean="0"/>
               <a:pPr/>
-              <a:t>06.08.18</a:t>
+              <a:t>06.08.2018</a:t>
             </a:fld>
             <a:endParaRPr lang="de-DE"/>
           </a:p>
@@ -18926,7 +18921,7 @@
             <a:fld id="{12CE0ACD-0B71-463F-9507-4095300257BC}" type="datetime1">
               <a:rPr lang="de-DE" smtClean="0"/>
               <a:pPr/>
-              <a:t>06.08.18</a:t>
+              <a:t>06.08.2018</a:t>
             </a:fld>
             <a:endParaRPr lang="de-DE"/>
           </a:p>
@@ -18954,10 +18949,9 @@
           <a:lstStyle/>
           <a:p>
             <a:r>
-              <a:rPr lang="de-DE"/>
+              <a:rPr lang="de-DE" dirty="0"/>
               <a:t>Time Series Analysis – Sommersemester 2018</a:t>
             </a:r>
-            <a:endParaRPr lang="de-DE" dirty="0"/>
           </a:p>
         </p:txBody>
       </p:sp>
@@ -19293,7 +19287,7 @@
             <a:fld id="{6DB845E5-DACF-426C-8A10-A6438D29DD66}" type="datetime1">
               <a:rPr lang="de-DE" smtClean="0"/>
               <a:pPr/>
-              <a:t>06.08.18</a:t>
+              <a:t>06.08.2018</a:t>
             </a:fld>
             <a:endParaRPr lang="de-DE"/>
           </a:p>
@@ -19315,8 +19309,8 @@
           <a:lstStyle/>
           <a:p>
             <a:r>
-              <a:rPr lang="de-DE"/>
-              <a:t>Structural Equation Modelling – Wintersemester 2017/2018</a:t>
+              <a:rPr lang="de-DE" dirty="0"/>
+              <a:t>Time Series Analysis – Sommersemester 2018</a:t>
             </a:r>
             <a:endParaRPr lang="de-DE" dirty="0"/>
           </a:p>
@@ -19393,19 +19387,19 @@
           <a:p>
             <a:r>
               <a:rPr lang="de-DE" dirty="0"/>
-              <a:t>Literatur</a:t>
-            </a:r>
-          </a:p>
-        </p:txBody>
-      </p:sp>
-      <p:sp>
-        <p:nvSpPr>
-          <p:cNvPr id="3" name="Inhaltsplatzhalter 2"/>
-          <p:cNvSpPr>
-            <a:spLocks noGrp="1"/>
-          </p:cNvSpPr>
-          <p:nvPr>
-            <p:ph idx="1"/>
+              <a:t>Vielen Dank für Ihre Aufmerksamkeit.</a:t>
+            </a:r>
+          </a:p>
+        </p:txBody>
+      </p:sp>
+      <p:sp>
+        <p:nvSpPr>
+          <p:cNvPr id="3" name="Datumsplatzhalter 2"/>
+          <p:cNvSpPr>
+            <a:spLocks noGrp="1"/>
+          </p:cNvSpPr>
+          <p:nvPr>
+            <p:ph type="dt" sz="half" idx="10"/>
           </p:nvPr>
         </p:nvSpPr>
         <p:spPr/>
@@ -19413,188 +19407,23 @@
           <a:bodyPr/>
           <a:lstStyle/>
           <a:p>
-            <a:r>
-              <a:rPr lang="de-DE" dirty="0" err="1"/>
-              <a:t>Mazzoni</a:t>
-            </a:r>
-            <a:r>
-              <a:rPr lang="de-DE" dirty="0"/>
-              <a:t>, Thomas: </a:t>
-            </a:r>
-            <a:br>
-              <a:rPr lang="de-DE" dirty="0"/>
-            </a:br>
-            <a:r>
-              <a:rPr lang="de-DE" sz="1400" dirty="0">
-                <a:solidFill>
-                  <a:schemeClr val="tx1">
-                    <a:lumMod val="75000"/>
-                    <a:lumOff val="25000"/>
-                  </a:schemeClr>
-                </a:solidFill>
-              </a:rPr>
-              <a:t>Zeitreihenanalyse</a:t>
-            </a:r>
-            <a:br>
-              <a:rPr lang="de-DE" sz="1400" dirty="0">
-                <a:solidFill>
-                  <a:schemeClr val="tx1">
-                    <a:lumMod val="75000"/>
-                    <a:lumOff val="25000"/>
-                  </a:schemeClr>
-                </a:solidFill>
-              </a:rPr>
-            </a:br>
-            <a:r>
-              <a:rPr lang="de-DE" sz="1400" dirty="0">
-                <a:solidFill>
-                  <a:schemeClr val="tx1">
-                    <a:lumMod val="75000"/>
-                    <a:lumOff val="25000"/>
-                  </a:schemeClr>
-                </a:solidFill>
-              </a:rPr>
-              <a:t>2010</a:t>
-            </a:r>
-          </a:p>
-          <a:p>
-            <a:r>
-              <a:rPr lang="de-DE" dirty="0"/>
-              <a:t>Zucchini, W., </a:t>
-            </a:r>
-            <a:r>
-              <a:rPr lang="de-DE" dirty="0" err="1"/>
-              <a:t>Nenadic</a:t>
-            </a:r>
-            <a:r>
-              <a:rPr lang="de-DE" dirty="0"/>
-              <a:t>, O., Schlegel, A.:</a:t>
-            </a:r>
-            <a:br>
-              <a:rPr lang="de-DE" sz="1400" dirty="0">
-                <a:solidFill>
-                  <a:schemeClr val="tx1">
-                    <a:lumMod val="75000"/>
-                    <a:lumOff val="25000"/>
-                  </a:schemeClr>
-                </a:solidFill>
-              </a:rPr>
-            </a:br>
-            <a:r>
-              <a:rPr lang="de-DE" sz="1400" dirty="0">
-                <a:solidFill>
-                  <a:schemeClr val="tx1">
-                    <a:lumMod val="75000"/>
-                    <a:lumOff val="25000"/>
-                  </a:schemeClr>
-                </a:solidFill>
-              </a:rPr>
-              <a:t>Zeitreihenanalyse – Nichtlineare Zeitreihenmodelle</a:t>
-            </a:r>
-          </a:p>
-          <a:p>
-            <a:pPr marL="0" indent="0">
-              <a:buNone/>
-            </a:pPr>
-            <a:r>
-              <a:rPr lang="de-DE" sz="1400" dirty="0">
-                <a:solidFill>
-                  <a:schemeClr val="tx1">
-                    <a:lumMod val="75000"/>
-                    <a:lumOff val="25000"/>
-                  </a:schemeClr>
-                </a:solidFill>
-              </a:rPr>
-              <a:t>       2009</a:t>
-            </a:r>
-          </a:p>
-          <a:p>
-            <a:r>
-              <a:rPr lang="de-DE" sz="1400" dirty="0" err="1"/>
-              <a:t>Wuertz</a:t>
-            </a:r>
-            <a:r>
-              <a:rPr lang="de-DE" sz="1400" dirty="0"/>
-              <a:t>, D. et. al.:</a:t>
-            </a:r>
-            <a:br>
-              <a:rPr lang="de-DE" sz="1400" dirty="0"/>
-            </a:br>
-            <a:r>
-              <a:rPr lang="de-DE" sz="1400" dirty="0">
-                <a:solidFill>
-                  <a:schemeClr val="tx1">
-                    <a:lumMod val="75000"/>
-                    <a:lumOff val="25000"/>
-                  </a:schemeClr>
-                </a:solidFill>
-              </a:rPr>
-              <a:t>Package „</a:t>
-            </a:r>
-            <a:r>
-              <a:rPr lang="de-DE" sz="1400" dirty="0" err="1">
-                <a:solidFill>
-                  <a:schemeClr val="tx1">
-                    <a:lumMod val="75000"/>
-                    <a:lumOff val="25000"/>
-                  </a:schemeClr>
-                </a:solidFill>
-              </a:rPr>
-              <a:t>fGarch</a:t>
-            </a:r>
-            <a:r>
-              <a:rPr lang="de-DE" sz="1400" dirty="0">
-                <a:solidFill>
-                  <a:schemeClr val="tx1">
-                    <a:lumMod val="75000"/>
-                    <a:lumOff val="25000"/>
-                  </a:schemeClr>
-                </a:solidFill>
-              </a:rPr>
-              <a:t>“</a:t>
-            </a:r>
-            <a:br>
-              <a:rPr lang="de-DE" sz="1400" dirty="0">
-                <a:solidFill>
-                  <a:schemeClr val="tx1">
-                    <a:lumMod val="75000"/>
-                    <a:lumOff val="25000"/>
-                  </a:schemeClr>
-                </a:solidFill>
-              </a:rPr>
-            </a:br>
-            <a:r>
-              <a:rPr lang="de-DE" sz="1400" dirty="0">
-                <a:solidFill>
-                  <a:schemeClr val="tx1">
-                    <a:lumMod val="75000"/>
-                    <a:lumOff val="25000"/>
-                  </a:schemeClr>
-                </a:solidFill>
-              </a:rPr>
-              <a:t>2017</a:t>
-            </a:r>
-          </a:p>
-          <a:p>
-            <a:endParaRPr lang="de-DE" sz="1400" dirty="0">
-              <a:solidFill>
-                <a:schemeClr val="tx1">
-                  <a:lumMod val="75000"/>
-                  <a:lumOff val="25000"/>
-                </a:schemeClr>
-              </a:solidFill>
-            </a:endParaRPr>
-          </a:p>
-        </p:txBody>
-      </p:sp>
-      <p:sp>
-        <p:nvSpPr>
-          <p:cNvPr id="4" name="Datumsplatzhalter 3"/>
-          <p:cNvSpPr>
-            <a:spLocks noGrp="1"/>
-          </p:cNvSpPr>
-          <p:nvPr>
-            <p:ph type="dt" sz="half" idx="10"/>
+            <a:fld id="{19A0FC43-5E73-44C2-BFDB-9FAD1E8FED0E}" type="datetime1">
+              <a:rPr lang="de-DE" smtClean="0"/>
+              <a:pPr/>
+              <a:t>06.08.2018</a:t>
+            </a:fld>
+            <a:endParaRPr lang="de-DE"/>
+          </a:p>
+        </p:txBody>
+      </p:sp>
+      <p:sp>
+        <p:nvSpPr>
+          <p:cNvPr id="4" name="Fußzeilenplatzhalter 3"/>
+          <p:cNvSpPr>
+            <a:spLocks noGrp="1"/>
+          </p:cNvSpPr>
+          <p:nvPr>
+            <p:ph type="ftr" sz="quarter" idx="11"/>
           </p:nvPr>
         </p:nvSpPr>
         <p:spPr/>
@@ -19602,40 +19431,17 @@
           <a:bodyPr/>
           <a:lstStyle/>
           <a:p>
-            <a:fld id="{6DB845E5-DACF-426C-8A10-A6438D29DD66}" type="datetime1">
-              <a:rPr lang="de-DE" smtClean="0"/>
-              <a:pPr/>
-              <a:t>06.08.18</a:t>
-            </a:fld>
-            <a:endParaRPr lang="de-DE"/>
-          </a:p>
-        </p:txBody>
-      </p:sp>
-      <p:sp>
-        <p:nvSpPr>
-          <p:cNvPr id="5" name="Fußzeilenplatzhalter 4"/>
-          <p:cNvSpPr>
-            <a:spLocks noGrp="1"/>
-          </p:cNvSpPr>
-          <p:nvPr>
-            <p:ph type="ftr" sz="quarter" idx="11"/>
-          </p:nvPr>
-        </p:nvSpPr>
-        <p:spPr/>
-        <p:txBody>
-          <a:bodyPr/>
-          <a:lstStyle/>
-          <a:p>
             <a:r>
               <a:rPr lang="de-DE" dirty="0"/>
-              <a:t>Time Series Analysis– Sommersemester 2018</a:t>
-            </a:r>
-          </a:p>
-        </p:txBody>
-      </p:sp>
-      <p:sp>
-        <p:nvSpPr>
-          <p:cNvPr id="6" name="Foliennummernplatzhalter 5"/>
+              <a:t>Time Series Analysis – Sommersemester 2018</a:t>
+            </a:r>
+            <a:endParaRPr lang="de-DE" dirty="0"/>
+          </a:p>
+        </p:txBody>
+      </p:sp>
+      <p:sp>
+        <p:nvSpPr>
+          <p:cNvPr id="5" name="Foliennummernplatzhalter 4"/>
           <p:cNvSpPr>
             <a:spLocks noGrp="1"/>
           </p:cNvSpPr>
@@ -19657,10 +19463,32 @@
           </a:p>
         </p:txBody>
       </p:sp>
+      <p:sp>
+        <p:nvSpPr>
+          <p:cNvPr id="6" name="Textplatzhalter 5"/>
+          <p:cNvSpPr>
+            <a:spLocks noGrp="1"/>
+          </p:cNvSpPr>
+          <p:nvPr>
+            <p:ph type="body" sz="quarter" idx="13"/>
+          </p:nvPr>
+        </p:nvSpPr>
+        <p:spPr/>
+        <p:txBody>
+          <a:bodyPr/>
+          <a:lstStyle/>
+          <a:p>
+            <a:r>
+              <a:rPr lang="de-DE" dirty="0"/>
+              <a:t>Fragen?</a:t>
+            </a:r>
+          </a:p>
+        </p:txBody>
+      </p:sp>
     </p:spTree>
     <p:extLst>
       <p:ext uri="{BB962C8B-B14F-4D97-AF65-F5344CB8AC3E}">
-        <p14:creationId xmlns:p14="http://schemas.microsoft.com/office/powerpoint/2010/main" val="430762112"/>
+        <p14:creationId xmlns:p14="http://schemas.microsoft.com/office/powerpoint/2010/main" val="121839908"/>
       </p:ext>
     </p:extLst>
   </p:cSld>
@@ -19704,19 +19532,19 @@
           <a:p>
             <a:r>
               <a:rPr lang="de-DE" dirty="0"/>
-              <a:t>Vielen Dank für Ihre Aufmerksamkeit.</a:t>
-            </a:r>
-          </a:p>
-        </p:txBody>
-      </p:sp>
-      <p:sp>
-        <p:nvSpPr>
-          <p:cNvPr id="3" name="Datumsplatzhalter 2"/>
-          <p:cNvSpPr>
-            <a:spLocks noGrp="1"/>
-          </p:cNvSpPr>
-          <p:nvPr>
-            <p:ph type="dt" sz="half" idx="10"/>
+              <a:t>Literatur</a:t>
+            </a:r>
+          </a:p>
+        </p:txBody>
+      </p:sp>
+      <p:sp>
+        <p:nvSpPr>
+          <p:cNvPr id="3" name="Inhaltsplatzhalter 2"/>
+          <p:cNvSpPr>
+            <a:spLocks noGrp="1"/>
+          </p:cNvSpPr>
+          <p:nvPr>
+            <p:ph idx="1"/>
           </p:nvPr>
         </p:nvSpPr>
         <p:spPr/>
@@ -19724,10 +19552,210 @@
           <a:bodyPr/>
           <a:lstStyle/>
           <a:p>
-            <a:fld id="{19A0FC43-5E73-44C2-BFDB-9FAD1E8FED0E}" type="datetime1">
+            <a:r>
+              <a:rPr lang="de-DE" dirty="0" err="1"/>
+              <a:t>Mazzoni</a:t>
+            </a:r>
+            <a:r>
+              <a:rPr lang="de-DE" dirty="0"/>
+              <a:t>, Thomas: </a:t>
+            </a:r>
+            <a:br>
+              <a:rPr lang="de-DE" dirty="0"/>
+            </a:br>
+            <a:r>
+              <a:rPr lang="de-DE" sz="1400" dirty="0">
+                <a:solidFill>
+                  <a:schemeClr val="tx1">
+                    <a:lumMod val="75000"/>
+                    <a:lumOff val="25000"/>
+                  </a:schemeClr>
+                </a:solidFill>
+              </a:rPr>
+              <a:t>Zeitreihenanalyse</a:t>
+            </a:r>
+            <a:br>
+              <a:rPr lang="de-DE" sz="1400" dirty="0">
+                <a:solidFill>
+                  <a:schemeClr val="tx1">
+                    <a:lumMod val="75000"/>
+                    <a:lumOff val="25000"/>
+                  </a:schemeClr>
+                </a:solidFill>
+              </a:rPr>
+            </a:br>
+            <a:r>
+              <a:rPr lang="de-DE" sz="1400" dirty="0">
+                <a:solidFill>
+                  <a:schemeClr val="tx1">
+                    <a:lumMod val="75000"/>
+                    <a:lumOff val="25000"/>
+                  </a:schemeClr>
+                </a:solidFill>
+              </a:rPr>
+              <a:t>2010</a:t>
+            </a:r>
+          </a:p>
+          <a:p>
+            <a:r>
+              <a:rPr lang="de-DE" dirty="0"/>
+              <a:t>Zucchini, W., </a:t>
+            </a:r>
+            <a:r>
+              <a:rPr lang="de-DE" dirty="0" err="1"/>
+              <a:t>Nenadic</a:t>
+            </a:r>
+            <a:r>
+              <a:rPr lang="de-DE" dirty="0"/>
+              <a:t>, O., Schlegel, A.:</a:t>
+            </a:r>
+            <a:r>
+              <a:rPr lang="de-DE" sz="1400" dirty="0">
+                <a:solidFill>
+                  <a:schemeClr val="tx1">
+                    <a:lumMod val="75000"/>
+                    <a:lumOff val="25000"/>
+                  </a:schemeClr>
+                </a:solidFill>
+              </a:rPr>
+              <a:t/>
+            </a:r>
+            <a:br>
+              <a:rPr lang="de-DE" sz="1400" dirty="0">
+                <a:solidFill>
+                  <a:schemeClr val="tx1">
+                    <a:lumMod val="75000"/>
+                    <a:lumOff val="25000"/>
+                  </a:schemeClr>
+                </a:solidFill>
+              </a:rPr>
+            </a:br>
+            <a:r>
+              <a:rPr lang="de-DE" sz="1400" dirty="0">
+                <a:solidFill>
+                  <a:schemeClr val="tx1">
+                    <a:lumMod val="75000"/>
+                    <a:lumOff val="25000"/>
+                  </a:schemeClr>
+                </a:solidFill>
+              </a:rPr>
+              <a:t>Zeitreihenanalyse – Nichtlineare Zeitreihenmodelle</a:t>
+            </a:r>
+          </a:p>
+          <a:p>
+            <a:pPr marL="0" indent="0">
+              <a:buNone/>
+            </a:pPr>
+            <a:r>
+              <a:rPr lang="de-DE" sz="1400" dirty="0">
+                <a:solidFill>
+                  <a:schemeClr val="tx1">
+                    <a:lumMod val="75000"/>
+                    <a:lumOff val="25000"/>
+                  </a:schemeClr>
+                </a:solidFill>
+              </a:rPr>
+              <a:t>       2009</a:t>
+            </a:r>
+          </a:p>
+          <a:p>
+            <a:r>
+              <a:rPr lang="de-DE" dirty="0" err="1"/>
+              <a:t>Wuertz</a:t>
+            </a:r>
+            <a:r>
+              <a:rPr lang="de-DE" dirty="0"/>
+              <a:t>, D. et. al.:</a:t>
+            </a:r>
+            <a:br>
+              <a:rPr lang="de-DE" dirty="0"/>
+            </a:br>
+            <a:r>
+              <a:rPr lang="de-DE" sz="1400" dirty="0">
+                <a:solidFill>
+                  <a:schemeClr val="tx1">
+                    <a:lumMod val="75000"/>
+                    <a:lumOff val="25000"/>
+                  </a:schemeClr>
+                </a:solidFill>
+              </a:rPr>
+              <a:t>Package „</a:t>
+            </a:r>
+            <a:r>
+              <a:rPr lang="de-DE" sz="1400" dirty="0" err="1">
+                <a:solidFill>
+                  <a:schemeClr val="tx1">
+                    <a:lumMod val="75000"/>
+                    <a:lumOff val="25000"/>
+                  </a:schemeClr>
+                </a:solidFill>
+              </a:rPr>
+              <a:t>fGarch</a:t>
+            </a:r>
+            <a:r>
+              <a:rPr lang="de-DE" sz="1400" dirty="0">
+                <a:solidFill>
+                  <a:schemeClr val="tx1">
+                    <a:lumMod val="75000"/>
+                    <a:lumOff val="25000"/>
+                  </a:schemeClr>
+                </a:solidFill>
+              </a:rPr>
+              <a:t>“</a:t>
+            </a:r>
+            <a:br>
+              <a:rPr lang="de-DE" sz="1400" dirty="0">
+                <a:solidFill>
+                  <a:schemeClr val="tx1">
+                    <a:lumMod val="75000"/>
+                    <a:lumOff val="25000"/>
+                  </a:schemeClr>
+                </a:solidFill>
+              </a:rPr>
+            </a:br>
+            <a:r>
+              <a:rPr lang="de-DE" sz="1400" dirty="0">
+                <a:solidFill>
+                  <a:schemeClr val="tx1">
+                    <a:lumMod val="75000"/>
+                    <a:lumOff val="25000"/>
+                  </a:schemeClr>
+                </a:solidFill>
+              </a:rPr>
+              <a:t>2017</a:t>
+            </a:r>
+          </a:p>
+          <a:p>
+            <a:endParaRPr lang="de-DE" sz="1400" dirty="0">
+              <a:solidFill>
+                <a:schemeClr val="tx1">
+                  <a:lumMod val="75000"/>
+                  <a:lumOff val="25000"/>
+                </a:schemeClr>
+              </a:solidFill>
+            </a:endParaRPr>
+          </a:p>
+        </p:txBody>
+      </p:sp>
+      <p:sp>
+        <p:nvSpPr>
+          <p:cNvPr id="4" name="Datumsplatzhalter 3"/>
+          <p:cNvSpPr>
+            <a:spLocks noGrp="1"/>
+          </p:cNvSpPr>
+          <p:nvPr>
+            <p:ph type="dt" sz="half" idx="10"/>
+          </p:nvPr>
+        </p:nvSpPr>
+        <p:spPr/>
+        <p:txBody>
+          <a:bodyPr/>
+          <a:lstStyle/>
+          <a:p>
+            <a:fld id="{6DB845E5-DACF-426C-8A10-A6438D29DD66}" type="datetime1">
               <a:rPr lang="de-DE" smtClean="0"/>
               <a:pPr/>
-              <a:t>06.08.18</a:t>
+              <a:t>06.08.2018</a:t>
             </a:fld>
             <a:endParaRPr lang="de-DE"/>
           </a:p>
@@ -19735,7 +19763,7 @@
       </p:sp>
       <p:sp>
         <p:nvSpPr>
-          <p:cNvPr id="4" name="Fußzeilenplatzhalter 3"/>
+          <p:cNvPr id="5" name="Fußzeilenplatzhalter 4"/>
           <p:cNvSpPr>
             <a:spLocks noGrp="1"/>
           </p:cNvSpPr>
@@ -19749,16 +19777,15 @@
           <a:lstStyle/>
           <a:p>
             <a:r>
-              <a:rPr lang="de-DE"/>
-              <a:t>Structural Equation Modelling – Wintersemester 2017/2018</a:t>
-            </a:r>
-            <a:endParaRPr lang="de-DE" dirty="0"/>
-          </a:p>
-        </p:txBody>
-      </p:sp>
-      <p:sp>
-        <p:nvSpPr>
-          <p:cNvPr id="5" name="Foliennummernplatzhalter 4"/>
+              <a:rPr lang="de-DE" dirty="0"/>
+              <a:t>Time Series Analysis– Sommersemester 2018</a:t>
+            </a:r>
+          </a:p>
+        </p:txBody>
+      </p:sp>
+      <p:sp>
+        <p:nvSpPr>
+          <p:cNvPr id="6" name="Foliennummernplatzhalter 5"/>
           <p:cNvSpPr>
             <a:spLocks noGrp="1"/>
           </p:cNvSpPr>
@@ -19780,32 +19807,10 @@
           </a:p>
         </p:txBody>
       </p:sp>
-      <p:sp>
-        <p:nvSpPr>
-          <p:cNvPr id="6" name="Textplatzhalter 5"/>
-          <p:cNvSpPr>
-            <a:spLocks noGrp="1"/>
-          </p:cNvSpPr>
-          <p:nvPr>
-            <p:ph type="body" sz="quarter" idx="13"/>
-          </p:nvPr>
-        </p:nvSpPr>
-        <p:spPr/>
-        <p:txBody>
-          <a:bodyPr/>
-          <a:lstStyle/>
-          <a:p>
-            <a:r>
-              <a:rPr lang="de-DE" dirty="0"/>
-              <a:t>Fragen?</a:t>
-            </a:r>
-          </a:p>
-        </p:txBody>
-      </p:sp>
     </p:spTree>
     <p:extLst>
       <p:ext uri="{BB962C8B-B14F-4D97-AF65-F5344CB8AC3E}">
-        <p14:creationId xmlns:p14="http://schemas.microsoft.com/office/powerpoint/2010/main" val="121839908"/>
+        <p14:creationId xmlns:p14="http://schemas.microsoft.com/office/powerpoint/2010/main" val="430762112"/>
       </p:ext>
     </p:extLst>
   </p:cSld>
@@ -19986,7 +19991,7 @@
             <a:fld id="{6DB845E5-DACF-426C-8A10-A6438D29DD66}" type="datetime1">
               <a:rPr lang="de-DE" smtClean="0"/>
               <a:pPr/>
-              <a:t>06.08.18</a:t>
+              <a:t>06.08.2018</a:t>
             </a:fld>
             <a:endParaRPr lang="de-DE"/>
           </a:p>
@@ -20163,7 +20168,7 @@
             <a:fld id="{6DB845E5-DACF-426C-8A10-A6438D29DD66}" type="datetime1">
               <a:rPr lang="de-DE" smtClean="0"/>
               <a:pPr/>
-              <a:t>06.08.18</a:t>
+              <a:t>06.08.2018</a:t>
             </a:fld>
             <a:endParaRPr lang="de-DE"/>
           </a:p>
@@ -20372,7 +20377,7 @@
             <a:fld id="{6DB845E5-DACF-426C-8A10-A6438D29DD66}" type="datetime1">
               <a:rPr lang="de-DE" smtClean="0"/>
               <a:pPr/>
-              <a:t>06.08.18</a:t>
+              <a:t>06.08.2018</a:t>
             </a:fld>
             <a:endParaRPr lang="de-DE"/>
           </a:p>
@@ -20482,6 +20487,14 @@
   <p:clrMapOvr>
     <a:masterClrMapping/>
   </p:clrMapOvr>
+  <mc:AlternateContent xmlns:mc="http://schemas.openxmlformats.org/markup-compatibility/2006">
+    <mc:Choice xmlns:p14="http://schemas.microsoft.com/office/powerpoint/2010/main" Requires="p14">
+      <p:transition spd="slow" p14:dur="2000"/>
+    </mc:Choice>
+    <mc:Fallback>
+      <p:transition spd="slow"/>
+    </mc:Fallback>
+  </mc:AlternateContent>
 </p:sld>
 </file>
 
@@ -20678,7 +20691,7 @@
             <a:fld id="{6DB845E5-DACF-426C-8A10-A6438D29DD66}" type="datetime1">
               <a:rPr lang="de-DE" smtClean="0"/>
               <a:pPr/>
-              <a:t>06.08.18</a:t>
+              <a:t>06.08.2018</a:t>
             </a:fld>
             <a:endParaRPr lang="de-DE"/>
           </a:p>
@@ -20971,7 +20984,7 @@
             <a:fld id="{6DB845E5-DACF-426C-8A10-A6438D29DD66}" type="datetime1">
               <a:rPr lang="de-DE" smtClean="0"/>
               <a:pPr/>
-              <a:t>06.08.18</a:t>
+              <a:t>06.08.2018</a:t>
             </a:fld>
             <a:endParaRPr lang="de-DE"/>
           </a:p>
@@ -21135,7 +21148,7 @@
             <a:fld id="{12CE0ACD-0B71-463F-9507-4095300257BC}" type="datetime1">
               <a:rPr lang="de-DE" smtClean="0"/>
               <a:pPr/>
-              <a:t>06.08.18</a:t>
+              <a:t>06.08.2018</a:t>
             </a:fld>
             <a:endParaRPr lang="de-DE"/>
           </a:p>
@@ -23220,7 +23233,7 @@
             <a:fld id="{6DB845E5-DACF-426C-8A10-A6438D29DD66}" type="datetime1">
               <a:rPr lang="de-DE" smtClean="0"/>
               <a:pPr/>
-              <a:t>06.08.18</a:t>
+              <a:t>06.08.2018</a:t>
             </a:fld>
             <a:endParaRPr lang="de-DE"/>
           </a:p>

--- a/presentation/tsa_presentation_final.pptx
+++ b/presentation/tsa_presentation_final.pptx
@@ -32,8 +32,8 @@
     <p:sldId id="346" r:id="rId20"/>
     <p:sldId id="347" r:id="rId21"/>
     <p:sldId id="304" r:id="rId22"/>
-    <p:sldId id="301" r:id="rId23"/>
-    <p:sldId id="323" r:id="rId24"/>
+    <p:sldId id="323" r:id="rId23"/>
+    <p:sldId id="301" r:id="rId24"/>
   </p:sldIdLst>
   <p:sldSz cx="9144000" cy="5143500" type="screen16x9"/>
   <p:notesSz cx="6858000" cy="9144000"/>
@@ -248,7 +248,7 @@
             <a:fld id="{8A7CD7E6-D14C-4ECF-BE72-9282675AAFCC}" type="datetimeFigureOut">
               <a:rPr lang="de-DE" smtClean="0"/>
               <a:pPr/>
-              <a:t>06.08.2018</a:t>
+              <a:t>06.08.18</a:t>
             </a:fld>
             <a:endParaRPr lang="de-DE"/>
           </a:p>
@@ -315,7 +315,7 @@
             <a:fld id="{7119B856-22C7-4D3D-8424-185753AB3E24}" type="slidenum">
               <a:rPr lang="de-DE" smtClean="0"/>
               <a:pPr/>
-              <a:t>‹Nr.›</a:t>
+              <a:t>‹#›</a:t>
             </a:fld>
             <a:endParaRPr lang="de-DE"/>
           </a:p>
@@ -415,7 +415,7 @@
             <a:fld id="{9DEF7BA6-6945-4979-A31E-1F3FA0D91DC4}" type="datetimeFigureOut">
               <a:rPr lang="de-DE" smtClean="0"/>
               <a:pPr/>
-              <a:t>06.08.2018</a:t>
+              <a:t>06.08.18</a:t>
             </a:fld>
             <a:endParaRPr lang="de-DE"/>
           </a:p>
@@ -576,7 +576,7 @@
             <a:fld id="{6706D1AF-4C0D-4753-9D96-DDC1A4BC5412}" type="slidenum">
               <a:rPr lang="de-DE" smtClean="0"/>
               <a:pPr/>
-              <a:t>‹Nr.›</a:t>
+              <a:t>‹#›</a:t>
             </a:fld>
             <a:endParaRPr lang="de-DE"/>
           </a:p>
@@ -942,6 +942,91 @@
 </p:notes>
 </file>
 
+<file path=ppt/notesSlides/notesSlide12.xml><?xml version="1.0" encoding="utf-8"?>
+<p:notes xmlns:a="http://schemas.openxmlformats.org/drawingml/2006/main" xmlns:r="http://schemas.openxmlformats.org/officeDocument/2006/relationships" xmlns:p="http://schemas.openxmlformats.org/presentationml/2006/main">
+  <p:cSld>
+    <p:spTree>
+      <p:nvGrpSpPr>
+        <p:cNvPr id="1" name=""/>
+        <p:cNvGrpSpPr/>
+        <p:nvPr/>
+      </p:nvGrpSpPr>
+      <p:grpSpPr>
+        <a:xfrm>
+          <a:off x="0" y="0"/>
+          <a:ext cx="0" cy="0"/>
+          <a:chOff x="0" y="0"/>
+          <a:chExt cx="0" cy="0"/>
+        </a:xfrm>
+      </p:grpSpPr>
+      <p:sp>
+        <p:nvSpPr>
+          <p:cNvPr id="2" name="Slide Image Placeholder 1"/>
+          <p:cNvSpPr>
+            <a:spLocks noGrp="1" noRot="1" noChangeAspect="1"/>
+          </p:cNvSpPr>
+          <p:nvPr>
+            <p:ph type="sldImg"/>
+          </p:nvPr>
+        </p:nvSpPr>
+        <p:spPr/>
+      </p:sp>
+      <p:sp>
+        <p:nvSpPr>
+          <p:cNvPr id="3" name="Notes Placeholder 2"/>
+          <p:cNvSpPr>
+            <a:spLocks noGrp="1"/>
+          </p:cNvSpPr>
+          <p:nvPr>
+            <p:ph type="body" idx="1"/>
+          </p:nvPr>
+        </p:nvSpPr>
+        <p:spPr/>
+        <p:txBody>
+          <a:bodyPr/>
+          <a:lstStyle/>
+          <a:p>
+            <a:endParaRPr lang="de-DE" dirty="0"/>
+          </a:p>
+        </p:txBody>
+      </p:sp>
+      <p:sp>
+        <p:nvSpPr>
+          <p:cNvPr id="4" name="Slide Number Placeholder 3"/>
+          <p:cNvSpPr>
+            <a:spLocks noGrp="1"/>
+          </p:cNvSpPr>
+          <p:nvPr>
+            <p:ph type="sldNum" sz="quarter" idx="10"/>
+          </p:nvPr>
+        </p:nvSpPr>
+        <p:spPr/>
+        <p:txBody>
+          <a:bodyPr/>
+          <a:lstStyle/>
+          <a:p>
+            <a:fld id="{6706D1AF-4C0D-4753-9D96-DDC1A4BC5412}" type="slidenum">
+              <a:rPr lang="de-DE" smtClean="0"/>
+              <a:pPr/>
+              <a:t>22</a:t>
+            </a:fld>
+            <a:endParaRPr lang="de-DE"/>
+          </a:p>
+        </p:txBody>
+      </p:sp>
+    </p:spTree>
+    <p:extLst>
+      <p:ext uri="{BB962C8B-B14F-4D97-AF65-F5344CB8AC3E}">
+        <p14:creationId xmlns:p14="http://schemas.microsoft.com/office/powerpoint/2010/main" val="3385549949"/>
+      </p:ext>
+    </p:extLst>
+  </p:cSld>
+  <p:clrMapOvr>
+    <a:masterClrMapping/>
+  </p:clrMapOvr>
+</p:notes>
+</file>
+
 <file path=ppt/notesSlides/notesSlide2.xml><?xml version="1.0" encoding="utf-8"?>
 <p:notes xmlns:a="http://schemas.openxmlformats.org/drawingml/2006/main" xmlns:r="http://schemas.openxmlformats.org/officeDocument/2006/relationships" xmlns:p="http://schemas.openxmlformats.org/presentationml/2006/main">
   <p:cSld>
@@ -1419,7 +1504,7 @@
             </a:r>
             <a:r>
               <a:rPr lang="de-DE" baseline="0" dirty="0"/>
-              <a:t> &lt;&lt; </a:t>
+              <a:t> &gt;&gt; </a:t>
             </a:r>
             <a:r>
               <a:rPr lang="de-DE" baseline="0" dirty="0" err="1"/>
@@ -3186,7 +3271,7 @@
             <a:fld id="{C6F490E5-6BD8-4297-ACA2-2AC87192B70F}" type="datetime1">
               <a:rPr lang="de-DE" smtClean="0"/>
               <a:pPr/>
-              <a:t>06.08.2018</a:t>
+              <a:t>06.08.18</a:t>
             </a:fld>
             <a:endParaRPr lang="de-DE"/>
           </a:p>
@@ -3210,7 +3295,7 @@
             <a:fld id="{015363AA-F6CB-4A58-B5AD-B2CDFEAF0813}" type="slidenum">
               <a:rPr lang="de-DE" smtClean="0"/>
               <a:pPr/>
-              <a:t>‹Nr.›</a:t>
+              <a:t>‹#›</a:t>
             </a:fld>
             <a:endParaRPr lang="de-DE"/>
           </a:p>
@@ -3486,7 +3571,7 @@
             <a:fld id="{18321833-73FA-4B7B-8368-585F78905B8E}" type="datetime1">
               <a:rPr lang="de-DE" smtClean="0"/>
               <a:pPr/>
-              <a:t>06.08.2018</a:t>
+              <a:t>06.08.18</a:t>
             </a:fld>
             <a:endParaRPr lang="de-DE"/>
           </a:p>
@@ -3532,7 +3617,7 @@
             <a:fld id="{015363AA-F6CB-4A58-B5AD-B2CDFEAF0813}" type="slidenum">
               <a:rPr lang="de-DE" smtClean="0"/>
               <a:pPr/>
-              <a:t>‹Nr.›</a:t>
+              <a:t>‹#›</a:t>
             </a:fld>
             <a:endParaRPr lang="de-DE"/>
           </a:p>
@@ -3603,7 +3688,7 @@
             <a:fld id="{3E1C52E8-7F49-4B86-AEB2-23BC7104D5B2}" type="datetime1">
               <a:rPr lang="de-DE" smtClean="0"/>
               <a:pPr/>
-              <a:t>06.08.2018</a:t>
+              <a:t>06.08.18</a:t>
             </a:fld>
             <a:endParaRPr lang="de-DE"/>
           </a:p>
@@ -3649,7 +3734,7 @@
             <a:fld id="{015363AA-F6CB-4A58-B5AD-B2CDFEAF0813}" type="slidenum">
               <a:rPr lang="de-DE" smtClean="0"/>
               <a:pPr/>
-              <a:t>‹Nr.›</a:t>
+              <a:t>‹#›</a:t>
             </a:fld>
             <a:endParaRPr lang="de-DE"/>
           </a:p>
@@ -3867,7 +3952,7 @@
             <a:fld id="{3E1C52E8-7F49-4B86-AEB2-23BC7104D5B2}" type="datetime1">
               <a:rPr lang="de-DE" smtClean="0"/>
               <a:pPr/>
-              <a:t>06.08.2018</a:t>
+              <a:t>06.08.18</a:t>
             </a:fld>
             <a:endParaRPr lang="de-DE"/>
           </a:p>
@@ -3913,7 +3998,7 @@
             <a:fld id="{015363AA-F6CB-4A58-B5AD-B2CDFEAF0813}" type="slidenum">
               <a:rPr lang="de-DE" smtClean="0"/>
               <a:pPr/>
-              <a:t>‹Nr.›</a:t>
+              <a:t>‹#›</a:t>
             </a:fld>
             <a:endParaRPr lang="de-DE"/>
           </a:p>
@@ -4569,7 +4654,7 @@
             <a:fld id="{DA5DE712-6C0E-4DF7-B336-AC97213DC93D}" type="datetime1">
               <a:rPr lang="de-DE" smtClean="0"/>
               <a:pPr/>
-              <a:t>06.08.2018</a:t>
+              <a:t>06.08.18</a:t>
             </a:fld>
             <a:endParaRPr lang="de-DE"/>
           </a:p>
@@ -4615,7 +4700,7 @@
             <a:fld id="{015363AA-F6CB-4A58-B5AD-B2CDFEAF0813}" type="slidenum">
               <a:rPr lang="de-DE" smtClean="0"/>
               <a:pPr/>
-              <a:t>‹Nr.›</a:t>
+              <a:t>‹#›</a:t>
             </a:fld>
             <a:endParaRPr lang="de-DE"/>
           </a:p>
@@ -5132,7 +5217,7 @@
             <a:fld id="{DA5DE712-6C0E-4DF7-B336-AC97213DC93D}" type="datetime1">
               <a:rPr lang="de-DE" smtClean="0"/>
               <a:pPr/>
-              <a:t>06.08.2018</a:t>
+              <a:t>06.08.18</a:t>
             </a:fld>
             <a:endParaRPr lang="de-DE"/>
           </a:p>
@@ -5178,7 +5263,7 @@
             <a:fld id="{015363AA-F6CB-4A58-B5AD-B2CDFEAF0813}" type="slidenum">
               <a:rPr lang="de-DE" smtClean="0"/>
               <a:pPr/>
-              <a:t>‹Nr.›</a:t>
+              <a:t>‹#›</a:t>
             </a:fld>
             <a:endParaRPr lang="de-DE"/>
           </a:p>
@@ -5435,7 +5520,7 @@
             <a:fld id="{19A0FC43-5E73-44C2-BFDB-9FAD1E8FED0E}" type="datetime1">
               <a:rPr lang="de-DE" smtClean="0"/>
               <a:pPr/>
-              <a:t>06.08.2018</a:t>
+              <a:t>06.08.18</a:t>
             </a:fld>
             <a:endParaRPr lang="de-DE"/>
           </a:p>
@@ -5481,7 +5566,7 @@
             <a:fld id="{015363AA-F6CB-4A58-B5AD-B2CDFEAF0813}" type="slidenum">
               <a:rPr lang="de-DE" smtClean="0"/>
               <a:pPr/>
-              <a:t>‹Nr.›</a:t>
+              <a:t>‹#›</a:t>
             </a:fld>
             <a:endParaRPr lang="de-DE"/>
           </a:p>
@@ -5712,7 +5797,7 @@
             <a:fld id="{065E8A4D-8D16-457C-AFD8-844AF28C1B14}" type="datetime1">
               <a:rPr lang="de-DE" smtClean="0"/>
               <a:pPr/>
-              <a:t>06.08.2018</a:t>
+              <a:t>06.08.18</a:t>
             </a:fld>
             <a:endParaRPr lang="de-DE"/>
           </a:p>
@@ -5758,7 +5843,7 @@
             <a:fld id="{015363AA-F6CB-4A58-B5AD-B2CDFEAF0813}" type="slidenum">
               <a:rPr lang="de-DE" smtClean="0"/>
               <a:pPr/>
-              <a:t>‹Nr.›</a:t>
+              <a:t>‹#›</a:t>
             </a:fld>
             <a:endParaRPr lang="de-DE"/>
           </a:p>
@@ -5914,7 +5999,7 @@
             <a:fld id="{6DB845E5-DACF-426C-8A10-A6438D29DD66}" type="datetime1">
               <a:rPr lang="de-DE" smtClean="0"/>
               <a:pPr/>
-              <a:t>06.08.2018</a:t>
+              <a:t>06.08.18</a:t>
             </a:fld>
             <a:endParaRPr lang="de-DE"/>
           </a:p>
@@ -5960,7 +6045,7 @@
             <a:fld id="{015363AA-F6CB-4A58-B5AD-B2CDFEAF0813}" type="slidenum">
               <a:rPr lang="de-DE" smtClean="0"/>
               <a:pPr/>
-              <a:t>‹Nr.›</a:t>
+              <a:t>‹#›</a:t>
             </a:fld>
             <a:endParaRPr lang="de-DE"/>
           </a:p>
@@ -6219,7 +6304,7 @@
             <a:fld id="{CA605C2C-549A-4615-A3C1-D5E9E9947B76}" type="datetime1">
               <a:rPr lang="de-DE" smtClean="0"/>
               <a:pPr/>
-              <a:t>06.08.2018</a:t>
+              <a:t>06.08.18</a:t>
             </a:fld>
             <a:endParaRPr lang="de-DE"/>
           </a:p>
@@ -6265,7 +6350,7 @@
             <a:fld id="{015363AA-F6CB-4A58-B5AD-B2CDFEAF0813}" type="slidenum">
               <a:rPr lang="de-DE" smtClean="0"/>
               <a:pPr/>
-              <a:t>‹Nr.›</a:t>
+              <a:t>‹#›</a:t>
             </a:fld>
             <a:endParaRPr lang="de-DE"/>
           </a:p>
@@ -6690,7 +6775,7 @@
             <a:fld id="{DA5DE712-6C0E-4DF7-B336-AC97213DC93D}" type="datetime1">
               <a:rPr lang="de-DE" smtClean="0"/>
               <a:pPr/>
-              <a:t>06.08.2018</a:t>
+              <a:t>06.08.18</a:t>
             </a:fld>
             <a:endParaRPr lang="de-DE"/>
           </a:p>
@@ -6736,7 +6821,7 @@
             <a:fld id="{015363AA-F6CB-4A58-B5AD-B2CDFEAF0813}" type="slidenum">
               <a:rPr lang="de-DE" smtClean="0"/>
               <a:pPr/>
-              <a:t>‹Nr.›</a:t>
+              <a:t>‹#›</a:t>
             </a:fld>
             <a:endParaRPr lang="de-DE"/>
           </a:p>
@@ -7161,7 +7246,7 @@
             <a:fld id="{DA5DE712-6C0E-4DF7-B336-AC97213DC93D}" type="datetime1">
               <a:rPr lang="de-DE" smtClean="0"/>
               <a:pPr/>
-              <a:t>06.08.2018</a:t>
+              <a:t>06.08.18</a:t>
             </a:fld>
             <a:endParaRPr lang="de-DE"/>
           </a:p>
@@ -7207,7 +7292,7 @@
             <a:fld id="{015363AA-F6CB-4A58-B5AD-B2CDFEAF0813}" type="slidenum">
               <a:rPr lang="de-DE" smtClean="0"/>
               <a:pPr/>
-              <a:t>‹Nr.›</a:t>
+              <a:t>‹#›</a:t>
             </a:fld>
             <a:endParaRPr lang="de-DE"/>
           </a:p>
@@ -7432,7 +7517,7 @@
             <a:fld id="{12CE0ACD-0B71-463F-9507-4095300257BC}" type="datetime1">
               <a:rPr lang="de-DE" smtClean="0"/>
               <a:pPr/>
-              <a:t>06.08.2018</a:t>
+              <a:t>06.08.18</a:t>
             </a:fld>
             <a:endParaRPr lang="de-DE"/>
           </a:p>
@@ -7478,7 +7563,7 @@
             <a:fld id="{015363AA-F6CB-4A58-B5AD-B2CDFEAF0813}" type="slidenum">
               <a:rPr lang="de-DE" smtClean="0"/>
               <a:pPr/>
-              <a:t>‹Nr.›</a:t>
+              <a:t>‹#›</a:t>
             </a:fld>
             <a:endParaRPr lang="de-DE"/>
           </a:p>
@@ -7575,7 +7660,7 @@
             <a:fld id="{89026A34-A4A3-4CC2-B452-9E4A0F73B38C}" type="datetime1">
               <a:rPr lang="de-DE" smtClean="0"/>
               <a:pPr/>
-              <a:t>06.08.2018</a:t>
+              <a:t>06.08.18</a:t>
             </a:fld>
             <a:endParaRPr lang="de-DE"/>
           </a:p>
@@ -7621,7 +7706,7 @@
             <a:fld id="{015363AA-F6CB-4A58-B5AD-B2CDFEAF0813}" type="slidenum">
               <a:rPr lang="de-DE" smtClean="0"/>
               <a:pPr/>
-              <a:t>‹Nr.›</a:t>
+              <a:t>‹#›</a:t>
             </a:fld>
             <a:endParaRPr lang="de-DE"/>
           </a:p>
@@ -7853,7 +7938,7 @@
             <a:fld id="{D509922F-D4D2-4984-9115-CE10B66F29DF}" type="datetime1">
               <a:rPr lang="de-DE" smtClean="0"/>
               <a:pPr/>
-              <a:t>06.08.2018</a:t>
+              <a:t>06.08.18</a:t>
             </a:fld>
             <a:endParaRPr lang="de-DE"/>
           </a:p>
@@ -7899,7 +7984,7 @@
             <a:fld id="{015363AA-F6CB-4A58-B5AD-B2CDFEAF0813}" type="slidenum">
               <a:rPr lang="de-DE" smtClean="0"/>
               <a:pPr/>
-              <a:t>‹Nr.›</a:t>
+              <a:t>‹#›</a:t>
             </a:fld>
             <a:endParaRPr lang="de-DE"/>
           </a:p>
@@ -8171,7 +8256,7 @@
             <a:fld id="{9624F9CC-0A0D-4C8D-81F7-82F64A12AE8F}" type="datetime1">
               <a:rPr lang="de-DE" smtClean="0"/>
               <a:pPr/>
-              <a:t>06.08.2018</a:t>
+              <a:t>06.08.18</a:t>
             </a:fld>
             <a:endParaRPr lang="de-DE"/>
           </a:p>
@@ -8259,7 +8344,7 @@
             <a:fld id="{015363AA-F6CB-4A58-B5AD-B2CDFEAF0813}" type="slidenum">
               <a:rPr lang="de-DE" smtClean="0"/>
               <a:pPr/>
-              <a:t>‹Nr.›</a:t>
+              <a:t>‹#›</a:t>
             </a:fld>
             <a:endParaRPr lang="de-DE"/>
           </a:p>
@@ -8646,12 +8731,8 @@
               </a:spcAft>
             </a:pPr>
             <a:r>
-              <a:rPr lang="de-DE" sz="1200" dirty="0" smtClean="0"/>
-              <a:t>Janis </a:t>
-            </a:r>
-            <a:r>
               <a:rPr lang="de-DE" sz="1200" dirty="0"/>
-              <a:t>Landwehr, Björn Mohr, Mirco </a:t>
+              <a:t>Jannis Landwehr, Björn Mohr, Mirco </a:t>
             </a:r>
             <a:r>
               <a:rPr lang="de-DE" sz="1200" dirty="0" err="1"/>
@@ -9841,7 +9922,7 @@
             <a:fld id="{DA5DE712-6C0E-4DF7-B336-AC97213DC93D}" type="datetime1">
               <a:rPr lang="de-DE" smtClean="0"/>
               <a:pPr/>
-              <a:t>06.08.2018</a:t>
+              <a:t>06.08.18</a:t>
             </a:fld>
             <a:endParaRPr lang="de-DE"/>
           </a:p>
@@ -9893,8 +9974,8 @@
           </a:p>
         </p:txBody>
       </p:sp>
-      <mc:AlternateContent xmlns:mc="http://schemas.openxmlformats.org/markup-compatibility/2006" xmlns:a14="http://schemas.microsoft.com/office/drawing/2010/main">
-        <mc:Choice Requires="a14">
+      <mc:AlternateContent xmlns:mc="http://schemas.openxmlformats.org/markup-compatibility/2006">
+        <mc:Choice xmlns:a14="http://schemas.microsoft.com/office/drawing/2010/main" Requires="a14">
           <p:sp>
             <p:nvSpPr>
               <p:cNvPr id="10" name="Inhaltsplatzhalter 9"/>
@@ -9909,12 +9990,6 @@
             <p:txBody>
               <a:bodyPr/>
               <a:lstStyle/>
-              <a:p>
-                <a:r>
-                  <a:rPr lang="de-DE" dirty="0"/>
-                  <a:t>Selbst erzeugt</a:t>
-                </a:r>
-              </a:p>
               <a:p>
                 <a:r>
                   <a:rPr lang="de-DE" dirty="0"/>
@@ -10384,7 +10459,7 @@
             </p:txBody>
           </p:sp>
         </mc:Choice>
-        <mc:Fallback xmlns="">
+        <mc:Fallback>
           <p:sp>
             <p:nvSpPr>
               <p:cNvPr id="10" name="Inhaltsplatzhalter 9"/>
@@ -10399,7 +10474,7 @@
               <a:blipFill>
                 <a:blip r:embed="rId5"/>
                 <a:stretch>
-                  <a:fillRect t="-183"/>
+                  <a:fillRect t="-380"/>
                 </a:stretch>
               </a:blipFill>
             </p:spPr>
@@ -12201,7 +12276,7 @@
             <a:fld id="{DA5DE712-6C0E-4DF7-B336-AC97213DC93D}" type="datetime1">
               <a:rPr lang="de-DE" smtClean="0"/>
               <a:pPr/>
-              <a:t>06.08.2018</a:t>
+              <a:t>06.08.18</a:t>
             </a:fld>
             <a:endParaRPr lang="de-DE"/>
           </a:p>
@@ -14102,7 +14177,7 @@
             <a:fld id="{DA5DE712-6C0E-4DF7-B336-AC97213DC93D}" type="datetime1">
               <a:rPr lang="de-DE" smtClean="0"/>
               <a:pPr/>
-              <a:t>06.08.2018</a:t>
+              <a:t>06.08.18</a:t>
             </a:fld>
             <a:endParaRPr lang="de-DE"/>
           </a:p>
@@ -16183,7 +16258,7 @@
             <a:fld id="{DA5DE712-6C0E-4DF7-B336-AC97213DC93D}" type="datetime1">
               <a:rPr lang="de-DE" smtClean="0"/>
               <a:pPr/>
-              <a:t>06.08.2018</a:t>
+              <a:t>06.08.18</a:t>
             </a:fld>
             <a:endParaRPr lang="de-DE"/>
           </a:p>
@@ -16530,7 +16605,7 @@
             <a:fld id="{12CE0ACD-0B71-463F-9507-4095300257BC}" type="datetime1">
               <a:rPr lang="de-DE" smtClean="0"/>
               <a:pPr/>
-              <a:t>06.08.2018</a:t>
+              <a:t>06.08.18</a:t>
             </a:fld>
             <a:endParaRPr lang="de-DE"/>
           </a:p>
@@ -17002,7 +17077,7 @@
             <a:fld id="{12CE0ACD-0B71-463F-9507-4095300257BC}" type="datetime1">
               <a:rPr lang="de-DE" smtClean="0"/>
               <a:pPr/>
-              <a:t>06.08.2018</a:t>
+              <a:t>06.08.18</a:t>
             </a:fld>
             <a:endParaRPr lang="de-DE"/>
           </a:p>
@@ -17580,7 +17655,7 @@
             <a:fld id="{12CE0ACD-0B71-463F-9507-4095300257BC}" type="datetime1">
               <a:rPr lang="de-DE" smtClean="0"/>
               <a:pPr/>
-              <a:t>06.08.2018</a:t>
+              <a:t>06.08.18</a:t>
             </a:fld>
             <a:endParaRPr lang="de-DE"/>
           </a:p>
@@ -17645,12 +17720,82 @@
           </a:p>
         </p:txBody>
       </p:sp>
+      <p:sp>
+        <p:nvSpPr>
+          <p:cNvPr id="6" name="TextBox 5">
+            <a:extLst>
+              <a:ext uri="{FF2B5EF4-FFF2-40B4-BE49-F238E27FC236}">
+                <a16:creationId xmlns:a16="http://schemas.microsoft.com/office/drawing/2014/main" id="{F5DA7DEA-393A-4445-AC69-0AD7E0DE4F6C}"/>
+              </a:ext>
+            </a:extLst>
+          </p:cNvPr>
+          <p:cNvSpPr txBox="1"/>
+          <p:nvPr/>
+        </p:nvSpPr>
+        <p:spPr>
+          <a:xfrm>
+            <a:off x="2582001" y="1059582"/>
+            <a:ext cx="4052007" cy="369332"/>
+          </a:xfrm>
+          <a:prstGeom prst="rect">
+            <a:avLst/>
+          </a:prstGeom>
+          <a:noFill/>
+        </p:spPr>
+        <p:txBody>
+          <a:bodyPr wrap="none" rtlCol="0">
+            <a:spAutoFit/>
+          </a:bodyPr>
+          <a:lstStyle/>
+          <a:p>
+            <a:r>
+              <a:rPr lang="de-DE" dirty="0"/>
+              <a:t>Bestes AIC auf Log-Returns: ARIMA(0,0,0)</a:t>
+            </a:r>
+          </a:p>
+        </p:txBody>
+      </p:sp>
+      <p:sp>
+        <p:nvSpPr>
+          <p:cNvPr id="13" name="TextBox 12">
+            <a:extLst>
+              <a:ext uri="{FF2B5EF4-FFF2-40B4-BE49-F238E27FC236}">
+                <a16:creationId xmlns:a16="http://schemas.microsoft.com/office/drawing/2014/main" id="{79D0F36B-E0FE-CC4F-AC1B-A4371C2464C1}"/>
+              </a:ext>
+            </a:extLst>
+          </p:cNvPr>
+          <p:cNvSpPr txBox="1"/>
+          <p:nvPr/>
+        </p:nvSpPr>
+        <p:spPr>
+          <a:xfrm>
+            <a:off x="3306525" y="4299942"/>
+            <a:ext cx="2552943" cy="369332"/>
+          </a:xfrm>
+          <a:prstGeom prst="rect">
+            <a:avLst/>
+          </a:prstGeom>
+          <a:noFill/>
+        </p:spPr>
+        <p:txBody>
+          <a:bodyPr wrap="none" rtlCol="0">
+            <a:spAutoFit/>
+          </a:bodyPr>
+          <a:lstStyle/>
+          <a:p>
+            <a:r>
+              <a:rPr lang="de-DE" dirty="0"/>
+              <a:t>Liegen ARCH-Effekte vor?</a:t>
+            </a:r>
+          </a:p>
+        </p:txBody>
+      </p:sp>
       <p:pic>
         <p:nvPicPr>
-          <p:cNvPr id="10" name="Picture 9">
+          <p:cNvPr id="15" name="Picture 14">
             <a:extLst>
               <a:ext uri="{FF2B5EF4-FFF2-40B4-BE49-F238E27FC236}">
-                <a16:creationId xmlns:a16="http://schemas.microsoft.com/office/drawing/2014/main" id="{BF4C27A4-01B9-594A-B0F0-9132A8F7A934}"/>
+                <a16:creationId xmlns:a16="http://schemas.microsoft.com/office/drawing/2014/main" id="{D8B9196F-C79B-B643-AF8C-E5251F86AA12}"/>
               </a:ext>
             </a:extLst>
           </p:cNvPr>
@@ -17673,7 +17818,7 @@
         </p:blipFill>
         <p:spPr>
           <a:xfrm>
-            <a:off x="0" y="1773231"/>
+            <a:off x="404347" y="1793669"/>
             <a:ext cx="2160000" cy="1983600"/>
           </a:xfrm>
           <a:prstGeom prst="rect">
@@ -17681,47 +17826,12 @@
           </a:prstGeom>
         </p:spPr>
       </p:pic>
-      <p:sp>
-        <p:nvSpPr>
-          <p:cNvPr id="6" name="TextBox 5">
+      <p:pic>
+        <p:nvPicPr>
+          <p:cNvPr id="17" name="Picture 16">
             <a:extLst>
               <a:ext uri="{FF2B5EF4-FFF2-40B4-BE49-F238E27FC236}">
-                <a16:creationId xmlns:a16="http://schemas.microsoft.com/office/drawing/2014/main" id="{F5DA7DEA-393A-4445-AC69-0AD7E0DE4F6C}"/>
-              </a:ext>
-            </a:extLst>
-          </p:cNvPr>
-          <p:cNvSpPr txBox="1"/>
-          <p:nvPr/>
-        </p:nvSpPr>
-        <p:spPr>
-          <a:xfrm>
-            <a:off x="2582001" y="1059582"/>
-            <a:ext cx="4052007" cy="369332"/>
-          </a:xfrm>
-          <a:prstGeom prst="rect">
-            <a:avLst/>
-          </a:prstGeom>
-          <a:noFill/>
-        </p:spPr>
-        <p:txBody>
-          <a:bodyPr wrap="none" rtlCol="0">
-            <a:spAutoFit/>
-          </a:bodyPr>
-          <a:lstStyle/>
-          <a:p>
-            <a:r>
-              <a:rPr lang="de-DE" dirty="0"/>
-              <a:t>Bestes AIC auf Log-Returns: ARIMA(0,0,0)</a:t>
-            </a:r>
-          </a:p>
-        </p:txBody>
-      </p:sp>
-      <p:pic>
-        <p:nvPicPr>
-          <p:cNvPr id="12" name="Picture 11">
-            <a:extLst>
-              <a:ext uri="{FF2B5EF4-FFF2-40B4-BE49-F238E27FC236}">
-                <a16:creationId xmlns:a16="http://schemas.microsoft.com/office/drawing/2014/main" id="{74944CEE-1588-E94F-9661-894222B4E67F}"/>
+                <a16:creationId xmlns:a16="http://schemas.microsoft.com/office/drawing/2014/main" id="{4543B0CE-FB3F-CD4C-8C04-EE1BF2B07A52}"/>
               </a:ext>
             </a:extLst>
           </p:cNvPr>
@@ -17744,7 +17854,7 @@
         </p:blipFill>
         <p:spPr>
           <a:xfrm>
-            <a:off x="2221917" y="1746582"/>
+            <a:off x="2539564" y="1793669"/>
             <a:ext cx="2160000" cy="1983600"/>
           </a:xfrm>
           <a:prstGeom prst="rect">
@@ -17752,47 +17862,12 @@
           </a:prstGeom>
         </p:spPr>
       </p:pic>
-      <p:sp>
-        <p:nvSpPr>
-          <p:cNvPr id="13" name="TextBox 12">
+      <p:pic>
+        <p:nvPicPr>
+          <p:cNvPr id="19" name="Picture 18">
             <a:extLst>
               <a:ext uri="{FF2B5EF4-FFF2-40B4-BE49-F238E27FC236}">
-                <a16:creationId xmlns:a16="http://schemas.microsoft.com/office/drawing/2014/main" id="{79D0F36B-E0FE-CC4F-AC1B-A4371C2464C1}"/>
-              </a:ext>
-            </a:extLst>
-          </p:cNvPr>
-          <p:cNvSpPr txBox="1"/>
-          <p:nvPr/>
-        </p:nvSpPr>
-        <p:spPr>
-          <a:xfrm>
-            <a:off x="3306525" y="4299942"/>
-            <a:ext cx="2552943" cy="369332"/>
-          </a:xfrm>
-          <a:prstGeom prst="rect">
-            <a:avLst/>
-          </a:prstGeom>
-          <a:noFill/>
-        </p:spPr>
-        <p:txBody>
-          <a:bodyPr wrap="none" rtlCol="0">
-            <a:spAutoFit/>
-          </a:bodyPr>
-          <a:lstStyle/>
-          <a:p>
-            <a:r>
-              <a:rPr lang="de-DE" dirty="0"/>
-              <a:t>Liegen ARCH-Effekte vor?</a:t>
-            </a:r>
-          </a:p>
-        </p:txBody>
-      </p:sp>
-      <p:pic>
-        <p:nvPicPr>
-          <p:cNvPr id="8" name="Picture 7">
-            <a:extLst>
-              <a:ext uri="{FF2B5EF4-FFF2-40B4-BE49-F238E27FC236}">
-                <a16:creationId xmlns:a16="http://schemas.microsoft.com/office/drawing/2014/main" id="{E4BD37D8-1B72-5349-97B3-B823AD750A75}"/>
+                <a16:creationId xmlns:a16="http://schemas.microsoft.com/office/drawing/2014/main" id="{A937DBB6-18EC-3449-A31C-6C59417C91C2}"/>
               </a:ext>
             </a:extLst>
           </p:cNvPr>
@@ -17815,7 +17890,7 @@
         </p:blipFill>
         <p:spPr>
           <a:xfrm>
-            <a:off x="4443835" y="1746582"/>
+            <a:off x="4608004" y="1770545"/>
             <a:ext cx="2160000" cy="1983600"/>
           </a:xfrm>
           <a:prstGeom prst="rect">
@@ -17825,10 +17900,10 @@
       </p:pic>
       <p:pic>
         <p:nvPicPr>
-          <p:cNvPr id="11" name="Picture 10">
+          <p:cNvPr id="21" name="Picture 20">
             <a:extLst>
               <a:ext uri="{FF2B5EF4-FFF2-40B4-BE49-F238E27FC236}">
-                <a16:creationId xmlns:a16="http://schemas.microsoft.com/office/drawing/2014/main" id="{0D94C3E8-9AE0-8442-9C07-7F8512A449DA}"/>
+                <a16:creationId xmlns:a16="http://schemas.microsoft.com/office/drawing/2014/main" id="{23C68E28-7DEC-554E-8C96-273C43AB14C3}"/>
               </a:ext>
             </a:extLst>
           </p:cNvPr>
@@ -17851,7 +17926,7 @@
         </p:blipFill>
         <p:spPr>
           <a:xfrm>
-            <a:off x="6804248" y="1746582"/>
+            <a:off x="6676444" y="1793669"/>
             <a:ext cx="2160000" cy="1983600"/>
           </a:xfrm>
           <a:prstGeom prst="rect">
@@ -17943,7 +18018,7 @@
             <a:fld id="{12CE0ACD-0B71-463F-9507-4095300257BC}" type="datetime1">
               <a:rPr lang="de-DE" smtClean="0"/>
               <a:pPr/>
-              <a:t>06.08.2018</a:t>
+              <a:t>06.08.18</a:t>
             </a:fld>
             <a:endParaRPr lang="de-DE"/>
           </a:p>
@@ -18231,7 +18306,7 @@
             <a:fld id="{D509922F-D4D2-4984-9115-CE10B66F29DF}" type="datetime1">
               <a:rPr lang="de-DE" smtClean="0"/>
               <a:pPr/>
-              <a:t>06.08.2018</a:t>
+              <a:t>06.08.18</a:t>
             </a:fld>
             <a:endParaRPr lang="de-DE"/>
           </a:p>
@@ -18443,7 +18518,7 @@
             <a:fld id="{D509922F-D4D2-4984-9115-CE10B66F29DF}" type="datetime1">
               <a:rPr lang="de-DE" smtClean="0"/>
               <a:pPr/>
-              <a:t>06.08.2018</a:t>
+              <a:t>06.08.18</a:t>
             </a:fld>
             <a:endParaRPr lang="de-DE"/>
           </a:p>
@@ -18638,7 +18713,7 @@
         <p:spPr/>
         <p:txBody>
           <a:bodyPr>
-            <a:normAutofit/>
+            <a:normAutofit lnSpcReduction="10000"/>
           </a:bodyPr>
           <a:lstStyle/>
           <a:p>
@@ -18698,8 +18773,32 @@
               <a:buAutoNum type="arabicPeriod"/>
             </a:pPr>
             <a:r>
-              <a:rPr lang="de-DE" dirty="0" smtClean="0"/>
-              <a:t>Versuchsreihe: Datensimulation</a:t>
+              <a:rPr lang="de-DE" dirty="0"/>
+              <a:t>Versuchsaufbau</a:t>
+            </a:r>
+          </a:p>
+          <a:p>
+            <a:pPr>
+              <a:spcAft>
+                <a:spcPts val="600"/>
+              </a:spcAft>
+              <a:buAutoNum type="arabicPeriod"/>
+            </a:pPr>
+            <a:r>
+              <a:rPr lang="de-DE" dirty="0"/>
+              <a:t>Datensätze</a:t>
+            </a:r>
+          </a:p>
+          <a:p>
+            <a:pPr>
+              <a:spcAft>
+                <a:spcPts val="600"/>
+              </a:spcAft>
+              <a:buAutoNum type="arabicPeriod"/>
+            </a:pPr>
+            <a:r>
+              <a:rPr lang="de-DE" dirty="0"/>
+              <a:t>Modellierung</a:t>
             </a:r>
           </a:p>
           <a:p>
@@ -18710,8 +18809,8 @@
               <a:buAutoNum type="arabicPeriod"/>
             </a:pPr>
             <a:r>
-              <a:rPr lang="de-DE" dirty="0" smtClean="0"/>
-              <a:t>Prozessablauf</a:t>
+              <a:rPr lang="de-DE" dirty="0"/>
+              <a:t>ARCH-Modelle</a:t>
             </a:r>
           </a:p>
           <a:p>
@@ -18722,8 +18821,8 @@
               <a:buAutoNum type="arabicPeriod"/>
             </a:pPr>
             <a:r>
-              <a:rPr lang="de-DE" dirty="0" smtClean="0"/>
-              <a:t>Anmerkungen</a:t>
+              <a:rPr lang="de-DE" dirty="0"/>
+              <a:t>GARCH-Modelle</a:t>
             </a:r>
           </a:p>
           <a:p>
@@ -18734,10 +18833,9 @@
               <a:buAutoNum type="arabicPeriod"/>
             </a:pPr>
             <a:r>
-              <a:rPr lang="de-DE" dirty="0" smtClean="0"/>
-              <a:t>Ergebnisse</a:t>
-            </a:r>
-            <a:endParaRPr lang="de-DE" dirty="0"/>
+              <a:rPr lang="de-DE" dirty="0"/>
+              <a:t>Beispiel GARCH-Vorhersagen </a:t>
+            </a:r>
           </a:p>
           <a:p>
             <a:pPr>
@@ -18747,23 +18845,9 @@
               <a:buAutoNum type="arabicPeriod"/>
             </a:pPr>
             <a:r>
-              <a:rPr lang="de-DE" dirty="0" smtClean="0"/>
-              <a:t>Versuchsreihe: Dax 30</a:t>
-            </a:r>
-            <a:endParaRPr lang="de-DE" dirty="0"/>
-          </a:p>
-          <a:p>
-            <a:pPr>
-              <a:spcAft>
-                <a:spcPts val="600"/>
-              </a:spcAft>
-              <a:buAutoNum type="arabicPeriod"/>
-            </a:pPr>
-            <a:r>
-              <a:rPr lang="de-DE" dirty="0" smtClean="0"/>
+              <a:rPr lang="de-DE" dirty="0"/>
               <a:t>Resümee</a:t>
             </a:r>
-            <a:endParaRPr lang="de-DE" dirty="0"/>
           </a:p>
         </p:txBody>
       </p:sp>
@@ -18785,7 +18869,7 @@
             <a:fld id="{6DB845E5-DACF-426C-8A10-A6438D29DD66}" type="datetime1">
               <a:rPr lang="de-DE" smtClean="0"/>
               <a:pPr/>
-              <a:t>06.08.2018</a:t>
+              <a:t>06.08.18</a:t>
             </a:fld>
             <a:endParaRPr lang="de-DE"/>
           </a:p>
@@ -18921,7 +19005,7 @@
             <a:fld id="{12CE0ACD-0B71-463F-9507-4095300257BC}" type="datetime1">
               <a:rPr lang="de-DE" smtClean="0"/>
               <a:pPr/>
-              <a:t>06.08.2018</a:t>
+              <a:t>06.08.18</a:t>
             </a:fld>
             <a:endParaRPr lang="de-DE"/>
           </a:p>
@@ -18949,9 +19033,10 @@
           <a:lstStyle/>
           <a:p>
             <a:r>
-              <a:rPr lang="de-DE" dirty="0"/>
+              <a:rPr lang="de-DE"/>
               <a:t>Time Series Analysis – Sommersemester 2018</a:t>
             </a:r>
+            <a:endParaRPr lang="de-DE" dirty="0"/>
           </a:p>
         </p:txBody>
       </p:sp>
@@ -19250,15 +19335,7 @@
           <a:p>
             <a:r>
               <a:rPr lang="de-DE" dirty="0"/>
-              <a:t>BIC als Kriterium für Model </a:t>
-            </a:r>
-            <a:r>
-              <a:rPr lang="de-DE" dirty="0" err="1"/>
-              <a:t>Selection</a:t>
-            </a:r>
-            <a:r>
-              <a:rPr lang="de-DE" dirty="0"/>
-              <a:t> für große N zur Auswahl des korrekten Modells sinnvoll (asymptotisch konsistent)</a:t>
+              <a:t>BIC als Kriterium für Modell-Selektion für große N zur Auswahl des korrekten Modells sinnvoll (asymptotisch konsistent)</a:t>
             </a:r>
           </a:p>
           <a:p>
@@ -19287,7 +19364,7 @@
             <a:fld id="{6DB845E5-DACF-426C-8A10-A6438D29DD66}" type="datetime1">
               <a:rPr lang="de-DE" smtClean="0"/>
               <a:pPr/>
-              <a:t>06.08.2018</a:t>
+              <a:t>06.08.18</a:t>
             </a:fld>
             <a:endParaRPr lang="de-DE"/>
           </a:p>
@@ -19309,8 +19386,8 @@
           <a:lstStyle/>
           <a:p>
             <a:r>
-              <a:rPr lang="de-DE" dirty="0"/>
-              <a:t>Time Series Analysis – Sommersemester 2018</a:t>
+              <a:rPr lang="de-DE"/>
+              <a:t>Structural Equation Modelling – Wintersemester 2017/2018</a:t>
             </a:r>
             <a:endParaRPr lang="de-DE" dirty="0"/>
           </a:p>
@@ -19387,19 +19464,19 @@
           <a:p>
             <a:r>
               <a:rPr lang="de-DE" dirty="0"/>
-              <a:t>Vielen Dank für Ihre Aufmerksamkeit.</a:t>
-            </a:r>
-          </a:p>
-        </p:txBody>
-      </p:sp>
-      <p:sp>
-        <p:nvSpPr>
-          <p:cNvPr id="3" name="Datumsplatzhalter 2"/>
-          <p:cNvSpPr>
-            <a:spLocks noGrp="1"/>
-          </p:cNvSpPr>
-          <p:nvPr>
-            <p:ph type="dt" sz="half" idx="10"/>
+              <a:t>Literatur</a:t>
+            </a:r>
+          </a:p>
+        </p:txBody>
+      </p:sp>
+      <p:sp>
+        <p:nvSpPr>
+          <p:cNvPr id="3" name="Inhaltsplatzhalter 2"/>
+          <p:cNvSpPr>
+            <a:spLocks noGrp="1"/>
+          </p:cNvSpPr>
+          <p:nvPr>
+            <p:ph idx="1"/>
           </p:nvPr>
         </p:nvSpPr>
         <p:spPr/>
@@ -19407,10 +19484,199 @@
           <a:bodyPr/>
           <a:lstStyle/>
           <a:p>
-            <a:fld id="{19A0FC43-5E73-44C2-BFDB-9FAD1E8FED0E}" type="datetime1">
+            <a:r>
+              <a:rPr lang="de-DE" dirty="0" err="1"/>
+              <a:t>Mazzoni</a:t>
+            </a:r>
+            <a:r>
+              <a:rPr lang="de-DE" dirty="0"/>
+              <a:t>, Thomas: </a:t>
+            </a:r>
+            <a:br>
+              <a:rPr lang="de-DE" dirty="0"/>
+            </a:br>
+            <a:r>
+              <a:rPr lang="de-DE" sz="1400" dirty="0">
+                <a:solidFill>
+                  <a:schemeClr val="tx1">
+                    <a:lumMod val="75000"/>
+                    <a:lumOff val="25000"/>
+                  </a:schemeClr>
+                </a:solidFill>
+              </a:rPr>
+              <a:t>Zeitreihenanalyse</a:t>
+            </a:r>
+            <a:br>
+              <a:rPr lang="de-DE" sz="1400" dirty="0">
+                <a:solidFill>
+                  <a:schemeClr val="tx1">
+                    <a:lumMod val="75000"/>
+                    <a:lumOff val="25000"/>
+                  </a:schemeClr>
+                </a:solidFill>
+              </a:rPr>
+            </a:br>
+            <a:r>
+              <a:rPr lang="de-DE" sz="1400" dirty="0">
+                <a:solidFill>
+                  <a:schemeClr val="tx1">
+                    <a:lumMod val="75000"/>
+                    <a:lumOff val="25000"/>
+                  </a:schemeClr>
+                </a:solidFill>
+              </a:rPr>
+              <a:t>2010</a:t>
+            </a:r>
+          </a:p>
+          <a:p>
+            <a:r>
+              <a:rPr lang="de-DE" dirty="0"/>
+              <a:t>Zucchini, W., </a:t>
+            </a:r>
+            <a:r>
+              <a:rPr lang="de-DE" dirty="0" err="1"/>
+              <a:t>Nenadic</a:t>
+            </a:r>
+            <a:r>
+              <a:rPr lang="de-DE" dirty="0"/>
+              <a:t>, O., Schlegel, A.:</a:t>
+            </a:r>
+            <a:br>
+              <a:rPr lang="de-DE" sz="1400" dirty="0">
+                <a:solidFill>
+                  <a:schemeClr val="tx1">
+                    <a:lumMod val="75000"/>
+                    <a:lumOff val="25000"/>
+                  </a:schemeClr>
+                </a:solidFill>
+              </a:rPr>
+            </a:br>
+            <a:r>
+              <a:rPr lang="de-DE" sz="1400" dirty="0">
+                <a:solidFill>
+                  <a:schemeClr val="tx1">
+                    <a:lumMod val="75000"/>
+                    <a:lumOff val="25000"/>
+                  </a:schemeClr>
+                </a:solidFill>
+              </a:rPr>
+              <a:t>Zeitreihenanalyse – Nichtlineare Zeitreihenmodelle</a:t>
+            </a:r>
+          </a:p>
+          <a:p>
+            <a:pPr marL="0" indent="0">
+              <a:buNone/>
+            </a:pPr>
+            <a:r>
+              <a:rPr lang="de-DE" sz="1400" dirty="0">
+                <a:solidFill>
+                  <a:schemeClr val="tx1">
+                    <a:lumMod val="75000"/>
+                    <a:lumOff val="25000"/>
+                  </a:schemeClr>
+                </a:solidFill>
+              </a:rPr>
+              <a:t>       2009</a:t>
+            </a:r>
+          </a:p>
+          <a:p>
+            <a:r>
+              <a:rPr lang="de-DE" sz="1400" dirty="0" err="1"/>
+              <a:t>Wuertz</a:t>
+            </a:r>
+            <a:r>
+              <a:rPr lang="de-DE" sz="1400" dirty="0"/>
+              <a:t>, D. et. al.:</a:t>
+            </a:r>
+            <a:br>
+              <a:rPr lang="de-DE" sz="1400" dirty="0"/>
+            </a:br>
+            <a:r>
+              <a:rPr lang="de-DE" sz="1400" dirty="0">
+                <a:solidFill>
+                  <a:schemeClr val="tx1">
+                    <a:lumMod val="75000"/>
+                    <a:lumOff val="25000"/>
+                  </a:schemeClr>
+                </a:solidFill>
+              </a:rPr>
+              <a:t>Package „</a:t>
+            </a:r>
+            <a:r>
+              <a:rPr lang="de-DE" sz="1400" dirty="0" err="1">
+                <a:solidFill>
+                  <a:schemeClr val="tx1">
+                    <a:lumMod val="75000"/>
+                    <a:lumOff val="25000"/>
+                  </a:schemeClr>
+                </a:solidFill>
+              </a:rPr>
+              <a:t>fGarch</a:t>
+            </a:r>
+            <a:r>
+              <a:rPr lang="de-DE" sz="1400" dirty="0">
+                <a:solidFill>
+                  <a:schemeClr val="tx1">
+                    <a:lumMod val="75000"/>
+                    <a:lumOff val="25000"/>
+                  </a:schemeClr>
+                </a:solidFill>
+              </a:rPr>
+              <a:t>“</a:t>
+            </a:r>
+            <a:br>
+              <a:rPr lang="de-DE" sz="1400" dirty="0">
+                <a:solidFill>
+                  <a:schemeClr val="tx1">
+                    <a:lumMod val="75000"/>
+                    <a:lumOff val="25000"/>
+                  </a:schemeClr>
+                </a:solidFill>
+              </a:rPr>
+            </a:br>
+            <a:r>
+              <a:rPr lang="de-DE" sz="1400" dirty="0">
+                <a:solidFill>
+                  <a:schemeClr val="tx1">
+                    <a:lumMod val="75000"/>
+                    <a:lumOff val="25000"/>
+                  </a:schemeClr>
+                </a:solidFill>
+              </a:rPr>
+              <a:t>2017</a:t>
+            </a:r>
+          </a:p>
+          <a:p>
+            <a:endParaRPr lang="de-DE" sz="1400" dirty="0">
+              <a:solidFill>
+                <a:schemeClr val="tx1">
+                  <a:lumMod val="75000"/>
+                  <a:lumOff val="25000"/>
+                </a:schemeClr>
+              </a:solidFill>
+            </a:endParaRPr>
+          </a:p>
+        </p:txBody>
+      </p:sp>
+      <p:sp>
+        <p:nvSpPr>
+          <p:cNvPr id="4" name="Datumsplatzhalter 3"/>
+          <p:cNvSpPr>
+            <a:spLocks noGrp="1"/>
+          </p:cNvSpPr>
+          <p:nvPr>
+            <p:ph type="dt" sz="half" idx="10"/>
+          </p:nvPr>
+        </p:nvSpPr>
+        <p:spPr/>
+        <p:txBody>
+          <a:bodyPr/>
+          <a:lstStyle/>
+          <a:p>
+            <a:fld id="{6DB845E5-DACF-426C-8A10-A6438D29DD66}" type="datetime1">
               <a:rPr lang="de-DE" smtClean="0"/>
               <a:pPr/>
-              <a:t>06.08.2018</a:t>
+              <a:t>06.08.18</a:t>
             </a:fld>
             <a:endParaRPr lang="de-DE"/>
           </a:p>
@@ -19418,7 +19684,7 @@
       </p:sp>
       <p:sp>
         <p:nvSpPr>
-          <p:cNvPr id="4" name="Fußzeilenplatzhalter 3"/>
+          <p:cNvPr id="5" name="Fußzeilenplatzhalter 4"/>
           <p:cNvSpPr>
             <a:spLocks noGrp="1"/>
           </p:cNvSpPr>
@@ -19433,15 +19699,14 @@
           <a:p>
             <a:r>
               <a:rPr lang="de-DE" dirty="0"/>
-              <a:t>Time Series Analysis – Sommersemester 2018</a:t>
-            </a:r>
-            <a:endParaRPr lang="de-DE" dirty="0"/>
-          </a:p>
-        </p:txBody>
-      </p:sp>
-      <p:sp>
-        <p:nvSpPr>
-          <p:cNvPr id="5" name="Foliennummernplatzhalter 4"/>
+              <a:t>Time Series Analysis– Sommersemester 2018</a:t>
+            </a:r>
+          </a:p>
+        </p:txBody>
+      </p:sp>
+      <p:sp>
+        <p:nvSpPr>
+          <p:cNvPr id="6" name="Foliennummernplatzhalter 5"/>
           <p:cNvSpPr>
             <a:spLocks noGrp="1"/>
           </p:cNvSpPr>
@@ -19463,32 +19728,10 @@
           </a:p>
         </p:txBody>
       </p:sp>
-      <p:sp>
-        <p:nvSpPr>
-          <p:cNvPr id="6" name="Textplatzhalter 5"/>
-          <p:cNvSpPr>
-            <a:spLocks noGrp="1"/>
-          </p:cNvSpPr>
-          <p:nvPr>
-            <p:ph type="body" sz="quarter" idx="13"/>
-          </p:nvPr>
-        </p:nvSpPr>
-        <p:spPr/>
-        <p:txBody>
-          <a:bodyPr/>
-          <a:lstStyle/>
-          <a:p>
-            <a:r>
-              <a:rPr lang="de-DE" dirty="0"/>
-              <a:t>Fragen?</a:t>
-            </a:r>
-          </a:p>
-        </p:txBody>
-      </p:sp>
     </p:spTree>
     <p:extLst>
       <p:ext uri="{BB962C8B-B14F-4D97-AF65-F5344CB8AC3E}">
-        <p14:creationId xmlns:p14="http://schemas.microsoft.com/office/powerpoint/2010/main" val="121839908"/>
+        <p14:creationId xmlns:p14="http://schemas.microsoft.com/office/powerpoint/2010/main" val="430762112"/>
       </p:ext>
     </p:extLst>
   </p:cSld>
@@ -19532,19 +19775,19 @@
           <a:p>
             <a:r>
               <a:rPr lang="de-DE" dirty="0"/>
-              <a:t>Literatur</a:t>
-            </a:r>
-          </a:p>
-        </p:txBody>
-      </p:sp>
-      <p:sp>
-        <p:nvSpPr>
-          <p:cNvPr id="3" name="Inhaltsplatzhalter 2"/>
-          <p:cNvSpPr>
-            <a:spLocks noGrp="1"/>
-          </p:cNvSpPr>
-          <p:nvPr>
-            <p:ph idx="1"/>
+              <a:t>Vielen Dank für Ihre Aufmerksamkeit.</a:t>
+            </a:r>
+          </a:p>
+        </p:txBody>
+      </p:sp>
+      <p:sp>
+        <p:nvSpPr>
+          <p:cNvPr id="3" name="Datumsplatzhalter 2"/>
+          <p:cNvSpPr>
+            <a:spLocks noGrp="1"/>
+          </p:cNvSpPr>
+          <p:nvPr>
+            <p:ph type="dt" sz="half" idx="10"/>
           </p:nvPr>
         </p:nvSpPr>
         <p:spPr/>
@@ -19552,199 +19795,23 @@
           <a:bodyPr/>
           <a:lstStyle/>
           <a:p>
-            <a:r>
-              <a:rPr lang="de-DE" dirty="0" err="1"/>
-              <a:t>Mazzoni</a:t>
-            </a:r>
-            <a:r>
-              <a:rPr lang="de-DE" dirty="0"/>
-              <a:t>, Thomas: </a:t>
-            </a:r>
-            <a:br>
-              <a:rPr lang="de-DE" dirty="0"/>
-            </a:br>
-            <a:r>
-              <a:rPr lang="de-DE" sz="1400" dirty="0">
-                <a:solidFill>
-                  <a:schemeClr val="tx1">
-                    <a:lumMod val="75000"/>
-                    <a:lumOff val="25000"/>
-                  </a:schemeClr>
-                </a:solidFill>
-              </a:rPr>
-              <a:t>Zeitreihenanalyse</a:t>
-            </a:r>
-            <a:br>
-              <a:rPr lang="de-DE" sz="1400" dirty="0">
-                <a:solidFill>
-                  <a:schemeClr val="tx1">
-                    <a:lumMod val="75000"/>
-                    <a:lumOff val="25000"/>
-                  </a:schemeClr>
-                </a:solidFill>
-              </a:rPr>
-            </a:br>
-            <a:r>
-              <a:rPr lang="de-DE" sz="1400" dirty="0">
-                <a:solidFill>
-                  <a:schemeClr val="tx1">
-                    <a:lumMod val="75000"/>
-                    <a:lumOff val="25000"/>
-                  </a:schemeClr>
-                </a:solidFill>
-              </a:rPr>
-              <a:t>2010</a:t>
-            </a:r>
-          </a:p>
-          <a:p>
-            <a:r>
-              <a:rPr lang="de-DE" dirty="0"/>
-              <a:t>Zucchini, W., </a:t>
-            </a:r>
-            <a:r>
-              <a:rPr lang="de-DE" dirty="0" err="1"/>
-              <a:t>Nenadic</a:t>
-            </a:r>
-            <a:r>
-              <a:rPr lang="de-DE" dirty="0"/>
-              <a:t>, O., Schlegel, A.:</a:t>
-            </a:r>
-            <a:r>
-              <a:rPr lang="de-DE" sz="1400" dirty="0">
-                <a:solidFill>
-                  <a:schemeClr val="tx1">
-                    <a:lumMod val="75000"/>
-                    <a:lumOff val="25000"/>
-                  </a:schemeClr>
-                </a:solidFill>
-              </a:rPr>
-              <a:t/>
-            </a:r>
-            <a:br>
-              <a:rPr lang="de-DE" sz="1400" dirty="0">
-                <a:solidFill>
-                  <a:schemeClr val="tx1">
-                    <a:lumMod val="75000"/>
-                    <a:lumOff val="25000"/>
-                  </a:schemeClr>
-                </a:solidFill>
-              </a:rPr>
-            </a:br>
-            <a:r>
-              <a:rPr lang="de-DE" sz="1400" dirty="0">
-                <a:solidFill>
-                  <a:schemeClr val="tx1">
-                    <a:lumMod val="75000"/>
-                    <a:lumOff val="25000"/>
-                  </a:schemeClr>
-                </a:solidFill>
-              </a:rPr>
-              <a:t>Zeitreihenanalyse – Nichtlineare Zeitreihenmodelle</a:t>
-            </a:r>
-          </a:p>
-          <a:p>
-            <a:pPr marL="0" indent="0">
-              <a:buNone/>
-            </a:pPr>
-            <a:r>
-              <a:rPr lang="de-DE" sz="1400" dirty="0">
-                <a:solidFill>
-                  <a:schemeClr val="tx1">
-                    <a:lumMod val="75000"/>
-                    <a:lumOff val="25000"/>
-                  </a:schemeClr>
-                </a:solidFill>
-              </a:rPr>
-              <a:t>       2009</a:t>
-            </a:r>
-          </a:p>
-          <a:p>
-            <a:r>
-              <a:rPr lang="de-DE" dirty="0" err="1"/>
-              <a:t>Wuertz</a:t>
-            </a:r>
-            <a:r>
-              <a:rPr lang="de-DE" dirty="0"/>
-              <a:t>, D. et. al.:</a:t>
-            </a:r>
-            <a:br>
-              <a:rPr lang="de-DE" dirty="0"/>
-            </a:br>
-            <a:r>
-              <a:rPr lang="de-DE" sz="1400" dirty="0">
-                <a:solidFill>
-                  <a:schemeClr val="tx1">
-                    <a:lumMod val="75000"/>
-                    <a:lumOff val="25000"/>
-                  </a:schemeClr>
-                </a:solidFill>
-              </a:rPr>
-              <a:t>Package „</a:t>
-            </a:r>
-            <a:r>
-              <a:rPr lang="de-DE" sz="1400" dirty="0" err="1">
-                <a:solidFill>
-                  <a:schemeClr val="tx1">
-                    <a:lumMod val="75000"/>
-                    <a:lumOff val="25000"/>
-                  </a:schemeClr>
-                </a:solidFill>
-              </a:rPr>
-              <a:t>fGarch</a:t>
-            </a:r>
-            <a:r>
-              <a:rPr lang="de-DE" sz="1400" dirty="0">
-                <a:solidFill>
-                  <a:schemeClr val="tx1">
-                    <a:lumMod val="75000"/>
-                    <a:lumOff val="25000"/>
-                  </a:schemeClr>
-                </a:solidFill>
-              </a:rPr>
-              <a:t>“</a:t>
-            </a:r>
-            <a:br>
-              <a:rPr lang="de-DE" sz="1400" dirty="0">
-                <a:solidFill>
-                  <a:schemeClr val="tx1">
-                    <a:lumMod val="75000"/>
-                    <a:lumOff val="25000"/>
-                  </a:schemeClr>
-                </a:solidFill>
-              </a:rPr>
-            </a:br>
-            <a:r>
-              <a:rPr lang="de-DE" sz="1400" dirty="0">
-                <a:solidFill>
-                  <a:schemeClr val="tx1">
-                    <a:lumMod val="75000"/>
-                    <a:lumOff val="25000"/>
-                  </a:schemeClr>
-                </a:solidFill>
-              </a:rPr>
-              <a:t>2017</a:t>
-            </a:r>
-          </a:p>
-          <a:p>
-            <a:endParaRPr lang="de-DE" sz="1400" dirty="0">
-              <a:solidFill>
-                <a:schemeClr val="tx1">
-                  <a:lumMod val="75000"/>
-                  <a:lumOff val="25000"/>
-                </a:schemeClr>
-              </a:solidFill>
-            </a:endParaRPr>
-          </a:p>
-        </p:txBody>
-      </p:sp>
-      <p:sp>
-        <p:nvSpPr>
-          <p:cNvPr id="4" name="Datumsplatzhalter 3"/>
-          <p:cNvSpPr>
-            <a:spLocks noGrp="1"/>
-          </p:cNvSpPr>
-          <p:nvPr>
-            <p:ph type="dt" sz="half" idx="10"/>
+            <a:fld id="{19A0FC43-5E73-44C2-BFDB-9FAD1E8FED0E}" type="datetime1">
+              <a:rPr lang="de-DE" smtClean="0"/>
+              <a:pPr/>
+              <a:t>06.08.18</a:t>
+            </a:fld>
+            <a:endParaRPr lang="de-DE"/>
+          </a:p>
+        </p:txBody>
+      </p:sp>
+      <p:sp>
+        <p:nvSpPr>
+          <p:cNvPr id="4" name="Fußzeilenplatzhalter 3"/>
+          <p:cNvSpPr>
+            <a:spLocks noGrp="1"/>
+          </p:cNvSpPr>
+          <p:nvPr>
+            <p:ph type="ftr" sz="quarter" idx="11"/>
           </p:nvPr>
         </p:nvSpPr>
         <p:spPr/>
@@ -19752,40 +19819,17 @@
           <a:bodyPr/>
           <a:lstStyle/>
           <a:p>
-            <a:fld id="{6DB845E5-DACF-426C-8A10-A6438D29DD66}" type="datetime1">
-              <a:rPr lang="de-DE" smtClean="0"/>
-              <a:pPr/>
-              <a:t>06.08.2018</a:t>
-            </a:fld>
-            <a:endParaRPr lang="de-DE"/>
-          </a:p>
-        </p:txBody>
-      </p:sp>
-      <p:sp>
-        <p:nvSpPr>
-          <p:cNvPr id="5" name="Fußzeilenplatzhalter 4"/>
-          <p:cNvSpPr>
-            <a:spLocks noGrp="1"/>
-          </p:cNvSpPr>
-          <p:nvPr>
-            <p:ph type="ftr" sz="quarter" idx="11"/>
-          </p:nvPr>
-        </p:nvSpPr>
-        <p:spPr/>
-        <p:txBody>
-          <a:bodyPr/>
-          <a:lstStyle/>
-          <a:p>
-            <a:r>
-              <a:rPr lang="de-DE" dirty="0"/>
-              <a:t>Time Series Analysis– Sommersemester 2018</a:t>
-            </a:r>
-          </a:p>
-        </p:txBody>
-      </p:sp>
-      <p:sp>
-        <p:nvSpPr>
-          <p:cNvPr id="6" name="Foliennummernplatzhalter 5"/>
+            <a:r>
+              <a:rPr lang="de-DE"/>
+              <a:t>Structural Equation Modelling – Wintersemester 2017/2018</a:t>
+            </a:r>
+            <a:endParaRPr lang="de-DE" dirty="0"/>
+          </a:p>
+        </p:txBody>
+      </p:sp>
+      <p:sp>
+        <p:nvSpPr>
+          <p:cNvPr id="5" name="Foliennummernplatzhalter 4"/>
           <p:cNvSpPr>
             <a:spLocks noGrp="1"/>
           </p:cNvSpPr>
@@ -19807,10 +19851,32 @@
           </a:p>
         </p:txBody>
       </p:sp>
+      <p:sp>
+        <p:nvSpPr>
+          <p:cNvPr id="6" name="Textplatzhalter 5"/>
+          <p:cNvSpPr>
+            <a:spLocks noGrp="1"/>
+          </p:cNvSpPr>
+          <p:nvPr>
+            <p:ph type="body" sz="quarter" idx="13"/>
+          </p:nvPr>
+        </p:nvSpPr>
+        <p:spPr/>
+        <p:txBody>
+          <a:bodyPr/>
+          <a:lstStyle/>
+          <a:p>
+            <a:r>
+              <a:rPr lang="de-DE" dirty="0"/>
+              <a:t>Fragen?</a:t>
+            </a:r>
+          </a:p>
+        </p:txBody>
+      </p:sp>
     </p:spTree>
     <p:extLst>
       <p:ext uri="{BB962C8B-B14F-4D97-AF65-F5344CB8AC3E}">
-        <p14:creationId xmlns:p14="http://schemas.microsoft.com/office/powerpoint/2010/main" val="430762112"/>
+        <p14:creationId xmlns:p14="http://schemas.microsoft.com/office/powerpoint/2010/main" val="121839908"/>
       </p:ext>
     </p:extLst>
   </p:cSld>
@@ -19991,7 +20057,7 @@
             <a:fld id="{6DB845E5-DACF-426C-8A10-A6438D29DD66}" type="datetime1">
               <a:rPr lang="de-DE" smtClean="0"/>
               <a:pPr/>
-              <a:t>06.08.2018</a:t>
+              <a:t>06.08.18</a:t>
             </a:fld>
             <a:endParaRPr lang="de-DE"/>
           </a:p>
@@ -20168,7 +20234,7 @@
             <a:fld id="{6DB845E5-DACF-426C-8A10-A6438D29DD66}" type="datetime1">
               <a:rPr lang="de-DE" smtClean="0"/>
               <a:pPr/>
-              <a:t>06.08.2018</a:t>
+              <a:t>06.08.18</a:t>
             </a:fld>
             <a:endParaRPr lang="de-DE"/>
           </a:p>
@@ -20377,7 +20443,7 @@
             <a:fld id="{6DB845E5-DACF-426C-8A10-A6438D29DD66}" type="datetime1">
               <a:rPr lang="de-DE" smtClean="0"/>
               <a:pPr/>
-              <a:t>06.08.2018</a:t>
+              <a:t>06.08.18</a:t>
             </a:fld>
             <a:endParaRPr lang="de-DE"/>
           </a:p>
@@ -20487,14 +20553,6 @@
   <p:clrMapOvr>
     <a:masterClrMapping/>
   </p:clrMapOvr>
-  <mc:AlternateContent xmlns:mc="http://schemas.openxmlformats.org/markup-compatibility/2006">
-    <mc:Choice xmlns:p14="http://schemas.microsoft.com/office/powerpoint/2010/main" Requires="p14">
-      <p:transition spd="slow" p14:dur="2000"/>
-    </mc:Choice>
-    <mc:Fallback>
-      <p:transition spd="slow"/>
-    </mc:Fallback>
-  </mc:AlternateContent>
 </p:sld>
 </file>
 
@@ -20691,7 +20749,7 @@
             <a:fld id="{6DB845E5-DACF-426C-8A10-A6438D29DD66}" type="datetime1">
               <a:rPr lang="de-DE" smtClean="0"/>
               <a:pPr/>
-              <a:t>06.08.2018</a:t>
+              <a:t>06.08.18</a:t>
             </a:fld>
             <a:endParaRPr lang="de-DE"/>
           </a:p>
@@ -20984,7 +21042,7 @@
             <a:fld id="{6DB845E5-DACF-426C-8A10-A6438D29DD66}" type="datetime1">
               <a:rPr lang="de-DE" smtClean="0"/>
               <a:pPr/>
-              <a:t>06.08.2018</a:t>
+              <a:t>06.08.18</a:t>
             </a:fld>
             <a:endParaRPr lang="de-DE"/>
           </a:p>
@@ -21148,7 +21206,7 @@
             <a:fld id="{12CE0ACD-0B71-463F-9507-4095300257BC}" type="datetime1">
               <a:rPr lang="de-DE" smtClean="0"/>
               <a:pPr/>
-              <a:t>06.08.2018</a:t>
+              <a:t>06.08.18</a:t>
             </a:fld>
             <a:endParaRPr lang="de-DE"/>
           </a:p>
@@ -21921,7 +21979,7 @@
                   <a:schemeClr val="bg1"/>
                 </a:solidFill>
               </a:rPr>
-              <a:t>ARCH/GARCH-Model</a:t>
+              <a:t>ARCH/GARCH-Modell</a:t>
             </a:r>
           </a:p>
         </p:txBody>
@@ -21950,28 +22008,8 @@
           <a:p>
             <a:pPr algn="ctr"/>
             <a:r>
-              <a:rPr lang="de-DE" sz="1400" dirty="0" err="1"/>
-              <a:t>Choose</a:t>
-            </a:r>
-            <a:r>
               <a:rPr lang="de-DE" sz="1400" dirty="0"/>
-              <a:t> Model </a:t>
-            </a:r>
-            <a:r>
-              <a:rPr lang="de-DE" sz="1400" dirty="0" err="1"/>
-              <a:t>with</a:t>
-            </a:r>
-            <a:r>
-              <a:rPr lang="de-DE" sz="1400" dirty="0"/>
-              <a:t> </a:t>
-            </a:r>
-            <a:r>
-              <a:rPr lang="de-DE" sz="1400" dirty="0" err="1"/>
-              <a:t>highest</a:t>
-            </a:r>
-            <a:r>
-              <a:rPr lang="de-DE" sz="1400" dirty="0"/>
-              <a:t> BIC</a:t>
+              <a:t>Wähle Modell mit höchstem BIC</a:t>
             </a:r>
           </a:p>
           <a:p>
@@ -23233,7 +23271,7 @@
             <a:fld id="{6DB845E5-DACF-426C-8A10-A6438D29DD66}" type="datetime1">
               <a:rPr lang="de-DE" smtClean="0"/>
               <a:pPr/>
-              <a:t>06.08.2018</a:t>
+              <a:t>06.08.18</a:t>
             </a:fld>
             <a:endParaRPr lang="de-DE"/>
           </a:p>

--- a/presentation/tsa_presentation_final.pptx
+++ b/presentation/tsa_presentation_final.pptx
@@ -248,7 +248,7 @@
             <a:fld id="{8A7CD7E6-D14C-4ECF-BE72-9282675AAFCC}" type="datetimeFigureOut">
               <a:rPr lang="de-DE" smtClean="0"/>
               <a:pPr/>
-              <a:t>06.08.18</a:t>
+              <a:t>06.08.2018</a:t>
             </a:fld>
             <a:endParaRPr lang="de-DE"/>
           </a:p>
@@ -315,7 +315,7 @@
             <a:fld id="{7119B856-22C7-4D3D-8424-185753AB3E24}" type="slidenum">
               <a:rPr lang="de-DE" smtClean="0"/>
               <a:pPr/>
-              <a:t>‹#›</a:t>
+              <a:t>‹Nr.›</a:t>
             </a:fld>
             <a:endParaRPr lang="de-DE"/>
           </a:p>
@@ -415,7 +415,7 @@
             <a:fld id="{9DEF7BA6-6945-4979-A31E-1F3FA0D91DC4}" type="datetimeFigureOut">
               <a:rPr lang="de-DE" smtClean="0"/>
               <a:pPr/>
-              <a:t>06.08.18</a:t>
+              <a:t>06.08.2018</a:t>
             </a:fld>
             <a:endParaRPr lang="de-DE"/>
           </a:p>
@@ -576,7 +576,7 @@
             <a:fld id="{6706D1AF-4C0D-4753-9D96-DDC1A4BC5412}" type="slidenum">
               <a:rPr lang="de-DE" smtClean="0"/>
               <a:pPr/>
-              <a:t>‹#›</a:t>
+              <a:t>‹Nr.›</a:t>
             </a:fld>
             <a:endParaRPr lang="de-DE"/>
           </a:p>
@@ -3271,7 +3271,7 @@
             <a:fld id="{C6F490E5-6BD8-4297-ACA2-2AC87192B70F}" type="datetime1">
               <a:rPr lang="de-DE" smtClean="0"/>
               <a:pPr/>
-              <a:t>06.08.18</a:t>
+              <a:t>06.08.2018</a:t>
             </a:fld>
             <a:endParaRPr lang="de-DE"/>
           </a:p>
@@ -3295,7 +3295,7 @@
             <a:fld id="{015363AA-F6CB-4A58-B5AD-B2CDFEAF0813}" type="slidenum">
               <a:rPr lang="de-DE" smtClean="0"/>
               <a:pPr/>
-              <a:t>‹#›</a:t>
+              <a:t>‹Nr.›</a:t>
             </a:fld>
             <a:endParaRPr lang="de-DE"/>
           </a:p>
@@ -3571,7 +3571,7 @@
             <a:fld id="{18321833-73FA-4B7B-8368-585F78905B8E}" type="datetime1">
               <a:rPr lang="de-DE" smtClean="0"/>
               <a:pPr/>
-              <a:t>06.08.18</a:t>
+              <a:t>06.08.2018</a:t>
             </a:fld>
             <a:endParaRPr lang="de-DE"/>
           </a:p>
@@ -3617,7 +3617,7 @@
             <a:fld id="{015363AA-F6CB-4A58-B5AD-B2CDFEAF0813}" type="slidenum">
               <a:rPr lang="de-DE" smtClean="0"/>
               <a:pPr/>
-              <a:t>‹#›</a:t>
+              <a:t>‹Nr.›</a:t>
             </a:fld>
             <a:endParaRPr lang="de-DE"/>
           </a:p>
@@ -3688,7 +3688,7 @@
             <a:fld id="{3E1C52E8-7F49-4B86-AEB2-23BC7104D5B2}" type="datetime1">
               <a:rPr lang="de-DE" smtClean="0"/>
               <a:pPr/>
-              <a:t>06.08.18</a:t>
+              <a:t>06.08.2018</a:t>
             </a:fld>
             <a:endParaRPr lang="de-DE"/>
           </a:p>
@@ -3734,7 +3734,7 @@
             <a:fld id="{015363AA-F6CB-4A58-B5AD-B2CDFEAF0813}" type="slidenum">
               <a:rPr lang="de-DE" smtClean="0"/>
               <a:pPr/>
-              <a:t>‹#›</a:t>
+              <a:t>‹Nr.›</a:t>
             </a:fld>
             <a:endParaRPr lang="de-DE"/>
           </a:p>
@@ -3952,7 +3952,7 @@
             <a:fld id="{3E1C52E8-7F49-4B86-AEB2-23BC7104D5B2}" type="datetime1">
               <a:rPr lang="de-DE" smtClean="0"/>
               <a:pPr/>
-              <a:t>06.08.18</a:t>
+              <a:t>06.08.2018</a:t>
             </a:fld>
             <a:endParaRPr lang="de-DE"/>
           </a:p>
@@ -3998,7 +3998,7 @@
             <a:fld id="{015363AA-F6CB-4A58-B5AD-B2CDFEAF0813}" type="slidenum">
               <a:rPr lang="de-DE" smtClean="0"/>
               <a:pPr/>
-              <a:t>‹#›</a:t>
+              <a:t>‹Nr.›</a:t>
             </a:fld>
             <a:endParaRPr lang="de-DE"/>
           </a:p>
@@ -4654,7 +4654,7 @@
             <a:fld id="{DA5DE712-6C0E-4DF7-B336-AC97213DC93D}" type="datetime1">
               <a:rPr lang="de-DE" smtClean="0"/>
               <a:pPr/>
-              <a:t>06.08.18</a:t>
+              <a:t>06.08.2018</a:t>
             </a:fld>
             <a:endParaRPr lang="de-DE"/>
           </a:p>
@@ -4700,7 +4700,7 @@
             <a:fld id="{015363AA-F6CB-4A58-B5AD-B2CDFEAF0813}" type="slidenum">
               <a:rPr lang="de-DE" smtClean="0"/>
               <a:pPr/>
-              <a:t>‹#›</a:t>
+              <a:t>‹Nr.›</a:t>
             </a:fld>
             <a:endParaRPr lang="de-DE"/>
           </a:p>
@@ -5217,7 +5217,7 @@
             <a:fld id="{DA5DE712-6C0E-4DF7-B336-AC97213DC93D}" type="datetime1">
               <a:rPr lang="de-DE" smtClean="0"/>
               <a:pPr/>
-              <a:t>06.08.18</a:t>
+              <a:t>06.08.2018</a:t>
             </a:fld>
             <a:endParaRPr lang="de-DE"/>
           </a:p>
@@ -5263,7 +5263,7 @@
             <a:fld id="{015363AA-F6CB-4A58-B5AD-B2CDFEAF0813}" type="slidenum">
               <a:rPr lang="de-DE" smtClean="0"/>
               <a:pPr/>
-              <a:t>‹#›</a:t>
+              <a:t>‹Nr.›</a:t>
             </a:fld>
             <a:endParaRPr lang="de-DE"/>
           </a:p>
@@ -5520,7 +5520,7 @@
             <a:fld id="{19A0FC43-5E73-44C2-BFDB-9FAD1E8FED0E}" type="datetime1">
               <a:rPr lang="de-DE" smtClean="0"/>
               <a:pPr/>
-              <a:t>06.08.18</a:t>
+              <a:t>06.08.2018</a:t>
             </a:fld>
             <a:endParaRPr lang="de-DE"/>
           </a:p>
@@ -5566,7 +5566,7 @@
             <a:fld id="{015363AA-F6CB-4A58-B5AD-B2CDFEAF0813}" type="slidenum">
               <a:rPr lang="de-DE" smtClean="0"/>
               <a:pPr/>
-              <a:t>‹#›</a:t>
+              <a:t>‹Nr.›</a:t>
             </a:fld>
             <a:endParaRPr lang="de-DE"/>
           </a:p>
@@ -5797,7 +5797,7 @@
             <a:fld id="{065E8A4D-8D16-457C-AFD8-844AF28C1B14}" type="datetime1">
               <a:rPr lang="de-DE" smtClean="0"/>
               <a:pPr/>
-              <a:t>06.08.18</a:t>
+              <a:t>06.08.2018</a:t>
             </a:fld>
             <a:endParaRPr lang="de-DE"/>
           </a:p>
@@ -5843,7 +5843,7 @@
             <a:fld id="{015363AA-F6CB-4A58-B5AD-B2CDFEAF0813}" type="slidenum">
               <a:rPr lang="de-DE" smtClean="0"/>
               <a:pPr/>
-              <a:t>‹#›</a:t>
+              <a:t>‹Nr.›</a:t>
             </a:fld>
             <a:endParaRPr lang="de-DE"/>
           </a:p>
@@ -5999,7 +5999,7 @@
             <a:fld id="{6DB845E5-DACF-426C-8A10-A6438D29DD66}" type="datetime1">
               <a:rPr lang="de-DE" smtClean="0"/>
               <a:pPr/>
-              <a:t>06.08.18</a:t>
+              <a:t>06.08.2018</a:t>
             </a:fld>
             <a:endParaRPr lang="de-DE"/>
           </a:p>
@@ -6045,7 +6045,7 @@
             <a:fld id="{015363AA-F6CB-4A58-B5AD-B2CDFEAF0813}" type="slidenum">
               <a:rPr lang="de-DE" smtClean="0"/>
               <a:pPr/>
-              <a:t>‹#›</a:t>
+              <a:t>‹Nr.›</a:t>
             </a:fld>
             <a:endParaRPr lang="de-DE"/>
           </a:p>
@@ -6304,7 +6304,7 @@
             <a:fld id="{CA605C2C-549A-4615-A3C1-D5E9E9947B76}" type="datetime1">
               <a:rPr lang="de-DE" smtClean="0"/>
               <a:pPr/>
-              <a:t>06.08.18</a:t>
+              <a:t>06.08.2018</a:t>
             </a:fld>
             <a:endParaRPr lang="de-DE"/>
           </a:p>
@@ -6350,7 +6350,7 @@
             <a:fld id="{015363AA-F6CB-4A58-B5AD-B2CDFEAF0813}" type="slidenum">
               <a:rPr lang="de-DE" smtClean="0"/>
               <a:pPr/>
-              <a:t>‹#›</a:t>
+              <a:t>‹Nr.›</a:t>
             </a:fld>
             <a:endParaRPr lang="de-DE"/>
           </a:p>
@@ -6775,7 +6775,7 @@
             <a:fld id="{DA5DE712-6C0E-4DF7-B336-AC97213DC93D}" type="datetime1">
               <a:rPr lang="de-DE" smtClean="0"/>
               <a:pPr/>
-              <a:t>06.08.18</a:t>
+              <a:t>06.08.2018</a:t>
             </a:fld>
             <a:endParaRPr lang="de-DE"/>
           </a:p>
@@ -6821,7 +6821,7 @@
             <a:fld id="{015363AA-F6CB-4A58-B5AD-B2CDFEAF0813}" type="slidenum">
               <a:rPr lang="de-DE" smtClean="0"/>
               <a:pPr/>
-              <a:t>‹#›</a:t>
+              <a:t>‹Nr.›</a:t>
             </a:fld>
             <a:endParaRPr lang="de-DE"/>
           </a:p>
@@ -7246,7 +7246,7 @@
             <a:fld id="{DA5DE712-6C0E-4DF7-B336-AC97213DC93D}" type="datetime1">
               <a:rPr lang="de-DE" smtClean="0"/>
               <a:pPr/>
-              <a:t>06.08.18</a:t>
+              <a:t>06.08.2018</a:t>
             </a:fld>
             <a:endParaRPr lang="de-DE"/>
           </a:p>
@@ -7292,7 +7292,7 @@
             <a:fld id="{015363AA-F6CB-4A58-B5AD-B2CDFEAF0813}" type="slidenum">
               <a:rPr lang="de-DE" smtClean="0"/>
               <a:pPr/>
-              <a:t>‹#›</a:t>
+              <a:t>‹Nr.›</a:t>
             </a:fld>
             <a:endParaRPr lang="de-DE"/>
           </a:p>
@@ -7517,7 +7517,7 @@
             <a:fld id="{12CE0ACD-0B71-463F-9507-4095300257BC}" type="datetime1">
               <a:rPr lang="de-DE" smtClean="0"/>
               <a:pPr/>
-              <a:t>06.08.18</a:t>
+              <a:t>06.08.2018</a:t>
             </a:fld>
             <a:endParaRPr lang="de-DE"/>
           </a:p>
@@ -7563,7 +7563,7 @@
             <a:fld id="{015363AA-F6CB-4A58-B5AD-B2CDFEAF0813}" type="slidenum">
               <a:rPr lang="de-DE" smtClean="0"/>
               <a:pPr/>
-              <a:t>‹#›</a:t>
+              <a:t>‹Nr.›</a:t>
             </a:fld>
             <a:endParaRPr lang="de-DE"/>
           </a:p>
@@ -7660,7 +7660,7 @@
             <a:fld id="{89026A34-A4A3-4CC2-B452-9E4A0F73B38C}" type="datetime1">
               <a:rPr lang="de-DE" smtClean="0"/>
               <a:pPr/>
-              <a:t>06.08.18</a:t>
+              <a:t>06.08.2018</a:t>
             </a:fld>
             <a:endParaRPr lang="de-DE"/>
           </a:p>
@@ -7706,7 +7706,7 @@
             <a:fld id="{015363AA-F6CB-4A58-B5AD-B2CDFEAF0813}" type="slidenum">
               <a:rPr lang="de-DE" smtClean="0"/>
               <a:pPr/>
-              <a:t>‹#›</a:t>
+              <a:t>‹Nr.›</a:t>
             </a:fld>
             <a:endParaRPr lang="de-DE"/>
           </a:p>
@@ -7938,7 +7938,7 @@
             <a:fld id="{D509922F-D4D2-4984-9115-CE10B66F29DF}" type="datetime1">
               <a:rPr lang="de-DE" smtClean="0"/>
               <a:pPr/>
-              <a:t>06.08.18</a:t>
+              <a:t>06.08.2018</a:t>
             </a:fld>
             <a:endParaRPr lang="de-DE"/>
           </a:p>
@@ -7984,7 +7984,7 @@
             <a:fld id="{015363AA-F6CB-4A58-B5AD-B2CDFEAF0813}" type="slidenum">
               <a:rPr lang="de-DE" smtClean="0"/>
               <a:pPr/>
-              <a:t>‹#›</a:t>
+              <a:t>‹Nr.›</a:t>
             </a:fld>
             <a:endParaRPr lang="de-DE"/>
           </a:p>
@@ -8256,7 +8256,7 @@
             <a:fld id="{9624F9CC-0A0D-4C8D-81F7-82F64A12AE8F}" type="datetime1">
               <a:rPr lang="de-DE" smtClean="0"/>
               <a:pPr/>
-              <a:t>06.08.18</a:t>
+              <a:t>06.08.2018</a:t>
             </a:fld>
             <a:endParaRPr lang="de-DE"/>
           </a:p>
@@ -8344,7 +8344,7 @@
             <a:fld id="{015363AA-F6CB-4A58-B5AD-B2CDFEAF0813}" type="slidenum">
               <a:rPr lang="de-DE" smtClean="0"/>
               <a:pPr/>
-              <a:t>‹#›</a:t>
+              <a:t>‹Nr.›</a:t>
             </a:fld>
             <a:endParaRPr lang="de-DE"/>
           </a:p>
@@ -8785,6 +8785,13 @@
   <p:clrMapOvr>
     <a:masterClrMapping/>
   </p:clrMapOvr>
+  <p:timing>
+    <p:tnLst>
+      <p:par>
+        <p:cTn id="1" dur="indefinite" restart="never" nodeType="tmRoot"/>
+      </p:par>
+    </p:tnLst>
+  </p:timing>
 </p:sld>
 </file>
 
@@ -9922,7 +9929,7 @@
             <a:fld id="{DA5DE712-6C0E-4DF7-B336-AC97213DC93D}" type="datetime1">
               <a:rPr lang="de-DE" smtClean="0"/>
               <a:pPr/>
-              <a:t>06.08.18</a:t>
+              <a:t>06.08.2018</a:t>
             </a:fld>
             <a:endParaRPr lang="de-DE"/>
           </a:p>
@@ -9974,8 +9981,8 @@
           </a:p>
         </p:txBody>
       </p:sp>
-      <mc:AlternateContent xmlns:mc="http://schemas.openxmlformats.org/markup-compatibility/2006">
-        <mc:Choice xmlns:a14="http://schemas.microsoft.com/office/drawing/2010/main" Requires="a14">
+      <mc:AlternateContent xmlns:mc="http://schemas.openxmlformats.org/markup-compatibility/2006" xmlns:a14="http://schemas.microsoft.com/office/drawing/2010/main">
+        <mc:Choice Requires="a14">
           <p:sp>
             <p:nvSpPr>
               <p:cNvPr id="10" name="Inhaltsplatzhalter 9"/>
@@ -10459,7 +10466,7 @@
             </p:txBody>
           </p:sp>
         </mc:Choice>
-        <mc:Fallback>
+        <mc:Fallback xmlns="">
           <p:sp>
             <p:nvSpPr>
               <p:cNvPr id="10" name="Inhaltsplatzhalter 9"/>
@@ -10613,6 +10620,13 @@
   <p:clrMapOvr>
     <a:masterClrMapping/>
   </p:clrMapOvr>
+  <p:timing>
+    <p:tnLst>
+      <p:par>
+        <p:cTn id="1" dur="indefinite" restart="never" nodeType="tmRoot"/>
+      </p:par>
+    </p:tnLst>
+  </p:timing>
 </p:sld>
 </file>
 
@@ -12276,7 +12290,7 @@
             <a:fld id="{DA5DE712-6C0E-4DF7-B336-AC97213DC93D}" type="datetime1">
               <a:rPr lang="de-DE" smtClean="0"/>
               <a:pPr/>
-              <a:t>06.08.18</a:t>
+              <a:t>06.08.2018</a:t>
             </a:fld>
             <a:endParaRPr lang="de-DE"/>
           </a:p>
@@ -12507,6 +12521,13 @@
   <p:clrMapOvr>
     <a:masterClrMapping/>
   </p:clrMapOvr>
+  <p:timing>
+    <p:tnLst>
+      <p:par>
+        <p:cTn id="1" dur="indefinite" restart="never" nodeType="tmRoot"/>
+      </p:par>
+    </p:tnLst>
+  </p:timing>
 </p:sld>
 </file>
 
@@ -14177,7 +14198,7 @@
             <a:fld id="{DA5DE712-6C0E-4DF7-B336-AC97213DC93D}" type="datetime1">
               <a:rPr lang="de-DE" smtClean="0"/>
               <a:pPr/>
-              <a:t>06.08.18</a:t>
+              <a:t>06.08.2018</a:t>
             </a:fld>
             <a:endParaRPr lang="de-DE"/>
           </a:p>
@@ -14523,6 +14544,13 @@
   <p:clrMapOvr>
     <a:masterClrMapping/>
   </p:clrMapOvr>
+  <p:timing>
+    <p:tnLst>
+      <p:par>
+        <p:cTn id="1" dur="indefinite" restart="never" nodeType="tmRoot"/>
+      </p:par>
+    </p:tnLst>
+  </p:timing>
 </p:sld>
 </file>
 
@@ -16258,7 +16286,7 @@
             <a:fld id="{DA5DE712-6C0E-4DF7-B336-AC97213DC93D}" type="datetime1">
               <a:rPr lang="de-DE" smtClean="0"/>
               <a:pPr/>
-              <a:t>06.08.18</a:t>
+              <a:t>06.08.2018</a:t>
             </a:fld>
             <a:endParaRPr lang="de-DE"/>
           </a:p>
@@ -16533,6 +16561,13 @@
   <p:clrMapOvr>
     <a:masterClrMapping/>
   </p:clrMapOvr>
+  <p:timing>
+    <p:tnLst>
+      <p:par>
+        <p:cTn id="1" dur="indefinite" restart="never" nodeType="tmRoot"/>
+      </p:par>
+    </p:tnLst>
+  </p:timing>
 </p:sld>
 </file>
 
@@ -16605,7 +16640,7 @@
             <a:fld id="{12CE0ACD-0B71-463F-9507-4095300257BC}" type="datetime1">
               <a:rPr lang="de-DE" smtClean="0"/>
               <a:pPr/>
-              <a:t>06.08.18</a:t>
+              <a:t>06.08.2018</a:t>
             </a:fld>
             <a:endParaRPr lang="de-DE"/>
           </a:p>
@@ -17005,6 +17040,13 @@
   <p:clrMapOvr>
     <a:masterClrMapping/>
   </p:clrMapOvr>
+  <p:timing>
+    <p:tnLst>
+      <p:par>
+        <p:cTn id="1" dur="indefinite" restart="never" nodeType="tmRoot"/>
+      </p:par>
+    </p:tnLst>
+  </p:timing>
 </p:sld>
 </file>
 
@@ -17077,7 +17119,7 @@
             <a:fld id="{12CE0ACD-0B71-463F-9507-4095300257BC}" type="datetime1">
               <a:rPr lang="de-DE" smtClean="0"/>
               <a:pPr/>
-              <a:t>06.08.18</a:t>
+              <a:t>06.08.2018</a:t>
             </a:fld>
             <a:endParaRPr lang="de-DE"/>
           </a:p>
@@ -17583,6 +17625,13 @@
   <p:clrMapOvr>
     <a:masterClrMapping/>
   </p:clrMapOvr>
+  <p:timing>
+    <p:tnLst>
+      <p:par>
+        <p:cTn id="1" dur="indefinite" restart="never" nodeType="tmRoot"/>
+      </p:par>
+    </p:tnLst>
+  </p:timing>
 </p:sld>
 </file>
 
@@ -17655,7 +17704,7 @@
             <a:fld id="{12CE0ACD-0B71-463F-9507-4095300257BC}" type="datetime1">
               <a:rPr lang="de-DE" smtClean="0"/>
               <a:pPr/>
-              <a:t>06.08.18</a:t>
+              <a:t>06.08.2018</a:t>
             </a:fld>
             <a:endParaRPr lang="de-DE"/>
           </a:p>
@@ -17944,6 +17993,13 @@
   <p:clrMapOvr>
     <a:masterClrMapping/>
   </p:clrMapOvr>
+  <p:timing>
+    <p:tnLst>
+      <p:par>
+        <p:cTn id="1" dur="indefinite" restart="never" nodeType="tmRoot"/>
+      </p:par>
+    </p:tnLst>
+  </p:timing>
 </p:sld>
 </file>
 
@@ -18018,7 +18074,7 @@
             <a:fld id="{12CE0ACD-0B71-463F-9507-4095300257BC}" type="datetime1">
               <a:rPr lang="de-DE" smtClean="0"/>
               <a:pPr/>
-              <a:t>06.08.18</a:t>
+              <a:t>06.08.2018</a:t>
             </a:fld>
             <a:endParaRPr lang="de-DE"/>
           </a:p>
@@ -18164,6 +18220,13 @@
   <p:clrMapOvr>
     <a:masterClrMapping/>
   </p:clrMapOvr>
+  <p:timing>
+    <p:tnLst>
+      <p:par>
+        <p:cTn id="1" dur="indefinite" restart="never" nodeType="tmRoot"/>
+      </p:par>
+    </p:tnLst>
+  </p:timing>
 </p:sld>
 </file>
 
@@ -18306,7 +18369,7 @@
             <a:fld id="{D509922F-D4D2-4984-9115-CE10B66F29DF}" type="datetime1">
               <a:rPr lang="de-DE" smtClean="0"/>
               <a:pPr/>
-              <a:t>06.08.18</a:t>
+              <a:t>06.08.2018</a:t>
             </a:fld>
             <a:endParaRPr lang="de-DE"/>
           </a:p>
@@ -18411,6 +18474,13 @@
   <p:clrMapOvr>
     <a:masterClrMapping/>
   </p:clrMapOvr>
+  <p:timing>
+    <p:tnLst>
+      <p:par>
+        <p:cTn id="1" dur="indefinite" restart="never" nodeType="tmRoot"/>
+      </p:par>
+    </p:tnLst>
+  </p:timing>
 </p:sld>
 </file>
 
@@ -18518,7 +18588,7 @@
             <a:fld id="{D509922F-D4D2-4984-9115-CE10B66F29DF}" type="datetime1">
               <a:rPr lang="de-DE" smtClean="0"/>
               <a:pPr/>
-              <a:t>06.08.18</a:t>
+              <a:t>06.08.2018</a:t>
             </a:fld>
             <a:endParaRPr lang="de-DE"/>
           </a:p>
@@ -18658,6 +18728,13 @@
   <p:clrMapOvr>
     <a:masterClrMapping/>
   </p:clrMapOvr>
+  <p:timing>
+    <p:tnLst>
+      <p:par>
+        <p:cTn id="1" dur="indefinite" restart="never" nodeType="tmRoot"/>
+      </p:par>
+    </p:tnLst>
+  </p:timing>
 </p:sld>
 </file>
 
@@ -18869,7 +18946,7 @@
             <a:fld id="{6DB845E5-DACF-426C-8A10-A6438D29DD66}" type="datetime1">
               <a:rPr lang="de-DE" smtClean="0"/>
               <a:pPr/>
-              <a:t>06.08.18</a:t>
+              <a:t>06.08.2018</a:t>
             </a:fld>
             <a:endParaRPr lang="de-DE"/>
           </a:p>
@@ -18931,6 +19008,13 @@
   <p:clrMapOvr>
     <a:masterClrMapping/>
   </p:clrMapOvr>
+  <p:timing>
+    <p:tnLst>
+      <p:par>
+        <p:cTn id="1" dur="indefinite" restart="never" nodeType="tmRoot"/>
+      </p:par>
+    </p:tnLst>
+  </p:timing>
 </p:sld>
 </file>
 
@@ -19005,7 +19089,7 @@
             <a:fld id="{12CE0ACD-0B71-463F-9507-4095300257BC}" type="datetime1">
               <a:rPr lang="de-DE" smtClean="0"/>
               <a:pPr/>
-              <a:t>06.08.18</a:t>
+              <a:t>06.08.2018</a:t>
             </a:fld>
             <a:endParaRPr lang="de-DE"/>
           </a:p>
@@ -19258,6 +19342,13 @@
   <p:clrMapOvr>
     <a:masterClrMapping/>
   </p:clrMapOvr>
+  <p:timing>
+    <p:tnLst>
+      <p:par>
+        <p:cTn id="1" dur="indefinite" restart="never" nodeType="tmRoot"/>
+      </p:par>
+    </p:tnLst>
+  </p:timing>
 </p:sld>
 </file>
 
@@ -19364,7 +19455,7 @@
             <a:fld id="{6DB845E5-DACF-426C-8A10-A6438D29DD66}" type="datetime1">
               <a:rPr lang="de-DE" smtClean="0"/>
               <a:pPr/>
-              <a:t>06.08.18</a:t>
+              <a:t>06.08.2018</a:t>
             </a:fld>
             <a:endParaRPr lang="de-DE"/>
           </a:p>
@@ -19427,6 +19518,13 @@
   <p:clrMapOvr>
     <a:masterClrMapping/>
   </p:clrMapOvr>
+  <p:timing>
+    <p:tnLst>
+      <p:par>
+        <p:cTn id="1" dur="indefinite" restart="never" nodeType="tmRoot"/>
+      </p:par>
+    </p:tnLst>
+  </p:timing>
 </p:sld>
 </file>
 
@@ -19541,6 +19639,17 @@
               <a:rPr lang="de-DE" dirty="0"/>
               <a:t>, O., Schlegel, A.:</a:t>
             </a:r>
+            <a:r>
+              <a:rPr lang="de-DE" sz="1400" dirty="0">
+                <a:solidFill>
+                  <a:schemeClr val="tx1">
+                    <a:lumMod val="75000"/>
+                    <a:lumOff val="25000"/>
+                  </a:schemeClr>
+                </a:solidFill>
+              </a:rPr>
+              <a:t/>
+            </a:r>
             <a:br>
               <a:rPr lang="de-DE" sz="1400" dirty="0">
                 <a:solidFill>
@@ -19676,7 +19785,7 @@
             <a:fld id="{6DB845E5-DACF-426C-8A10-A6438D29DD66}" type="datetime1">
               <a:rPr lang="de-DE" smtClean="0"/>
               <a:pPr/>
-              <a:t>06.08.18</a:t>
+              <a:t>06.08.2018</a:t>
             </a:fld>
             <a:endParaRPr lang="de-DE"/>
           </a:p>
@@ -19738,6 +19847,13 @@
   <p:clrMapOvr>
     <a:masterClrMapping/>
   </p:clrMapOvr>
+  <p:timing>
+    <p:tnLst>
+      <p:par>
+        <p:cTn id="1" dur="indefinite" restart="never" nodeType="tmRoot"/>
+      </p:par>
+    </p:tnLst>
+  </p:timing>
 </p:sld>
 </file>
 
@@ -19798,7 +19914,7 @@
             <a:fld id="{19A0FC43-5E73-44C2-BFDB-9FAD1E8FED0E}" type="datetime1">
               <a:rPr lang="de-DE" smtClean="0"/>
               <a:pPr/>
-              <a:t>06.08.18</a:t>
+              <a:t>06.08.2018</a:t>
             </a:fld>
             <a:endParaRPr lang="de-DE"/>
           </a:p>
@@ -19883,6 +19999,13 @@
   <p:clrMapOvr>
     <a:masterClrMapping/>
   </p:clrMapOvr>
+  <p:timing>
+    <p:tnLst>
+      <p:par>
+        <p:cTn id="1" dur="indefinite" restart="never" nodeType="tmRoot"/>
+      </p:par>
+    </p:tnLst>
+  </p:timing>
 </p:sld>
 </file>
 
@@ -20057,7 +20180,7 @@
             <a:fld id="{6DB845E5-DACF-426C-8A10-A6438D29DD66}" type="datetime1">
               <a:rPr lang="de-DE" smtClean="0"/>
               <a:pPr/>
-              <a:t>06.08.18</a:t>
+              <a:t>06.08.2018</a:t>
             </a:fld>
             <a:endParaRPr lang="de-DE"/>
           </a:p>
@@ -20131,6 +20254,13 @@
   <p:clrMapOvr>
     <a:masterClrMapping/>
   </p:clrMapOvr>
+  <p:timing>
+    <p:tnLst>
+      <p:par>
+        <p:cTn id="1" dur="indefinite" restart="never" nodeType="tmRoot"/>
+      </p:par>
+    </p:tnLst>
+  </p:timing>
 </p:sld>
 </file>
 
@@ -20234,7 +20364,7 @@
             <a:fld id="{6DB845E5-DACF-426C-8A10-A6438D29DD66}" type="datetime1">
               <a:rPr lang="de-DE" smtClean="0"/>
               <a:pPr/>
-              <a:t>06.08.18</a:t>
+              <a:t>06.08.2018</a:t>
             </a:fld>
             <a:endParaRPr lang="de-DE"/>
           </a:p>
@@ -20343,11 +20473,18 @@
   <p:clrMapOvr>
     <a:masterClrMapping/>
   </p:clrMapOvr>
+  <p:timing>
+    <p:tnLst>
+      <p:par>
+        <p:cTn id="1" dur="indefinite" restart="never" nodeType="tmRoot"/>
+      </p:par>
+    </p:tnLst>
+  </p:timing>
 </p:sld>
 </file>
 
 <file path=ppt/slides/slide5.xml><?xml version="1.0" encoding="utf-8"?>
-<p:sld xmlns:a="http://schemas.openxmlformats.org/drawingml/2006/main" xmlns:r="http://schemas.openxmlformats.org/officeDocument/2006/relationships" xmlns:p="http://schemas.openxmlformats.org/presentationml/2006/main" show="0">
+<p:sld xmlns:a="http://schemas.openxmlformats.org/drawingml/2006/main" xmlns:r="http://schemas.openxmlformats.org/officeDocument/2006/relationships" xmlns:p="http://schemas.openxmlformats.org/presentationml/2006/main">
   <p:cSld>
     <p:spTree>
       <p:nvGrpSpPr>
@@ -20443,7 +20580,7 @@
             <a:fld id="{6DB845E5-DACF-426C-8A10-A6438D29DD66}" type="datetime1">
               <a:rPr lang="de-DE" smtClean="0"/>
               <a:pPr/>
-              <a:t>06.08.18</a:t>
+              <a:t>06.08.2018</a:t>
             </a:fld>
             <a:endParaRPr lang="de-DE"/>
           </a:p>
@@ -20553,6 +20690,21 @@
   <p:clrMapOvr>
     <a:masterClrMapping/>
   </p:clrMapOvr>
+  <mc:AlternateContent xmlns:mc="http://schemas.openxmlformats.org/markup-compatibility/2006">
+    <mc:Choice xmlns:p14="http://schemas.microsoft.com/office/powerpoint/2010/main" Requires="p14">
+      <p:transition spd="slow" p14:dur="2000"/>
+    </mc:Choice>
+    <mc:Fallback>
+      <p:transition spd="slow"/>
+    </mc:Fallback>
+  </mc:AlternateContent>
+  <p:timing>
+    <p:tnLst>
+      <p:par>
+        <p:cTn id="1" dur="indefinite" restart="never" nodeType="tmRoot"/>
+      </p:par>
+    </p:tnLst>
+  </p:timing>
 </p:sld>
 </file>
 
@@ -20749,7 +20901,7 @@
             <a:fld id="{6DB845E5-DACF-426C-8A10-A6438D29DD66}" type="datetime1">
               <a:rPr lang="de-DE" smtClean="0"/>
               <a:pPr/>
-              <a:t>06.08.18</a:t>
+              <a:t>06.08.2018</a:t>
             </a:fld>
             <a:endParaRPr lang="de-DE"/>
           </a:p>
@@ -20853,6 +21005,13 @@
   <p:clrMapOvr>
     <a:masterClrMapping/>
   </p:clrMapOvr>
+  <p:timing>
+    <p:tnLst>
+      <p:par>
+        <p:cTn id="1" dur="indefinite" restart="never" nodeType="tmRoot"/>
+      </p:par>
+    </p:tnLst>
+  </p:timing>
 </p:sld>
 </file>
 
@@ -21042,7 +21201,7 @@
             <a:fld id="{6DB845E5-DACF-426C-8A10-A6438D29DD66}" type="datetime1">
               <a:rPr lang="de-DE" smtClean="0"/>
               <a:pPr/>
-              <a:t>06.08.18</a:t>
+              <a:t>06.08.2018</a:t>
             </a:fld>
             <a:endParaRPr lang="de-DE"/>
           </a:p>
@@ -21146,6 +21305,13 @@
   <p:clrMapOvr>
     <a:masterClrMapping/>
   </p:clrMapOvr>
+  <p:timing>
+    <p:tnLst>
+      <p:par>
+        <p:cTn id="1" dur="indefinite" restart="never" nodeType="tmRoot"/>
+      </p:par>
+    </p:tnLst>
+  </p:timing>
 </p:sld>
 </file>
 
@@ -21206,7 +21372,7 @@
             <a:fld id="{12CE0ACD-0B71-463F-9507-4095300257BC}" type="datetime1">
               <a:rPr lang="de-DE" smtClean="0"/>
               <a:pPr/>
-              <a:t>06.08.18</a:t>
+              <a:t>06.08.2018</a:t>
             </a:fld>
             <a:endParaRPr lang="de-DE"/>
           </a:p>
@@ -22315,6 +22481,13 @@
   <p:clrMapOvr>
     <a:masterClrMapping/>
   </p:clrMapOvr>
+  <p:timing>
+    <p:tnLst>
+      <p:par>
+        <p:cTn id="1" dur="indefinite" restart="never" nodeType="tmRoot"/>
+      </p:par>
+    </p:tnLst>
+  </p:timing>
 </p:sld>
 </file>
 
@@ -23271,7 +23444,7 @@
             <a:fld id="{6DB845E5-DACF-426C-8A10-A6438D29DD66}" type="datetime1">
               <a:rPr lang="de-DE" smtClean="0"/>
               <a:pPr/>
-              <a:t>06.08.18</a:t>
+              <a:t>06.08.2018</a:t>
             </a:fld>
             <a:endParaRPr lang="de-DE"/>
           </a:p>
@@ -23333,6 +23506,13 @@
   <p:clrMapOvr>
     <a:masterClrMapping/>
   </p:clrMapOvr>
+  <p:timing>
+    <p:tnLst>
+      <p:par>
+        <p:cTn id="1" dur="indefinite" restart="never" nodeType="tmRoot"/>
+      </p:par>
+    </p:tnLst>
+  </p:timing>
 </p:sld>
 </file>
 

--- a/presentation/tsa_presentation_final.pptx
+++ b/presentation/tsa_presentation_final.pptx
@@ -3024,22 +3024,28 @@
       </p:sp>
       <p:pic>
         <p:nvPicPr>
-          <p:cNvPr id="9" name="Grafik 8" descr="uds_cs_logo.jpeg"/>
+          <p:cNvPr id="9" name="Grafik 8"/>
           <p:cNvPicPr>
             <a:picLocks noChangeAspect="1"/>
           </p:cNvPicPr>
           <p:nvPr userDrawn="1"/>
         </p:nvPicPr>
         <p:blipFill>
-          <a:blip r:embed="rId3" cstate="print"/>
+          <a:blip r:embed="rId3" cstate="print">
+            <a:extLst>
+              <a:ext uri="{28A0092B-C50C-407E-A947-70E740481C1C}">
+                <a14:useLocalDpi xmlns:a14="http://schemas.microsoft.com/office/drawing/2010/main" val="0"/>
+              </a:ext>
+            </a:extLst>
+          </a:blip>
           <a:stretch>
             <a:fillRect/>
           </a:stretch>
         </p:blipFill>
         <p:spPr>
           <a:xfrm>
-            <a:off x="7452320" y="3939902"/>
-            <a:ext cx="1584176" cy="760859"/>
+            <a:off x="7668344" y="3723878"/>
+            <a:ext cx="1392470" cy="1002579"/>
           </a:xfrm>
           <a:prstGeom prst="rect">
             <a:avLst/>
@@ -8731,8 +8737,12 @@
               </a:spcAft>
             </a:pPr>
             <a:r>
+              <a:rPr lang="de-DE" sz="1200" dirty="0" smtClean="0"/>
+              <a:t>Janis </a:t>
+            </a:r>
+            <a:r>
               <a:rPr lang="de-DE" sz="1200" dirty="0"/>
-              <a:t>Jannis Landwehr, Björn Mohr, Mirco </a:t>
+              <a:t>Landwehr, Björn Mohr, Mirco </a:t>
             </a:r>
             <a:r>
               <a:rPr lang="de-DE" sz="1200" dirty="0" err="1"/>
@@ -12312,10 +12322,9 @@
           <a:lstStyle/>
           <a:p>
             <a:r>
-              <a:rPr lang="de-DE"/>
+              <a:rPr lang="de-DE" dirty="0"/>
               <a:t>Time Series Analysis – Sommersemester 2018</a:t>
             </a:r>
-            <a:endParaRPr lang="de-DE" dirty="0"/>
           </a:p>
         </p:txBody>
       </p:sp>
@@ -18790,7 +18799,7 @@
         <p:spPr/>
         <p:txBody>
           <a:bodyPr>
-            <a:normAutofit lnSpcReduction="10000"/>
+            <a:normAutofit/>
           </a:bodyPr>
           <a:lstStyle/>
           <a:p>
@@ -18850,9 +18859,46 @@
               <a:buAutoNum type="arabicPeriod"/>
             </a:pPr>
             <a:r>
-              <a:rPr lang="de-DE" dirty="0"/>
-              <a:t>Versuchsaufbau</a:t>
-            </a:r>
+              <a:rPr lang="de-DE" dirty="0" smtClean="0"/>
+              <a:t>Versuchsreihe: Datensimulation</a:t>
+            </a:r>
+          </a:p>
+          <a:p>
+            <a:pPr lvl="1">
+              <a:spcAft>
+                <a:spcPts val="600"/>
+              </a:spcAft>
+              <a:buAutoNum type="arabicPeriod"/>
+            </a:pPr>
+            <a:r>
+              <a:rPr lang="de-DE" dirty="0" smtClean="0"/>
+              <a:t>Prozessablauf</a:t>
+            </a:r>
+          </a:p>
+          <a:p>
+            <a:pPr lvl="1">
+              <a:spcAft>
+                <a:spcPts val="600"/>
+              </a:spcAft>
+              <a:buAutoNum type="arabicPeriod"/>
+            </a:pPr>
+            <a:r>
+              <a:rPr lang="de-DE" dirty="0" smtClean="0"/>
+              <a:t>Anmerkungen</a:t>
+            </a:r>
+          </a:p>
+          <a:p>
+            <a:pPr lvl="1">
+              <a:spcAft>
+                <a:spcPts val="600"/>
+              </a:spcAft>
+              <a:buAutoNum type="arabicPeriod"/>
+            </a:pPr>
+            <a:r>
+              <a:rPr lang="de-DE" dirty="0" smtClean="0"/>
+              <a:t>Ergebnisse</a:t>
+            </a:r>
+            <a:endParaRPr lang="de-DE" dirty="0" smtClean="0"/>
           </a:p>
           <a:p>
             <a:pPr>
@@ -18862,9 +18908,10 @@
               <a:buAutoNum type="arabicPeriod"/>
             </a:pPr>
             <a:r>
-              <a:rPr lang="de-DE" dirty="0"/>
-              <a:t>Datensätze</a:t>
-            </a:r>
+              <a:rPr lang="de-DE" dirty="0" smtClean="0"/>
+              <a:t>Versuchsreihe: Dax 30</a:t>
+            </a:r>
+            <a:endParaRPr lang="de-DE" dirty="0"/>
           </a:p>
           <a:p>
             <a:pPr>
@@ -18874,57 +18921,10 @@
               <a:buAutoNum type="arabicPeriod"/>
             </a:pPr>
             <a:r>
-              <a:rPr lang="de-DE" dirty="0"/>
-              <a:t>Modellierung</a:t>
-            </a:r>
-          </a:p>
-          <a:p>
-            <a:pPr lvl="1">
-              <a:spcAft>
-                <a:spcPts val="600"/>
-              </a:spcAft>
-              <a:buAutoNum type="arabicPeriod"/>
-            </a:pPr>
-            <a:r>
-              <a:rPr lang="de-DE" dirty="0"/>
-              <a:t>ARCH-Modelle</a:t>
-            </a:r>
-          </a:p>
-          <a:p>
-            <a:pPr lvl="1">
-              <a:spcAft>
-                <a:spcPts val="600"/>
-              </a:spcAft>
-              <a:buAutoNum type="arabicPeriod"/>
-            </a:pPr>
-            <a:r>
-              <a:rPr lang="de-DE" dirty="0"/>
-              <a:t>GARCH-Modelle</a:t>
-            </a:r>
-          </a:p>
-          <a:p>
-            <a:pPr lvl="1">
-              <a:spcAft>
-                <a:spcPts val="600"/>
-              </a:spcAft>
-              <a:buAutoNum type="arabicPeriod"/>
-            </a:pPr>
-            <a:r>
-              <a:rPr lang="de-DE" dirty="0"/>
-              <a:t>Beispiel GARCH-Vorhersagen </a:t>
-            </a:r>
-          </a:p>
-          <a:p>
-            <a:pPr>
-              <a:spcAft>
-                <a:spcPts val="600"/>
-              </a:spcAft>
-              <a:buAutoNum type="arabicPeriod"/>
-            </a:pPr>
-            <a:r>
-              <a:rPr lang="de-DE" dirty="0"/>
+              <a:rPr lang="de-DE" dirty="0" smtClean="0"/>
               <a:t>Resümee</a:t>
             </a:r>
+            <a:endParaRPr lang="de-DE" dirty="0"/>
           </a:p>
         </p:txBody>
       </p:sp>
@@ -19477,8 +19477,8 @@
           <a:lstStyle/>
           <a:p>
             <a:r>
-              <a:rPr lang="de-DE"/>
-              <a:t>Structural Equation Modelling – Wintersemester 2017/2018</a:t>
+              <a:rPr lang="de-DE" dirty="0"/>
+              <a:t>Time Series Analysis – Sommersemester 2018</a:t>
             </a:r>
             <a:endParaRPr lang="de-DE" dirty="0"/>
           </a:p>
@@ -19808,8 +19808,9 @@
           <a:p>
             <a:r>
               <a:rPr lang="de-DE" dirty="0"/>
-              <a:t>Time Series Analysis– Sommersemester 2018</a:t>
-            </a:r>
+              <a:t>Time Series Analysis – Sommersemester 2018</a:t>
+            </a:r>
+            <a:endParaRPr lang="de-DE" dirty="0"/>
           </a:p>
         </p:txBody>
       </p:sp>
@@ -19936,8 +19937,8 @@
           <a:lstStyle/>
           <a:p>
             <a:r>
-              <a:rPr lang="de-DE"/>
-              <a:t>Structural Equation Modelling – Wintersemester 2017/2018</a:t>
+              <a:rPr lang="de-DE" dirty="0"/>
+              <a:t>Time Series Analysis – Sommersemester 2018</a:t>
             </a:r>
             <a:endParaRPr lang="de-DE" dirty="0"/>
           </a:p>
@@ -20690,11 +20691,11 @@
   <p:clrMapOvr>
     <a:masterClrMapping/>
   </p:clrMapOvr>
-  <mc:AlternateContent xmlns:mc="http://schemas.openxmlformats.org/markup-compatibility/2006">
-    <mc:Choice xmlns:p14="http://schemas.microsoft.com/office/powerpoint/2010/main" Requires="p14">
+  <mc:AlternateContent xmlns:mc="http://schemas.openxmlformats.org/markup-compatibility/2006" xmlns:p14="http://schemas.microsoft.com/office/powerpoint/2010/main">
+    <mc:Choice Requires="p14">
       <p:transition spd="slow" p14:dur="2000"/>
     </mc:Choice>
-    <mc:Fallback>
+    <mc:Fallback xmlns="">
       <p:transition spd="slow"/>
     </mc:Fallback>
   </mc:AlternateContent>

--- a/presentation/tsa_presentation_final.pptx
+++ b/presentation/tsa_presentation_final.pptx
@@ -8886,8 +8886,13 @@
               <a:p>
                 <a:r>
                   <a:rPr lang="de-DE" dirty="0"/>
-                  <a:t>Daten im Zeitreihenkontext mit n = 100000</a:t>
+                  <a:t>Daten im Zeitreihenkontext mit n = </a:t>
                 </a:r>
+                <a:r>
+                  <a:rPr lang="de-DE" dirty="0" smtClean="0"/>
+                  <a:t>100 000</a:t>
+                </a:r>
+                <a:endParaRPr lang="de-DE" dirty="0"/>
               </a:p>
               <a:p>
                 <a14:m>
@@ -9326,8 +9331,13 @@
               <a:p>
                 <a:r>
                   <a:rPr lang="de-DE" dirty="0"/>
-                  <a:t>Daten im Zeitreihenkontext mit n = 100000</a:t>
+                  <a:t>Daten im Zeitreihenkontext mit n = </a:t>
                 </a:r>
+                <a:r>
+                  <a:rPr lang="de-DE" dirty="0" smtClean="0"/>
+                  <a:t>100 000</a:t>
+                </a:r>
+                <a:endParaRPr lang="de-DE" dirty="0"/>
               </a:p>
               <a:p>
                 <a14:m>
@@ -10010,8 +10020,17 @@
               <a:p>
                 <a:r>
                   <a:rPr lang="de-DE" dirty="0"/>
-                  <a:t>Daten im Zeitreihenkontext mit n = 100000</a:t>
+                  <a:t>Daten im Zeitreihenkontext mit n </a:t>
                 </a:r>
+                <a:r>
+                  <a:rPr lang="de-DE"/>
+                  <a:t>= </a:t>
+                </a:r>
+                <a:r>
+                  <a:rPr lang="de-DE" smtClean="0"/>
+                  <a:t>100 000</a:t>
+                </a:r>
+                <a:endParaRPr lang="de-DE" dirty="0"/>
               </a:p>
               <a:p>
                 <a14:m>
@@ -10491,7 +10510,7 @@
               <a:blipFill>
                 <a:blip r:embed="rId5"/>
                 <a:stretch>
-                  <a:fillRect t="-380"/>
+                  <a:fillRect t="-183"/>
                 </a:stretch>
               </a:blipFill>
             </p:spPr>
@@ -18199,7 +18218,7 @@
         <p:spPr>
           <a:xfrm>
             <a:off x="2582001" y="1059582"/>
-            <a:ext cx="4203780" cy="369332"/>
+            <a:ext cx="4256678" cy="369332"/>
           </a:xfrm>
           <a:prstGeom prst="rect">
             <a:avLst/>
@@ -18213,8 +18232,16 @@
           <a:lstStyle/>
           <a:p>
             <a:r>
+              <a:rPr lang="de-DE"/>
+              <a:t>Bestes </a:t>
+            </a:r>
+            <a:r>
+              <a:rPr lang="de-DE" smtClean="0"/>
+              <a:t>Modell </a:t>
+            </a:r>
+            <a:r>
               <a:rPr lang="de-DE" dirty="0"/>
-              <a:t>Bestes Model hinsichtlich AIC : GARCH(1,1)</a:t>
+              <a:t>hinsichtlich AIC : GARCH(1,1)</a:t>
             </a:r>
           </a:p>
         </p:txBody>
@@ -18342,8 +18369,13 @@
             </a:pPr>
             <a:r>
               <a:rPr lang="de-DE" dirty="0"/>
-              <a:t>Keine Autokorrelation der quadrierten standardisierten Residuen des GARCH-Models</a:t>
-            </a:r>
+              <a:t>Keine Autokorrelation der quadrierten standardisierten Residuen des </a:t>
+            </a:r>
+            <a:r>
+              <a:rPr lang="de-DE" dirty="0" smtClean="0"/>
+              <a:t>GARCH-Modells</a:t>
+            </a:r>
+            <a:endParaRPr lang="de-DE" dirty="0"/>
           </a:p>
           <a:p>
             <a:pPr marL="285750" indent="-285750">
@@ -18561,8 +18593,21 @@
                   <a:srgbClr val="C00000"/>
                 </a:solidFill>
               </a:rPr>
-              <a:t>Keine Autokorrelation der quadrierten standardisierten Residuen des GARCH-Models</a:t>
-            </a:r>
+              <a:t>Keine Autokorrelation der quadrierten standardisierten Residuen des </a:t>
+            </a:r>
+            <a:r>
+              <a:rPr lang="de-DE" dirty="0" smtClean="0">
+                <a:solidFill>
+                  <a:srgbClr val="C00000"/>
+                </a:solidFill>
+              </a:rPr>
+              <a:t>GARCH-Modells</a:t>
+            </a:r>
+            <a:endParaRPr lang="de-DE" dirty="0">
+              <a:solidFill>
+                <a:srgbClr val="C00000"/>
+              </a:solidFill>
+            </a:endParaRPr>
           </a:p>
           <a:p>
             <a:pPr marL="285750" indent="-285750">
@@ -18898,7 +18943,6 @@
               <a:rPr lang="de-DE" dirty="0" smtClean="0"/>
               <a:t>Ergebnisse</a:t>
             </a:r>
-            <a:endParaRPr lang="de-DE" dirty="0" smtClean="0"/>
           </a:p>
           <a:p>
             <a:pPr>
@@ -19480,7 +19524,6 @@
               <a:rPr lang="de-DE" dirty="0"/>
               <a:t>Time Series Analysis – Sommersemester 2018</a:t>
             </a:r>
-            <a:endParaRPr lang="de-DE" dirty="0"/>
           </a:p>
         </p:txBody>
       </p:sp>
@@ -19810,7 +19853,6 @@
               <a:rPr lang="de-DE" dirty="0"/>
               <a:t>Time Series Analysis – Sommersemester 2018</a:t>
             </a:r>
-            <a:endParaRPr lang="de-DE" dirty="0"/>
           </a:p>
         </p:txBody>
       </p:sp>
@@ -19940,7 +19982,6 @@
               <a:rPr lang="de-DE" dirty="0"/>
               <a:t>Time Series Analysis – Sommersemester 2018</a:t>
             </a:r>
-            <a:endParaRPr lang="de-DE" dirty="0"/>
           </a:p>
         </p:txBody>
       </p:sp>
